--- a/DOCUS/progress-report.pptx
+++ b/DOCUS/progress-report.pptx
@@ -5,13 +5,16 @@
     <p:sldMasterId id="2147483648" r:id="rId1"/>
   </p:sldMasterIdLst>
   <p:notesMasterIdLst>
-    <p:notesMasterId r:id="rId6"/>
+    <p:notesMasterId r:id="rId9"/>
   </p:notesMasterIdLst>
   <p:sldIdLst>
     <p:sldId id="256" r:id="rId2"/>
-    <p:sldId id="259" r:id="rId3"/>
-    <p:sldId id="258" r:id="rId4"/>
-    <p:sldId id="257" r:id="rId5"/>
+    <p:sldId id="261" r:id="rId3"/>
+    <p:sldId id="262" r:id="rId4"/>
+    <p:sldId id="259" r:id="rId5"/>
+    <p:sldId id="258" r:id="rId6"/>
+    <p:sldId id="257" r:id="rId7"/>
+    <p:sldId id="260" r:id="rId8"/>
   </p:sldIdLst>
   <p:sldSz cx="12192000" cy="6858000"/>
   <p:notesSz cx="6858000" cy="9144000"/>
@@ -110,6 +113,11 @@
       </a:defRPr>
     </a:lvl9pPr>
   </p:defaultTextStyle>
+  <p:extLst>
+    <p:ext uri="{EFAFB233-063F-42B5-8137-9DF3F51BA10A}">
+      <p15:sldGuideLst xmlns:p15="http://schemas.microsoft.com/office/powerpoint/2012/main"/>
+    </p:ext>
+  </p:extLst>
 </p:presentation>
 </file>
 
@@ -207,7 +215,7 @@
           <a:p>
             <a:fld id="{40FA2BF5-A2AA-42DF-8501-9AD854A6A8C7}" type="datetimeFigureOut">
               <a:rPr lang="en-US" smtClean="0"/>
-              <a:t>4/15/2024</a:t>
+              <a:t>4/16/2024</a:t>
             </a:fld>
             <a:endParaRPr lang="en-US"/>
           </a:p>
@@ -610,7 +618,7 @@
           <a:p>
             <a:fld id="{F52A3BAE-7284-49D3-BE26-52E20F6ACF0C}" type="slidenum">
               <a:rPr lang="en-US" smtClean="0"/>
-              <a:t>3</a:t>
+              <a:t>5</a:t>
             </a:fld>
             <a:endParaRPr lang="en-US"/>
           </a:p>
@@ -776,7 +784,7 @@
           <a:p>
             <a:fld id="{7A10482E-3655-4001-B463-FAFCD5FD233C}" type="datetimeFigureOut">
               <a:rPr lang="en-US" smtClean="0"/>
-              <a:t>4/13/2024</a:t>
+              <a:t>4/16/2024</a:t>
             </a:fld>
             <a:endParaRPr lang="en-US"/>
           </a:p>
@@ -974,7 +982,7 @@
           <a:p>
             <a:fld id="{7A10482E-3655-4001-B463-FAFCD5FD233C}" type="datetimeFigureOut">
               <a:rPr lang="en-US" smtClean="0"/>
-              <a:t>4/13/2024</a:t>
+              <a:t>4/16/2024</a:t>
             </a:fld>
             <a:endParaRPr lang="en-US"/>
           </a:p>
@@ -1182,7 +1190,7 @@
           <a:p>
             <a:fld id="{7A10482E-3655-4001-B463-FAFCD5FD233C}" type="datetimeFigureOut">
               <a:rPr lang="en-US" smtClean="0"/>
-              <a:t>4/13/2024</a:t>
+              <a:t>4/16/2024</a:t>
             </a:fld>
             <a:endParaRPr lang="en-US"/>
           </a:p>
@@ -1380,7 +1388,7 @@
           <a:p>
             <a:fld id="{7A10482E-3655-4001-B463-FAFCD5FD233C}" type="datetimeFigureOut">
               <a:rPr lang="en-US" smtClean="0"/>
-              <a:t>4/13/2024</a:t>
+              <a:t>4/16/2024</a:t>
             </a:fld>
             <a:endParaRPr lang="en-US"/>
           </a:p>
@@ -1655,7 +1663,7 @@
           <a:p>
             <a:fld id="{7A10482E-3655-4001-B463-FAFCD5FD233C}" type="datetimeFigureOut">
               <a:rPr lang="en-US" smtClean="0"/>
-              <a:t>4/13/2024</a:t>
+              <a:t>4/16/2024</a:t>
             </a:fld>
             <a:endParaRPr lang="en-US"/>
           </a:p>
@@ -1920,7 +1928,7 @@
           <a:p>
             <a:fld id="{7A10482E-3655-4001-B463-FAFCD5FD233C}" type="datetimeFigureOut">
               <a:rPr lang="en-US" smtClean="0"/>
-              <a:t>4/13/2024</a:t>
+              <a:t>4/16/2024</a:t>
             </a:fld>
             <a:endParaRPr lang="en-US"/>
           </a:p>
@@ -2332,7 +2340,7 @@
           <a:p>
             <a:fld id="{7A10482E-3655-4001-B463-FAFCD5FD233C}" type="datetimeFigureOut">
               <a:rPr lang="en-US" smtClean="0"/>
-              <a:t>4/13/2024</a:t>
+              <a:t>4/16/2024</a:t>
             </a:fld>
             <a:endParaRPr lang="en-US"/>
           </a:p>
@@ -2473,7 +2481,7 @@
           <a:p>
             <a:fld id="{7A10482E-3655-4001-B463-FAFCD5FD233C}" type="datetimeFigureOut">
               <a:rPr lang="en-US" smtClean="0"/>
-              <a:t>4/13/2024</a:t>
+              <a:t>4/16/2024</a:t>
             </a:fld>
             <a:endParaRPr lang="en-US"/>
           </a:p>
@@ -2586,7 +2594,7 @@
           <a:p>
             <a:fld id="{7A10482E-3655-4001-B463-FAFCD5FD233C}" type="datetimeFigureOut">
               <a:rPr lang="en-US" smtClean="0"/>
-              <a:t>4/13/2024</a:t>
+              <a:t>4/16/2024</a:t>
             </a:fld>
             <a:endParaRPr lang="en-US"/>
           </a:p>
@@ -2897,7 +2905,7 @@
           <a:p>
             <a:fld id="{7A10482E-3655-4001-B463-FAFCD5FD233C}" type="datetimeFigureOut">
               <a:rPr lang="en-US" smtClean="0"/>
-              <a:t>4/13/2024</a:t>
+              <a:t>4/16/2024</a:t>
             </a:fld>
             <a:endParaRPr lang="en-US"/>
           </a:p>
@@ -3185,7 +3193,7 @@
           <a:p>
             <a:fld id="{7A10482E-3655-4001-B463-FAFCD5FD233C}" type="datetimeFigureOut">
               <a:rPr lang="en-US" smtClean="0"/>
-              <a:t>4/13/2024</a:t>
+              <a:t>4/16/2024</a:t>
             </a:fld>
             <a:endParaRPr lang="en-US"/>
           </a:p>
@@ -3426,7 +3434,7 @@
           <a:p>
             <a:fld id="{7A10482E-3655-4001-B463-FAFCD5FD233C}" type="datetimeFigureOut">
               <a:rPr lang="en-US" smtClean="0"/>
-              <a:t>4/13/2024</a:t>
+              <a:t>4/16/2024</a:t>
             </a:fld>
             <a:endParaRPr lang="en-US"/>
           </a:p>
@@ -3845,31 +3853,6 @@
       </p:grpSpPr>
       <p:sp>
         <p:nvSpPr>
-          <p:cNvPr id="2" name="Title 1">
-            <a:extLst>
-              <a:ext uri="{FF2B5EF4-FFF2-40B4-BE49-F238E27FC236}">
-                <a16:creationId xmlns:a16="http://schemas.microsoft.com/office/drawing/2014/main" id="{1CD0F5F4-8B25-42A9-954F-BEF81C8E5AD8}"/>
-              </a:ext>
-            </a:extLst>
-          </p:cNvPr>
-          <p:cNvSpPr>
-            <a:spLocks noGrp="1"/>
-          </p:cNvSpPr>
-          <p:nvPr>
-            <p:ph type="ctrTitle"/>
-          </p:nvPr>
-        </p:nvSpPr>
-        <p:spPr/>
-        <p:txBody>
-          <a:bodyPr/>
-          <a:lstStyle/>
-          <a:p>
-            <a:endParaRPr lang="en-US" dirty="0"/>
-          </a:p>
-        </p:txBody>
-      </p:sp>
-      <p:sp>
-        <p:nvSpPr>
           <p:cNvPr id="3" name="Subtitle 2">
             <a:extLst>
               <a:ext uri="{FF2B5EF4-FFF2-40B4-BE49-F238E27FC236}">
@@ -3884,15 +3867,451 @@
             <p:ph type="subTitle" idx="1"/>
           </p:nvPr>
         </p:nvSpPr>
-        <p:spPr/>
-        <p:txBody>
-          <a:bodyPr/>
+        <p:spPr>
+          <a:xfrm>
+            <a:off x="108155" y="111586"/>
+            <a:ext cx="9144000" cy="419356"/>
+          </a:xfrm>
+        </p:spPr>
+        <p:txBody>
+          <a:bodyPr>
+            <a:normAutofit lnSpcReduction="10000"/>
+          </a:bodyPr>
           <a:lstStyle/>
           <a:p>
-            <a:endParaRPr lang="en-US" dirty="0"/>
-          </a:p>
-        </p:txBody>
-      </p:sp>
+            <a:pPr algn="l"/>
+            <a:r>
+              <a:rPr lang="en-US" dirty="0"/>
+              <a:t>Problem formulation</a:t>
+            </a:r>
+          </a:p>
+        </p:txBody>
+      </p:sp>
+      <p:pic>
+        <p:nvPicPr>
+          <p:cNvPr id="9" name="Picture 8">
+            <a:extLst>
+              <a:ext uri="{FF2B5EF4-FFF2-40B4-BE49-F238E27FC236}">
+                <a16:creationId xmlns:a16="http://schemas.microsoft.com/office/drawing/2014/main" id="{AB411873-C281-4BB0-A7DD-39B6273C071E}"/>
+              </a:ext>
+            </a:extLst>
+          </p:cNvPr>
+          <p:cNvPicPr>
+            <a:picLocks noChangeAspect="1"/>
+          </p:cNvPicPr>
+          <p:nvPr/>
+        </p:nvPicPr>
+        <p:blipFill rotWithShape="1">
+          <a:blip r:embed="rId2"/>
+          <a:srcRect l="13595" r="14345"/>
+          <a:stretch/>
+        </p:blipFill>
+        <p:spPr>
+          <a:xfrm>
+            <a:off x="225651" y="1058041"/>
+            <a:ext cx="3775587" cy="4372585"/>
+          </a:xfrm>
+          <a:prstGeom prst="rect">
+            <a:avLst/>
+          </a:prstGeom>
+        </p:spPr>
+      </p:pic>
+      <p:pic>
+        <p:nvPicPr>
+          <p:cNvPr id="10" name="Picture 9">
+            <a:extLst>
+              <a:ext uri="{FF2B5EF4-FFF2-40B4-BE49-F238E27FC236}">
+                <a16:creationId xmlns:a16="http://schemas.microsoft.com/office/drawing/2014/main" id="{0337A98E-4A32-43D1-B725-639CA8E91E59}"/>
+              </a:ext>
+            </a:extLst>
+          </p:cNvPr>
+          <p:cNvPicPr>
+            <a:picLocks noChangeAspect="1"/>
+          </p:cNvPicPr>
+          <p:nvPr/>
+        </p:nvPicPr>
+        <p:blipFill>
+          <a:blip r:embed="rId3">
+            <a:extLst>
+              <a:ext uri="{28A0092B-C50C-407E-A947-70E740481C1C}">
+                <a14:useLocalDpi xmlns:a14="http://schemas.microsoft.com/office/drawing/2010/main" val="0"/>
+              </a:ext>
+            </a:extLst>
+          </a:blip>
+          <a:stretch>
+            <a:fillRect/>
+          </a:stretch>
+        </p:blipFill>
+        <p:spPr>
+          <a:xfrm>
+            <a:off x="4044991" y="1381999"/>
+            <a:ext cx="8147009" cy="3475137"/>
+          </a:xfrm>
+          <a:prstGeom prst="rect">
+            <a:avLst/>
+          </a:prstGeom>
+        </p:spPr>
+      </p:pic>
+      <mc:AlternateContent xmlns:mc="http://schemas.openxmlformats.org/markup-compatibility/2006">
+        <mc:Choice xmlns:a14="http://schemas.microsoft.com/office/drawing/2010/main" Requires="a14">
+          <p:sp>
+            <p:nvSpPr>
+              <p:cNvPr id="11" name="TextBox 10">
+                <a:extLst>
+                  <a:ext uri="{FF2B5EF4-FFF2-40B4-BE49-F238E27FC236}">
+                    <a16:creationId xmlns:a16="http://schemas.microsoft.com/office/drawing/2014/main" id="{571EE031-6516-4440-AC1E-092D2B45D4A1}"/>
+                  </a:ext>
+                </a:extLst>
+              </p:cNvPr>
+              <p:cNvSpPr txBox="1"/>
+              <p:nvPr/>
+            </p:nvSpPr>
+            <p:spPr>
+              <a:xfrm>
+                <a:off x="4680155" y="4188542"/>
+                <a:ext cx="980653" cy="369332"/>
+              </a:xfrm>
+              <a:prstGeom prst="rect">
+                <a:avLst/>
+              </a:prstGeom>
+              <a:noFill/>
+            </p:spPr>
+            <p:txBody>
+              <a:bodyPr wrap="none" rtlCol="0">
+                <a:spAutoFit/>
+              </a:bodyPr>
+              <a:lstStyle/>
+              <a:p>
+                <a14:m>
+                  <m:oMathPara xmlns:m="http://schemas.openxmlformats.org/officeDocument/2006/math">
+                    <m:oMathParaPr>
+                      <m:jc m:val="centerGroup"/>
+                    </m:oMathParaPr>
+                    <m:oMath xmlns:m="http://schemas.openxmlformats.org/officeDocument/2006/math">
+                      <m:sSub>
+                        <m:sSubPr>
+                          <m:ctrlPr>
+                            <a:rPr lang="en-US" i="1" smtClean="0">
+                              <a:latin typeface="Cambria Math" panose="02040503050406030204" pitchFamily="18" charset="0"/>
+                            </a:rPr>
+                          </m:ctrlPr>
+                        </m:sSubPr>
+                        <m:e>
+                          <m:r>
+                            <a:rPr lang="en-US" b="0" i="1" smtClean="0">
+                              <a:latin typeface="Cambria Math" panose="02040503050406030204" pitchFamily="18" charset="0"/>
+                            </a:rPr>
+                            <m:t>𝑚</m:t>
+                          </m:r>
+                        </m:e>
+                        <m:sub>
+                          <m:r>
+                            <a:rPr lang="en-US" b="0" i="1" smtClean="0">
+                              <a:latin typeface="Cambria Math" panose="02040503050406030204" pitchFamily="18" charset="0"/>
+                            </a:rPr>
+                            <m:t>𝐶</m:t>
+                          </m:r>
+                        </m:sub>
+                      </m:sSub>
+                      <m:r>
+                        <a:rPr lang="en-US" b="0" i="1" smtClean="0">
+                          <a:latin typeface="Cambria Math" panose="02040503050406030204" pitchFamily="18" charset="0"/>
+                        </a:rPr>
+                        <m:t>=3</m:t>
+                      </m:r>
+                    </m:oMath>
+                  </m:oMathPara>
+                </a14:m>
+                <a:endParaRPr lang="en-US" dirty="0"/>
+              </a:p>
+            </p:txBody>
+          </p:sp>
+        </mc:Choice>
+        <mc:Fallback>
+          <p:sp>
+            <p:nvSpPr>
+              <p:cNvPr id="11" name="TextBox 10">
+                <a:extLst>
+                  <a:ext uri="{FF2B5EF4-FFF2-40B4-BE49-F238E27FC236}">
+                    <a16:creationId xmlns:a16="http://schemas.microsoft.com/office/drawing/2014/main" id="{571EE031-6516-4440-AC1E-092D2B45D4A1}"/>
+                  </a:ext>
+                </a:extLst>
+              </p:cNvPr>
+              <p:cNvSpPr txBox="1">
+                <a:spLocks noRot="1" noChangeAspect="1" noMove="1" noResize="1" noEditPoints="1" noAdjustHandles="1" noChangeArrowheads="1" noChangeShapeType="1" noTextEdit="1"/>
+              </p:cNvSpPr>
+              <p:nvPr/>
+            </p:nvSpPr>
+            <p:spPr>
+              <a:xfrm>
+                <a:off x="4680155" y="4188542"/>
+                <a:ext cx="980653" cy="369332"/>
+              </a:xfrm>
+              <a:prstGeom prst="rect">
+                <a:avLst/>
+              </a:prstGeom>
+              <a:blipFill>
+                <a:blip r:embed="rId4"/>
+                <a:stretch>
+                  <a:fillRect/>
+                </a:stretch>
+              </a:blipFill>
+            </p:spPr>
+            <p:txBody>
+              <a:bodyPr/>
+              <a:lstStyle/>
+              <a:p>
+                <a:r>
+                  <a:rPr lang="en-US">
+                    <a:noFill/>
+                  </a:rPr>
+                  <a:t> </a:t>
+                </a:r>
+              </a:p>
+            </p:txBody>
+          </p:sp>
+        </mc:Fallback>
+      </mc:AlternateContent>
+      <mc:AlternateContent xmlns:mc="http://schemas.openxmlformats.org/markup-compatibility/2006">
+        <mc:Choice xmlns:a14="http://schemas.microsoft.com/office/drawing/2010/main" Requires="a14">
+          <p:sp>
+            <p:nvSpPr>
+              <p:cNvPr id="12" name="TextBox 11">
+                <a:extLst>
+                  <a:ext uri="{FF2B5EF4-FFF2-40B4-BE49-F238E27FC236}">
+                    <a16:creationId xmlns:a16="http://schemas.microsoft.com/office/drawing/2014/main" id="{433BC467-E7BE-4B1C-A678-046CE1CB0BC6}"/>
+                  </a:ext>
+                </a:extLst>
+              </p:cNvPr>
+              <p:cNvSpPr txBox="1"/>
+              <p:nvPr/>
+            </p:nvSpPr>
+            <p:spPr>
+              <a:xfrm>
+                <a:off x="9178413" y="3059668"/>
+                <a:ext cx="988989" cy="369332"/>
+              </a:xfrm>
+              <a:prstGeom prst="rect">
+                <a:avLst/>
+              </a:prstGeom>
+              <a:noFill/>
+            </p:spPr>
+            <p:txBody>
+              <a:bodyPr wrap="none" rtlCol="0">
+                <a:spAutoFit/>
+              </a:bodyPr>
+              <a:lstStyle/>
+              <a:p>
+                <a14:m>
+                  <m:oMathPara xmlns:m="http://schemas.openxmlformats.org/officeDocument/2006/math">
+                    <m:oMathParaPr>
+                      <m:jc m:val="centerGroup"/>
+                    </m:oMathParaPr>
+                    <m:oMath xmlns:m="http://schemas.openxmlformats.org/officeDocument/2006/math">
+                      <m:sSub>
+                        <m:sSubPr>
+                          <m:ctrlPr>
+                            <a:rPr lang="en-US" i="1" smtClean="0">
+                              <a:latin typeface="Cambria Math" panose="02040503050406030204" pitchFamily="18" charset="0"/>
+                            </a:rPr>
+                          </m:ctrlPr>
+                        </m:sSubPr>
+                        <m:e>
+                          <m:r>
+                            <a:rPr lang="en-US" b="0" i="1" smtClean="0">
+                              <a:latin typeface="Cambria Math" panose="02040503050406030204" pitchFamily="18" charset="0"/>
+                            </a:rPr>
+                            <m:t>𝑚</m:t>
+                          </m:r>
+                        </m:e>
+                        <m:sub>
+                          <m:r>
+                            <a:rPr lang="en-US" b="0" i="1" smtClean="0">
+                              <a:latin typeface="Cambria Math" panose="02040503050406030204" pitchFamily="18" charset="0"/>
+                            </a:rPr>
+                            <m:t>𝐵</m:t>
+                          </m:r>
+                        </m:sub>
+                      </m:sSub>
+                      <m:r>
+                        <a:rPr lang="en-US" b="0" i="1" smtClean="0">
+                          <a:latin typeface="Cambria Math" panose="02040503050406030204" pitchFamily="18" charset="0"/>
+                        </a:rPr>
+                        <m:t>=5</m:t>
+                      </m:r>
+                    </m:oMath>
+                  </m:oMathPara>
+                </a14:m>
+                <a:endParaRPr lang="en-US" dirty="0"/>
+              </a:p>
+            </p:txBody>
+          </p:sp>
+        </mc:Choice>
+        <mc:Fallback>
+          <p:sp>
+            <p:nvSpPr>
+              <p:cNvPr id="12" name="TextBox 11">
+                <a:extLst>
+                  <a:ext uri="{FF2B5EF4-FFF2-40B4-BE49-F238E27FC236}">
+                    <a16:creationId xmlns:a16="http://schemas.microsoft.com/office/drawing/2014/main" id="{433BC467-E7BE-4B1C-A678-046CE1CB0BC6}"/>
+                  </a:ext>
+                </a:extLst>
+              </p:cNvPr>
+              <p:cNvSpPr txBox="1">
+                <a:spLocks noRot="1" noChangeAspect="1" noMove="1" noResize="1" noEditPoints="1" noAdjustHandles="1" noChangeArrowheads="1" noChangeShapeType="1" noTextEdit="1"/>
+              </p:cNvSpPr>
+              <p:nvPr/>
+            </p:nvSpPr>
+            <p:spPr>
+              <a:xfrm>
+                <a:off x="9178413" y="3059668"/>
+                <a:ext cx="988989" cy="369332"/>
+              </a:xfrm>
+              <a:prstGeom prst="rect">
+                <a:avLst/>
+              </a:prstGeom>
+              <a:blipFill>
+                <a:blip r:embed="rId5"/>
+                <a:stretch>
+                  <a:fillRect/>
+                </a:stretch>
+              </a:blipFill>
+            </p:spPr>
+            <p:txBody>
+              <a:bodyPr/>
+              <a:lstStyle/>
+              <a:p>
+                <a:r>
+                  <a:rPr lang="en-US">
+                    <a:noFill/>
+                  </a:rPr>
+                  <a:t> </a:t>
+                </a:r>
+              </a:p>
+            </p:txBody>
+          </p:sp>
+        </mc:Fallback>
+      </mc:AlternateContent>
+      <mc:AlternateContent xmlns:mc="http://schemas.openxmlformats.org/markup-compatibility/2006">
+        <mc:Choice xmlns:a14="http://schemas.microsoft.com/office/drawing/2010/main" Requires="a14">
+          <p:sp>
+            <p:nvSpPr>
+              <p:cNvPr id="13" name="TextBox 12">
+                <a:extLst>
+                  <a:ext uri="{FF2B5EF4-FFF2-40B4-BE49-F238E27FC236}">
+                    <a16:creationId xmlns:a16="http://schemas.microsoft.com/office/drawing/2014/main" id="{83CCA1BC-726E-4E45-8FB1-54F2073D1E41}"/>
+                  </a:ext>
+                </a:extLst>
+              </p:cNvPr>
+              <p:cNvSpPr txBox="1"/>
+              <p:nvPr/>
+            </p:nvSpPr>
+            <p:spPr>
+              <a:xfrm>
+                <a:off x="7806814" y="4188542"/>
+                <a:ext cx="973087" cy="369332"/>
+              </a:xfrm>
+              <a:prstGeom prst="rect">
+                <a:avLst/>
+              </a:prstGeom>
+              <a:noFill/>
+            </p:spPr>
+            <p:txBody>
+              <a:bodyPr wrap="none" rtlCol="0">
+                <a:spAutoFit/>
+              </a:bodyPr>
+              <a:lstStyle/>
+              <a:p>
+                <a14:m>
+                  <m:oMathPara xmlns:m="http://schemas.openxmlformats.org/officeDocument/2006/math">
+                    <m:oMathParaPr>
+                      <m:jc m:val="centerGroup"/>
+                    </m:oMathParaPr>
+                    <m:oMath xmlns:m="http://schemas.openxmlformats.org/officeDocument/2006/math">
+                      <m:sSub>
+                        <m:sSubPr>
+                          <m:ctrlPr>
+                            <a:rPr lang="en-US" i="1" smtClean="0">
+                              <a:latin typeface="Cambria Math" panose="02040503050406030204" pitchFamily="18" charset="0"/>
+                            </a:rPr>
+                          </m:ctrlPr>
+                        </m:sSubPr>
+                        <m:e>
+                          <m:r>
+                            <a:rPr lang="en-US" b="0" i="1" smtClean="0">
+                              <a:latin typeface="Cambria Math" panose="02040503050406030204" pitchFamily="18" charset="0"/>
+                            </a:rPr>
+                            <m:t>𝑚</m:t>
+                          </m:r>
+                        </m:e>
+                        <m:sub>
+                          <m:r>
+                            <a:rPr lang="en-US" b="0" i="1" smtClean="0">
+                              <a:latin typeface="Cambria Math" panose="02040503050406030204" pitchFamily="18" charset="0"/>
+                            </a:rPr>
+                            <m:t>𝐴</m:t>
+                          </m:r>
+                        </m:sub>
+                      </m:sSub>
+                      <m:r>
+                        <a:rPr lang="en-US" b="0" i="1" smtClean="0">
+                          <a:latin typeface="Cambria Math" panose="02040503050406030204" pitchFamily="18" charset="0"/>
+                        </a:rPr>
+                        <m:t>=3</m:t>
+                      </m:r>
+                    </m:oMath>
+                  </m:oMathPara>
+                </a14:m>
+                <a:endParaRPr lang="en-US" dirty="0"/>
+              </a:p>
+            </p:txBody>
+          </p:sp>
+        </mc:Choice>
+        <mc:Fallback>
+          <p:sp>
+            <p:nvSpPr>
+              <p:cNvPr id="13" name="TextBox 12">
+                <a:extLst>
+                  <a:ext uri="{FF2B5EF4-FFF2-40B4-BE49-F238E27FC236}">
+                    <a16:creationId xmlns:a16="http://schemas.microsoft.com/office/drawing/2014/main" id="{83CCA1BC-726E-4E45-8FB1-54F2073D1E41}"/>
+                  </a:ext>
+                </a:extLst>
+              </p:cNvPr>
+              <p:cNvSpPr txBox="1">
+                <a:spLocks noRot="1" noChangeAspect="1" noMove="1" noResize="1" noEditPoints="1" noAdjustHandles="1" noChangeArrowheads="1" noChangeShapeType="1" noTextEdit="1"/>
+              </p:cNvSpPr>
+              <p:nvPr/>
+            </p:nvSpPr>
+            <p:spPr>
+              <a:xfrm>
+                <a:off x="7806814" y="4188542"/>
+                <a:ext cx="973087" cy="369332"/>
+              </a:xfrm>
+              <a:prstGeom prst="rect">
+                <a:avLst/>
+              </a:prstGeom>
+              <a:blipFill>
+                <a:blip r:embed="rId6"/>
+                <a:stretch>
+                  <a:fillRect/>
+                </a:stretch>
+              </a:blipFill>
+            </p:spPr>
+            <p:txBody>
+              <a:bodyPr/>
+              <a:lstStyle/>
+              <a:p>
+                <a:r>
+                  <a:rPr lang="en-US">
+                    <a:noFill/>
+                  </a:rPr>
+                  <a:t> </a:t>
+                </a:r>
+              </a:p>
+            </p:txBody>
+          </p:sp>
+        </mc:Fallback>
+      </mc:AlternateContent>
     </p:spTree>
     <p:extLst>
       <p:ext uri="{BB962C8B-B14F-4D97-AF65-F5344CB8AC3E}">
@@ -3925,6 +4344,3684 @@
       </p:grpSpPr>
       <p:sp>
         <p:nvSpPr>
+          <p:cNvPr id="3" name="Subtitle 2">
+            <a:extLst>
+              <a:ext uri="{FF2B5EF4-FFF2-40B4-BE49-F238E27FC236}">
+                <a16:creationId xmlns:a16="http://schemas.microsoft.com/office/drawing/2014/main" id="{E990D022-3A63-4C96-B03D-B505DCC90AD3}"/>
+              </a:ext>
+            </a:extLst>
+          </p:cNvPr>
+          <p:cNvSpPr>
+            <a:spLocks noGrp="1"/>
+          </p:cNvSpPr>
+          <p:nvPr>
+            <p:ph type="subTitle" idx="1"/>
+          </p:nvPr>
+        </p:nvSpPr>
+        <p:spPr>
+          <a:xfrm>
+            <a:off x="108155" y="111586"/>
+            <a:ext cx="9144000" cy="419356"/>
+          </a:xfrm>
+        </p:spPr>
+        <p:txBody>
+          <a:bodyPr>
+            <a:normAutofit lnSpcReduction="10000"/>
+          </a:bodyPr>
+          <a:lstStyle/>
+          <a:p>
+            <a:pPr algn="l"/>
+            <a:r>
+              <a:rPr lang="en-US" dirty="0"/>
+              <a:t>Problem formulation</a:t>
+            </a:r>
+          </a:p>
+        </p:txBody>
+      </p:sp>
+      <p:sp>
+        <p:nvSpPr>
+          <p:cNvPr id="4" name="Oval 3">
+            <a:extLst>
+              <a:ext uri="{FF2B5EF4-FFF2-40B4-BE49-F238E27FC236}">
+                <a16:creationId xmlns:a16="http://schemas.microsoft.com/office/drawing/2014/main" id="{915F47FB-D04D-48CE-BD0E-26A211174E51}"/>
+              </a:ext>
+            </a:extLst>
+          </p:cNvPr>
+          <p:cNvSpPr/>
+          <p:nvPr/>
+        </p:nvSpPr>
+        <p:spPr>
+          <a:xfrm>
+            <a:off x="2495037" y="482625"/>
+            <a:ext cx="370115" cy="370115"/>
+          </a:xfrm>
+          <a:prstGeom prst="ellipse">
+            <a:avLst/>
+          </a:prstGeom>
+        </p:spPr>
+        <p:style>
+          <a:lnRef idx="2">
+            <a:schemeClr val="accent1">
+              <a:shade val="15000"/>
+            </a:schemeClr>
+          </a:lnRef>
+          <a:fillRef idx="1">
+            <a:schemeClr val="accent1"/>
+          </a:fillRef>
+          <a:effectRef idx="0">
+            <a:schemeClr val="accent1"/>
+          </a:effectRef>
+          <a:fontRef idx="minor">
+            <a:schemeClr val="lt1"/>
+          </a:fontRef>
+        </p:style>
+        <p:txBody>
+          <a:bodyPr rtlCol="0" anchor="ctr"/>
+          <a:lstStyle/>
+          <a:p>
+            <a:pPr algn="ctr"/>
+            <a:r>
+              <a:rPr lang="en-US" dirty="0"/>
+              <a:t>1</a:t>
+            </a:r>
+          </a:p>
+        </p:txBody>
+      </p:sp>
+      <p:sp>
+        <p:nvSpPr>
+          <p:cNvPr id="5" name="Oval 4">
+            <a:extLst>
+              <a:ext uri="{FF2B5EF4-FFF2-40B4-BE49-F238E27FC236}">
+                <a16:creationId xmlns:a16="http://schemas.microsoft.com/office/drawing/2014/main" id="{A6667FC2-0D35-41DA-AD14-A26482BC3A4D}"/>
+              </a:ext>
+            </a:extLst>
+          </p:cNvPr>
+          <p:cNvSpPr/>
+          <p:nvPr/>
+        </p:nvSpPr>
+        <p:spPr>
+          <a:xfrm>
+            <a:off x="1983408" y="1364367"/>
+            <a:ext cx="370115" cy="370115"/>
+          </a:xfrm>
+          <a:prstGeom prst="ellipse">
+            <a:avLst/>
+          </a:prstGeom>
+        </p:spPr>
+        <p:style>
+          <a:lnRef idx="2">
+            <a:schemeClr val="accent1">
+              <a:shade val="15000"/>
+            </a:schemeClr>
+          </a:lnRef>
+          <a:fillRef idx="1">
+            <a:schemeClr val="accent1"/>
+          </a:fillRef>
+          <a:effectRef idx="0">
+            <a:schemeClr val="accent1"/>
+          </a:effectRef>
+          <a:fontRef idx="minor">
+            <a:schemeClr val="lt1"/>
+          </a:fontRef>
+        </p:style>
+        <p:txBody>
+          <a:bodyPr rtlCol="0" anchor="ctr"/>
+          <a:lstStyle/>
+          <a:p>
+            <a:pPr algn="ctr"/>
+            <a:r>
+              <a:rPr lang="en-US" dirty="0"/>
+              <a:t>3</a:t>
+            </a:r>
+          </a:p>
+        </p:txBody>
+      </p:sp>
+      <p:sp>
+        <p:nvSpPr>
+          <p:cNvPr id="6" name="Oval 5">
+            <a:extLst>
+              <a:ext uri="{FF2B5EF4-FFF2-40B4-BE49-F238E27FC236}">
+                <a16:creationId xmlns:a16="http://schemas.microsoft.com/office/drawing/2014/main" id="{1EEFFA63-1FCB-48E6-BF85-FC0574BC4F6A}"/>
+              </a:ext>
+            </a:extLst>
+          </p:cNvPr>
+          <p:cNvSpPr/>
+          <p:nvPr/>
+        </p:nvSpPr>
+        <p:spPr>
+          <a:xfrm>
+            <a:off x="2495036" y="2246110"/>
+            <a:ext cx="370115" cy="370115"/>
+          </a:xfrm>
+          <a:prstGeom prst="ellipse">
+            <a:avLst/>
+          </a:prstGeom>
+        </p:spPr>
+        <p:style>
+          <a:lnRef idx="2">
+            <a:schemeClr val="accent1">
+              <a:shade val="15000"/>
+            </a:schemeClr>
+          </a:lnRef>
+          <a:fillRef idx="1">
+            <a:schemeClr val="accent1"/>
+          </a:fillRef>
+          <a:effectRef idx="0">
+            <a:schemeClr val="accent1"/>
+          </a:effectRef>
+          <a:fontRef idx="minor">
+            <a:schemeClr val="lt1"/>
+          </a:fontRef>
+        </p:style>
+        <p:txBody>
+          <a:bodyPr rtlCol="0" anchor="ctr"/>
+          <a:lstStyle/>
+          <a:p>
+            <a:pPr algn="ctr"/>
+            <a:r>
+              <a:rPr lang="en-US" dirty="0"/>
+              <a:t>6</a:t>
+            </a:r>
+          </a:p>
+        </p:txBody>
+      </p:sp>
+      <p:sp>
+        <p:nvSpPr>
+          <p:cNvPr id="7" name="Oval 6">
+            <a:extLst>
+              <a:ext uri="{FF2B5EF4-FFF2-40B4-BE49-F238E27FC236}">
+                <a16:creationId xmlns:a16="http://schemas.microsoft.com/office/drawing/2014/main" id="{F4F6A8A0-1D77-42D7-8382-E8779C5AD0CC}"/>
+              </a:ext>
+            </a:extLst>
+          </p:cNvPr>
+          <p:cNvSpPr/>
+          <p:nvPr/>
+        </p:nvSpPr>
+        <p:spPr>
+          <a:xfrm>
+            <a:off x="2995780" y="1364366"/>
+            <a:ext cx="370115" cy="370115"/>
+          </a:xfrm>
+          <a:prstGeom prst="ellipse">
+            <a:avLst/>
+          </a:prstGeom>
+        </p:spPr>
+        <p:style>
+          <a:lnRef idx="2">
+            <a:schemeClr val="accent1">
+              <a:shade val="15000"/>
+            </a:schemeClr>
+          </a:lnRef>
+          <a:fillRef idx="1">
+            <a:schemeClr val="accent1"/>
+          </a:fillRef>
+          <a:effectRef idx="0">
+            <a:schemeClr val="accent1"/>
+          </a:effectRef>
+          <a:fontRef idx="minor">
+            <a:schemeClr val="lt1"/>
+          </a:fontRef>
+        </p:style>
+        <p:txBody>
+          <a:bodyPr rtlCol="0" anchor="ctr"/>
+          <a:lstStyle/>
+          <a:p>
+            <a:pPr algn="ctr"/>
+            <a:r>
+              <a:rPr lang="en-US" dirty="0"/>
+              <a:t>4</a:t>
+            </a:r>
+          </a:p>
+        </p:txBody>
+      </p:sp>
+      <p:sp>
+        <p:nvSpPr>
+          <p:cNvPr id="8" name="Oval 7">
+            <a:extLst>
+              <a:ext uri="{FF2B5EF4-FFF2-40B4-BE49-F238E27FC236}">
+                <a16:creationId xmlns:a16="http://schemas.microsoft.com/office/drawing/2014/main" id="{4E930D07-2D62-49AC-839C-1E30A53DD147}"/>
+              </a:ext>
+            </a:extLst>
+          </p:cNvPr>
+          <p:cNvSpPr/>
+          <p:nvPr/>
+        </p:nvSpPr>
+        <p:spPr>
+          <a:xfrm>
+            <a:off x="3365895" y="2246109"/>
+            <a:ext cx="370115" cy="370115"/>
+          </a:xfrm>
+          <a:prstGeom prst="ellipse">
+            <a:avLst/>
+          </a:prstGeom>
+        </p:spPr>
+        <p:style>
+          <a:lnRef idx="2">
+            <a:schemeClr val="accent1">
+              <a:shade val="15000"/>
+            </a:schemeClr>
+          </a:lnRef>
+          <a:fillRef idx="1">
+            <a:schemeClr val="accent1"/>
+          </a:fillRef>
+          <a:effectRef idx="0">
+            <a:schemeClr val="accent1"/>
+          </a:effectRef>
+          <a:fontRef idx="minor">
+            <a:schemeClr val="lt1"/>
+          </a:fontRef>
+        </p:style>
+        <p:txBody>
+          <a:bodyPr rtlCol="0" anchor="ctr"/>
+          <a:lstStyle/>
+          <a:p>
+            <a:pPr algn="ctr"/>
+            <a:r>
+              <a:rPr lang="en-US" dirty="0"/>
+              <a:t>7</a:t>
+            </a:r>
+          </a:p>
+        </p:txBody>
+      </p:sp>
+      <p:sp>
+        <p:nvSpPr>
+          <p:cNvPr id="10" name="Oval 9">
+            <a:extLst>
+              <a:ext uri="{FF2B5EF4-FFF2-40B4-BE49-F238E27FC236}">
+                <a16:creationId xmlns:a16="http://schemas.microsoft.com/office/drawing/2014/main" id="{3D3799E3-1ED8-42DB-97C5-C6CB7D034E3A}"/>
+              </a:ext>
+            </a:extLst>
+          </p:cNvPr>
+          <p:cNvSpPr/>
+          <p:nvPr/>
+        </p:nvSpPr>
+        <p:spPr>
+          <a:xfrm>
+            <a:off x="3365895" y="482624"/>
+            <a:ext cx="370115" cy="370115"/>
+          </a:xfrm>
+          <a:prstGeom prst="ellipse">
+            <a:avLst/>
+          </a:prstGeom>
+        </p:spPr>
+        <p:style>
+          <a:lnRef idx="2">
+            <a:schemeClr val="accent1">
+              <a:shade val="15000"/>
+            </a:schemeClr>
+          </a:lnRef>
+          <a:fillRef idx="1">
+            <a:schemeClr val="accent1"/>
+          </a:fillRef>
+          <a:effectRef idx="0">
+            <a:schemeClr val="accent1"/>
+          </a:effectRef>
+          <a:fontRef idx="minor">
+            <a:schemeClr val="lt1"/>
+          </a:fontRef>
+        </p:style>
+        <p:txBody>
+          <a:bodyPr rtlCol="0" anchor="ctr"/>
+          <a:lstStyle/>
+          <a:p>
+            <a:pPr algn="ctr"/>
+            <a:r>
+              <a:rPr lang="en-US" dirty="0"/>
+              <a:t>2</a:t>
+            </a:r>
+          </a:p>
+        </p:txBody>
+      </p:sp>
+      <p:cxnSp>
+        <p:nvCxnSpPr>
+          <p:cNvPr id="11" name="Straight Arrow Connector 10">
+            <a:extLst>
+              <a:ext uri="{FF2B5EF4-FFF2-40B4-BE49-F238E27FC236}">
+                <a16:creationId xmlns:a16="http://schemas.microsoft.com/office/drawing/2014/main" id="{F2712F55-8199-46B4-83E7-61C5F3A5C4CC}"/>
+              </a:ext>
+            </a:extLst>
+          </p:cNvPr>
+          <p:cNvCxnSpPr>
+            <a:cxnSpLocks/>
+          </p:cNvCxnSpPr>
+          <p:nvPr/>
+        </p:nvCxnSpPr>
+        <p:spPr>
+          <a:xfrm flipH="1">
+            <a:off x="2223120" y="798537"/>
+            <a:ext cx="380774" cy="565829"/>
+          </a:xfrm>
+          <a:prstGeom prst="straightConnector1">
+            <a:avLst/>
+          </a:prstGeom>
+          <a:ln>
+            <a:tailEnd type="triangle"/>
+          </a:ln>
+        </p:spPr>
+        <p:style>
+          <a:lnRef idx="1">
+            <a:schemeClr val="accent1"/>
+          </a:lnRef>
+          <a:fillRef idx="0">
+            <a:schemeClr val="accent1"/>
+          </a:fillRef>
+          <a:effectRef idx="0">
+            <a:schemeClr val="accent1"/>
+          </a:effectRef>
+          <a:fontRef idx="minor">
+            <a:schemeClr val="tx1"/>
+          </a:fontRef>
+        </p:style>
+      </p:cxnSp>
+      <p:cxnSp>
+        <p:nvCxnSpPr>
+          <p:cNvPr id="12" name="Straight Arrow Connector 11">
+            <a:extLst>
+              <a:ext uri="{FF2B5EF4-FFF2-40B4-BE49-F238E27FC236}">
+                <a16:creationId xmlns:a16="http://schemas.microsoft.com/office/drawing/2014/main" id="{E1AC6AA7-FE6E-4546-AB3A-158F1AEAD66F}"/>
+              </a:ext>
+            </a:extLst>
+          </p:cNvPr>
+          <p:cNvCxnSpPr>
+            <a:cxnSpLocks/>
+            <a:endCxn id="6" idx="1"/>
+          </p:cNvCxnSpPr>
+          <p:nvPr/>
+        </p:nvCxnSpPr>
+        <p:spPr>
+          <a:xfrm>
+            <a:off x="2233441" y="1734481"/>
+            <a:ext cx="315797" cy="565831"/>
+          </a:xfrm>
+          <a:prstGeom prst="straightConnector1">
+            <a:avLst/>
+          </a:prstGeom>
+          <a:ln>
+            <a:tailEnd type="triangle"/>
+          </a:ln>
+        </p:spPr>
+        <p:style>
+          <a:lnRef idx="1">
+            <a:schemeClr val="accent1"/>
+          </a:lnRef>
+          <a:fillRef idx="0">
+            <a:schemeClr val="accent1"/>
+          </a:fillRef>
+          <a:effectRef idx="0">
+            <a:schemeClr val="accent1"/>
+          </a:effectRef>
+          <a:fontRef idx="minor">
+            <a:schemeClr val="tx1"/>
+          </a:fontRef>
+        </p:style>
+      </p:cxnSp>
+      <p:cxnSp>
+        <p:nvCxnSpPr>
+          <p:cNvPr id="13" name="Straight Arrow Connector 12">
+            <a:extLst>
+              <a:ext uri="{FF2B5EF4-FFF2-40B4-BE49-F238E27FC236}">
+                <a16:creationId xmlns:a16="http://schemas.microsoft.com/office/drawing/2014/main" id="{167B2E69-9EED-48EE-B4EB-9B62198851AD}"/>
+              </a:ext>
+            </a:extLst>
+          </p:cNvPr>
+          <p:cNvCxnSpPr>
+            <a:cxnSpLocks/>
+          </p:cNvCxnSpPr>
+          <p:nvPr/>
+        </p:nvCxnSpPr>
+        <p:spPr>
+          <a:xfrm>
+            <a:off x="3242743" y="1717642"/>
+            <a:ext cx="221123" cy="528466"/>
+          </a:xfrm>
+          <a:prstGeom prst="straightConnector1">
+            <a:avLst/>
+          </a:prstGeom>
+          <a:ln>
+            <a:tailEnd type="triangle"/>
+          </a:ln>
+        </p:spPr>
+        <p:style>
+          <a:lnRef idx="1">
+            <a:schemeClr val="accent1"/>
+          </a:lnRef>
+          <a:fillRef idx="0">
+            <a:schemeClr val="accent1"/>
+          </a:fillRef>
+          <a:effectRef idx="0">
+            <a:schemeClr val="accent1"/>
+          </a:effectRef>
+          <a:fontRef idx="minor">
+            <a:schemeClr val="tx1"/>
+          </a:fontRef>
+        </p:style>
+      </p:cxnSp>
+      <p:cxnSp>
+        <p:nvCxnSpPr>
+          <p:cNvPr id="14" name="Straight Arrow Connector 13">
+            <a:extLst>
+              <a:ext uri="{FF2B5EF4-FFF2-40B4-BE49-F238E27FC236}">
+                <a16:creationId xmlns:a16="http://schemas.microsoft.com/office/drawing/2014/main" id="{F94823BE-B65E-4748-A1F6-57F0FABE46B8}"/>
+              </a:ext>
+            </a:extLst>
+          </p:cNvPr>
+          <p:cNvCxnSpPr>
+            <a:cxnSpLocks/>
+          </p:cNvCxnSpPr>
+          <p:nvPr/>
+        </p:nvCxnSpPr>
+        <p:spPr>
+          <a:xfrm>
+            <a:off x="2783839" y="841483"/>
+            <a:ext cx="320798" cy="522883"/>
+          </a:xfrm>
+          <a:prstGeom prst="straightConnector1">
+            <a:avLst/>
+          </a:prstGeom>
+          <a:ln>
+            <a:tailEnd type="triangle"/>
+          </a:ln>
+        </p:spPr>
+        <p:style>
+          <a:lnRef idx="1">
+            <a:schemeClr val="accent1"/>
+          </a:lnRef>
+          <a:fillRef idx="0">
+            <a:schemeClr val="accent1"/>
+          </a:fillRef>
+          <a:effectRef idx="0">
+            <a:schemeClr val="accent1"/>
+          </a:effectRef>
+          <a:fontRef idx="minor">
+            <a:schemeClr val="tx1"/>
+          </a:fontRef>
+        </p:style>
+      </p:cxnSp>
+      <p:cxnSp>
+        <p:nvCxnSpPr>
+          <p:cNvPr id="15" name="Straight Arrow Connector 14">
+            <a:extLst>
+              <a:ext uri="{FF2B5EF4-FFF2-40B4-BE49-F238E27FC236}">
+                <a16:creationId xmlns:a16="http://schemas.microsoft.com/office/drawing/2014/main" id="{639D8C98-F9BB-45D2-A332-0EC4AF65BBD3}"/>
+              </a:ext>
+            </a:extLst>
+          </p:cNvPr>
+          <p:cNvCxnSpPr>
+            <a:cxnSpLocks/>
+          </p:cNvCxnSpPr>
+          <p:nvPr/>
+        </p:nvCxnSpPr>
+        <p:spPr>
+          <a:xfrm flipH="1">
+            <a:off x="2783839" y="1734481"/>
+            <a:ext cx="320798" cy="538727"/>
+          </a:xfrm>
+          <a:prstGeom prst="straightConnector1">
+            <a:avLst/>
+          </a:prstGeom>
+          <a:ln>
+            <a:tailEnd type="triangle"/>
+          </a:ln>
+        </p:spPr>
+        <p:style>
+          <a:lnRef idx="1">
+            <a:schemeClr val="accent1"/>
+          </a:lnRef>
+          <a:fillRef idx="0">
+            <a:schemeClr val="accent1"/>
+          </a:fillRef>
+          <a:effectRef idx="0">
+            <a:schemeClr val="accent1"/>
+          </a:effectRef>
+          <a:fontRef idx="minor">
+            <a:schemeClr val="tx1"/>
+          </a:fontRef>
+        </p:style>
+      </p:cxnSp>
+      <p:sp>
+        <p:nvSpPr>
+          <p:cNvPr id="16" name="Oval 15">
+            <a:extLst>
+              <a:ext uri="{FF2B5EF4-FFF2-40B4-BE49-F238E27FC236}">
+                <a16:creationId xmlns:a16="http://schemas.microsoft.com/office/drawing/2014/main" id="{22B85459-DE37-489B-A086-6D998C6424F9}"/>
+              </a:ext>
+            </a:extLst>
+          </p:cNvPr>
+          <p:cNvSpPr/>
+          <p:nvPr/>
+        </p:nvSpPr>
+        <p:spPr>
+          <a:xfrm>
+            <a:off x="3866350" y="1356829"/>
+            <a:ext cx="370115" cy="370115"/>
+          </a:xfrm>
+          <a:prstGeom prst="ellipse">
+            <a:avLst/>
+          </a:prstGeom>
+        </p:spPr>
+        <p:style>
+          <a:lnRef idx="2">
+            <a:schemeClr val="accent1">
+              <a:shade val="15000"/>
+            </a:schemeClr>
+          </a:lnRef>
+          <a:fillRef idx="1">
+            <a:schemeClr val="accent1"/>
+          </a:fillRef>
+          <a:effectRef idx="0">
+            <a:schemeClr val="accent1"/>
+          </a:effectRef>
+          <a:fontRef idx="minor">
+            <a:schemeClr val="lt1"/>
+          </a:fontRef>
+        </p:style>
+        <p:txBody>
+          <a:bodyPr rtlCol="0" anchor="ctr"/>
+          <a:lstStyle/>
+          <a:p>
+            <a:pPr algn="ctr"/>
+            <a:r>
+              <a:rPr lang="en-US" dirty="0"/>
+              <a:t>5</a:t>
+            </a:r>
+          </a:p>
+        </p:txBody>
+      </p:sp>
+      <p:cxnSp>
+        <p:nvCxnSpPr>
+          <p:cNvPr id="17" name="Straight Arrow Connector 16">
+            <a:extLst>
+              <a:ext uri="{FF2B5EF4-FFF2-40B4-BE49-F238E27FC236}">
+                <a16:creationId xmlns:a16="http://schemas.microsoft.com/office/drawing/2014/main" id="{FAA840A2-3835-46D7-B0A1-6C1AAEAD2E2D}"/>
+              </a:ext>
+            </a:extLst>
+          </p:cNvPr>
+          <p:cNvCxnSpPr>
+            <a:cxnSpLocks/>
+          </p:cNvCxnSpPr>
+          <p:nvPr/>
+        </p:nvCxnSpPr>
+        <p:spPr>
+          <a:xfrm>
+            <a:off x="3649434" y="841483"/>
+            <a:ext cx="320798" cy="522883"/>
+          </a:xfrm>
+          <a:prstGeom prst="straightConnector1">
+            <a:avLst/>
+          </a:prstGeom>
+          <a:ln>
+            <a:tailEnd type="triangle"/>
+          </a:ln>
+        </p:spPr>
+        <p:style>
+          <a:lnRef idx="1">
+            <a:schemeClr val="accent1"/>
+          </a:lnRef>
+          <a:fillRef idx="0">
+            <a:schemeClr val="accent1"/>
+          </a:fillRef>
+          <a:effectRef idx="0">
+            <a:schemeClr val="accent1"/>
+          </a:effectRef>
+          <a:fontRef idx="minor">
+            <a:schemeClr val="tx1"/>
+          </a:fontRef>
+        </p:style>
+      </p:cxnSp>
+      <p:sp>
+        <p:nvSpPr>
+          <p:cNvPr id="18" name="Oval 17">
+            <a:extLst>
+              <a:ext uri="{FF2B5EF4-FFF2-40B4-BE49-F238E27FC236}">
+                <a16:creationId xmlns:a16="http://schemas.microsoft.com/office/drawing/2014/main" id="{E99586E7-EE1F-49DA-AC57-C09CCE4BD68D}"/>
+              </a:ext>
+            </a:extLst>
+          </p:cNvPr>
+          <p:cNvSpPr/>
+          <p:nvPr/>
+        </p:nvSpPr>
+        <p:spPr>
+          <a:xfrm>
+            <a:off x="5390351" y="482624"/>
+            <a:ext cx="370115" cy="370115"/>
+          </a:xfrm>
+          <a:prstGeom prst="ellipse">
+            <a:avLst/>
+          </a:prstGeom>
+          <a:solidFill>
+            <a:schemeClr val="accent2"/>
+          </a:solidFill>
+        </p:spPr>
+        <p:style>
+          <a:lnRef idx="2">
+            <a:schemeClr val="accent1">
+              <a:shade val="15000"/>
+            </a:schemeClr>
+          </a:lnRef>
+          <a:fillRef idx="1">
+            <a:schemeClr val="accent1"/>
+          </a:fillRef>
+          <a:effectRef idx="0">
+            <a:schemeClr val="accent1"/>
+          </a:effectRef>
+          <a:fontRef idx="minor">
+            <a:schemeClr val="lt1"/>
+          </a:fontRef>
+        </p:style>
+        <p:txBody>
+          <a:bodyPr rtlCol="0" anchor="ctr"/>
+          <a:lstStyle/>
+          <a:p>
+            <a:pPr algn="ctr"/>
+            <a:r>
+              <a:rPr lang="en-US" dirty="0"/>
+              <a:t>1</a:t>
+            </a:r>
+          </a:p>
+        </p:txBody>
+      </p:sp>
+      <p:sp>
+        <p:nvSpPr>
+          <p:cNvPr id="19" name="Oval 18">
+            <a:extLst>
+              <a:ext uri="{FF2B5EF4-FFF2-40B4-BE49-F238E27FC236}">
+                <a16:creationId xmlns:a16="http://schemas.microsoft.com/office/drawing/2014/main" id="{61012281-08D0-4DDE-A064-9B6C08DF7BDF}"/>
+              </a:ext>
+            </a:extLst>
+          </p:cNvPr>
+          <p:cNvSpPr/>
+          <p:nvPr/>
+        </p:nvSpPr>
+        <p:spPr>
+          <a:xfrm>
+            <a:off x="4878722" y="1364366"/>
+            <a:ext cx="370115" cy="370115"/>
+          </a:xfrm>
+          <a:prstGeom prst="ellipse">
+            <a:avLst/>
+          </a:prstGeom>
+        </p:spPr>
+        <p:style>
+          <a:lnRef idx="2">
+            <a:schemeClr val="accent1">
+              <a:shade val="15000"/>
+            </a:schemeClr>
+          </a:lnRef>
+          <a:fillRef idx="1">
+            <a:schemeClr val="accent1"/>
+          </a:fillRef>
+          <a:effectRef idx="0">
+            <a:schemeClr val="accent1"/>
+          </a:effectRef>
+          <a:fontRef idx="minor">
+            <a:schemeClr val="lt1"/>
+          </a:fontRef>
+        </p:style>
+        <p:txBody>
+          <a:bodyPr rtlCol="0" anchor="ctr"/>
+          <a:lstStyle/>
+          <a:p>
+            <a:pPr algn="ctr"/>
+            <a:r>
+              <a:rPr lang="en-US" dirty="0"/>
+              <a:t>3</a:t>
+            </a:r>
+          </a:p>
+        </p:txBody>
+      </p:sp>
+      <p:sp>
+        <p:nvSpPr>
+          <p:cNvPr id="20" name="Oval 19">
+            <a:extLst>
+              <a:ext uri="{FF2B5EF4-FFF2-40B4-BE49-F238E27FC236}">
+                <a16:creationId xmlns:a16="http://schemas.microsoft.com/office/drawing/2014/main" id="{CB2751BA-17AC-42F5-A706-7F5F39028B6C}"/>
+              </a:ext>
+            </a:extLst>
+          </p:cNvPr>
+          <p:cNvSpPr/>
+          <p:nvPr/>
+        </p:nvSpPr>
+        <p:spPr>
+          <a:xfrm>
+            <a:off x="5390350" y="2246109"/>
+            <a:ext cx="370115" cy="370115"/>
+          </a:xfrm>
+          <a:prstGeom prst="ellipse">
+            <a:avLst/>
+          </a:prstGeom>
+          <a:solidFill>
+            <a:schemeClr val="accent2"/>
+          </a:solidFill>
+        </p:spPr>
+        <p:style>
+          <a:lnRef idx="2">
+            <a:schemeClr val="accent1">
+              <a:shade val="15000"/>
+            </a:schemeClr>
+          </a:lnRef>
+          <a:fillRef idx="1">
+            <a:schemeClr val="accent1"/>
+          </a:fillRef>
+          <a:effectRef idx="0">
+            <a:schemeClr val="accent1"/>
+          </a:effectRef>
+          <a:fontRef idx="minor">
+            <a:schemeClr val="lt1"/>
+          </a:fontRef>
+        </p:style>
+        <p:txBody>
+          <a:bodyPr rtlCol="0" anchor="ctr"/>
+          <a:lstStyle/>
+          <a:p>
+            <a:pPr algn="ctr"/>
+            <a:r>
+              <a:rPr lang="en-US" dirty="0"/>
+              <a:t>6</a:t>
+            </a:r>
+          </a:p>
+        </p:txBody>
+      </p:sp>
+      <p:sp>
+        <p:nvSpPr>
+          <p:cNvPr id="21" name="Oval 20">
+            <a:extLst>
+              <a:ext uri="{FF2B5EF4-FFF2-40B4-BE49-F238E27FC236}">
+                <a16:creationId xmlns:a16="http://schemas.microsoft.com/office/drawing/2014/main" id="{FD62C982-3E37-4AF3-A76A-3BF5BC19CFBC}"/>
+              </a:ext>
+            </a:extLst>
+          </p:cNvPr>
+          <p:cNvSpPr/>
+          <p:nvPr/>
+        </p:nvSpPr>
+        <p:spPr>
+          <a:xfrm>
+            <a:off x="5891094" y="1364365"/>
+            <a:ext cx="370115" cy="370115"/>
+          </a:xfrm>
+          <a:prstGeom prst="ellipse">
+            <a:avLst/>
+          </a:prstGeom>
+        </p:spPr>
+        <p:style>
+          <a:lnRef idx="2">
+            <a:schemeClr val="accent1">
+              <a:shade val="15000"/>
+            </a:schemeClr>
+          </a:lnRef>
+          <a:fillRef idx="1">
+            <a:schemeClr val="accent1"/>
+          </a:fillRef>
+          <a:effectRef idx="0">
+            <a:schemeClr val="accent1"/>
+          </a:effectRef>
+          <a:fontRef idx="minor">
+            <a:schemeClr val="lt1"/>
+          </a:fontRef>
+        </p:style>
+        <p:txBody>
+          <a:bodyPr rtlCol="0" anchor="ctr"/>
+          <a:lstStyle/>
+          <a:p>
+            <a:pPr algn="ctr"/>
+            <a:r>
+              <a:rPr lang="en-US" dirty="0"/>
+              <a:t>4</a:t>
+            </a:r>
+          </a:p>
+        </p:txBody>
+      </p:sp>
+      <p:sp>
+        <p:nvSpPr>
+          <p:cNvPr id="22" name="Oval 21">
+            <a:extLst>
+              <a:ext uri="{FF2B5EF4-FFF2-40B4-BE49-F238E27FC236}">
+                <a16:creationId xmlns:a16="http://schemas.microsoft.com/office/drawing/2014/main" id="{216112CC-797B-4187-8BC0-D9607AD4DEA5}"/>
+              </a:ext>
+            </a:extLst>
+          </p:cNvPr>
+          <p:cNvSpPr/>
+          <p:nvPr/>
+        </p:nvSpPr>
+        <p:spPr>
+          <a:xfrm>
+            <a:off x="6261209" y="2246108"/>
+            <a:ext cx="370115" cy="370115"/>
+          </a:xfrm>
+          <a:prstGeom prst="ellipse">
+            <a:avLst/>
+          </a:prstGeom>
+        </p:spPr>
+        <p:style>
+          <a:lnRef idx="2">
+            <a:schemeClr val="accent1">
+              <a:shade val="15000"/>
+            </a:schemeClr>
+          </a:lnRef>
+          <a:fillRef idx="1">
+            <a:schemeClr val="accent1"/>
+          </a:fillRef>
+          <a:effectRef idx="0">
+            <a:schemeClr val="accent1"/>
+          </a:effectRef>
+          <a:fontRef idx="minor">
+            <a:schemeClr val="lt1"/>
+          </a:fontRef>
+        </p:style>
+        <p:txBody>
+          <a:bodyPr rtlCol="0" anchor="ctr"/>
+          <a:lstStyle/>
+          <a:p>
+            <a:pPr algn="ctr"/>
+            <a:r>
+              <a:rPr lang="en-US" dirty="0"/>
+              <a:t>7</a:t>
+            </a:r>
+          </a:p>
+        </p:txBody>
+      </p:sp>
+      <p:sp>
+        <p:nvSpPr>
+          <p:cNvPr id="23" name="Oval 22">
+            <a:extLst>
+              <a:ext uri="{FF2B5EF4-FFF2-40B4-BE49-F238E27FC236}">
+                <a16:creationId xmlns:a16="http://schemas.microsoft.com/office/drawing/2014/main" id="{620766D4-06EB-43F3-AB8B-B2C4B91DCBA5}"/>
+              </a:ext>
+            </a:extLst>
+          </p:cNvPr>
+          <p:cNvSpPr/>
+          <p:nvPr/>
+        </p:nvSpPr>
+        <p:spPr>
+          <a:xfrm>
+            <a:off x="6261209" y="482623"/>
+            <a:ext cx="370115" cy="370115"/>
+          </a:xfrm>
+          <a:prstGeom prst="ellipse">
+            <a:avLst/>
+          </a:prstGeom>
+          <a:solidFill>
+            <a:schemeClr val="accent2"/>
+          </a:solidFill>
+        </p:spPr>
+        <p:style>
+          <a:lnRef idx="2">
+            <a:schemeClr val="accent1">
+              <a:shade val="15000"/>
+            </a:schemeClr>
+          </a:lnRef>
+          <a:fillRef idx="1">
+            <a:schemeClr val="accent1"/>
+          </a:fillRef>
+          <a:effectRef idx="0">
+            <a:schemeClr val="accent1"/>
+          </a:effectRef>
+          <a:fontRef idx="minor">
+            <a:schemeClr val="lt1"/>
+          </a:fontRef>
+        </p:style>
+        <p:txBody>
+          <a:bodyPr rtlCol="0" anchor="ctr"/>
+          <a:lstStyle/>
+          <a:p>
+            <a:pPr algn="ctr"/>
+            <a:r>
+              <a:rPr lang="en-US" dirty="0"/>
+              <a:t>2</a:t>
+            </a:r>
+          </a:p>
+        </p:txBody>
+      </p:sp>
+      <p:cxnSp>
+        <p:nvCxnSpPr>
+          <p:cNvPr id="24" name="Straight Arrow Connector 23">
+            <a:extLst>
+              <a:ext uri="{FF2B5EF4-FFF2-40B4-BE49-F238E27FC236}">
+                <a16:creationId xmlns:a16="http://schemas.microsoft.com/office/drawing/2014/main" id="{04C663CA-BCE2-45B9-B360-157153F8FC1F}"/>
+              </a:ext>
+            </a:extLst>
+          </p:cNvPr>
+          <p:cNvCxnSpPr>
+            <a:cxnSpLocks/>
+          </p:cNvCxnSpPr>
+          <p:nvPr/>
+        </p:nvCxnSpPr>
+        <p:spPr>
+          <a:xfrm flipH="1">
+            <a:off x="5118434" y="798536"/>
+            <a:ext cx="380774" cy="565829"/>
+          </a:xfrm>
+          <a:prstGeom prst="straightConnector1">
+            <a:avLst/>
+          </a:prstGeom>
+          <a:ln>
+            <a:tailEnd type="triangle"/>
+          </a:ln>
+        </p:spPr>
+        <p:style>
+          <a:lnRef idx="1">
+            <a:schemeClr val="accent1"/>
+          </a:lnRef>
+          <a:fillRef idx="0">
+            <a:schemeClr val="accent1"/>
+          </a:fillRef>
+          <a:effectRef idx="0">
+            <a:schemeClr val="accent1"/>
+          </a:effectRef>
+          <a:fontRef idx="minor">
+            <a:schemeClr val="tx1"/>
+          </a:fontRef>
+        </p:style>
+      </p:cxnSp>
+      <p:cxnSp>
+        <p:nvCxnSpPr>
+          <p:cNvPr id="25" name="Straight Arrow Connector 24">
+            <a:extLst>
+              <a:ext uri="{FF2B5EF4-FFF2-40B4-BE49-F238E27FC236}">
+                <a16:creationId xmlns:a16="http://schemas.microsoft.com/office/drawing/2014/main" id="{206D9E40-9FBA-4D26-B080-FF3C4321F202}"/>
+              </a:ext>
+            </a:extLst>
+          </p:cNvPr>
+          <p:cNvCxnSpPr>
+            <a:cxnSpLocks/>
+            <a:endCxn id="20" idx="1"/>
+          </p:cNvCxnSpPr>
+          <p:nvPr/>
+        </p:nvCxnSpPr>
+        <p:spPr>
+          <a:xfrm>
+            <a:off x="5128755" y="1734480"/>
+            <a:ext cx="315797" cy="565831"/>
+          </a:xfrm>
+          <a:prstGeom prst="straightConnector1">
+            <a:avLst/>
+          </a:prstGeom>
+          <a:ln>
+            <a:tailEnd type="triangle"/>
+          </a:ln>
+        </p:spPr>
+        <p:style>
+          <a:lnRef idx="1">
+            <a:schemeClr val="accent1"/>
+          </a:lnRef>
+          <a:fillRef idx="0">
+            <a:schemeClr val="accent1"/>
+          </a:fillRef>
+          <a:effectRef idx="0">
+            <a:schemeClr val="accent1"/>
+          </a:effectRef>
+          <a:fontRef idx="minor">
+            <a:schemeClr val="tx1"/>
+          </a:fontRef>
+        </p:style>
+      </p:cxnSp>
+      <p:cxnSp>
+        <p:nvCxnSpPr>
+          <p:cNvPr id="26" name="Straight Arrow Connector 25">
+            <a:extLst>
+              <a:ext uri="{FF2B5EF4-FFF2-40B4-BE49-F238E27FC236}">
+                <a16:creationId xmlns:a16="http://schemas.microsoft.com/office/drawing/2014/main" id="{C11A0B46-5B24-431A-8B32-B76F031DE0AA}"/>
+              </a:ext>
+            </a:extLst>
+          </p:cNvPr>
+          <p:cNvCxnSpPr>
+            <a:cxnSpLocks/>
+          </p:cNvCxnSpPr>
+          <p:nvPr/>
+        </p:nvCxnSpPr>
+        <p:spPr>
+          <a:xfrm>
+            <a:off x="6138057" y="1717641"/>
+            <a:ext cx="221123" cy="528466"/>
+          </a:xfrm>
+          <a:prstGeom prst="straightConnector1">
+            <a:avLst/>
+          </a:prstGeom>
+          <a:ln>
+            <a:tailEnd type="triangle"/>
+          </a:ln>
+        </p:spPr>
+        <p:style>
+          <a:lnRef idx="1">
+            <a:schemeClr val="accent1"/>
+          </a:lnRef>
+          <a:fillRef idx="0">
+            <a:schemeClr val="accent1"/>
+          </a:fillRef>
+          <a:effectRef idx="0">
+            <a:schemeClr val="accent1"/>
+          </a:effectRef>
+          <a:fontRef idx="minor">
+            <a:schemeClr val="tx1"/>
+          </a:fontRef>
+        </p:style>
+      </p:cxnSp>
+      <p:cxnSp>
+        <p:nvCxnSpPr>
+          <p:cNvPr id="27" name="Straight Arrow Connector 26">
+            <a:extLst>
+              <a:ext uri="{FF2B5EF4-FFF2-40B4-BE49-F238E27FC236}">
+                <a16:creationId xmlns:a16="http://schemas.microsoft.com/office/drawing/2014/main" id="{D52D6E1D-D142-4336-8469-FA0526AA132E}"/>
+              </a:ext>
+            </a:extLst>
+          </p:cNvPr>
+          <p:cNvCxnSpPr>
+            <a:cxnSpLocks/>
+          </p:cNvCxnSpPr>
+          <p:nvPr/>
+        </p:nvCxnSpPr>
+        <p:spPr>
+          <a:xfrm>
+            <a:off x="5679153" y="841482"/>
+            <a:ext cx="320798" cy="522883"/>
+          </a:xfrm>
+          <a:prstGeom prst="straightConnector1">
+            <a:avLst/>
+          </a:prstGeom>
+          <a:ln>
+            <a:tailEnd type="triangle"/>
+          </a:ln>
+        </p:spPr>
+        <p:style>
+          <a:lnRef idx="1">
+            <a:schemeClr val="accent1"/>
+          </a:lnRef>
+          <a:fillRef idx="0">
+            <a:schemeClr val="accent1"/>
+          </a:fillRef>
+          <a:effectRef idx="0">
+            <a:schemeClr val="accent1"/>
+          </a:effectRef>
+          <a:fontRef idx="minor">
+            <a:schemeClr val="tx1"/>
+          </a:fontRef>
+        </p:style>
+      </p:cxnSp>
+      <p:cxnSp>
+        <p:nvCxnSpPr>
+          <p:cNvPr id="28" name="Straight Arrow Connector 27">
+            <a:extLst>
+              <a:ext uri="{FF2B5EF4-FFF2-40B4-BE49-F238E27FC236}">
+                <a16:creationId xmlns:a16="http://schemas.microsoft.com/office/drawing/2014/main" id="{9F6262D4-3F9D-4F36-9580-A6D470B4ED6F}"/>
+              </a:ext>
+            </a:extLst>
+          </p:cNvPr>
+          <p:cNvCxnSpPr>
+            <a:cxnSpLocks/>
+          </p:cNvCxnSpPr>
+          <p:nvPr/>
+        </p:nvCxnSpPr>
+        <p:spPr>
+          <a:xfrm flipH="1">
+            <a:off x="5679153" y="1734480"/>
+            <a:ext cx="320798" cy="538727"/>
+          </a:xfrm>
+          <a:prstGeom prst="straightConnector1">
+            <a:avLst/>
+          </a:prstGeom>
+          <a:ln>
+            <a:tailEnd type="triangle"/>
+          </a:ln>
+        </p:spPr>
+        <p:style>
+          <a:lnRef idx="1">
+            <a:schemeClr val="accent1"/>
+          </a:lnRef>
+          <a:fillRef idx="0">
+            <a:schemeClr val="accent1"/>
+          </a:fillRef>
+          <a:effectRef idx="0">
+            <a:schemeClr val="accent1"/>
+          </a:effectRef>
+          <a:fontRef idx="minor">
+            <a:schemeClr val="tx1"/>
+          </a:fontRef>
+        </p:style>
+      </p:cxnSp>
+      <p:sp>
+        <p:nvSpPr>
+          <p:cNvPr id="29" name="Oval 28">
+            <a:extLst>
+              <a:ext uri="{FF2B5EF4-FFF2-40B4-BE49-F238E27FC236}">
+                <a16:creationId xmlns:a16="http://schemas.microsoft.com/office/drawing/2014/main" id="{C3709055-978B-4ACA-B4E3-1B285779A5A4}"/>
+              </a:ext>
+            </a:extLst>
+          </p:cNvPr>
+          <p:cNvSpPr/>
+          <p:nvPr/>
+        </p:nvSpPr>
+        <p:spPr>
+          <a:xfrm>
+            <a:off x="6761664" y="1356828"/>
+            <a:ext cx="370115" cy="370115"/>
+          </a:xfrm>
+          <a:prstGeom prst="ellipse">
+            <a:avLst/>
+          </a:prstGeom>
+        </p:spPr>
+        <p:style>
+          <a:lnRef idx="2">
+            <a:schemeClr val="accent1">
+              <a:shade val="15000"/>
+            </a:schemeClr>
+          </a:lnRef>
+          <a:fillRef idx="1">
+            <a:schemeClr val="accent1"/>
+          </a:fillRef>
+          <a:effectRef idx="0">
+            <a:schemeClr val="accent1"/>
+          </a:effectRef>
+          <a:fontRef idx="minor">
+            <a:schemeClr val="lt1"/>
+          </a:fontRef>
+        </p:style>
+        <p:txBody>
+          <a:bodyPr rtlCol="0" anchor="ctr"/>
+          <a:lstStyle/>
+          <a:p>
+            <a:pPr algn="ctr"/>
+            <a:r>
+              <a:rPr lang="en-US" dirty="0"/>
+              <a:t>5</a:t>
+            </a:r>
+          </a:p>
+        </p:txBody>
+      </p:sp>
+      <p:cxnSp>
+        <p:nvCxnSpPr>
+          <p:cNvPr id="30" name="Straight Arrow Connector 29">
+            <a:extLst>
+              <a:ext uri="{FF2B5EF4-FFF2-40B4-BE49-F238E27FC236}">
+                <a16:creationId xmlns:a16="http://schemas.microsoft.com/office/drawing/2014/main" id="{E2F8FBE4-B0A3-4558-9951-70FF9959F04C}"/>
+              </a:ext>
+            </a:extLst>
+          </p:cNvPr>
+          <p:cNvCxnSpPr>
+            <a:cxnSpLocks/>
+          </p:cNvCxnSpPr>
+          <p:nvPr/>
+        </p:nvCxnSpPr>
+        <p:spPr>
+          <a:xfrm>
+            <a:off x="6544748" y="841482"/>
+            <a:ext cx="320798" cy="522883"/>
+          </a:xfrm>
+          <a:prstGeom prst="straightConnector1">
+            <a:avLst/>
+          </a:prstGeom>
+          <a:ln>
+            <a:tailEnd type="triangle"/>
+          </a:ln>
+        </p:spPr>
+        <p:style>
+          <a:lnRef idx="1">
+            <a:schemeClr val="accent1"/>
+          </a:lnRef>
+          <a:fillRef idx="0">
+            <a:schemeClr val="accent1"/>
+          </a:fillRef>
+          <a:effectRef idx="0">
+            <a:schemeClr val="accent1"/>
+          </a:effectRef>
+          <a:fontRef idx="minor">
+            <a:schemeClr val="tx1"/>
+          </a:fontRef>
+        </p:style>
+      </p:cxnSp>
+      <p:sp>
+        <p:nvSpPr>
+          <p:cNvPr id="31" name="Oval 30">
+            <a:extLst>
+              <a:ext uri="{FF2B5EF4-FFF2-40B4-BE49-F238E27FC236}">
+                <a16:creationId xmlns:a16="http://schemas.microsoft.com/office/drawing/2014/main" id="{C7224B7C-7DF4-4FB9-BA76-797FC59474C8}"/>
+              </a:ext>
+            </a:extLst>
+          </p:cNvPr>
+          <p:cNvSpPr/>
+          <p:nvPr/>
+        </p:nvSpPr>
+        <p:spPr>
+          <a:xfrm>
+            <a:off x="8275695" y="482624"/>
+            <a:ext cx="370115" cy="370115"/>
+          </a:xfrm>
+          <a:prstGeom prst="ellipse">
+            <a:avLst/>
+          </a:prstGeom>
+          <a:solidFill>
+            <a:schemeClr val="accent2"/>
+          </a:solidFill>
+        </p:spPr>
+        <p:style>
+          <a:lnRef idx="2">
+            <a:schemeClr val="accent1">
+              <a:shade val="15000"/>
+            </a:schemeClr>
+          </a:lnRef>
+          <a:fillRef idx="1">
+            <a:schemeClr val="accent1"/>
+          </a:fillRef>
+          <a:effectRef idx="0">
+            <a:schemeClr val="accent1"/>
+          </a:effectRef>
+          <a:fontRef idx="minor">
+            <a:schemeClr val="lt1"/>
+          </a:fontRef>
+        </p:style>
+        <p:txBody>
+          <a:bodyPr rtlCol="0" anchor="ctr"/>
+          <a:lstStyle/>
+          <a:p>
+            <a:pPr algn="ctr"/>
+            <a:r>
+              <a:rPr lang="en-US" dirty="0"/>
+              <a:t>1</a:t>
+            </a:r>
+          </a:p>
+        </p:txBody>
+      </p:sp>
+      <p:sp>
+        <p:nvSpPr>
+          <p:cNvPr id="32" name="Oval 31">
+            <a:extLst>
+              <a:ext uri="{FF2B5EF4-FFF2-40B4-BE49-F238E27FC236}">
+                <a16:creationId xmlns:a16="http://schemas.microsoft.com/office/drawing/2014/main" id="{7B157564-5A79-4E45-9192-F33330881113}"/>
+              </a:ext>
+            </a:extLst>
+          </p:cNvPr>
+          <p:cNvSpPr/>
+          <p:nvPr/>
+        </p:nvSpPr>
+        <p:spPr>
+          <a:xfrm>
+            <a:off x="7764066" y="1364366"/>
+            <a:ext cx="370115" cy="370115"/>
+          </a:xfrm>
+          <a:prstGeom prst="ellipse">
+            <a:avLst/>
+          </a:prstGeom>
+        </p:spPr>
+        <p:style>
+          <a:lnRef idx="2">
+            <a:schemeClr val="accent1">
+              <a:shade val="15000"/>
+            </a:schemeClr>
+          </a:lnRef>
+          <a:fillRef idx="1">
+            <a:schemeClr val="accent1"/>
+          </a:fillRef>
+          <a:effectRef idx="0">
+            <a:schemeClr val="accent1"/>
+          </a:effectRef>
+          <a:fontRef idx="minor">
+            <a:schemeClr val="lt1"/>
+          </a:fontRef>
+        </p:style>
+        <p:txBody>
+          <a:bodyPr rtlCol="0" anchor="ctr"/>
+          <a:lstStyle/>
+          <a:p>
+            <a:pPr algn="ctr"/>
+            <a:r>
+              <a:rPr lang="en-US" dirty="0"/>
+              <a:t>3</a:t>
+            </a:r>
+          </a:p>
+        </p:txBody>
+      </p:sp>
+      <p:sp>
+        <p:nvSpPr>
+          <p:cNvPr id="33" name="Oval 32">
+            <a:extLst>
+              <a:ext uri="{FF2B5EF4-FFF2-40B4-BE49-F238E27FC236}">
+                <a16:creationId xmlns:a16="http://schemas.microsoft.com/office/drawing/2014/main" id="{3D6F0639-3F2F-44C2-875D-0E6AFFC4B8FB}"/>
+              </a:ext>
+            </a:extLst>
+          </p:cNvPr>
+          <p:cNvSpPr/>
+          <p:nvPr/>
+        </p:nvSpPr>
+        <p:spPr>
+          <a:xfrm>
+            <a:off x="8275694" y="2246109"/>
+            <a:ext cx="370115" cy="370115"/>
+          </a:xfrm>
+          <a:prstGeom prst="ellipse">
+            <a:avLst/>
+          </a:prstGeom>
+          <a:solidFill>
+            <a:schemeClr val="accent2"/>
+          </a:solidFill>
+        </p:spPr>
+        <p:style>
+          <a:lnRef idx="2">
+            <a:schemeClr val="accent1">
+              <a:shade val="15000"/>
+            </a:schemeClr>
+          </a:lnRef>
+          <a:fillRef idx="1">
+            <a:schemeClr val="accent1"/>
+          </a:fillRef>
+          <a:effectRef idx="0">
+            <a:schemeClr val="accent1"/>
+          </a:effectRef>
+          <a:fontRef idx="minor">
+            <a:schemeClr val="lt1"/>
+          </a:fontRef>
+        </p:style>
+        <p:txBody>
+          <a:bodyPr rtlCol="0" anchor="ctr"/>
+          <a:lstStyle/>
+          <a:p>
+            <a:pPr algn="ctr"/>
+            <a:r>
+              <a:rPr lang="en-US" dirty="0"/>
+              <a:t>6</a:t>
+            </a:r>
+          </a:p>
+        </p:txBody>
+      </p:sp>
+      <p:sp>
+        <p:nvSpPr>
+          <p:cNvPr id="34" name="Oval 33">
+            <a:extLst>
+              <a:ext uri="{FF2B5EF4-FFF2-40B4-BE49-F238E27FC236}">
+                <a16:creationId xmlns:a16="http://schemas.microsoft.com/office/drawing/2014/main" id="{3642D46B-2BE9-4665-ADD3-E21D0C5E475D}"/>
+              </a:ext>
+            </a:extLst>
+          </p:cNvPr>
+          <p:cNvSpPr/>
+          <p:nvPr/>
+        </p:nvSpPr>
+        <p:spPr>
+          <a:xfrm>
+            <a:off x="8776438" y="1364365"/>
+            <a:ext cx="370115" cy="370115"/>
+          </a:xfrm>
+          <a:prstGeom prst="ellipse">
+            <a:avLst/>
+          </a:prstGeom>
+        </p:spPr>
+        <p:style>
+          <a:lnRef idx="2">
+            <a:schemeClr val="accent1">
+              <a:shade val="15000"/>
+            </a:schemeClr>
+          </a:lnRef>
+          <a:fillRef idx="1">
+            <a:schemeClr val="accent1"/>
+          </a:fillRef>
+          <a:effectRef idx="0">
+            <a:schemeClr val="accent1"/>
+          </a:effectRef>
+          <a:fontRef idx="minor">
+            <a:schemeClr val="lt1"/>
+          </a:fontRef>
+        </p:style>
+        <p:txBody>
+          <a:bodyPr rtlCol="0" anchor="ctr"/>
+          <a:lstStyle/>
+          <a:p>
+            <a:pPr algn="ctr"/>
+            <a:r>
+              <a:rPr lang="en-US" dirty="0"/>
+              <a:t>4</a:t>
+            </a:r>
+          </a:p>
+        </p:txBody>
+      </p:sp>
+      <p:sp>
+        <p:nvSpPr>
+          <p:cNvPr id="35" name="Oval 34">
+            <a:extLst>
+              <a:ext uri="{FF2B5EF4-FFF2-40B4-BE49-F238E27FC236}">
+                <a16:creationId xmlns:a16="http://schemas.microsoft.com/office/drawing/2014/main" id="{6BEC4144-09C5-4EE5-A364-7396AC5170F6}"/>
+              </a:ext>
+            </a:extLst>
+          </p:cNvPr>
+          <p:cNvSpPr/>
+          <p:nvPr/>
+        </p:nvSpPr>
+        <p:spPr>
+          <a:xfrm>
+            <a:off x="9146553" y="2246108"/>
+            <a:ext cx="370115" cy="370115"/>
+          </a:xfrm>
+          <a:prstGeom prst="ellipse">
+            <a:avLst/>
+          </a:prstGeom>
+        </p:spPr>
+        <p:style>
+          <a:lnRef idx="2">
+            <a:schemeClr val="accent1">
+              <a:shade val="15000"/>
+            </a:schemeClr>
+          </a:lnRef>
+          <a:fillRef idx="1">
+            <a:schemeClr val="accent1"/>
+          </a:fillRef>
+          <a:effectRef idx="0">
+            <a:schemeClr val="accent1"/>
+          </a:effectRef>
+          <a:fontRef idx="minor">
+            <a:schemeClr val="lt1"/>
+          </a:fontRef>
+        </p:style>
+        <p:txBody>
+          <a:bodyPr rtlCol="0" anchor="ctr"/>
+          <a:lstStyle/>
+          <a:p>
+            <a:pPr algn="ctr"/>
+            <a:r>
+              <a:rPr lang="en-US" dirty="0"/>
+              <a:t>7</a:t>
+            </a:r>
+          </a:p>
+        </p:txBody>
+      </p:sp>
+      <p:sp>
+        <p:nvSpPr>
+          <p:cNvPr id="36" name="Oval 35">
+            <a:extLst>
+              <a:ext uri="{FF2B5EF4-FFF2-40B4-BE49-F238E27FC236}">
+                <a16:creationId xmlns:a16="http://schemas.microsoft.com/office/drawing/2014/main" id="{CC7EA69E-C182-4966-BF4D-CA13DE62029C}"/>
+              </a:ext>
+            </a:extLst>
+          </p:cNvPr>
+          <p:cNvSpPr/>
+          <p:nvPr/>
+        </p:nvSpPr>
+        <p:spPr>
+          <a:xfrm>
+            <a:off x="9146553" y="482623"/>
+            <a:ext cx="370115" cy="370115"/>
+          </a:xfrm>
+          <a:prstGeom prst="ellipse">
+            <a:avLst/>
+          </a:prstGeom>
+          <a:solidFill>
+            <a:schemeClr val="accent2"/>
+          </a:solidFill>
+        </p:spPr>
+        <p:style>
+          <a:lnRef idx="2">
+            <a:schemeClr val="accent1">
+              <a:shade val="15000"/>
+            </a:schemeClr>
+          </a:lnRef>
+          <a:fillRef idx="1">
+            <a:schemeClr val="accent1"/>
+          </a:fillRef>
+          <a:effectRef idx="0">
+            <a:schemeClr val="accent1"/>
+          </a:effectRef>
+          <a:fontRef idx="minor">
+            <a:schemeClr val="lt1"/>
+          </a:fontRef>
+        </p:style>
+        <p:txBody>
+          <a:bodyPr rtlCol="0" anchor="ctr"/>
+          <a:lstStyle/>
+          <a:p>
+            <a:pPr algn="ctr"/>
+            <a:r>
+              <a:rPr lang="en-US" dirty="0"/>
+              <a:t>2</a:t>
+            </a:r>
+          </a:p>
+        </p:txBody>
+      </p:sp>
+      <p:cxnSp>
+        <p:nvCxnSpPr>
+          <p:cNvPr id="37" name="Straight Arrow Connector 36">
+            <a:extLst>
+              <a:ext uri="{FF2B5EF4-FFF2-40B4-BE49-F238E27FC236}">
+                <a16:creationId xmlns:a16="http://schemas.microsoft.com/office/drawing/2014/main" id="{9C58B027-1D74-4F1C-9532-3073CF3D4626}"/>
+              </a:ext>
+            </a:extLst>
+          </p:cNvPr>
+          <p:cNvCxnSpPr>
+            <a:cxnSpLocks/>
+          </p:cNvCxnSpPr>
+          <p:nvPr/>
+        </p:nvCxnSpPr>
+        <p:spPr>
+          <a:xfrm flipH="1">
+            <a:off x="8003778" y="798536"/>
+            <a:ext cx="380774" cy="565829"/>
+          </a:xfrm>
+          <a:prstGeom prst="straightConnector1">
+            <a:avLst/>
+          </a:prstGeom>
+          <a:ln w="28575">
+            <a:tailEnd type="triangle"/>
+          </a:ln>
+        </p:spPr>
+        <p:style>
+          <a:lnRef idx="1">
+            <a:schemeClr val="accent2"/>
+          </a:lnRef>
+          <a:fillRef idx="0">
+            <a:schemeClr val="accent2"/>
+          </a:fillRef>
+          <a:effectRef idx="0">
+            <a:schemeClr val="accent2"/>
+          </a:effectRef>
+          <a:fontRef idx="minor">
+            <a:schemeClr val="tx1"/>
+          </a:fontRef>
+        </p:style>
+      </p:cxnSp>
+      <p:cxnSp>
+        <p:nvCxnSpPr>
+          <p:cNvPr id="38" name="Straight Arrow Connector 37">
+            <a:extLst>
+              <a:ext uri="{FF2B5EF4-FFF2-40B4-BE49-F238E27FC236}">
+                <a16:creationId xmlns:a16="http://schemas.microsoft.com/office/drawing/2014/main" id="{79D0BE3F-8288-4B08-B88B-CF909A55ED99}"/>
+              </a:ext>
+            </a:extLst>
+          </p:cNvPr>
+          <p:cNvCxnSpPr>
+            <a:cxnSpLocks/>
+            <a:endCxn id="33" idx="1"/>
+          </p:cNvCxnSpPr>
+          <p:nvPr/>
+        </p:nvCxnSpPr>
+        <p:spPr>
+          <a:xfrm>
+            <a:off x="8014099" y="1734480"/>
+            <a:ext cx="315797" cy="565831"/>
+          </a:xfrm>
+          <a:prstGeom prst="straightConnector1">
+            <a:avLst/>
+          </a:prstGeom>
+          <a:ln w="28575">
+            <a:tailEnd type="triangle"/>
+          </a:ln>
+        </p:spPr>
+        <p:style>
+          <a:lnRef idx="1">
+            <a:schemeClr val="accent2"/>
+          </a:lnRef>
+          <a:fillRef idx="0">
+            <a:schemeClr val="accent2"/>
+          </a:fillRef>
+          <a:effectRef idx="0">
+            <a:schemeClr val="accent2"/>
+          </a:effectRef>
+          <a:fontRef idx="minor">
+            <a:schemeClr val="tx1"/>
+          </a:fontRef>
+        </p:style>
+      </p:cxnSp>
+      <p:cxnSp>
+        <p:nvCxnSpPr>
+          <p:cNvPr id="39" name="Straight Arrow Connector 38">
+            <a:extLst>
+              <a:ext uri="{FF2B5EF4-FFF2-40B4-BE49-F238E27FC236}">
+                <a16:creationId xmlns:a16="http://schemas.microsoft.com/office/drawing/2014/main" id="{2D4B4927-483C-473B-83F6-1AF4D2251126}"/>
+              </a:ext>
+            </a:extLst>
+          </p:cNvPr>
+          <p:cNvCxnSpPr>
+            <a:cxnSpLocks/>
+          </p:cNvCxnSpPr>
+          <p:nvPr/>
+        </p:nvCxnSpPr>
+        <p:spPr>
+          <a:xfrm>
+            <a:off x="9023401" y="1717641"/>
+            <a:ext cx="221123" cy="528466"/>
+          </a:xfrm>
+          <a:prstGeom prst="straightConnector1">
+            <a:avLst/>
+          </a:prstGeom>
+          <a:ln>
+            <a:tailEnd type="triangle"/>
+          </a:ln>
+        </p:spPr>
+        <p:style>
+          <a:lnRef idx="1">
+            <a:schemeClr val="accent1"/>
+          </a:lnRef>
+          <a:fillRef idx="0">
+            <a:schemeClr val="accent1"/>
+          </a:fillRef>
+          <a:effectRef idx="0">
+            <a:schemeClr val="accent1"/>
+          </a:effectRef>
+          <a:fontRef idx="minor">
+            <a:schemeClr val="tx1"/>
+          </a:fontRef>
+        </p:style>
+      </p:cxnSp>
+      <p:cxnSp>
+        <p:nvCxnSpPr>
+          <p:cNvPr id="40" name="Straight Arrow Connector 39">
+            <a:extLst>
+              <a:ext uri="{FF2B5EF4-FFF2-40B4-BE49-F238E27FC236}">
+                <a16:creationId xmlns:a16="http://schemas.microsoft.com/office/drawing/2014/main" id="{F621447C-F1D6-4225-A86B-B68E1D7647F0}"/>
+              </a:ext>
+            </a:extLst>
+          </p:cNvPr>
+          <p:cNvCxnSpPr>
+            <a:cxnSpLocks/>
+          </p:cNvCxnSpPr>
+          <p:nvPr/>
+        </p:nvCxnSpPr>
+        <p:spPr>
+          <a:xfrm>
+            <a:off x="8564497" y="841482"/>
+            <a:ext cx="320798" cy="522883"/>
+          </a:xfrm>
+          <a:prstGeom prst="straightConnector1">
+            <a:avLst/>
+          </a:prstGeom>
+          <a:ln>
+            <a:tailEnd type="triangle"/>
+          </a:ln>
+        </p:spPr>
+        <p:style>
+          <a:lnRef idx="1">
+            <a:schemeClr val="accent1"/>
+          </a:lnRef>
+          <a:fillRef idx="0">
+            <a:schemeClr val="accent1"/>
+          </a:fillRef>
+          <a:effectRef idx="0">
+            <a:schemeClr val="accent1"/>
+          </a:effectRef>
+          <a:fontRef idx="minor">
+            <a:schemeClr val="tx1"/>
+          </a:fontRef>
+        </p:style>
+      </p:cxnSp>
+      <p:cxnSp>
+        <p:nvCxnSpPr>
+          <p:cNvPr id="41" name="Straight Arrow Connector 40">
+            <a:extLst>
+              <a:ext uri="{FF2B5EF4-FFF2-40B4-BE49-F238E27FC236}">
+                <a16:creationId xmlns:a16="http://schemas.microsoft.com/office/drawing/2014/main" id="{5E1CA5EA-4401-4349-8ADE-DFADBAAF7A59}"/>
+              </a:ext>
+            </a:extLst>
+          </p:cNvPr>
+          <p:cNvCxnSpPr>
+            <a:cxnSpLocks/>
+          </p:cNvCxnSpPr>
+          <p:nvPr/>
+        </p:nvCxnSpPr>
+        <p:spPr>
+          <a:xfrm flipH="1">
+            <a:off x="8564497" y="1734480"/>
+            <a:ext cx="320798" cy="538727"/>
+          </a:xfrm>
+          <a:prstGeom prst="straightConnector1">
+            <a:avLst/>
+          </a:prstGeom>
+          <a:ln>
+            <a:tailEnd type="triangle"/>
+          </a:ln>
+        </p:spPr>
+        <p:style>
+          <a:lnRef idx="1">
+            <a:schemeClr val="accent1"/>
+          </a:lnRef>
+          <a:fillRef idx="0">
+            <a:schemeClr val="accent1"/>
+          </a:fillRef>
+          <a:effectRef idx="0">
+            <a:schemeClr val="accent1"/>
+          </a:effectRef>
+          <a:fontRef idx="minor">
+            <a:schemeClr val="tx1"/>
+          </a:fontRef>
+        </p:style>
+      </p:cxnSp>
+      <p:sp>
+        <p:nvSpPr>
+          <p:cNvPr id="42" name="Oval 41">
+            <a:extLst>
+              <a:ext uri="{FF2B5EF4-FFF2-40B4-BE49-F238E27FC236}">
+                <a16:creationId xmlns:a16="http://schemas.microsoft.com/office/drawing/2014/main" id="{F0CE039F-41D0-437B-B98E-C0B437A056FE}"/>
+              </a:ext>
+            </a:extLst>
+          </p:cNvPr>
+          <p:cNvSpPr/>
+          <p:nvPr/>
+        </p:nvSpPr>
+        <p:spPr>
+          <a:xfrm>
+            <a:off x="9647008" y="1356828"/>
+            <a:ext cx="370115" cy="370115"/>
+          </a:xfrm>
+          <a:prstGeom prst="ellipse">
+            <a:avLst/>
+          </a:prstGeom>
+        </p:spPr>
+        <p:style>
+          <a:lnRef idx="2">
+            <a:schemeClr val="accent1">
+              <a:shade val="15000"/>
+            </a:schemeClr>
+          </a:lnRef>
+          <a:fillRef idx="1">
+            <a:schemeClr val="accent1"/>
+          </a:fillRef>
+          <a:effectRef idx="0">
+            <a:schemeClr val="accent1"/>
+          </a:effectRef>
+          <a:fontRef idx="minor">
+            <a:schemeClr val="lt1"/>
+          </a:fontRef>
+        </p:style>
+        <p:txBody>
+          <a:bodyPr rtlCol="0" anchor="ctr"/>
+          <a:lstStyle/>
+          <a:p>
+            <a:pPr algn="ctr"/>
+            <a:r>
+              <a:rPr lang="en-US" dirty="0"/>
+              <a:t>5</a:t>
+            </a:r>
+          </a:p>
+        </p:txBody>
+      </p:sp>
+      <p:cxnSp>
+        <p:nvCxnSpPr>
+          <p:cNvPr id="43" name="Straight Arrow Connector 42">
+            <a:extLst>
+              <a:ext uri="{FF2B5EF4-FFF2-40B4-BE49-F238E27FC236}">
+                <a16:creationId xmlns:a16="http://schemas.microsoft.com/office/drawing/2014/main" id="{60B6179E-B287-488A-AC46-9804E2E99E61}"/>
+              </a:ext>
+            </a:extLst>
+          </p:cNvPr>
+          <p:cNvCxnSpPr>
+            <a:cxnSpLocks/>
+          </p:cNvCxnSpPr>
+          <p:nvPr/>
+        </p:nvCxnSpPr>
+        <p:spPr>
+          <a:xfrm>
+            <a:off x="9430092" y="841482"/>
+            <a:ext cx="320798" cy="522883"/>
+          </a:xfrm>
+          <a:prstGeom prst="straightConnector1">
+            <a:avLst/>
+          </a:prstGeom>
+          <a:ln>
+            <a:tailEnd type="triangle"/>
+          </a:ln>
+        </p:spPr>
+        <p:style>
+          <a:lnRef idx="1">
+            <a:schemeClr val="accent1"/>
+          </a:lnRef>
+          <a:fillRef idx="0">
+            <a:schemeClr val="accent1"/>
+          </a:fillRef>
+          <a:effectRef idx="0">
+            <a:schemeClr val="accent1"/>
+          </a:effectRef>
+          <a:fontRef idx="minor">
+            <a:schemeClr val="tx1"/>
+          </a:fontRef>
+        </p:style>
+      </p:cxnSp>
+      <p:sp>
+        <p:nvSpPr>
+          <p:cNvPr id="44" name="Oval 43">
+            <a:extLst>
+              <a:ext uri="{FF2B5EF4-FFF2-40B4-BE49-F238E27FC236}">
+                <a16:creationId xmlns:a16="http://schemas.microsoft.com/office/drawing/2014/main" id="{BEDCB21B-DD63-4BB9-85E3-FDA0931A5882}"/>
+              </a:ext>
+            </a:extLst>
+          </p:cNvPr>
+          <p:cNvSpPr/>
+          <p:nvPr/>
+        </p:nvSpPr>
+        <p:spPr>
+          <a:xfrm>
+            <a:off x="3468746" y="3557630"/>
+            <a:ext cx="370115" cy="370115"/>
+          </a:xfrm>
+          <a:prstGeom prst="ellipse">
+            <a:avLst/>
+          </a:prstGeom>
+          <a:solidFill>
+            <a:schemeClr val="accent2"/>
+          </a:solidFill>
+        </p:spPr>
+        <p:style>
+          <a:lnRef idx="2">
+            <a:schemeClr val="accent1">
+              <a:shade val="15000"/>
+            </a:schemeClr>
+          </a:lnRef>
+          <a:fillRef idx="1">
+            <a:schemeClr val="accent1"/>
+          </a:fillRef>
+          <a:effectRef idx="0">
+            <a:schemeClr val="accent1"/>
+          </a:effectRef>
+          <a:fontRef idx="minor">
+            <a:schemeClr val="lt1"/>
+          </a:fontRef>
+        </p:style>
+        <p:txBody>
+          <a:bodyPr rtlCol="0" anchor="ctr"/>
+          <a:lstStyle/>
+          <a:p>
+            <a:pPr algn="ctr"/>
+            <a:r>
+              <a:rPr lang="en-US" dirty="0"/>
+              <a:t>1</a:t>
+            </a:r>
+          </a:p>
+        </p:txBody>
+      </p:sp>
+      <p:sp>
+        <p:nvSpPr>
+          <p:cNvPr id="45" name="Oval 44">
+            <a:extLst>
+              <a:ext uri="{FF2B5EF4-FFF2-40B4-BE49-F238E27FC236}">
+                <a16:creationId xmlns:a16="http://schemas.microsoft.com/office/drawing/2014/main" id="{CA91A461-6FA7-438D-B3AF-5AED909B51AD}"/>
+              </a:ext>
+            </a:extLst>
+          </p:cNvPr>
+          <p:cNvSpPr/>
+          <p:nvPr/>
+        </p:nvSpPr>
+        <p:spPr>
+          <a:xfrm>
+            <a:off x="3468746" y="5318993"/>
+            <a:ext cx="370115" cy="370115"/>
+          </a:xfrm>
+          <a:prstGeom prst="ellipse">
+            <a:avLst/>
+          </a:prstGeom>
+          <a:solidFill>
+            <a:schemeClr val="accent2"/>
+          </a:solidFill>
+        </p:spPr>
+        <p:style>
+          <a:lnRef idx="2">
+            <a:schemeClr val="accent1">
+              <a:shade val="15000"/>
+            </a:schemeClr>
+          </a:lnRef>
+          <a:fillRef idx="1">
+            <a:schemeClr val="accent1"/>
+          </a:fillRef>
+          <a:effectRef idx="0">
+            <a:schemeClr val="accent1"/>
+          </a:effectRef>
+          <a:fontRef idx="minor">
+            <a:schemeClr val="lt1"/>
+          </a:fontRef>
+        </p:style>
+        <p:txBody>
+          <a:bodyPr rtlCol="0" anchor="ctr"/>
+          <a:lstStyle/>
+          <a:p>
+            <a:pPr algn="ctr"/>
+            <a:r>
+              <a:rPr lang="en-US" dirty="0"/>
+              <a:t>6</a:t>
+            </a:r>
+          </a:p>
+        </p:txBody>
+      </p:sp>
+      <p:cxnSp>
+        <p:nvCxnSpPr>
+          <p:cNvPr id="46" name="Straight Arrow Connector 45">
+            <a:extLst>
+              <a:ext uri="{FF2B5EF4-FFF2-40B4-BE49-F238E27FC236}">
+                <a16:creationId xmlns:a16="http://schemas.microsoft.com/office/drawing/2014/main" id="{109EC76C-8162-49C4-AC8C-2B2E02941A08}"/>
+              </a:ext>
+            </a:extLst>
+          </p:cNvPr>
+          <p:cNvCxnSpPr>
+            <a:stCxn id="44" idx="4"/>
+            <a:endCxn id="45" idx="0"/>
+          </p:cNvCxnSpPr>
+          <p:nvPr/>
+        </p:nvCxnSpPr>
+        <p:spPr>
+          <a:xfrm>
+            <a:off x="3653804" y="3927745"/>
+            <a:ext cx="0" cy="1391248"/>
+          </a:xfrm>
+          <a:prstGeom prst="straightConnector1">
+            <a:avLst/>
+          </a:prstGeom>
+          <a:ln w="28575">
+            <a:prstDash val="dash"/>
+            <a:tailEnd type="triangle"/>
+          </a:ln>
+        </p:spPr>
+        <p:style>
+          <a:lnRef idx="1">
+            <a:schemeClr val="accent2"/>
+          </a:lnRef>
+          <a:fillRef idx="0">
+            <a:schemeClr val="accent2"/>
+          </a:fillRef>
+          <a:effectRef idx="0">
+            <a:schemeClr val="accent2"/>
+          </a:effectRef>
+          <a:fontRef idx="minor">
+            <a:schemeClr val="tx1"/>
+          </a:fontRef>
+        </p:style>
+      </p:cxnSp>
+      <p:sp>
+        <p:nvSpPr>
+          <p:cNvPr id="47" name="Oval 46">
+            <a:extLst>
+              <a:ext uri="{FF2B5EF4-FFF2-40B4-BE49-F238E27FC236}">
+                <a16:creationId xmlns:a16="http://schemas.microsoft.com/office/drawing/2014/main" id="{B5FF1011-F330-4386-A11A-014508C33E4C}"/>
+              </a:ext>
+            </a:extLst>
+          </p:cNvPr>
+          <p:cNvSpPr/>
+          <p:nvPr/>
+        </p:nvSpPr>
+        <p:spPr>
+          <a:xfrm>
+            <a:off x="4236465" y="3557630"/>
+            <a:ext cx="370115" cy="370115"/>
+          </a:xfrm>
+          <a:prstGeom prst="ellipse">
+            <a:avLst/>
+          </a:prstGeom>
+          <a:solidFill>
+            <a:schemeClr val="accent2"/>
+          </a:solidFill>
+        </p:spPr>
+        <p:style>
+          <a:lnRef idx="2">
+            <a:schemeClr val="accent1">
+              <a:shade val="15000"/>
+            </a:schemeClr>
+          </a:lnRef>
+          <a:fillRef idx="1">
+            <a:schemeClr val="accent1"/>
+          </a:fillRef>
+          <a:effectRef idx="0">
+            <a:schemeClr val="accent1"/>
+          </a:effectRef>
+          <a:fontRef idx="minor">
+            <a:schemeClr val="lt1"/>
+          </a:fontRef>
+        </p:style>
+        <p:txBody>
+          <a:bodyPr rtlCol="0" anchor="ctr"/>
+          <a:lstStyle/>
+          <a:p>
+            <a:pPr algn="ctr"/>
+            <a:r>
+              <a:rPr lang="en-US" dirty="0"/>
+              <a:t>2</a:t>
+            </a:r>
+          </a:p>
+        </p:txBody>
+      </p:sp>
+      <p:sp>
+        <p:nvSpPr>
+          <p:cNvPr id="48" name="TextBox 47">
+            <a:extLst>
+              <a:ext uri="{FF2B5EF4-FFF2-40B4-BE49-F238E27FC236}">
+                <a16:creationId xmlns:a16="http://schemas.microsoft.com/office/drawing/2014/main" id="{DD064B9B-856C-46AD-8522-914D447EF604}"/>
+              </a:ext>
+            </a:extLst>
+          </p:cNvPr>
+          <p:cNvSpPr txBox="1"/>
+          <p:nvPr/>
+        </p:nvSpPr>
+        <p:spPr>
+          <a:xfrm>
+            <a:off x="2254942" y="2667068"/>
+            <a:ext cx="1851789" cy="369332"/>
+          </a:xfrm>
+          <a:prstGeom prst="rect">
+            <a:avLst/>
+          </a:prstGeom>
+          <a:noFill/>
+        </p:spPr>
+        <p:txBody>
+          <a:bodyPr wrap="none" rtlCol="0">
+            <a:spAutoFit/>
+          </a:bodyPr>
+          <a:lstStyle/>
+          <a:p>
+            <a:r>
+              <a:rPr lang="en-US" dirty="0">
+                <a:latin typeface="Times New Roman" panose="02020603050405020304" pitchFamily="18" charset="0"/>
+                <a:cs typeface="Times New Roman" panose="02020603050405020304" pitchFamily="18" charset="0"/>
+              </a:rPr>
+              <a:t>(a) original graph</a:t>
+            </a:r>
+          </a:p>
+        </p:txBody>
+      </p:sp>
+      <p:sp>
+        <p:nvSpPr>
+          <p:cNvPr id="49" name="TextBox 48">
+            <a:extLst>
+              <a:ext uri="{FF2B5EF4-FFF2-40B4-BE49-F238E27FC236}">
+                <a16:creationId xmlns:a16="http://schemas.microsoft.com/office/drawing/2014/main" id="{BFC5EB02-76E1-4319-9E69-B720FF9E951A}"/>
+              </a:ext>
+            </a:extLst>
+          </p:cNvPr>
+          <p:cNvSpPr txBox="1"/>
+          <p:nvPr/>
+        </p:nvSpPr>
+        <p:spPr>
+          <a:xfrm>
+            <a:off x="5059507" y="2668350"/>
+            <a:ext cx="2145742" cy="646331"/>
+          </a:xfrm>
+          <a:prstGeom prst="rect">
+            <a:avLst/>
+          </a:prstGeom>
+          <a:noFill/>
+        </p:spPr>
+        <p:txBody>
+          <a:bodyPr wrap="square" rtlCol="0">
+            <a:spAutoFit/>
+          </a:bodyPr>
+          <a:lstStyle/>
+          <a:p>
+            <a:pPr algn="ctr"/>
+            <a:r>
+              <a:rPr lang="en-US" dirty="0">
+                <a:latin typeface="Times New Roman" panose="02020603050405020304" pitchFamily="18" charset="0"/>
+                <a:cs typeface="Times New Roman" panose="02020603050405020304" pitchFamily="18" charset="0"/>
+              </a:rPr>
+              <a:t>(b) sensors placed on the original graph</a:t>
+            </a:r>
+          </a:p>
+        </p:txBody>
+      </p:sp>
+      <p:sp>
+        <p:nvSpPr>
+          <p:cNvPr id="50" name="TextBox 49">
+            <a:extLst>
+              <a:ext uri="{FF2B5EF4-FFF2-40B4-BE49-F238E27FC236}">
+                <a16:creationId xmlns:a16="http://schemas.microsoft.com/office/drawing/2014/main" id="{498130F0-0BF2-400C-8028-D6DD42BB17F8}"/>
+              </a:ext>
+            </a:extLst>
+          </p:cNvPr>
+          <p:cNvSpPr txBox="1"/>
+          <p:nvPr/>
+        </p:nvSpPr>
+        <p:spPr>
+          <a:xfrm>
+            <a:off x="7888624" y="2668350"/>
+            <a:ext cx="2145741" cy="646331"/>
+          </a:xfrm>
+          <a:prstGeom prst="rect">
+            <a:avLst/>
+          </a:prstGeom>
+          <a:noFill/>
+        </p:spPr>
+        <p:txBody>
+          <a:bodyPr wrap="square" rtlCol="0">
+            <a:spAutoFit/>
+          </a:bodyPr>
+          <a:lstStyle/>
+          <a:p>
+            <a:pPr algn="ctr"/>
+            <a:r>
+              <a:rPr lang="en-US" dirty="0">
+                <a:latin typeface="Times New Roman" panose="02020603050405020304" pitchFamily="18" charset="0"/>
+                <a:cs typeface="Times New Roman" panose="02020603050405020304" pitchFamily="18" charset="0"/>
+              </a:rPr>
+              <a:t>(c) connectivity check among sensors</a:t>
+            </a:r>
+          </a:p>
+        </p:txBody>
+      </p:sp>
+      <p:sp>
+        <p:nvSpPr>
+          <p:cNvPr id="51" name="TextBox 50">
+            <a:extLst>
+              <a:ext uri="{FF2B5EF4-FFF2-40B4-BE49-F238E27FC236}">
+                <a16:creationId xmlns:a16="http://schemas.microsoft.com/office/drawing/2014/main" id="{62E1A736-D008-459B-B6CA-0ACDA96E2FEF}"/>
+              </a:ext>
+            </a:extLst>
+          </p:cNvPr>
+          <p:cNvSpPr txBox="1"/>
+          <p:nvPr/>
+        </p:nvSpPr>
+        <p:spPr>
+          <a:xfrm>
+            <a:off x="2996114" y="5725581"/>
+            <a:ext cx="2145741" cy="646331"/>
+          </a:xfrm>
+          <a:prstGeom prst="rect">
+            <a:avLst/>
+          </a:prstGeom>
+          <a:noFill/>
+        </p:spPr>
+        <p:txBody>
+          <a:bodyPr wrap="square" rtlCol="0">
+            <a:spAutoFit/>
+          </a:bodyPr>
+          <a:lstStyle/>
+          <a:p>
+            <a:pPr algn="ctr"/>
+            <a:r>
+              <a:rPr lang="en-US" dirty="0">
+                <a:latin typeface="Times New Roman" panose="02020603050405020304" pitchFamily="18" charset="0"/>
+                <a:cs typeface="Times New Roman" panose="02020603050405020304" pitchFamily="18" charset="0"/>
+              </a:rPr>
+              <a:t>(d) connectivity subgraph</a:t>
+            </a:r>
+          </a:p>
+        </p:txBody>
+      </p:sp>
+      <p:sp>
+        <p:nvSpPr>
+          <p:cNvPr id="52" name="Oval 51">
+            <a:extLst>
+              <a:ext uri="{FF2B5EF4-FFF2-40B4-BE49-F238E27FC236}">
+                <a16:creationId xmlns:a16="http://schemas.microsoft.com/office/drawing/2014/main" id="{44206A1D-3A06-4DB9-8588-5A95A5404F78}"/>
+              </a:ext>
+            </a:extLst>
+          </p:cNvPr>
+          <p:cNvSpPr/>
+          <p:nvPr/>
+        </p:nvSpPr>
+        <p:spPr>
+          <a:xfrm>
+            <a:off x="6353796" y="3557630"/>
+            <a:ext cx="370115" cy="370115"/>
+          </a:xfrm>
+          <a:prstGeom prst="ellipse">
+            <a:avLst/>
+          </a:prstGeom>
+          <a:solidFill>
+            <a:schemeClr val="accent2"/>
+          </a:solidFill>
+        </p:spPr>
+        <p:style>
+          <a:lnRef idx="2">
+            <a:schemeClr val="accent1">
+              <a:shade val="15000"/>
+            </a:schemeClr>
+          </a:lnRef>
+          <a:fillRef idx="1">
+            <a:schemeClr val="accent1"/>
+          </a:fillRef>
+          <a:effectRef idx="0">
+            <a:schemeClr val="accent1"/>
+          </a:effectRef>
+          <a:fontRef idx="minor">
+            <a:schemeClr val="lt1"/>
+          </a:fontRef>
+        </p:style>
+        <p:txBody>
+          <a:bodyPr rtlCol="0" anchor="ctr"/>
+          <a:lstStyle/>
+          <a:p>
+            <a:pPr algn="ctr"/>
+            <a:r>
+              <a:rPr lang="en-US" dirty="0"/>
+              <a:t>1</a:t>
+            </a:r>
+          </a:p>
+        </p:txBody>
+      </p:sp>
+      <p:sp>
+        <p:nvSpPr>
+          <p:cNvPr id="53" name="Oval 52">
+            <a:extLst>
+              <a:ext uri="{FF2B5EF4-FFF2-40B4-BE49-F238E27FC236}">
+                <a16:creationId xmlns:a16="http://schemas.microsoft.com/office/drawing/2014/main" id="{B04B5EFC-A076-4F58-9746-FC04EA16A280}"/>
+              </a:ext>
+            </a:extLst>
+          </p:cNvPr>
+          <p:cNvSpPr/>
+          <p:nvPr/>
+        </p:nvSpPr>
+        <p:spPr>
+          <a:xfrm>
+            <a:off x="6353796" y="5318993"/>
+            <a:ext cx="370115" cy="370115"/>
+          </a:xfrm>
+          <a:prstGeom prst="ellipse">
+            <a:avLst/>
+          </a:prstGeom>
+          <a:solidFill>
+            <a:schemeClr val="accent2"/>
+          </a:solidFill>
+        </p:spPr>
+        <p:style>
+          <a:lnRef idx="2">
+            <a:schemeClr val="accent1">
+              <a:shade val="15000"/>
+            </a:schemeClr>
+          </a:lnRef>
+          <a:fillRef idx="1">
+            <a:schemeClr val="accent1"/>
+          </a:fillRef>
+          <a:effectRef idx="0">
+            <a:schemeClr val="accent1"/>
+          </a:effectRef>
+          <a:fontRef idx="minor">
+            <a:schemeClr val="lt1"/>
+          </a:fontRef>
+        </p:style>
+        <p:txBody>
+          <a:bodyPr rtlCol="0" anchor="ctr"/>
+          <a:lstStyle/>
+          <a:p>
+            <a:pPr algn="ctr"/>
+            <a:r>
+              <a:rPr lang="en-US" dirty="0"/>
+              <a:t>6</a:t>
+            </a:r>
+          </a:p>
+        </p:txBody>
+      </p:sp>
+      <p:cxnSp>
+        <p:nvCxnSpPr>
+          <p:cNvPr id="54" name="Straight Arrow Connector 53">
+            <a:extLst>
+              <a:ext uri="{FF2B5EF4-FFF2-40B4-BE49-F238E27FC236}">
+                <a16:creationId xmlns:a16="http://schemas.microsoft.com/office/drawing/2014/main" id="{2E177AD6-9FD8-4CA1-83A8-A2F6AD9361D7}"/>
+              </a:ext>
+            </a:extLst>
+          </p:cNvPr>
+          <p:cNvCxnSpPr>
+            <a:stCxn id="52" idx="4"/>
+            <a:endCxn id="53" idx="0"/>
+          </p:cNvCxnSpPr>
+          <p:nvPr/>
+        </p:nvCxnSpPr>
+        <p:spPr>
+          <a:xfrm>
+            <a:off x="6538854" y="3927745"/>
+            <a:ext cx="0" cy="1391248"/>
+          </a:xfrm>
+          <a:prstGeom prst="straightConnector1">
+            <a:avLst/>
+          </a:prstGeom>
+          <a:ln w="28575">
+            <a:prstDash val="dash"/>
+            <a:tailEnd type="triangle"/>
+          </a:ln>
+        </p:spPr>
+        <p:style>
+          <a:lnRef idx="1">
+            <a:schemeClr val="accent2"/>
+          </a:lnRef>
+          <a:fillRef idx="0">
+            <a:schemeClr val="accent2"/>
+          </a:fillRef>
+          <a:effectRef idx="0">
+            <a:schemeClr val="accent2"/>
+          </a:effectRef>
+          <a:fontRef idx="minor">
+            <a:schemeClr val="tx1"/>
+          </a:fontRef>
+        </p:style>
+      </p:cxnSp>
+      <p:sp>
+        <p:nvSpPr>
+          <p:cNvPr id="55" name="Oval 54">
+            <a:extLst>
+              <a:ext uri="{FF2B5EF4-FFF2-40B4-BE49-F238E27FC236}">
+                <a16:creationId xmlns:a16="http://schemas.microsoft.com/office/drawing/2014/main" id="{3312328F-357C-4EB8-8847-7557FC5B69A1}"/>
+              </a:ext>
+            </a:extLst>
+          </p:cNvPr>
+          <p:cNvSpPr/>
+          <p:nvPr/>
+        </p:nvSpPr>
+        <p:spPr>
+          <a:xfrm>
+            <a:off x="7873860" y="3561956"/>
+            <a:ext cx="370115" cy="370115"/>
+          </a:xfrm>
+          <a:prstGeom prst="ellipse">
+            <a:avLst/>
+          </a:prstGeom>
+          <a:solidFill>
+            <a:schemeClr val="accent2"/>
+          </a:solidFill>
+        </p:spPr>
+        <p:style>
+          <a:lnRef idx="2">
+            <a:schemeClr val="accent1">
+              <a:shade val="15000"/>
+            </a:schemeClr>
+          </a:lnRef>
+          <a:fillRef idx="1">
+            <a:schemeClr val="accent1"/>
+          </a:fillRef>
+          <a:effectRef idx="0">
+            <a:schemeClr val="accent1"/>
+          </a:effectRef>
+          <a:fontRef idx="minor">
+            <a:schemeClr val="lt1"/>
+          </a:fontRef>
+        </p:style>
+        <p:txBody>
+          <a:bodyPr rtlCol="0" anchor="ctr"/>
+          <a:lstStyle/>
+          <a:p>
+            <a:pPr algn="ctr"/>
+            <a:r>
+              <a:rPr lang="en-US" dirty="0"/>
+              <a:t>2</a:t>
+            </a:r>
+          </a:p>
+        </p:txBody>
+      </p:sp>
+      <p:sp>
+        <p:nvSpPr>
+          <p:cNvPr id="56" name="TextBox 55">
+            <a:extLst>
+              <a:ext uri="{FF2B5EF4-FFF2-40B4-BE49-F238E27FC236}">
+                <a16:creationId xmlns:a16="http://schemas.microsoft.com/office/drawing/2014/main" id="{2F719567-9E01-4E4F-AABB-8DFC9E520F24}"/>
+              </a:ext>
+            </a:extLst>
+          </p:cNvPr>
+          <p:cNvSpPr txBox="1"/>
+          <p:nvPr/>
+        </p:nvSpPr>
+        <p:spPr>
+          <a:xfrm>
+            <a:off x="6177770" y="5725581"/>
+            <a:ext cx="2254598" cy="646331"/>
+          </a:xfrm>
+          <a:prstGeom prst="rect">
+            <a:avLst/>
+          </a:prstGeom>
+          <a:noFill/>
+        </p:spPr>
+        <p:txBody>
+          <a:bodyPr wrap="square" rtlCol="0">
+            <a:spAutoFit/>
+          </a:bodyPr>
+          <a:lstStyle/>
+          <a:p>
+            <a:pPr algn="ctr"/>
+            <a:r>
+              <a:rPr lang="en-US" dirty="0">
+                <a:latin typeface="Times New Roman" panose="02020603050405020304" pitchFamily="18" charset="0"/>
+                <a:cs typeface="Times New Roman" panose="02020603050405020304" pitchFamily="18" charset="0"/>
+              </a:rPr>
+              <a:t>(e) connectivity-based objective evaluation</a:t>
+            </a:r>
+          </a:p>
+        </p:txBody>
+      </p:sp>
+      <mc:AlternateContent xmlns:mc="http://schemas.openxmlformats.org/markup-compatibility/2006">
+        <mc:Choice xmlns:a14="http://schemas.microsoft.com/office/drawing/2010/main" Requires="a14">
+          <p:sp>
+            <p:nvSpPr>
+              <p:cNvPr id="57" name="TextBox 56">
+                <a:extLst>
+                  <a:ext uri="{FF2B5EF4-FFF2-40B4-BE49-F238E27FC236}">
+                    <a16:creationId xmlns:a16="http://schemas.microsoft.com/office/drawing/2014/main" id="{9097A254-1A41-4049-87A6-905D1BADD2BA}"/>
+                  </a:ext>
+                </a:extLst>
+              </p:cNvPr>
+              <p:cNvSpPr txBox="1"/>
+              <p:nvPr/>
+            </p:nvSpPr>
+            <p:spPr>
+              <a:xfrm>
+                <a:off x="6700600" y="3608697"/>
+                <a:ext cx="941155" cy="307777"/>
+              </a:xfrm>
+              <a:prstGeom prst="rect">
+                <a:avLst/>
+              </a:prstGeom>
+              <a:noFill/>
+            </p:spPr>
+            <p:txBody>
+              <a:bodyPr wrap="none" rtlCol="0">
+                <a:spAutoFit/>
+              </a:bodyPr>
+              <a:lstStyle/>
+              <a:p>
+                <a:r>
+                  <a:rPr lang="en-US" sz="1400" dirty="0"/>
+                  <a:t>(</a:t>
+                </a:r>
+                <a14:m>
+                  <m:oMath xmlns:m="http://schemas.openxmlformats.org/officeDocument/2006/math">
+                    <m:sSub>
+                      <m:sSubPr>
+                        <m:ctrlPr>
+                          <a:rPr lang="en-US" sz="1400" i="1" smtClean="0">
+                            <a:latin typeface="Cambria Math" panose="02040503050406030204" pitchFamily="18" charset="0"/>
+                          </a:rPr>
+                        </m:ctrlPr>
+                      </m:sSubPr>
+                      <m:e>
+                        <m:r>
+                          <a:rPr lang="en-US" altLang="zh-CN" sz="1400" i="1">
+                            <a:latin typeface="Cambria Math" panose="02040503050406030204" pitchFamily="18" charset="0"/>
+                          </a:rPr>
+                          <m:t>𝑥</m:t>
+                        </m:r>
+                      </m:e>
+                      <m:sub>
+                        <m:r>
+                          <a:rPr lang="en-US" sz="1400" b="0" i="1" smtClean="0">
+                            <a:latin typeface="Cambria Math" panose="02040503050406030204" pitchFamily="18" charset="0"/>
+                          </a:rPr>
+                          <m:t>1</m:t>
+                        </m:r>
+                      </m:sub>
+                    </m:sSub>
+                    <m:r>
+                      <a:rPr lang="en-US" sz="1400" b="0" i="1" smtClean="0">
+                        <a:latin typeface="Cambria Math" panose="02040503050406030204" pitchFamily="18" charset="0"/>
+                      </a:rPr>
+                      <m:t>, </m:t>
+                    </m:r>
+                    <m:sSub>
+                      <m:sSubPr>
+                        <m:ctrlPr>
+                          <a:rPr lang="en-US" sz="1400" b="0" i="1" smtClean="0">
+                            <a:latin typeface="Cambria Math" panose="02040503050406030204" pitchFamily="18" charset="0"/>
+                          </a:rPr>
+                        </m:ctrlPr>
+                      </m:sSubPr>
+                      <m:e>
+                        <m:r>
+                          <a:rPr lang="en-US" sz="1400" b="0" i="1" smtClean="0">
+                            <a:latin typeface="Cambria Math" panose="02040503050406030204" pitchFamily="18" charset="0"/>
+                          </a:rPr>
+                          <m:t>𝐶</m:t>
+                        </m:r>
+                      </m:e>
+                      <m:sub>
+                        <m:r>
+                          <a:rPr lang="en-US" sz="1400" b="0" i="1" smtClean="0">
+                            <a:latin typeface="Cambria Math" panose="02040503050406030204" pitchFamily="18" charset="0"/>
+                          </a:rPr>
+                          <m:t>1</m:t>
+                        </m:r>
+                      </m:sub>
+                    </m:sSub>
+                    <m:r>
+                      <a:rPr lang="en-US" sz="1400" b="0" i="1" smtClean="0">
+                        <a:latin typeface="Cambria Math" panose="02040503050406030204" pitchFamily="18" charset="0"/>
+                      </a:rPr>
+                      <m:t>, </m:t>
+                    </m:r>
+                    <m:sSub>
+                      <m:sSubPr>
+                        <m:ctrlPr>
+                          <a:rPr lang="en-US" sz="1400" b="0" i="1" smtClean="0">
+                            <a:latin typeface="Cambria Math" panose="02040503050406030204" pitchFamily="18" charset="0"/>
+                          </a:rPr>
+                        </m:ctrlPr>
+                      </m:sSubPr>
+                      <m:e>
+                        <m:r>
+                          <a:rPr lang="en-US" sz="1400" b="0" i="1" smtClean="0">
+                            <a:latin typeface="Cambria Math" panose="02040503050406030204" pitchFamily="18" charset="0"/>
+                          </a:rPr>
+                          <m:t>𝑆</m:t>
+                        </m:r>
+                      </m:e>
+                      <m:sub>
+                        <m:r>
+                          <a:rPr lang="en-US" sz="1400" b="0" i="1" smtClean="0">
+                            <a:latin typeface="Cambria Math" panose="02040503050406030204" pitchFamily="18" charset="0"/>
+                          </a:rPr>
+                          <m:t>1</m:t>
+                        </m:r>
+                      </m:sub>
+                    </m:sSub>
+                  </m:oMath>
+                </a14:m>
+                <a:r>
+                  <a:rPr lang="en-US" sz="1400" dirty="0"/>
+                  <a:t>)</a:t>
+                </a:r>
+              </a:p>
+            </p:txBody>
+          </p:sp>
+        </mc:Choice>
+        <mc:Fallback>
+          <p:sp>
+            <p:nvSpPr>
+              <p:cNvPr id="57" name="TextBox 56">
+                <a:extLst>
+                  <a:ext uri="{FF2B5EF4-FFF2-40B4-BE49-F238E27FC236}">
+                    <a16:creationId xmlns:a16="http://schemas.microsoft.com/office/drawing/2014/main" id="{9097A254-1A41-4049-87A6-905D1BADD2BA}"/>
+                  </a:ext>
+                </a:extLst>
+              </p:cNvPr>
+              <p:cNvSpPr txBox="1">
+                <a:spLocks noRot="1" noChangeAspect="1" noMove="1" noResize="1" noEditPoints="1" noAdjustHandles="1" noChangeArrowheads="1" noChangeShapeType="1" noTextEdit="1"/>
+              </p:cNvSpPr>
+              <p:nvPr/>
+            </p:nvSpPr>
+            <p:spPr>
+              <a:xfrm>
+                <a:off x="6700600" y="3608697"/>
+                <a:ext cx="941155" cy="307777"/>
+              </a:xfrm>
+              <a:prstGeom prst="rect">
+                <a:avLst/>
+              </a:prstGeom>
+              <a:blipFill>
+                <a:blip r:embed="rId2"/>
+                <a:stretch>
+                  <a:fillRect l="-1935" t="-4000" r="-645" b="-20000"/>
+                </a:stretch>
+              </a:blipFill>
+            </p:spPr>
+            <p:txBody>
+              <a:bodyPr/>
+              <a:lstStyle/>
+              <a:p>
+                <a:r>
+                  <a:rPr lang="en-US">
+                    <a:noFill/>
+                  </a:rPr>
+                  <a:t> </a:t>
+                </a:r>
+              </a:p>
+            </p:txBody>
+          </p:sp>
+        </mc:Fallback>
+      </mc:AlternateContent>
+      <mc:AlternateContent xmlns:mc="http://schemas.openxmlformats.org/markup-compatibility/2006">
+        <mc:Choice xmlns:a14="http://schemas.microsoft.com/office/drawing/2010/main" Requires="a14">
+          <p:sp>
+            <p:nvSpPr>
+              <p:cNvPr id="58" name="TextBox 57">
+                <a:extLst>
+                  <a:ext uri="{FF2B5EF4-FFF2-40B4-BE49-F238E27FC236}">
+                    <a16:creationId xmlns:a16="http://schemas.microsoft.com/office/drawing/2014/main" id="{96910F31-8ADE-4ED8-8BF6-DFCC1DE48CB9}"/>
+                  </a:ext>
+                </a:extLst>
+              </p:cNvPr>
+              <p:cNvSpPr txBox="1"/>
+              <p:nvPr/>
+            </p:nvSpPr>
+            <p:spPr>
+              <a:xfrm>
+                <a:off x="6696048" y="5348430"/>
+                <a:ext cx="953659" cy="307777"/>
+              </a:xfrm>
+              <a:prstGeom prst="rect">
+                <a:avLst/>
+              </a:prstGeom>
+              <a:noFill/>
+            </p:spPr>
+            <p:txBody>
+              <a:bodyPr wrap="none" rtlCol="0">
+                <a:spAutoFit/>
+              </a:bodyPr>
+              <a:lstStyle/>
+              <a:p>
+                <a:r>
+                  <a:rPr lang="en-US" sz="1400" dirty="0"/>
+                  <a:t>(</a:t>
+                </a:r>
+                <a14:m>
+                  <m:oMath xmlns:m="http://schemas.openxmlformats.org/officeDocument/2006/math">
+                    <m:sSub>
+                      <m:sSubPr>
+                        <m:ctrlPr>
+                          <a:rPr lang="en-US" sz="1400" i="1" smtClean="0">
+                            <a:latin typeface="Cambria Math" panose="02040503050406030204" pitchFamily="18" charset="0"/>
+                          </a:rPr>
+                        </m:ctrlPr>
+                      </m:sSubPr>
+                      <m:e>
+                        <m:r>
+                          <a:rPr lang="en-US" sz="1400" b="0" i="1" smtClean="0">
+                            <a:latin typeface="Cambria Math" panose="02040503050406030204" pitchFamily="18" charset="0"/>
+                          </a:rPr>
+                          <m:t>𝑥</m:t>
+                        </m:r>
+                      </m:e>
+                      <m:sub>
+                        <m:r>
+                          <a:rPr lang="en-US" sz="1400" b="0" i="1" smtClean="0">
+                            <a:latin typeface="Cambria Math" panose="02040503050406030204" pitchFamily="18" charset="0"/>
+                          </a:rPr>
+                          <m:t>6</m:t>
+                        </m:r>
+                      </m:sub>
+                    </m:sSub>
+                    <m:r>
+                      <a:rPr lang="en-US" sz="1400" b="0" i="1" smtClean="0">
+                        <a:latin typeface="Cambria Math" panose="02040503050406030204" pitchFamily="18" charset="0"/>
+                      </a:rPr>
+                      <m:t>, </m:t>
+                    </m:r>
+                    <m:sSub>
+                      <m:sSubPr>
+                        <m:ctrlPr>
+                          <a:rPr lang="en-US" sz="1400" b="0" i="1" smtClean="0">
+                            <a:latin typeface="Cambria Math" panose="02040503050406030204" pitchFamily="18" charset="0"/>
+                          </a:rPr>
+                        </m:ctrlPr>
+                      </m:sSubPr>
+                      <m:e>
+                        <m:r>
+                          <a:rPr lang="en-US" sz="1400" b="0" i="1" smtClean="0">
+                            <a:latin typeface="Cambria Math" panose="02040503050406030204" pitchFamily="18" charset="0"/>
+                          </a:rPr>
+                          <m:t>𝐶</m:t>
+                        </m:r>
+                      </m:e>
+                      <m:sub>
+                        <m:r>
+                          <a:rPr lang="en-US" sz="1400" b="0" i="1" smtClean="0">
+                            <a:latin typeface="Cambria Math" panose="02040503050406030204" pitchFamily="18" charset="0"/>
+                          </a:rPr>
+                          <m:t>6</m:t>
+                        </m:r>
+                      </m:sub>
+                    </m:sSub>
+                    <m:r>
+                      <a:rPr lang="en-US" sz="1400" b="0" i="1" smtClean="0">
+                        <a:latin typeface="Cambria Math" panose="02040503050406030204" pitchFamily="18" charset="0"/>
+                      </a:rPr>
+                      <m:t>, </m:t>
+                    </m:r>
+                    <m:sSub>
+                      <m:sSubPr>
+                        <m:ctrlPr>
+                          <a:rPr lang="en-US" sz="1400" b="0" i="1" smtClean="0">
+                            <a:latin typeface="Cambria Math" panose="02040503050406030204" pitchFamily="18" charset="0"/>
+                          </a:rPr>
+                        </m:ctrlPr>
+                      </m:sSubPr>
+                      <m:e>
+                        <m:r>
+                          <a:rPr lang="en-US" sz="1400" b="0" i="1" smtClean="0">
+                            <a:latin typeface="Cambria Math" panose="02040503050406030204" pitchFamily="18" charset="0"/>
+                          </a:rPr>
+                          <m:t>𝑆</m:t>
+                        </m:r>
+                      </m:e>
+                      <m:sub>
+                        <m:r>
+                          <a:rPr lang="en-US" sz="1400" b="0" i="1" smtClean="0">
+                            <a:latin typeface="Cambria Math" panose="02040503050406030204" pitchFamily="18" charset="0"/>
+                          </a:rPr>
+                          <m:t>6</m:t>
+                        </m:r>
+                      </m:sub>
+                    </m:sSub>
+                  </m:oMath>
+                </a14:m>
+                <a:r>
+                  <a:rPr lang="en-US" sz="1400" dirty="0"/>
+                  <a:t>)</a:t>
+                </a:r>
+              </a:p>
+            </p:txBody>
+          </p:sp>
+        </mc:Choice>
+        <mc:Fallback>
+          <p:sp>
+            <p:nvSpPr>
+              <p:cNvPr id="58" name="TextBox 57">
+                <a:extLst>
+                  <a:ext uri="{FF2B5EF4-FFF2-40B4-BE49-F238E27FC236}">
+                    <a16:creationId xmlns:a16="http://schemas.microsoft.com/office/drawing/2014/main" id="{96910F31-8ADE-4ED8-8BF6-DFCC1DE48CB9}"/>
+                  </a:ext>
+                </a:extLst>
+              </p:cNvPr>
+              <p:cNvSpPr txBox="1">
+                <a:spLocks noRot="1" noChangeAspect="1" noMove="1" noResize="1" noEditPoints="1" noAdjustHandles="1" noChangeArrowheads="1" noChangeShapeType="1" noTextEdit="1"/>
+              </p:cNvSpPr>
+              <p:nvPr/>
+            </p:nvSpPr>
+            <p:spPr>
+              <a:xfrm>
+                <a:off x="6696048" y="5348430"/>
+                <a:ext cx="953659" cy="307777"/>
+              </a:xfrm>
+              <a:prstGeom prst="rect">
+                <a:avLst/>
+              </a:prstGeom>
+              <a:blipFill>
+                <a:blip r:embed="rId3"/>
+                <a:stretch>
+                  <a:fillRect l="-1911" t="-1961" r="-637" b="-19608"/>
+                </a:stretch>
+              </a:blipFill>
+            </p:spPr>
+            <p:txBody>
+              <a:bodyPr/>
+              <a:lstStyle/>
+              <a:p>
+                <a:r>
+                  <a:rPr lang="en-US">
+                    <a:noFill/>
+                  </a:rPr>
+                  <a:t> </a:t>
+                </a:r>
+              </a:p>
+            </p:txBody>
+          </p:sp>
+        </mc:Fallback>
+      </mc:AlternateContent>
+      <mc:AlternateContent xmlns:mc="http://schemas.openxmlformats.org/markup-compatibility/2006">
+        <mc:Choice xmlns:a14="http://schemas.microsoft.com/office/drawing/2010/main" Requires="a14">
+          <p:sp>
+            <p:nvSpPr>
+              <p:cNvPr id="59" name="TextBox 58">
+                <a:extLst>
+                  <a:ext uri="{FF2B5EF4-FFF2-40B4-BE49-F238E27FC236}">
+                    <a16:creationId xmlns:a16="http://schemas.microsoft.com/office/drawing/2014/main" id="{BB3B8DDF-C486-4405-954A-665BCDCA28EC}"/>
+                  </a:ext>
+                </a:extLst>
+              </p:cNvPr>
+              <p:cNvSpPr txBox="1"/>
+              <p:nvPr/>
+            </p:nvSpPr>
+            <p:spPr>
+              <a:xfrm>
+                <a:off x="8243975" y="3607516"/>
+                <a:ext cx="953659" cy="307777"/>
+              </a:xfrm>
+              <a:prstGeom prst="rect">
+                <a:avLst/>
+              </a:prstGeom>
+              <a:noFill/>
+            </p:spPr>
+            <p:txBody>
+              <a:bodyPr wrap="none" rtlCol="0">
+                <a:spAutoFit/>
+              </a:bodyPr>
+              <a:lstStyle/>
+              <a:p>
+                <a:r>
+                  <a:rPr lang="en-US" sz="1400" dirty="0"/>
+                  <a:t>(</a:t>
+                </a:r>
+                <a14:m>
+                  <m:oMath xmlns:m="http://schemas.openxmlformats.org/officeDocument/2006/math">
+                    <m:sSub>
+                      <m:sSubPr>
+                        <m:ctrlPr>
+                          <a:rPr lang="en-US" sz="1400" i="1" smtClean="0">
+                            <a:latin typeface="Cambria Math" panose="02040503050406030204" pitchFamily="18" charset="0"/>
+                          </a:rPr>
+                        </m:ctrlPr>
+                      </m:sSubPr>
+                      <m:e>
+                        <m:r>
+                          <a:rPr lang="en-US" sz="1400" b="0" i="1" smtClean="0">
+                            <a:latin typeface="Cambria Math" panose="02040503050406030204" pitchFamily="18" charset="0"/>
+                          </a:rPr>
+                          <m:t>𝑥</m:t>
+                        </m:r>
+                      </m:e>
+                      <m:sub>
+                        <m:r>
+                          <a:rPr lang="en-US" sz="1400" b="0" i="1" smtClean="0">
+                            <a:latin typeface="Cambria Math" panose="02040503050406030204" pitchFamily="18" charset="0"/>
+                          </a:rPr>
+                          <m:t>2</m:t>
+                        </m:r>
+                      </m:sub>
+                    </m:sSub>
+                    <m:r>
+                      <a:rPr lang="en-US" sz="1400" b="0" i="1" smtClean="0">
+                        <a:latin typeface="Cambria Math" panose="02040503050406030204" pitchFamily="18" charset="0"/>
+                      </a:rPr>
+                      <m:t>, </m:t>
+                    </m:r>
+                    <m:sSub>
+                      <m:sSubPr>
+                        <m:ctrlPr>
+                          <a:rPr lang="en-US" sz="1400" b="0" i="1" smtClean="0">
+                            <a:latin typeface="Cambria Math" panose="02040503050406030204" pitchFamily="18" charset="0"/>
+                          </a:rPr>
+                        </m:ctrlPr>
+                      </m:sSubPr>
+                      <m:e>
+                        <m:r>
+                          <a:rPr lang="en-US" sz="1400" b="0" i="1" smtClean="0">
+                            <a:latin typeface="Cambria Math" panose="02040503050406030204" pitchFamily="18" charset="0"/>
+                          </a:rPr>
+                          <m:t>𝐶</m:t>
+                        </m:r>
+                      </m:e>
+                      <m:sub>
+                        <m:r>
+                          <a:rPr lang="en-US" sz="1400" b="0" i="1" smtClean="0">
+                            <a:latin typeface="Cambria Math" panose="02040503050406030204" pitchFamily="18" charset="0"/>
+                          </a:rPr>
+                          <m:t>2</m:t>
+                        </m:r>
+                      </m:sub>
+                    </m:sSub>
+                    <m:r>
+                      <a:rPr lang="en-US" sz="1400" b="0" i="1" smtClean="0">
+                        <a:latin typeface="Cambria Math" panose="02040503050406030204" pitchFamily="18" charset="0"/>
+                      </a:rPr>
+                      <m:t>, </m:t>
+                    </m:r>
+                    <m:sSub>
+                      <m:sSubPr>
+                        <m:ctrlPr>
+                          <a:rPr lang="en-US" sz="1400" b="0" i="1" smtClean="0">
+                            <a:latin typeface="Cambria Math" panose="02040503050406030204" pitchFamily="18" charset="0"/>
+                          </a:rPr>
+                        </m:ctrlPr>
+                      </m:sSubPr>
+                      <m:e>
+                        <m:r>
+                          <a:rPr lang="en-US" sz="1400" b="0" i="1" smtClean="0">
+                            <a:latin typeface="Cambria Math" panose="02040503050406030204" pitchFamily="18" charset="0"/>
+                          </a:rPr>
+                          <m:t>𝑆</m:t>
+                        </m:r>
+                      </m:e>
+                      <m:sub>
+                        <m:r>
+                          <a:rPr lang="en-US" sz="1400" b="0" i="1" smtClean="0">
+                            <a:latin typeface="Cambria Math" panose="02040503050406030204" pitchFamily="18" charset="0"/>
+                          </a:rPr>
+                          <m:t>2</m:t>
+                        </m:r>
+                      </m:sub>
+                    </m:sSub>
+                  </m:oMath>
+                </a14:m>
+                <a:r>
+                  <a:rPr lang="en-US" sz="1400" dirty="0"/>
+                  <a:t>)</a:t>
+                </a:r>
+              </a:p>
+            </p:txBody>
+          </p:sp>
+        </mc:Choice>
+        <mc:Fallback>
+          <p:sp>
+            <p:nvSpPr>
+              <p:cNvPr id="59" name="TextBox 58">
+                <a:extLst>
+                  <a:ext uri="{FF2B5EF4-FFF2-40B4-BE49-F238E27FC236}">
+                    <a16:creationId xmlns:a16="http://schemas.microsoft.com/office/drawing/2014/main" id="{BB3B8DDF-C486-4405-954A-665BCDCA28EC}"/>
+                  </a:ext>
+                </a:extLst>
+              </p:cNvPr>
+              <p:cNvSpPr txBox="1">
+                <a:spLocks noRot="1" noChangeAspect="1" noMove="1" noResize="1" noEditPoints="1" noAdjustHandles="1" noChangeArrowheads="1" noChangeShapeType="1" noTextEdit="1"/>
+              </p:cNvSpPr>
+              <p:nvPr/>
+            </p:nvSpPr>
+            <p:spPr>
+              <a:xfrm>
+                <a:off x="8243975" y="3607516"/>
+                <a:ext cx="953659" cy="307777"/>
+              </a:xfrm>
+              <a:prstGeom prst="rect">
+                <a:avLst/>
+              </a:prstGeom>
+              <a:blipFill>
+                <a:blip r:embed="rId4"/>
+                <a:stretch>
+                  <a:fillRect l="-1911" t="-4000" r="-637" b="-20000"/>
+                </a:stretch>
+              </a:blipFill>
+            </p:spPr>
+            <p:txBody>
+              <a:bodyPr/>
+              <a:lstStyle/>
+              <a:p>
+                <a:r>
+                  <a:rPr lang="en-US">
+                    <a:noFill/>
+                  </a:rPr>
+                  <a:t> </a:t>
+                </a:r>
+              </a:p>
+            </p:txBody>
+          </p:sp>
+        </mc:Fallback>
+      </mc:AlternateContent>
+      <mc:AlternateContent xmlns:mc="http://schemas.openxmlformats.org/markup-compatibility/2006">
+        <mc:Choice xmlns:a14="http://schemas.microsoft.com/office/drawing/2010/main" Requires="a14">
+          <p:sp>
+            <p:nvSpPr>
+              <p:cNvPr id="60" name="TextBox 59">
+                <a:extLst>
+                  <a:ext uri="{FF2B5EF4-FFF2-40B4-BE49-F238E27FC236}">
+                    <a16:creationId xmlns:a16="http://schemas.microsoft.com/office/drawing/2014/main" id="{71AC768D-1E8A-4770-8074-5A51ACC44C43}"/>
+                  </a:ext>
+                </a:extLst>
+              </p:cNvPr>
+              <p:cNvSpPr txBox="1"/>
+              <p:nvPr/>
+            </p:nvSpPr>
+            <p:spPr>
+              <a:xfrm>
+                <a:off x="7873860" y="4509719"/>
+                <a:ext cx="2527167" cy="1166666"/>
+              </a:xfrm>
+              <a:prstGeom prst="rect">
+                <a:avLst/>
+              </a:prstGeom>
+              <a:noFill/>
+              <a:ln>
+                <a:solidFill>
+                  <a:schemeClr val="accent2"/>
+                </a:solidFill>
+              </a:ln>
+            </p:spPr>
+            <p:txBody>
+              <a:bodyPr wrap="none" rtlCol="0">
+                <a:spAutoFit/>
+              </a:bodyPr>
+              <a:lstStyle/>
+              <a:p>
+                <a:pPr>
+                  <a:lnSpc>
+                    <a:spcPct val="150000"/>
+                  </a:lnSpc>
+                </a:pPr>
+                <a14:m>
+                  <m:oMath xmlns:m="http://schemas.openxmlformats.org/officeDocument/2006/math">
+                    <m:r>
+                      <a:rPr lang="en-US" sz="1200" b="0" i="1" smtClean="0">
+                        <a:latin typeface="Cambria Math" panose="02040503050406030204" pitchFamily="18" charset="0"/>
+                      </a:rPr>
+                      <m:t>𝑁</m:t>
+                    </m:r>
+                    <m:r>
+                      <a:rPr lang="en-US" sz="1200" b="0" i="1" smtClean="0">
+                        <a:latin typeface="Cambria Math" panose="02040503050406030204" pitchFamily="18" charset="0"/>
+                      </a:rPr>
+                      <m:t>= </m:t>
+                    </m:r>
+                    <m:sSub>
+                      <m:sSubPr>
+                        <m:ctrlPr>
+                          <a:rPr lang="en-US" sz="1200" i="1" smtClean="0">
+                            <a:latin typeface="Cambria Math" panose="02040503050406030204" pitchFamily="18" charset="0"/>
+                          </a:rPr>
+                        </m:ctrlPr>
+                      </m:sSubPr>
+                      <m:e>
+                        <m:r>
+                          <a:rPr lang="en-US" sz="1200" b="0" i="1" smtClean="0">
+                            <a:latin typeface="Cambria Math" panose="02040503050406030204" pitchFamily="18" charset="0"/>
+                          </a:rPr>
+                          <m:t>𝑥</m:t>
+                        </m:r>
+                      </m:e>
+                      <m:sub>
+                        <m:r>
+                          <a:rPr lang="en-US" sz="1200" b="0" i="1" smtClean="0">
+                            <a:latin typeface="Cambria Math" panose="02040503050406030204" pitchFamily="18" charset="0"/>
+                          </a:rPr>
+                          <m:t>1</m:t>
+                        </m:r>
+                      </m:sub>
+                    </m:sSub>
+                    <m:r>
+                      <a:rPr lang="en-US" sz="1200" b="0" i="1" smtClean="0">
+                        <a:latin typeface="Cambria Math" panose="02040503050406030204" pitchFamily="18" charset="0"/>
+                      </a:rPr>
+                      <m:t>+</m:t>
+                    </m:r>
+                    <m:sSub>
+                      <m:sSubPr>
+                        <m:ctrlPr>
+                          <a:rPr lang="en-US" sz="1200" i="1">
+                            <a:latin typeface="Cambria Math" panose="02040503050406030204" pitchFamily="18" charset="0"/>
+                          </a:rPr>
+                        </m:ctrlPr>
+                      </m:sSubPr>
+                      <m:e>
+                        <m:r>
+                          <a:rPr lang="en-US" sz="1200" b="0" i="1" smtClean="0">
+                            <a:latin typeface="Cambria Math" panose="02040503050406030204" pitchFamily="18" charset="0"/>
+                          </a:rPr>
+                          <m:t>𝑥</m:t>
+                        </m:r>
+                      </m:e>
+                      <m:sub>
+                        <m:r>
+                          <a:rPr lang="en-US" sz="1200" b="0" i="1" smtClean="0">
+                            <a:latin typeface="Cambria Math" panose="02040503050406030204" pitchFamily="18" charset="0"/>
+                          </a:rPr>
+                          <m:t>6</m:t>
+                        </m:r>
+                      </m:sub>
+                    </m:sSub>
+                  </m:oMath>
+                </a14:m>
+                <a:r>
+                  <a:rPr lang="en-US" sz="1200" dirty="0"/>
+                  <a:t> + </a:t>
+                </a:r>
+                <a14:m>
+                  <m:oMath xmlns:m="http://schemas.openxmlformats.org/officeDocument/2006/math">
+                    <m:sSub>
+                      <m:sSubPr>
+                        <m:ctrlPr>
+                          <a:rPr lang="en-US" sz="1200" i="1">
+                            <a:latin typeface="Cambria Math" panose="02040503050406030204" pitchFamily="18" charset="0"/>
+                          </a:rPr>
+                        </m:ctrlPr>
+                      </m:sSubPr>
+                      <m:e>
+                        <m:r>
+                          <a:rPr lang="en-US" sz="1200" b="0" i="1" smtClean="0">
+                            <a:latin typeface="Cambria Math" panose="02040503050406030204" pitchFamily="18" charset="0"/>
+                          </a:rPr>
+                          <m:t>𝑥</m:t>
+                        </m:r>
+                      </m:e>
+                      <m:sub>
+                        <m:r>
+                          <a:rPr lang="en-US" sz="1200" b="0" i="1" smtClean="0">
+                            <a:latin typeface="Cambria Math" panose="02040503050406030204" pitchFamily="18" charset="0"/>
+                          </a:rPr>
+                          <m:t>2</m:t>
+                        </m:r>
+                      </m:sub>
+                    </m:sSub>
+                  </m:oMath>
+                </a14:m>
+                <a:endParaRPr lang="en-US" sz="1200" dirty="0"/>
+              </a:p>
+              <a:p>
+                <a:pPr>
+                  <a:lnSpc>
+                    <a:spcPct val="150000"/>
+                  </a:lnSpc>
+                </a:pPr>
+                <a14:m>
+                  <m:oMathPara xmlns:m="http://schemas.openxmlformats.org/officeDocument/2006/math">
+                    <m:oMathParaPr>
+                      <m:jc m:val="left"/>
+                    </m:oMathParaPr>
+                    <m:oMath xmlns:m="http://schemas.openxmlformats.org/officeDocument/2006/math">
+                      <m:r>
+                        <a:rPr lang="en-US" sz="1200" b="0" i="1" smtClean="0">
+                          <a:latin typeface="Cambria Math" panose="02040503050406030204" pitchFamily="18" charset="0"/>
+                        </a:rPr>
+                        <m:t>𝐶</m:t>
+                      </m:r>
+                      <m:r>
+                        <a:rPr lang="en-US" sz="1200" b="0" i="1" smtClean="0">
+                          <a:latin typeface="Cambria Math" panose="02040503050406030204" pitchFamily="18" charset="0"/>
+                        </a:rPr>
+                        <m:t>= </m:t>
+                      </m:r>
+                      <m:sSub>
+                        <m:sSubPr>
+                          <m:ctrlPr>
+                            <a:rPr lang="en-US" sz="1200" i="1">
+                              <a:latin typeface="Cambria Math" panose="02040503050406030204" pitchFamily="18" charset="0"/>
+                            </a:rPr>
+                          </m:ctrlPr>
+                        </m:sSubPr>
+                        <m:e>
+                          <m:r>
+                            <a:rPr lang="en-US" sz="1200" b="0" i="1" smtClean="0">
+                              <a:latin typeface="Cambria Math" panose="02040503050406030204" pitchFamily="18" charset="0"/>
+                            </a:rPr>
+                            <m:t>𝐶</m:t>
+                          </m:r>
+                        </m:e>
+                        <m:sub>
+                          <m:r>
+                            <a:rPr lang="en-US" sz="1200" b="0" i="1" smtClean="0">
+                              <a:latin typeface="Cambria Math" panose="02040503050406030204" pitchFamily="18" charset="0"/>
+                            </a:rPr>
+                            <m:t>6</m:t>
+                          </m:r>
+                        </m:sub>
+                      </m:sSub>
+                      <m:r>
+                        <a:rPr lang="en-US" sz="1200" b="0" i="0" smtClean="0">
+                          <a:latin typeface="Cambria Math" panose="02040503050406030204" pitchFamily="18" charset="0"/>
+                        </a:rPr>
+                        <m:t>+</m:t>
+                      </m:r>
+                      <m:sSub>
+                        <m:sSubPr>
+                          <m:ctrlPr>
+                            <a:rPr lang="en-US" sz="1200" i="1">
+                              <a:latin typeface="Cambria Math" panose="02040503050406030204" pitchFamily="18" charset="0"/>
+                            </a:rPr>
+                          </m:ctrlPr>
+                        </m:sSubPr>
+                        <m:e>
+                          <m:r>
+                            <a:rPr lang="en-US" sz="1200" b="0" i="1" smtClean="0">
+                              <a:latin typeface="Cambria Math" panose="02040503050406030204" pitchFamily="18" charset="0"/>
+                            </a:rPr>
+                            <m:t>𝐶</m:t>
+                          </m:r>
+                        </m:e>
+                        <m:sub>
+                          <m:r>
+                            <a:rPr lang="en-US" sz="1200" b="0" i="1" smtClean="0">
+                              <a:latin typeface="Cambria Math" panose="02040503050406030204" pitchFamily="18" charset="0"/>
+                            </a:rPr>
+                            <m:t>2</m:t>
+                          </m:r>
+                        </m:sub>
+                      </m:sSub>
+                    </m:oMath>
+                  </m:oMathPara>
+                </a14:m>
+                <a:endParaRPr lang="en-US" sz="1200" dirty="0"/>
+              </a:p>
+              <a:p>
+                <a:pPr>
+                  <a:lnSpc>
+                    <a:spcPct val="150000"/>
+                  </a:lnSpc>
+                </a:pPr>
+                <a14:m>
+                  <m:oMathPara xmlns:m="http://schemas.openxmlformats.org/officeDocument/2006/math">
+                    <m:oMathParaPr>
+                      <m:jc m:val="left"/>
+                    </m:oMathParaPr>
+                    <m:oMath xmlns:m="http://schemas.openxmlformats.org/officeDocument/2006/math">
+                      <m:r>
+                        <a:rPr lang="en-US" sz="1200" b="0" i="1" smtClean="0">
+                          <a:latin typeface="Cambria Math" panose="02040503050406030204" pitchFamily="18" charset="0"/>
+                        </a:rPr>
+                        <m:t>𝑆</m:t>
+                      </m:r>
+                      <m:r>
+                        <a:rPr lang="en-US" sz="1200" b="0" i="1" smtClean="0">
+                          <a:latin typeface="Cambria Math" panose="02040503050406030204" pitchFamily="18" charset="0"/>
+                        </a:rPr>
+                        <m:t>= </m:t>
+                      </m:r>
+                      <m:f>
+                        <m:fPr>
+                          <m:ctrlPr>
+                            <a:rPr lang="en-US" sz="1200" b="0" i="1" smtClean="0">
+                              <a:latin typeface="Cambria Math" panose="02040503050406030204" pitchFamily="18" charset="0"/>
+                            </a:rPr>
+                          </m:ctrlPr>
+                        </m:fPr>
+                        <m:num>
+                          <m:sSub>
+                            <m:sSubPr>
+                              <m:ctrlPr>
+                                <a:rPr lang="en-US" sz="1200" b="0" i="1" smtClean="0">
+                                  <a:latin typeface="Cambria Math" panose="02040503050406030204" pitchFamily="18" charset="0"/>
+                                </a:rPr>
+                              </m:ctrlPr>
+                            </m:sSubPr>
+                            <m:e>
+                              <m:r>
+                                <a:rPr lang="en-US" sz="1200" b="0" i="1" smtClean="0">
+                                  <a:latin typeface="Cambria Math" panose="02040503050406030204" pitchFamily="18" charset="0"/>
+                                </a:rPr>
+                                <m:t>𝐶</m:t>
+                              </m:r>
+                            </m:e>
+                            <m:sub>
+                              <m:r>
+                                <a:rPr lang="en-US" sz="1200" b="0" i="1" smtClean="0">
+                                  <a:latin typeface="Cambria Math" panose="02040503050406030204" pitchFamily="18" charset="0"/>
+                                </a:rPr>
+                                <m:t>6</m:t>
+                              </m:r>
+                            </m:sub>
+                          </m:sSub>
+                          <m:r>
+                            <a:rPr lang="en-US" sz="1200" b="0" i="1" smtClean="0">
+                              <a:latin typeface="Cambria Math" panose="02040503050406030204" pitchFamily="18" charset="0"/>
+                            </a:rPr>
+                            <m:t>−</m:t>
+                          </m:r>
+                          <m:sSub>
+                            <m:sSubPr>
+                              <m:ctrlPr>
+                                <a:rPr lang="en-US" sz="1200" b="0" i="1" smtClean="0">
+                                  <a:latin typeface="Cambria Math" panose="02040503050406030204" pitchFamily="18" charset="0"/>
+                                </a:rPr>
+                              </m:ctrlPr>
+                            </m:sSubPr>
+                            <m:e>
+                              <m:r>
+                                <a:rPr lang="en-US" sz="1200" b="0" i="1" smtClean="0">
+                                  <a:latin typeface="Cambria Math" panose="02040503050406030204" pitchFamily="18" charset="0"/>
+                                </a:rPr>
+                                <m:t>𝐶</m:t>
+                              </m:r>
+                            </m:e>
+                            <m:sub>
+                              <m:r>
+                                <a:rPr lang="en-US" sz="1200" b="0" i="1" smtClean="0">
+                                  <a:latin typeface="Cambria Math" panose="02040503050406030204" pitchFamily="18" charset="0"/>
+                                </a:rPr>
+                                <m:t>1</m:t>
+                              </m:r>
+                            </m:sub>
+                          </m:sSub>
+                        </m:num>
+                        <m:den>
+                          <m:r>
+                            <a:rPr lang="en-US" sz="1200" b="0" i="1" smtClean="0">
+                              <a:latin typeface="Cambria Math" panose="02040503050406030204" pitchFamily="18" charset="0"/>
+                            </a:rPr>
+                            <m:t>𝐶</m:t>
+                          </m:r>
+                        </m:den>
+                      </m:f>
+                      <m:r>
+                        <a:rPr lang="en-US" sz="1200" b="0" i="1" smtClean="0">
+                          <a:latin typeface="Cambria Math" panose="02040503050406030204" pitchFamily="18" charset="0"/>
+                          <a:ea typeface="Cambria Math" panose="02040503050406030204" pitchFamily="18" charset="0"/>
+                        </a:rPr>
+                        <m:t>∙</m:t>
+                      </m:r>
+                      <m:sSub>
+                        <m:sSubPr>
+                          <m:ctrlPr>
+                            <a:rPr lang="en-US" sz="1200" b="0" i="1" smtClean="0">
+                              <a:latin typeface="Cambria Math" panose="02040503050406030204" pitchFamily="18" charset="0"/>
+                              <a:ea typeface="Cambria Math" panose="02040503050406030204" pitchFamily="18" charset="0"/>
+                            </a:rPr>
+                          </m:ctrlPr>
+                        </m:sSubPr>
+                        <m:e>
+                          <m:r>
+                            <a:rPr lang="en-US" sz="1200" b="0" i="1" smtClean="0">
+                              <a:latin typeface="Cambria Math" panose="02040503050406030204" pitchFamily="18" charset="0"/>
+                              <a:ea typeface="Cambria Math" panose="02040503050406030204" pitchFamily="18" charset="0"/>
+                            </a:rPr>
+                            <m:t>𝑆</m:t>
+                          </m:r>
+                        </m:e>
+                        <m:sub>
+                          <m:r>
+                            <a:rPr lang="en-US" sz="1200" b="0" i="1" smtClean="0">
+                              <a:latin typeface="Cambria Math" panose="02040503050406030204" pitchFamily="18" charset="0"/>
+                              <a:ea typeface="Cambria Math" panose="02040503050406030204" pitchFamily="18" charset="0"/>
+                            </a:rPr>
+                            <m:t>6</m:t>
+                          </m:r>
+                        </m:sub>
+                      </m:sSub>
+                      <m:r>
+                        <a:rPr lang="en-US" sz="1200" b="0" i="1" smtClean="0">
+                          <a:latin typeface="Cambria Math" panose="02040503050406030204" pitchFamily="18" charset="0"/>
+                          <a:ea typeface="Cambria Math" panose="02040503050406030204" pitchFamily="18" charset="0"/>
+                        </a:rPr>
+                        <m:t>+</m:t>
+                      </m:r>
+                      <m:f>
+                        <m:fPr>
+                          <m:ctrlPr>
+                            <a:rPr lang="en-US" sz="1200" b="0" i="1" smtClean="0">
+                              <a:latin typeface="Cambria Math" panose="02040503050406030204" pitchFamily="18" charset="0"/>
+                            </a:rPr>
+                          </m:ctrlPr>
+                        </m:fPr>
+                        <m:num>
+                          <m:sSub>
+                            <m:sSubPr>
+                              <m:ctrlPr>
+                                <a:rPr lang="en-US" sz="1200" b="0" i="1" smtClean="0">
+                                  <a:latin typeface="Cambria Math" panose="02040503050406030204" pitchFamily="18" charset="0"/>
+                                </a:rPr>
+                              </m:ctrlPr>
+                            </m:sSubPr>
+                            <m:e>
+                              <m:r>
+                                <a:rPr lang="en-US" sz="1200" b="0" i="1" smtClean="0">
+                                  <a:latin typeface="Cambria Math" panose="02040503050406030204" pitchFamily="18" charset="0"/>
+                                </a:rPr>
+                                <m:t>𝐶</m:t>
+                              </m:r>
+                            </m:e>
+                            <m:sub>
+                              <m:r>
+                                <a:rPr lang="en-US" sz="1200" b="0" i="1" smtClean="0">
+                                  <a:latin typeface="Cambria Math" panose="02040503050406030204" pitchFamily="18" charset="0"/>
+                                </a:rPr>
+                                <m:t>1</m:t>
+                              </m:r>
+                            </m:sub>
+                          </m:sSub>
+                        </m:num>
+                        <m:den>
+                          <m:r>
+                            <a:rPr lang="en-US" sz="1200" b="0" i="1" smtClean="0">
+                              <a:latin typeface="Cambria Math" panose="02040503050406030204" pitchFamily="18" charset="0"/>
+                            </a:rPr>
+                            <m:t>𝐶</m:t>
+                          </m:r>
+                        </m:den>
+                      </m:f>
+                      <m:r>
+                        <a:rPr lang="en-US" sz="1200" b="0" i="1" smtClean="0">
+                          <a:latin typeface="Cambria Math" panose="02040503050406030204" pitchFamily="18" charset="0"/>
+                          <a:ea typeface="Cambria Math" panose="02040503050406030204" pitchFamily="18" charset="0"/>
+                        </a:rPr>
+                        <m:t>∙</m:t>
+                      </m:r>
+                      <m:sSub>
+                        <m:sSubPr>
+                          <m:ctrlPr>
+                            <a:rPr lang="en-US" sz="1200" b="0" i="1" smtClean="0">
+                              <a:latin typeface="Cambria Math" panose="02040503050406030204" pitchFamily="18" charset="0"/>
+                              <a:ea typeface="Cambria Math" panose="02040503050406030204" pitchFamily="18" charset="0"/>
+                            </a:rPr>
+                          </m:ctrlPr>
+                        </m:sSubPr>
+                        <m:e>
+                          <m:r>
+                            <a:rPr lang="en-US" sz="1200" b="0" i="1" smtClean="0">
+                              <a:latin typeface="Cambria Math" panose="02040503050406030204" pitchFamily="18" charset="0"/>
+                              <a:ea typeface="Cambria Math" panose="02040503050406030204" pitchFamily="18" charset="0"/>
+                            </a:rPr>
+                            <m:t>𝑆</m:t>
+                          </m:r>
+                        </m:e>
+                        <m:sub>
+                          <m:r>
+                            <a:rPr lang="en-US" sz="1200" b="0" i="1" smtClean="0">
+                              <a:latin typeface="Cambria Math" panose="02040503050406030204" pitchFamily="18" charset="0"/>
+                              <a:ea typeface="Cambria Math" panose="02040503050406030204" pitchFamily="18" charset="0"/>
+                            </a:rPr>
+                            <m:t>1</m:t>
+                          </m:r>
+                        </m:sub>
+                      </m:sSub>
+                      <m:r>
+                        <a:rPr lang="en-US" sz="1200" b="0" i="1" smtClean="0">
+                          <a:latin typeface="Cambria Math" panose="02040503050406030204" pitchFamily="18" charset="0"/>
+                          <a:ea typeface="Cambria Math" panose="02040503050406030204" pitchFamily="18" charset="0"/>
+                        </a:rPr>
+                        <m:t>+</m:t>
+                      </m:r>
+                      <m:f>
+                        <m:fPr>
+                          <m:ctrlPr>
+                            <a:rPr lang="en-US" sz="1200" b="0" i="1" smtClean="0">
+                              <a:latin typeface="Cambria Math" panose="02040503050406030204" pitchFamily="18" charset="0"/>
+                            </a:rPr>
+                          </m:ctrlPr>
+                        </m:fPr>
+                        <m:num>
+                          <m:sSub>
+                            <m:sSubPr>
+                              <m:ctrlPr>
+                                <a:rPr lang="en-US" sz="1200" b="0" i="1" smtClean="0">
+                                  <a:latin typeface="Cambria Math" panose="02040503050406030204" pitchFamily="18" charset="0"/>
+                                </a:rPr>
+                              </m:ctrlPr>
+                            </m:sSubPr>
+                            <m:e>
+                              <m:r>
+                                <a:rPr lang="en-US" sz="1200" b="0" i="1" smtClean="0">
+                                  <a:latin typeface="Cambria Math" panose="02040503050406030204" pitchFamily="18" charset="0"/>
+                                </a:rPr>
+                                <m:t>𝐶</m:t>
+                              </m:r>
+                            </m:e>
+                            <m:sub>
+                              <m:r>
+                                <a:rPr lang="en-US" sz="1200" b="0" i="1" smtClean="0">
+                                  <a:latin typeface="Cambria Math" panose="02040503050406030204" pitchFamily="18" charset="0"/>
+                                </a:rPr>
+                                <m:t>2</m:t>
+                              </m:r>
+                            </m:sub>
+                          </m:sSub>
+                        </m:num>
+                        <m:den>
+                          <m:r>
+                            <a:rPr lang="en-US" sz="1200" b="0" i="1" smtClean="0">
+                              <a:latin typeface="Cambria Math" panose="02040503050406030204" pitchFamily="18" charset="0"/>
+                            </a:rPr>
+                            <m:t>𝐶</m:t>
+                          </m:r>
+                        </m:den>
+                      </m:f>
+                      <m:r>
+                        <a:rPr lang="en-US" sz="1200" b="0" i="1" smtClean="0">
+                          <a:latin typeface="Cambria Math" panose="02040503050406030204" pitchFamily="18" charset="0"/>
+                          <a:ea typeface="Cambria Math" panose="02040503050406030204" pitchFamily="18" charset="0"/>
+                        </a:rPr>
+                        <m:t>∙</m:t>
+                      </m:r>
+                      <m:sSub>
+                        <m:sSubPr>
+                          <m:ctrlPr>
+                            <a:rPr lang="en-US" sz="1200" b="0" i="1" smtClean="0">
+                              <a:latin typeface="Cambria Math" panose="02040503050406030204" pitchFamily="18" charset="0"/>
+                              <a:ea typeface="Cambria Math" panose="02040503050406030204" pitchFamily="18" charset="0"/>
+                            </a:rPr>
+                          </m:ctrlPr>
+                        </m:sSubPr>
+                        <m:e>
+                          <m:r>
+                            <a:rPr lang="en-US" sz="1200" b="0" i="1" smtClean="0">
+                              <a:latin typeface="Cambria Math" panose="02040503050406030204" pitchFamily="18" charset="0"/>
+                              <a:ea typeface="Cambria Math" panose="02040503050406030204" pitchFamily="18" charset="0"/>
+                            </a:rPr>
+                            <m:t>𝑆</m:t>
+                          </m:r>
+                        </m:e>
+                        <m:sub>
+                          <m:r>
+                            <a:rPr lang="en-US" sz="1200" b="0" i="1" smtClean="0">
+                              <a:latin typeface="Cambria Math" panose="02040503050406030204" pitchFamily="18" charset="0"/>
+                              <a:ea typeface="Cambria Math" panose="02040503050406030204" pitchFamily="18" charset="0"/>
+                            </a:rPr>
+                            <m:t>2</m:t>
+                          </m:r>
+                        </m:sub>
+                      </m:sSub>
+                    </m:oMath>
+                  </m:oMathPara>
+                </a14:m>
+                <a:endParaRPr lang="en-US" sz="1200" dirty="0"/>
+              </a:p>
+            </p:txBody>
+          </p:sp>
+        </mc:Choice>
+        <mc:Fallback>
+          <p:sp>
+            <p:nvSpPr>
+              <p:cNvPr id="60" name="TextBox 59">
+                <a:extLst>
+                  <a:ext uri="{FF2B5EF4-FFF2-40B4-BE49-F238E27FC236}">
+                    <a16:creationId xmlns:a16="http://schemas.microsoft.com/office/drawing/2014/main" id="{71AC768D-1E8A-4770-8074-5A51ACC44C43}"/>
+                  </a:ext>
+                </a:extLst>
+              </p:cNvPr>
+              <p:cNvSpPr txBox="1">
+                <a:spLocks noRot="1" noChangeAspect="1" noMove="1" noResize="1" noEditPoints="1" noAdjustHandles="1" noChangeArrowheads="1" noChangeShapeType="1" noTextEdit="1"/>
+              </p:cNvSpPr>
+              <p:nvPr/>
+            </p:nvSpPr>
+            <p:spPr>
+              <a:xfrm>
+                <a:off x="7873860" y="4509719"/>
+                <a:ext cx="2527167" cy="1166666"/>
+              </a:xfrm>
+              <a:prstGeom prst="rect">
+                <a:avLst/>
+              </a:prstGeom>
+              <a:blipFill>
+                <a:blip r:embed="rId5"/>
+                <a:stretch>
+                  <a:fillRect/>
+                </a:stretch>
+              </a:blipFill>
+              <a:ln>
+                <a:solidFill>
+                  <a:schemeClr val="accent2"/>
+                </a:solidFill>
+              </a:ln>
+            </p:spPr>
+            <p:txBody>
+              <a:bodyPr/>
+              <a:lstStyle/>
+              <a:p>
+                <a:r>
+                  <a:rPr lang="en-US">
+                    <a:noFill/>
+                  </a:rPr>
+                  <a:t> </a:t>
+                </a:r>
+              </a:p>
+            </p:txBody>
+          </p:sp>
+        </mc:Fallback>
+      </mc:AlternateContent>
+    </p:spTree>
+    <p:extLst>
+      <p:ext uri="{BB962C8B-B14F-4D97-AF65-F5344CB8AC3E}">
+        <p14:creationId xmlns:p14="http://schemas.microsoft.com/office/powerpoint/2010/main" val="306913145"/>
+      </p:ext>
+    </p:extLst>
+  </p:cSld>
+  <p:clrMapOvr>
+    <a:masterClrMapping/>
+  </p:clrMapOvr>
+</p:sld>
+</file>
+
+<file path=ppt/slides/slide3.xml><?xml version="1.0" encoding="utf-8"?>
+<p:sld xmlns:a="http://schemas.openxmlformats.org/drawingml/2006/main" xmlns:r="http://schemas.openxmlformats.org/officeDocument/2006/relationships" xmlns:p="http://schemas.openxmlformats.org/presentationml/2006/main">
+  <p:cSld>
+    <p:spTree>
+      <p:nvGrpSpPr>
+        <p:cNvPr id="1" name=""/>
+        <p:cNvGrpSpPr/>
+        <p:nvPr/>
+      </p:nvGrpSpPr>
+      <p:grpSpPr>
+        <a:xfrm>
+          <a:off x="0" y="0"/>
+          <a:ext cx="0" cy="0"/>
+          <a:chOff x="0" y="0"/>
+          <a:chExt cx="0" cy="0"/>
+        </a:xfrm>
+      </p:grpSpPr>
+      <p:sp>
+        <p:nvSpPr>
+          <p:cNvPr id="3" name="Subtitle 2">
+            <a:extLst>
+              <a:ext uri="{FF2B5EF4-FFF2-40B4-BE49-F238E27FC236}">
+                <a16:creationId xmlns:a16="http://schemas.microsoft.com/office/drawing/2014/main" id="{E990D022-3A63-4C96-B03D-B505DCC90AD3}"/>
+              </a:ext>
+            </a:extLst>
+          </p:cNvPr>
+          <p:cNvSpPr>
+            <a:spLocks noGrp="1"/>
+          </p:cNvSpPr>
+          <p:nvPr>
+            <p:ph type="subTitle" idx="1"/>
+          </p:nvPr>
+        </p:nvSpPr>
+        <p:spPr>
+          <a:xfrm>
+            <a:off x="108155" y="111586"/>
+            <a:ext cx="9144000" cy="419356"/>
+          </a:xfrm>
+        </p:spPr>
+        <p:txBody>
+          <a:bodyPr>
+            <a:normAutofit lnSpcReduction="10000"/>
+          </a:bodyPr>
+          <a:lstStyle/>
+          <a:p>
+            <a:pPr algn="l"/>
+            <a:r>
+              <a:rPr lang="en-US" dirty="0"/>
+              <a:t>Problem formulation</a:t>
+            </a:r>
+          </a:p>
+        </p:txBody>
+      </p:sp>
+      <p:pic>
+        <p:nvPicPr>
+          <p:cNvPr id="61" name="Picture 60">
+            <a:extLst>
+              <a:ext uri="{FF2B5EF4-FFF2-40B4-BE49-F238E27FC236}">
+                <a16:creationId xmlns:a16="http://schemas.microsoft.com/office/drawing/2014/main" id="{EDCF281C-AD93-4E54-9F1B-6BE72A4C5516}"/>
+              </a:ext>
+            </a:extLst>
+          </p:cNvPr>
+          <p:cNvPicPr>
+            <a:picLocks noChangeAspect="1"/>
+          </p:cNvPicPr>
+          <p:nvPr/>
+        </p:nvPicPr>
+        <p:blipFill>
+          <a:blip r:embed="rId2">
+            <a:extLst>
+              <a:ext uri="{28A0092B-C50C-407E-A947-70E740481C1C}">
+                <a14:useLocalDpi xmlns:a14="http://schemas.microsoft.com/office/drawing/2010/main" val="0"/>
+              </a:ext>
+            </a:extLst>
+          </a:blip>
+          <a:stretch>
+            <a:fillRect/>
+          </a:stretch>
+        </p:blipFill>
+        <p:spPr>
+          <a:xfrm>
+            <a:off x="1197874" y="1166014"/>
+            <a:ext cx="7938225" cy="3386079"/>
+          </a:xfrm>
+          <a:prstGeom prst="rect">
+            <a:avLst/>
+          </a:prstGeom>
+        </p:spPr>
+      </p:pic>
+    </p:spTree>
+    <p:extLst>
+      <p:ext uri="{BB962C8B-B14F-4D97-AF65-F5344CB8AC3E}">
+        <p14:creationId xmlns:p14="http://schemas.microsoft.com/office/powerpoint/2010/main" val="2363150278"/>
+      </p:ext>
+    </p:extLst>
+  </p:cSld>
+  <p:clrMapOvr>
+    <a:masterClrMapping/>
+  </p:clrMapOvr>
+</p:sld>
+</file>
+
+<file path=ppt/slides/slide4.xml><?xml version="1.0" encoding="utf-8"?>
+<p:sld xmlns:a="http://schemas.openxmlformats.org/drawingml/2006/main" xmlns:r="http://schemas.openxmlformats.org/officeDocument/2006/relationships" xmlns:p="http://schemas.openxmlformats.org/presentationml/2006/main">
+  <p:cSld>
+    <p:spTree>
+      <p:nvGrpSpPr>
+        <p:cNvPr id="1" name=""/>
+        <p:cNvGrpSpPr/>
+        <p:nvPr/>
+      </p:nvGrpSpPr>
+      <p:grpSpPr>
+        <a:xfrm>
+          <a:off x="0" y="0"/>
+          <a:ext cx="0" cy="0"/>
+          <a:chOff x="0" y="0"/>
+          <a:chExt cx="0" cy="0"/>
+        </a:xfrm>
+      </p:grpSpPr>
+      <p:sp>
+        <p:nvSpPr>
           <p:cNvPr id="5" name="Rectangle 4">
             <a:extLst>
               <a:ext uri="{FF2B5EF4-FFF2-40B4-BE49-F238E27FC236}">
@@ -4466,8 +8563,8 @@
           </a:fontRef>
         </p:style>
       </p:cxnSp>
-      <mc:AlternateContent xmlns:mc="http://schemas.openxmlformats.org/markup-compatibility/2006">
-        <mc:Choice xmlns:a14="http://schemas.microsoft.com/office/drawing/2010/main" Requires="a14">
+      <mc:AlternateContent xmlns:mc="http://schemas.openxmlformats.org/markup-compatibility/2006" xmlns:a14="http://schemas.microsoft.com/office/drawing/2010/main">
+        <mc:Choice Requires="a14">
           <p:sp>
             <p:nvSpPr>
               <p:cNvPr id="83" name="TextBox 82">
@@ -4536,7 +8633,7 @@
             </p:txBody>
           </p:sp>
         </mc:Choice>
-        <mc:Fallback>
+        <mc:Fallback xmlns="">
           <p:sp>
             <p:nvSpPr>
               <p:cNvPr id="83" name="TextBox 82">
@@ -4581,8 +8678,8 @@
           </p:sp>
         </mc:Fallback>
       </mc:AlternateContent>
-      <mc:AlternateContent xmlns:mc="http://schemas.openxmlformats.org/markup-compatibility/2006">
-        <mc:Choice xmlns:a14="http://schemas.microsoft.com/office/drawing/2010/main" Requires="a14">
+      <mc:AlternateContent xmlns:mc="http://schemas.openxmlformats.org/markup-compatibility/2006" xmlns:a14="http://schemas.microsoft.com/office/drawing/2010/main">
+        <mc:Choice Requires="a14">
           <p:sp>
             <p:nvSpPr>
               <p:cNvPr id="87" name="TextBox 86">
@@ -4668,7 +8765,7 @@
             </p:txBody>
           </p:sp>
         </mc:Choice>
-        <mc:Fallback>
+        <mc:Fallback xmlns="">
           <p:sp>
             <p:nvSpPr>
               <p:cNvPr id="87" name="TextBox 86">
@@ -4713,8 +8810,8 @@
           </p:sp>
         </mc:Fallback>
       </mc:AlternateContent>
-      <mc:AlternateContent xmlns:mc="http://schemas.openxmlformats.org/markup-compatibility/2006">
-        <mc:Choice xmlns:a14="http://schemas.microsoft.com/office/drawing/2010/main" Requires="a14">
+      <mc:AlternateContent xmlns:mc="http://schemas.openxmlformats.org/markup-compatibility/2006" xmlns:a14="http://schemas.microsoft.com/office/drawing/2010/main">
+        <mc:Choice Requires="a14">
           <p:sp>
             <p:nvSpPr>
               <p:cNvPr id="88" name="TextBox 87">
@@ -4783,7 +8880,7 @@
             </p:txBody>
           </p:sp>
         </mc:Choice>
-        <mc:Fallback>
+        <mc:Fallback xmlns="">
           <p:sp>
             <p:nvSpPr>
               <p:cNvPr id="88" name="TextBox 87">
@@ -4828,8 +8925,8 @@
           </p:sp>
         </mc:Fallback>
       </mc:AlternateContent>
-      <mc:AlternateContent xmlns:mc="http://schemas.openxmlformats.org/markup-compatibility/2006">
-        <mc:Choice xmlns:a14="http://schemas.microsoft.com/office/drawing/2010/main" Requires="a14">
+      <mc:AlternateContent xmlns:mc="http://schemas.openxmlformats.org/markup-compatibility/2006" xmlns:a14="http://schemas.microsoft.com/office/drawing/2010/main">
+        <mc:Choice Requires="a14">
           <p:sp>
             <p:nvSpPr>
               <p:cNvPr id="89" name="TextBox 88">
@@ -4898,7 +8995,7 @@
             </p:txBody>
           </p:sp>
         </mc:Choice>
-        <mc:Fallback>
+        <mc:Fallback xmlns="">
           <p:sp>
             <p:nvSpPr>
               <p:cNvPr id="89" name="TextBox 88">
@@ -4943,8 +9040,8 @@
           </p:sp>
         </mc:Fallback>
       </mc:AlternateContent>
-      <mc:AlternateContent xmlns:mc="http://schemas.openxmlformats.org/markup-compatibility/2006">
-        <mc:Choice xmlns:a14="http://schemas.microsoft.com/office/drawing/2010/main" Requires="a14">
+      <mc:AlternateContent xmlns:mc="http://schemas.openxmlformats.org/markup-compatibility/2006" xmlns:a14="http://schemas.microsoft.com/office/drawing/2010/main">
+        <mc:Choice Requires="a14">
           <p:sp>
             <p:nvSpPr>
               <p:cNvPr id="90" name="TextBox 89">
@@ -5013,7 +9110,7 @@
             </p:txBody>
           </p:sp>
         </mc:Choice>
-        <mc:Fallback>
+        <mc:Fallback xmlns="">
           <p:sp>
             <p:nvSpPr>
               <p:cNvPr id="90" name="TextBox 89">
@@ -5187,8 +9284,8 @@
           </a:p>
         </p:txBody>
       </p:sp>
-      <mc:AlternateContent xmlns:mc="http://schemas.openxmlformats.org/markup-compatibility/2006">
-        <mc:Choice xmlns:a14="http://schemas.microsoft.com/office/drawing/2010/main" Requires="a14">
+      <mc:AlternateContent xmlns:mc="http://schemas.openxmlformats.org/markup-compatibility/2006" xmlns:a14="http://schemas.microsoft.com/office/drawing/2010/main">
+        <mc:Choice Requires="a14">
           <p:sp>
             <p:nvSpPr>
               <p:cNvPr id="65" name="TextBox 64">
@@ -5263,7 +9360,7 @@
             </p:txBody>
           </p:sp>
         </mc:Choice>
-        <mc:Fallback>
+        <mc:Fallback xmlns="">
           <p:sp>
             <p:nvSpPr>
               <p:cNvPr id="65" name="TextBox 64">
@@ -5356,7 +9453,7 @@
 </p:sld>
 </file>
 
-<file path=ppt/slides/slide3.xml><?xml version="1.0" encoding="utf-8"?>
+<file path=ppt/slides/slide5.xml><?xml version="1.0" encoding="utf-8"?>
 <p:sld xmlns:a="http://schemas.openxmlformats.org/drawingml/2006/main" xmlns:r="http://schemas.openxmlformats.org/officeDocument/2006/relationships" xmlns:p="http://schemas.openxmlformats.org/presentationml/2006/main">
   <p:cSld>
     <p:spTree>
@@ -6964,8 +11061,8 @@
           </a:p>
         </p:txBody>
       </p:sp>
-      <mc:AlternateContent xmlns:mc="http://schemas.openxmlformats.org/markup-compatibility/2006">
-        <mc:Choice xmlns:a14="http://schemas.microsoft.com/office/drawing/2010/main" Requires="a14">
+      <mc:AlternateContent xmlns:mc="http://schemas.openxmlformats.org/markup-compatibility/2006" xmlns:a14="http://schemas.microsoft.com/office/drawing/2010/main">
+        <mc:Choice Requires="a14">
           <p:sp>
             <p:nvSpPr>
               <p:cNvPr id="83" name="TextBox 82">
@@ -6994,6 +11091,7 @@
               </a:bodyPr>
               <a:lstStyle/>
               <a:p>
+                <a:pPr/>
                 <a14:m>
                   <m:oMathPara xmlns:m="http://schemas.openxmlformats.org/officeDocument/2006/math">
                     <m:oMathParaPr>
@@ -7033,7 +11131,7 @@
             </p:txBody>
           </p:sp>
         </mc:Choice>
-        <mc:Fallback>
+        <mc:Fallback xmlns="">
           <p:sp>
             <p:nvSpPr>
               <p:cNvPr id="83" name="TextBox 82">
@@ -7078,8 +11176,8 @@
           </p:sp>
         </mc:Fallback>
       </mc:AlternateContent>
-      <mc:AlternateContent xmlns:mc="http://schemas.openxmlformats.org/markup-compatibility/2006">
-        <mc:Choice xmlns:a14="http://schemas.microsoft.com/office/drawing/2010/main" Requires="a14">
+      <mc:AlternateContent xmlns:mc="http://schemas.openxmlformats.org/markup-compatibility/2006" xmlns:a14="http://schemas.microsoft.com/office/drawing/2010/main">
+        <mc:Choice Requires="a14">
           <p:sp>
             <p:nvSpPr>
               <p:cNvPr id="85" name="TextBox 84">
@@ -7108,6 +11206,7 @@
               </a:bodyPr>
               <a:lstStyle/>
               <a:p>
+                <a:pPr/>
                 <a14:m>
                   <m:oMathPara xmlns:m="http://schemas.openxmlformats.org/officeDocument/2006/math">
                     <m:oMathParaPr>
@@ -7153,7 +11252,7 @@
             </p:txBody>
           </p:sp>
         </mc:Choice>
-        <mc:Fallback>
+        <mc:Fallback xmlns="">
           <p:sp>
             <p:nvSpPr>
               <p:cNvPr id="85" name="TextBox 84">
@@ -7198,8 +11297,8 @@
           </p:sp>
         </mc:Fallback>
       </mc:AlternateContent>
-      <mc:AlternateContent xmlns:mc="http://schemas.openxmlformats.org/markup-compatibility/2006">
-        <mc:Choice xmlns:a14="http://schemas.microsoft.com/office/drawing/2010/main" Requires="a14">
+      <mc:AlternateContent xmlns:mc="http://schemas.openxmlformats.org/markup-compatibility/2006" xmlns:a14="http://schemas.microsoft.com/office/drawing/2010/main">
+        <mc:Choice Requires="a14">
           <p:sp>
             <p:nvSpPr>
               <p:cNvPr id="87" name="TextBox 86">
@@ -7228,6 +11327,7 @@
               </a:bodyPr>
               <a:lstStyle/>
               <a:p>
+                <a:pPr/>
                 <a14:m>
                   <m:oMathPara xmlns:m="http://schemas.openxmlformats.org/officeDocument/2006/math">
                     <m:oMathParaPr>
@@ -7316,7 +11416,7 @@
             </p:txBody>
           </p:sp>
         </mc:Choice>
-        <mc:Fallback>
+        <mc:Fallback xmlns="">
           <p:sp>
             <p:nvSpPr>
               <p:cNvPr id="87" name="TextBox 86">
@@ -7361,8 +11461,8 @@
           </p:sp>
         </mc:Fallback>
       </mc:AlternateContent>
-      <mc:AlternateContent xmlns:mc="http://schemas.openxmlformats.org/markup-compatibility/2006">
-        <mc:Choice xmlns:a14="http://schemas.microsoft.com/office/drawing/2010/main" Requires="a14">
+      <mc:AlternateContent xmlns:mc="http://schemas.openxmlformats.org/markup-compatibility/2006" xmlns:a14="http://schemas.microsoft.com/office/drawing/2010/main">
+        <mc:Choice Requires="a14">
           <p:sp>
             <p:nvSpPr>
               <p:cNvPr id="88" name="TextBox 87">
@@ -7391,6 +11491,7 @@
               </a:bodyPr>
               <a:lstStyle/>
               <a:p>
+                <a:pPr/>
                 <a14:m>
                   <m:oMathPara xmlns:m="http://schemas.openxmlformats.org/officeDocument/2006/math">
                     <m:oMathParaPr>
@@ -7430,7 +11531,7 @@
             </p:txBody>
           </p:sp>
         </mc:Choice>
-        <mc:Fallback>
+        <mc:Fallback xmlns="">
           <p:sp>
             <p:nvSpPr>
               <p:cNvPr id="88" name="TextBox 87">
@@ -7475,8 +11576,8 @@
           </p:sp>
         </mc:Fallback>
       </mc:AlternateContent>
-      <mc:AlternateContent xmlns:mc="http://schemas.openxmlformats.org/markup-compatibility/2006">
-        <mc:Choice xmlns:a14="http://schemas.microsoft.com/office/drawing/2010/main" Requires="a14">
+      <mc:AlternateContent xmlns:mc="http://schemas.openxmlformats.org/markup-compatibility/2006" xmlns:a14="http://schemas.microsoft.com/office/drawing/2010/main">
+        <mc:Choice Requires="a14">
           <p:sp>
             <p:nvSpPr>
               <p:cNvPr id="89" name="TextBox 88">
@@ -7505,6 +11606,7 @@
               </a:bodyPr>
               <a:lstStyle/>
               <a:p>
+                <a:pPr/>
                 <a14:m>
                   <m:oMathPara xmlns:m="http://schemas.openxmlformats.org/officeDocument/2006/math">
                     <m:oMathParaPr>
@@ -7544,7 +11646,7 @@
             </p:txBody>
           </p:sp>
         </mc:Choice>
-        <mc:Fallback>
+        <mc:Fallback xmlns="">
           <p:sp>
             <p:nvSpPr>
               <p:cNvPr id="89" name="TextBox 88">
@@ -7589,8 +11691,8 @@
           </p:sp>
         </mc:Fallback>
       </mc:AlternateContent>
-      <mc:AlternateContent xmlns:mc="http://schemas.openxmlformats.org/markup-compatibility/2006">
-        <mc:Choice xmlns:a14="http://schemas.microsoft.com/office/drawing/2010/main" Requires="a14">
+      <mc:AlternateContent xmlns:mc="http://schemas.openxmlformats.org/markup-compatibility/2006" xmlns:a14="http://schemas.microsoft.com/office/drawing/2010/main">
+        <mc:Choice Requires="a14">
           <p:sp>
             <p:nvSpPr>
               <p:cNvPr id="90" name="TextBox 89">
@@ -7619,6 +11721,7 @@
               </a:bodyPr>
               <a:lstStyle/>
               <a:p>
+                <a:pPr/>
                 <a14:m>
                   <m:oMathPara xmlns:m="http://schemas.openxmlformats.org/officeDocument/2006/math">
                     <m:oMathParaPr>
@@ -7658,7 +11761,7 @@
             </p:txBody>
           </p:sp>
         </mc:Choice>
-        <mc:Fallback>
+        <mc:Fallback xmlns="">
           <p:sp>
             <p:nvSpPr>
               <p:cNvPr id="90" name="TextBox 89">
@@ -7703,8 +11806,8 @@
           </p:sp>
         </mc:Fallback>
       </mc:AlternateContent>
-      <mc:AlternateContent xmlns:mc="http://schemas.openxmlformats.org/markup-compatibility/2006">
-        <mc:Choice xmlns:a14="http://schemas.microsoft.com/office/drawing/2010/main" Requires="a14">
+      <mc:AlternateContent xmlns:mc="http://schemas.openxmlformats.org/markup-compatibility/2006" xmlns:a14="http://schemas.microsoft.com/office/drawing/2010/main">
+        <mc:Choice Requires="a14">
           <p:sp>
             <p:nvSpPr>
               <p:cNvPr id="91" name="TextBox 90">
@@ -7733,6 +11836,7 @@
               </a:bodyPr>
               <a:lstStyle/>
               <a:p>
+                <a:pPr/>
                 <a14:m>
                   <m:oMathPara xmlns:m="http://schemas.openxmlformats.org/officeDocument/2006/math">
                     <m:oMathParaPr>
@@ -7780,7 +11884,7 @@
             </p:txBody>
           </p:sp>
         </mc:Choice>
-        <mc:Fallback>
+        <mc:Fallback xmlns="">
           <p:sp>
             <p:nvSpPr>
               <p:cNvPr id="91" name="TextBox 90">
@@ -7825,8 +11929,8 @@
           </p:sp>
         </mc:Fallback>
       </mc:AlternateContent>
-      <mc:AlternateContent xmlns:mc="http://schemas.openxmlformats.org/markup-compatibility/2006">
-        <mc:Choice xmlns:a14="http://schemas.microsoft.com/office/drawing/2010/main" Requires="a14">
+      <mc:AlternateContent xmlns:mc="http://schemas.openxmlformats.org/markup-compatibility/2006" xmlns:a14="http://schemas.microsoft.com/office/drawing/2010/main">
+        <mc:Choice Requires="a14">
           <p:sp>
             <p:nvSpPr>
               <p:cNvPr id="93" name="TextBox 92">
@@ -7855,6 +11959,7 @@
               </a:bodyPr>
               <a:lstStyle/>
               <a:p>
+                <a:pPr/>
                 <a14:m>
                   <m:oMathPara xmlns:m="http://schemas.openxmlformats.org/officeDocument/2006/math">
                     <m:oMathParaPr>
@@ -7894,7 +11999,7 @@
             </p:txBody>
           </p:sp>
         </mc:Choice>
-        <mc:Fallback>
+        <mc:Fallback xmlns="">
           <p:sp>
             <p:nvSpPr>
               <p:cNvPr id="93" name="TextBox 92">
@@ -7939,8 +12044,8 @@
           </p:sp>
         </mc:Fallback>
       </mc:AlternateContent>
-      <mc:AlternateContent xmlns:mc="http://schemas.openxmlformats.org/markup-compatibility/2006">
-        <mc:Choice xmlns:a14="http://schemas.microsoft.com/office/drawing/2010/main" Requires="a14">
+      <mc:AlternateContent xmlns:mc="http://schemas.openxmlformats.org/markup-compatibility/2006" xmlns:a14="http://schemas.microsoft.com/office/drawing/2010/main">
+        <mc:Choice Requires="a14">
           <p:sp>
             <p:nvSpPr>
               <p:cNvPr id="94" name="TextBox 93">
@@ -7969,6 +12074,7 @@
               </a:bodyPr>
               <a:lstStyle/>
               <a:p>
+                <a:pPr/>
                 <a14:m>
                   <m:oMathPara xmlns:m="http://schemas.openxmlformats.org/officeDocument/2006/math">
                     <m:oMathParaPr>
@@ -8008,7 +12114,7 @@
             </p:txBody>
           </p:sp>
         </mc:Choice>
-        <mc:Fallback>
+        <mc:Fallback xmlns="">
           <p:sp>
             <p:nvSpPr>
               <p:cNvPr id="94" name="TextBox 93">
@@ -8053,8 +12159,8 @@
           </p:sp>
         </mc:Fallback>
       </mc:AlternateContent>
-      <mc:AlternateContent xmlns:mc="http://schemas.openxmlformats.org/markup-compatibility/2006">
-        <mc:Choice xmlns:a14="http://schemas.microsoft.com/office/drawing/2010/main" Requires="a14">
+      <mc:AlternateContent xmlns:mc="http://schemas.openxmlformats.org/markup-compatibility/2006" xmlns:a14="http://schemas.microsoft.com/office/drawing/2010/main">
+        <mc:Choice Requires="a14">
           <p:sp>
             <p:nvSpPr>
               <p:cNvPr id="95" name="TextBox 94">
@@ -8083,6 +12189,7 @@
               </a:bodyPr>
               <a:lstStyle/>
               <a:p>
+                <a:pPr/>
                 <a14:m>
                   <m:oMathPara xmlns:m="http://schemas.openxmlformats.org/officeDocument/2006/math">
                     <m:oMathParaPr>
@@ -8122,7 +12229,7 @@
             </p:txBody>
           </p:sp>
         </mc:Choice>
-        <mc:Fallback>
+        <mc:Fallback xmlns="">
           <p:sp>
             <p:nvSpPr>
               <p:cNvPr id="95" name="TextBox 94">
@@ -8216,7 +12323,7 @@
         </p:nvSpPr>
         <p:spPr>
           <a:xfrm>
-            <a:off x="838708" y="4794490"/>
+            <a:off x="725086" y="6266873"/>
             <a:ext cx="4116961" cy="369332"/>
           </a:xfrm>
           <a:prstGeom prst="rect">
@@ -8439,8 +12546,8 @@
           </a:fontRef>
         </p:style>
       </p:cxnSp>
-      <mc:AlternateContent xmlns:mc="http://schemas.openxmlformats.org/markup-compatibility/2006">
-        <mc:Choice xmlns:a14="http://schemas.microsoft.com/office/drawing/2010/main" Requires="a14">
+      <mc:AlternateContent xmlns:mc="http://schemas.openxmlformats.org/markup-compatibility/2006" xmlns:a14="http://schemas.microsoft.com/office/drawing/2010/main">
+        <mc:Choice Requires="a14">
           <p:sp>
             <p:nvSpPr>
               <p:cNvPr id="112" name="TextBox 111">
@@ -8469,6 +12576,7 @@
               </a:bodyPr>
               <a:lstStyle/>
               <a:p>
+                <a:pPr/>
                 <a14:m>
                   <m:oMathPara xmlns:m="http://schemas.openxmlformats.org/officeDocument/2006/math">
                     <m:oMathParaPr>
@@ -8514,7 +12622,7 @@
             </p:txBody>
           </p:sp>
         </mc:Choice>
-        <mc:Fallback>
+        <mc:Fallback xmlns="">
           <p:sp>
             <p:nvSpPr>
               <p:cNvPr id="112" name="TextBox 111">
@@ -8701,7 +12809,7 @@
 </p:sld>
 </file>
 
-<file path=ppt/slides/slide4.xml><?xml version="1.0" encoding="utf-8"?>
+<file path=ppt/slides/slide6.xml><?xml version="1.0" encoding="utf-8"?>
 <p:sld xmlns:a="http://schemas.openxmlformats.org/drawingml/2006/main" xmlns:r="http://schemas.openxmlformats.org/officeDocument/2006/relationships" xmlns:p="http://schemas.openxmlformats.org/presentationml/2006/main">
   <p:cSld>
     <p:spTree>
@@ -8875,10 +12983,135 @@
           </a:prstGeom>
         </p:spPr>
       </p:pic>
+      <p:sp>
+        <p:nvSpPr>
+          <p:cNvPr id="2" name="Multiplication Sign 1">
+            <a:extLst>
+              <a:ext uri="{FF2B5EF4-FFF2-40B4-BE49-F238E27FC236}">
+                <a16:creationId xmlns:a16="http://schemas.microsoft.com/office/drawing/2014/main" id="{5F59C5F0-5BB3-4BD9-A241-DA2422B0B313}"/>
+              </a:ext>
+            </a:extLst>
+          </p:cNvPr>
+          <p:cNvSpPr/>
+          <p:nvPr/>
+        </p:nvSpPr>
+        <p:spPr>
+          <a:xfrm>
+            <a:off x="9344025" y="3600450"/>
+            <a:ext cx="2590800" cy="1000125"/>
+          </a:xfrm>
+          <a:prstGeom prst="mathMultiply">
+            <a:avLst/>
+          </a:prstGeom>
+        </p:spPr>
+        <p:style>
+          <a:lnRef idx="2">
+            <a:schemeClr val="accent1">
+              <a:shade val="50000"/>
+            </a:schemeClr>
+          </a:lnRef>
+          <a:fillRef idx="1">
+            <a:schemeClr val="accent1"/>
+          </a:fillRef>
+          <a:effectRef idx="0">
+            <a:schemeClr val="accent1"/>
+          </a:effectRef>
+          <a:fontRef idx="minor">
+            <a:schemeClr val="lt1"/>
+          </a:fontRef>
+        </p:style>
+        <p:txBody>
+          <a:bodyPr rtlCol="0" anchor="ctr"/>
+          <a:lstStyle/>
+          <a:p>
+            <a:pPr algn="ctr"/>
+            <a:endParaRPr lang="en-US"/>
+          </a:p>
+        </p:txBody>
+      </p:sp>
     </p:spTree>
     <p:extLst>
       <p:ext uri="{BB962C8B-B14F-4D97-AF65-F5344CB8AC3E}">
         <p14:creationId xmlns:p14="http://schemas.microsoft.com/office/powerpoint/2010/main" val="1735336203"/>
+      </p:ext>
+    </p:extLst>
+  </p:cSld>
+  <p:clrMapOvr>
+    <a:masterClrMapping/>
+  </p:clrMapOvr>
+</p:sld>
+</file>
+
+<file path=ppt/slides/slide7.xml><?xml version="1.0" encoding="utf-8"?>
+<p:sld xmlns:a="http://schemas.openxmlformats.org/drawingml/2006/main" xmlns:r="http://schemas.openxmlformats.org/officeDocument/2006/relationships" xmlns:p="http://schemas.openxmlformats.org/presentationml/2006/main">
+  <p:cSld>
+    <p:spTree>
+      <p:nvGrpSpPr>
+        <p:cNvPr id="1" name=""/>
+        <p:cNvGrpSpPr/>
+        <p:nvPr/>
+      </p:nvGrpSpPr>
+      <p:grpSpPr>
+        <a:xfrm>
+          <a:off x="0" y="0"/>
+          <a:ext cx="0" cy="0"/>
+          <a:chOff x="0" y="0"/>
+          <a:chExt cx="0" cy="0"/>
+        </a:xfrm>
+      </p:grpSpPr>
+      <p:sp>
+        <p:nvSpPr>
+          <p:cNvPr id="3" name="Subtitle 2">
+            <a:extLst>
+              <a:ext uri="{FF2B5EF4-FFF2-40B4-BE49-F238E27FC236}">
+                <a16:creationId xmlns:a16="http://schemas.microsoft.com/office/drawing/2014/main" id="{E990D022-3A63-4C96-B03D-B505DCC90AD3}"/>
+              </a:ext>
+            </a:extLst>
+          </p:cNvPr>
+          <p:cNvSpPr>
+            <a:spLocks noGrp="1"/>
+          </p:cNvSpPr>
+          <p:nvPr>
+            <p:ph type="subTitle" idx="1"/>
+          </p:nvPr>
+        </p:nvSpPr>
+        <p:spPr>
+          <a:xfrm>
+            <a:off x="383458" y="442452"/>
+            <a:ext cx="11356258" cy="6096000"/>
+          </a:xfrm>
+        </p:spPr>
+        <p:txBody>
+          <a:bodyPr/>
+          <a:lstStyle/>
+          <a:p>
+            <a:pPr algn="l"/>
+            <a:r>
+              <a:rPr lang="en-US" dirty="0"/>
+              <a:t>4.16 </a:t>
+            </a:r>
+            <a:r>
+              <a:rPr lang="en-US" altLang="zh-CN" dirty="0"/>
+              <a:t>synthetic case test</a:t>
+            </a:r>
+          </a:p>
+          <a:p>
+            <a:pPr marL="342900" indent="-342900" algn="l">
+              <a:buFontTx/>
+              <a:buChar char="-"/>
+            </a:pPr>
+            <a:r>
+              <a:rPr lang="en-US" altLang="zh-CN" dirty="0"/>
+              <a:t>Parallel test, original greedy: 1613446</a:t>
+            </a:r>
+            <a:endParaRPr lang="en-US" dirty="0"/>
+          </a:p>
+        </p:txBody>
+      </p:sp>
+    </p:spTree>
+    <p:extLst>
+      <p:ext uri="{BB962C8B-B14F-4D97-AF65-F5344CB8AC3E}">
+        <p14:creationId xmlns:p14="http://schemas.microsoft.com/office/powerpoint/2010/main" val="3087620827"/>
       </p:ext>
     </p:extLst>
   </p:cSld>

--- a/DOCUS/progress-report.pptx
+++ b/DOCUS/progress-report.pptx
@@ -5,7 +5,7 @@
     <p:sldMasterId id="2147483648" r:id="rId1"/>
   </p:sldMasterIdLst>
   <p:notesMasterIdLst>
-    <p:notesMasterId r:id="rId9"/>
+    <p:notesMasterId r:id="rId11"/>
   </p:notesMasterIdLst>
   <p:sldIdLst>
     <p:sldId id="256" r:id="rId2"/>
@@ -13,8 +13,10 @@
     <p:sldId id="262" r:id="rId4"/>
     <p:sldId id="259" r:id="rId5"/>
     <p:sldId id="258" r:id="rId6"/>
-    <p:sldId id="257" r:id="rId7"/>
-    <p:sldId id="260" r:id="rId8"/>
+    <p:sldId id="260" r:id="rId7"/>
+    <p:sldId id="263" r:id="rId8"/>
+    <p:sldId id="264" r:id="rId9"/>
+    <p:sldId id="265" r:id="rId10"/>
   </p:sldIdLst>
   <p:sldSz cx="12192000" cy="6858000"/>
   <p:notesSz cx="6858000" cy="9144000"/>
@@ -215,7 +217,7 @@
           <a:p>
             <a:fld id="{40FA2BF5-A2AA-42DF-8501-9AD854A6A8C7}" type="datetimeFigureOut">
               <a:rPr lang="en-US" smtClean="0"/>
-              <a:t>4/16/2024</a:t>
+              <a:t>4/18/2024</a:t>
             </a:fld>
             <a:endParaRPr lang="en-US"/>
           </a:p>
@@ -637,6 +639,528 @@
 </p:notes>
 </file>
 
+<file path=ppt/notesSlides/notesSlide2.xml><?xml version="1.0" encoding="utf-8"?>
+<p:notes xmlns:a="http://schemas.openxmlformats.org/drawingml/2006/main" xmlns:r="http://schemas.openxmlformats.org/officeDocument/2006/relationships" xmlns:p="http://schemas.openxmlformats.org/presentationml/2006/main">
+  <p:cSld>
+    <p:spTree>
+      <p:nvGrpSpPr>
+        <p:cNvPr id="1" name=""/>
+        <p:cNvGrpSpPr/>
+        <p:nvPr/>
+      </p:nvGrpSpPr>
+      <p:grpSpPr>
+        <a:xfrm>
+          <a:off x="0" y="0"/>
+          <a:ext cx="0" cy="0"/>
+          <a:chOff x="0" y="0"/>
+          <a:chExt cx="0" cy="0"/>
+        </a:xfrm>
+      </p:grpSpPr>
+      <p:sp>
+        <p:nvSpPr>
+          <p:cNvPr id="2" name="Slide Image Placeholder 1"/>
+          <p:cNvSpPr>
+            <a:spLocks noGrp="1" noRot="1" noChangeAspect="1"/>
+          </p:cNvSpPr>
+          <p:nvPr>
+            <p:ph type="sldImg"/>
+          </p:nvPr>
+        </p:nvSpPr>
+        <p:spPr/>
+      </p:sp>
+      <p:sp>
+        <p:nvSpPr>
+          <p:cNvPr id="3" name="Notes Placeholder 2"/>
+          <p:cNvSpPr>
+            <a:spLocks noGrp="1"/>
+          </p:cNvSpPr>
+          <p:nvPr>
+            <p:ph type="body" idx="1"/>
+          </p:nvPr>
+        </p:nvSpPr>
+        <p:spPr/>
+        <p:txBody>
+          <a:bodyPr/>
+          <a:lstStyle/>
+          <a:p>
+            <a:r>
+              <a:rPr lang="zh-CN" altLang="en-US" dirty="0"/>
+              <a:t>每个</a:t>
+            </a:r>
+            <a:r>
+              <a:rPr lang="en-US" altLang="zh-CN" dirty="0"/>
+              <a:t>iteration</a:t>
+            </a:r>
+            <a:r>
+              <a:rPr lang="zh-CN" altLang="en-US" dirty="0"/>
+              <a:t>用于</a:t>
+            </a:r>
+            <a:r>
+              <a:rPr lang="en-US" altLang="zh-CN" dirty="0"/>
+              <a:t>sorting</a:t>
+            </a:r>
+            <a:r>
+              <a:rPr lang="zh-CN" altLang="en-US" dirty="0"/>
+              <a:t>的时间大大缩小</a:t>
+            </a:r>
+            <a:endParaRPr lang="en-US" dirty="0"/>
+          </a:p>
+        </p:txBody>
+      </p:sp>
+      <p:sp>
+        <p:nvSpPr>
+          <p:cNvPr id="4" name="Slide Number Placeholder 3"/>
+          <p:cNvSpPr>
+            <a:spLocks noGrp="1"/>
+          </p:cNvSpPr>
+          <p:nvPr>
+            <p:ph type="sldNum" sz="quarter" idx="5"/>
+          </p:nvPr>
+        </p:nvSpPr>
+        <p:spPr/>
+        <p:txBody>
+          <a:bodyPr/>
+          <a:lstStyle/>
+          <a:p>
+            <a:fld id="{F52A3BAE-7284-49D3-BE26-52E20F6ACF0C}" type="slidenum">
+              <a:rPr lang="en-US" smtClean="0"/>
+              <a:t>6</a:t>
+            </a:fld>
+            <a:endParaRPr lang="en-US"/>
+          </a:p>
+        </p:txBody>
+      </p:sp>
+    </p:spTree>
+    <p:extLst>
+      <p:ext uri="{BB962C8B-B14F-4D97-AF65-F5344CB8AC3E}">
+        <p14:creationId xmlns:p14="http://schemas.microsoft.com/office/powerpoint/2010/main" val="2666434187"/>
+      </p:ext>
+    </p:extLst>
+  </p:cSld>
+  <p:clrMapOvr>
+    <a:masterClrMapping/>
+  </p:clrMapOvr>
+</p:notes>
+</file>
+
+<file path=ppt/notesSlides/notesSlide3.xml><?xml version="1.0" encoding="utf-8"?>
+<p:notes xmlns:a="http://schemas.openxmlformats.org/drawingml/2006/main" xmlns:r="http://schemas.openxmlformats.org/officeDocument/2006/relationships" xmlns:p="http://schemas.openxmlformats.org/presentationml/2006/main">
+  <p:cSld>
+    <p:spTree>
+      <p:nvGrpSpPr>
+        <p:cNvPr id="1" name=""/>
+        <p:cNvGrpSpPr/>
+        <p:nvPr/>
+      </p:nvGrpSpPr>
+      <p:grpSpPr>
+        <a:xfrm>
+          <a:off x="0" y="0"/>
+          <a:ext cx="0" cy="0"/>
+          <a:chOff x="0" y="0"/>
+          <a:chExt cx="0" cy="0"/>
+        </a:xfrm>
+      </p:grpSpPr>
+      <p:sp>
+        <p:nvSpPr>
+          <p:cNvPr id="2" name="Slide Image Placeholder 1"/>
+          <p:cNvSpPr>
+            <a:spLocks noGrp="1" noRot="1" noChangeAspect="1"/>
+          </p:cNvSpPr>
+          <p:nvPr>
+            <p:ph type="sldImg"/>
+          </p:nvPr>
+        </p:nvSpPr>
+        <p:spPr/>
+      </p:sp>
+      <p:sp>
+        <p:nvSpPr>
+          <p:cNvPr id="3" name="Notes Placeholder 2"/>
+          <p:cNvSpPr>
+            <a:spLocks noGrp="1"/>
+          </p:cNvSpPr>
+          <p:nvPr>
+            <p:ph type="body" idx="1"/>
+          </p:nvPr>
+        </p:nvSpPr>
+        <p:spPr/>
+        <p:txBody>
+          <a:bodyPr/>
+          <a:lstStyle/>
+          <a:p>
+            <a:r>
+              <a:rPr lang="zh-CN" altLang="en-US" dirty="0"/>
+              <a:t>每个</a:t>
+            </a:r>
+            <a:r>
+              <a:rPr lang="en-US" altLang="zh-CN" dirty="0"/>
+              <a:t>iteration</a:t>
+            </a:r>
+            <a:r>
+              <a:rPr lang="zh-CN" altLang="en-US" dirty="0"/>
+              <a:t>用于</a:t>
+            </a:r>
+            <a:r>
+              <a:rPr lang="en-US" altLang="zh-CN" dirty="0"/>
+              <a:t>sorting</a:t>
+            </a:r>
+            <a:r>
+              <a:rPr lang="zh-CN" altLang="en-US" dirty="0"/>
+              <a:t>的时间大大缩小</a:t>
+            </a:r>
+            <a:endParaRPr lang="en-US" dirty="0"/>
+          </a:p>
+        </p:txBody>
+      </p:sp>
+      <p:sp>
+        <p:nvSpPr>
+          <p:cNvPr id="4" name="Slide Number Placeholder 3"/>
+          <p:cNvSpPr>
+            <a:spLocks noGrp="1"/>
+          </p:cNvSpPr>
+          <p:nvPr>
+            <p:ph type="sldNum" sz="quarter" idx="5"/>
+          </p:nvPr>
+        </p:nvSpPr>
+        <p:spPr/>
+        <p:txBody>
+          <a:bodyPr/>
+          <a:lstStyle/>
+          <a:p>
+            <a:fld id="{F52A3BAE-7284-49D3-BE26-52E20F6ACF0C}" type="slidenum">
+              <a:rPr lang="en-US" smtClean="0"/>
+              <a:t>7</a:t>
+            </a:fld>
+            <a:endParaRPr lang="en-US"/>
+          </a:p>
+        </p:txBody>
+      </p:sp>
+    </p:spTree>
+    <p:extLst>
+      <p:ext uri="{BB962C8B-B14F-4D97-AF65-F5344CB8AC3E}">
+        <p14:creationId xmlns:p14="http://schemas.microsoft.com/office/powerpoint/2010/main" val="3503857670"/>
+      </p:ext>
+    </p:extLst>
+  </p:cSld>
+  <p:clrMapOvr>
+    <a:masterClrMapping/>
+  </p:clrMapOvr>
+</p:notes>
+</file>
+
+<file path=ppt/notesSlides/notesSlide4.xml><?xml version="1.0" encoding="utf-8"?>
+<p:notes xmlns:a="http://schemas.openxmlformats.org/drawingml/2006/main" xmlns:r="http://schemas.openxmlformats.org/officeDocument/2006/relationships" xmlns:p="http://schemas.openxmlformats.org/presentationml/2006/main">
+  <p:cSld>
+    <p:spTree>
+      <p:nvGrpSpPr>
+        <p:cNvPr id="1" name=""/>
+        <p:cNvGrpSpPr/>
+        <p:nvPr/>
+      </p:nvGrpSpPr>
+      <p:grpSpPr>
+        <a:xfrm>
+          <a:off x="0" y="0"/>
+          <a:ext cx="0" cy="0"/>
+          <a:chOff x="0" y="0"/>
+          <a:chExt cx="0" cy="0"/>
+        </a:xfrm>
+      </p:grpSpPr>
+      <p:sp>
+        <p:nvSpPr>
+          <p:cNvPr id="2" name="Slide Image Placeholder 1"/>
+          <p:cNvSpPr>
+            <a:spLocks noGrp="1" noRot="1" noChangeAspect="1"/>
+          </p:cNvSpPr>
+          <p:nvPr>
+            <p:ph type="sldImg"/>
+          </p:nvPr>
+        </p:nvSpPr>
+        <p:spPr/>
+      </p:sp>
+      <p:sp>
+        <p:nvSpPr>
+          <p:cNvPr id="3" name="Notes Placeholder 2"/>
+          <p:cNvSpPr>
+            <a:spLocks noGrp="1"/>
+          </p:cNvSpPr>
+          <p:nvPr>
+            <p:ph type="body" idx="1"/>
+          </p:nvPr>
+        </p:nvSpPr>
+        <p:spPr/>
+        <p:txBody>
+          <a:bodyPr/>
+          <a:lstStyle/>
+          <a:p>
+            <a:r>
+              <a:rPr lang="en-US" altLang="zh-CN" dirty="0"/>
+              <a:t>Pareto optimal? </a:t>
+            </a:r>
+            <a:r>
+              <a:rPr lang="zh-CN" altLang="en-US" dirty="0"/>
+              <a:t>保留</a:t>
+            </a:r>
+            <a:r>
+              <a:rPr lang="en-US" altLang="zh-CN" dirty="0"/>
+              <a:t>20</a:t>
+            </a:r>
+            <a:r>
+              <a:rPr lang="zh-CN" altLang="en-US" dirty="0"/>
+              <a:t>个</a:t>
+            </a:r>
+            <a:r>
+              <a:rPr lang="en-US" altLang="zh-CN" dirty="0"/>
+              <a:t>solution</a:t>
+            </a:r>
+          </a:p>
+          <a:p>
+            <a:r>
+              <a:rPr lang="zh-CN" altLang="en-US" dirty="0"/>
+              <a:t>当初</a:t>
+            </a:r>
+            <a:r>
+              <a:rPr lang="en-US" altLang="zh-CN" dirty="0" err="1"/>
+              <a:t>nsga</a:t>
+            </a:r>
+            <a:r>
+              <a:rPr lang="zh-CN" altLang="en-US" dirty="0"/>
+              <a:t>时，</a:t>
+            </a:r>
+            <a:r>
+              <a:rPr lang="en-US" altLang="zh-CN" dirty="0"/>
+              <a:t>coverage</a:t>
+            </a:r>
+            <a:r>
+              <a:rPr lang="zh-CN" altLang="en-US" dirty="0"/>
+              <a:t>和</a:t>
+            </a:r>
+            <a:r>
+              <a:rPr lang="en-US" altLang="zh-CN" dirty="0"/>
+              <a:t>resolution</a:t>
+            </a:r>
+            <a:r>
+              <a:rPr lang="zh-CN" altLang="en-US" dirty="0"/>
+              <a:t>的</a:t>
+            </a:r>
+            <a:r>
+              <a:rPr lang="en-US" altLang="zh-CN" dirty="0"/>
+              <a:t>trade-off</a:t>
+            </a:r>
+            <a:r>
+              <a:rPr lang="zh-CN" altLang="en-US" dirty="0"/>
+              <a:t>就没有明显的关系？</a:t>
+            </a:r>
+            <a:r>
+              <a:rPr lang="en-US" altLang="zh-CN" dirty="0">
+                <a:sym typeface="Wingdings" panose="05000000000000000000" pitchFamily="2" charset="2"/>
+              </a:rPr>
+              <a:t> </a:t>
+            </a:r>
+            <a:r>
+              <a:rPr lang="zh-CN" altLang="en-US" dirty="0">
+                <a:sym typeface="Wingdings" panose="05000000000000000000" pitchFamily="2" charset="2"/>
+              </a:rPr>
+              <a:t>是否因为这两个是相关的？</a:t>
+            </a:r>
+            <a:endParaRPr lang="en-US" altLang="zh-CN" dirty="0"/>
+          </a:p>
+          <a:p>
+            <a:endParaRPr lang="en-US" dirty="0"/>
+          </a:p>
+        </p:txBody>
+      </p:sp>
+      <p:sp>
+        <p:nvSpPr>
+          <p:cNvPr id="4" name="Slide Number Placeholder 3"/>
+          <p:cNvSpPr>
+            <a:spLocks noGrp="1"/>
+          </p:cNvSpPr>
+          <p:nvPr>
+            <p:ph type="sldNum" sz="quarter" idx="5"/>
+          </p:nvPr>
+        </p:nvSpPr>
+        <p:spPr/>
+        <p:txBody>
+          <a:bodyPr/>
+          <a:lstStyle/>
+          <a:p>
+            <a:fld id="{F52A3BAE-7284-49D3-BE26-52E20F6ACF0C}" type="slidenum">
+              <a:rPr lang="en-US" smtClean="0"/>
+              <a:t>8</a:t>
+            </a:fld>
+            <a:endParaRPr lang="en-US"/>
+          </a:p>
+        </p:txBody>
+      </p:sp>
+    </p:spTree>
+    <p:extLst>
+      <p:ext uri="{BB962C8B-B14F-4D97-AF65-F5344CB8AC3E}">
+        <p14:creationId xmlns:p14="http://schemas.microsoft.com/office/powerpoint/2010/main" val="3057163822"/>
+      </p:ext>
+    </p:extLst>
+  </p:cSld>
+  <p:clrMapOvr>
+    <a:masterClrMapping/>
+  </p:clrMapOvr>
+</p:notes>
+</file>
+
+<file path=ppt/notesSlides/notesSlide5.xml><?xml version="1.0" encoding="utf-8"?>
+<p:notes xmlns:a="http://schemas.openxmlformats.org/drawingml/2006/main" xmlns:r="http://schemas.openxmlformats.org/officeDocument/2006/relationships" xmlns:p="http://schemas.openxmlformats.org/presentationml/2006/main">
+  <p:cSld>
+    <p:spTree>
+      <p:nvGrpSpPr>
+        <p:cNvPr id="1" name=""/>
+        <p:cNvGrpSpPr/>
+        <p:nvPr/>
+      </p:nvGrpSpPr>
+      <p:grpSpPr>
+        <a:xfrm>
+          <a:off x="0" y="0"/>
+          <a:ext cx="0" cy="0"/>
+          <a:chOff x="0" y="0"/>
+          <a:chExt cx="0" cy="0"/>
+        </a:xfrm>
+      </p:grpSpPr>
+      <p:sp>
+        <p:nvSpPr>
+          <p:cNvPr id="2" name="Slide Image Placeholder 1"/>
+          <p:cNvSpPr>
+            <a:spLocks noGrp="1" noRot="1" noChangeAspect="1"/>
+          </p:cNvSpPr>
+          <p:nvPr>
+            <p:ph type="sldImg"/>
+          </p:nvPr>
+        </p:nvSpPr>
+        <p:spPr/>
+      </p:sp>
+      <p:sp>
+        <p:nvSpPr>
+          <p:cNvPr id="3" name="Notes Placeholder 2"/>
+          <p:cNvSpPr>
+            <a:spLocks noGrp="1"/>
+          </p:cNvSpPr>
+          <p:nvPr>
+            <p:ph type="body" idx="1"/>
+          </p:nvPr>
+        </p:nvSpPr>
+        <p:spPr/>
+        <p:txBody>
+          <a:bodyPr/>
+          <a:lstStyle/>
+          <a:p>
+            <a:r>
+              <a:rPr lang="en-US" altLang="zh-CN" dirty="0"/>
+              <a:t>Pareto optimal? </a:t>
+            </a:r>
+            <a:r>
+              <a:rPr lang="zh-CN" altLang="en-US" dirty="0"/>
+              <a:t>保留</a:t>
+            </a:r>
+            <a:r>
+              <a:rPr lang="en-US" altLang="zh-CN" dirty="0"/>
+              <a:t>20</a:t>
+            </a:r>
+            <a:r>
+              <a:rPr lang="zh-CN" altLang="en-US" dirty="0"/>
+              <a:t>个</a:t>
+            </a:r>
+            <a:r>
+              <a:rPr lang="en-US" altLang="zh-CN" dirty="0"/>
+              <a:t>solution</a:t>
+            </a:r>
+          </a:p>
+          <a:p>
+            <a:r>
+              <a:rPr lang="zh-CN" altLang="en-US" dirty="0"/>
+              <a:t>当初</a:t>
+            </a:r>
+            <a:r>
+              <a:rPr lang="en-US" altLang="zh-CN" dirty="0" err="1"/>
+              <a:t>nsga</a:t>
+            </a:r>
+            <a:r>
+              <a:rPr lang="zh-CN" altLang="en-US" dirty="0"/>
+              <a:t>时，</a:t>
+            </a:r>
+            <a:r>
+              <a:rPr lang="en-US" altLang="zh-CN" dirty="0"/>
+              <a:t>coverage</a:t>
+            </a:r>
+            <a:r>
+              <a:rPr lang="zh-CN" altLang="en-US" dirty="0"/>
+              <a:t>和</a:t>
+            </a:r>
+            <a:r>
+              <a:rPr lang="en-US" altLang="zh-CN" dirty="0"/>
+              <a:t>resolution</a:t>
+            </a:r>
+            <a:r>
+              <a:rPr lang="zh-CN" altLang="en-US" dirty="0"/>
+              <a:t>的</a:t>
+            </a:r>
+            <a:r>
+              <a:rPr lang="en-US" altLang="zh-CN" dirty="0"/>
+              <a:t>trade-off</a:t>
+            </a:r>
+            <a:r>
+              <a:rPr lang="zh-CN" altLang="en-US" dirty="0"/>
+              <a:t>就没有明显的关系？</a:t>
+            </a:r>
+            <a:r>
+              <a:rPr lang="en-US" altLang="zh-CN" dirty="0">
+                <a:sym typeface="Wingdings" panose="05000000000000000000" pitchFamily="2" charset="2"/>
+              </a:rPr>
+              <a:t> </a:t>
+            </a:r>
+            <a:r>
+              <a:rPr lang="zh-CN" altLang="en-US" dirty="0">
+                <a:sym typeface="Wingdings" panose="05000000000000000000" pitchFamily="2" charset="2"/>
+              </a:rPr>
+              <a:t>是否因为这两个是相关的？</a:t>
+            </a:r>
+            <a:endParaRPr lang="en-US" altLang="zh-CN" dirty="0"/>
+          </a:p>
+          <a:p>
+            <a:endParaRPr lang="en-US" dirty="0"/>
+          </a:p>
+        </p:txBody>
+      </p:sp>
+      <p:sp>
+        <p:nvSpPr>
+          <p:cNvPr id="4" name="Slide Number Placeholder 3"/>
+          <p:cNvSpPr>
+            <a:spLocks noGrp="1"/>
+          </p:cNvSpPr>
+          <p:nvPr>
+            <p:ph type="sldNum" sz="quarter" idx="5"/>
+          </p:nvPr>
+        </p:nvSpPr>
+        <p:spPr/>
+        <p:txBody>
+          <a:bodyPr/>
+          <a:lstStyle/>
+          <a:p>
+            <a:fld id="{F52A3BAE-7284-49D3-BE26-52E20F6ACF0C}" type="slidenum">
+              <a:rPr lang="en-US" smtClean="0"/>
+              <a:t>9</a:t>
+            </a:fld>
+            <a:endParaRPr lang="en-US"/>
+          </a:p>
+        </p:txBody>
+      </p:sp>
+    </p:spTree>
+    <p:extLst>
+      <p:ext uri="{BB962C8B-B14F-4D97-AF65-F5344CB8AC3E}">
+        <p14:creationId xmlns:p14="http://schemas.microsoft.com/office/powerpoint/2010/main" val="3266214995"/>
+      </p:ext>
+    </p:extLst>
+  </p:cSld>
+  <p:clrMapOvr>
+    <a:masterClrMapping/>
+  </p:clrMapOvr>
+</p:notes>
+</file>
+
 <file path=ppt/slideLayouts/slideLayout1.xml><?xml version="1.0" encoding="utf-8"?>
 <p:sldLayout xmlns:a="http://schemas.openxmlformats.org/drawingml/2006/main" xmlns:r="http://schemas.openxmlformats.org/officeDocument/2006/relationships" xmlns:p="http://schemas.openxmlformats.org/presentationml/2006/main" type="title" preserve="1">
   <p:cSld name="Title Slide">
@@ -784,7 +1308,7 @@
           <a:p>
             <a:fld id="{7A10482E-3655-4001-B463-FAFCD5FD233C}" type="datetimeFigureOut">
               <a:rPr lang="en-US" smtClean="0"/>
-              <a:t>4/16/2024</a:t>
+              <a:t>4/18/2024</a:t>
             </a:fld>
             <a:endParaRPr lang="en-US"/>
           </a:p>
@@ -982,7 +1506,7 @@
           <a:p>
             <a:fld id="{7A10482E-3655-4001-B463-FAFCD5FD233C}" type="datetimeFigureOut">
               <a:rPr lang="en-US" smtClean="0"/>
-              <a:t>4/16/2024</a:t>
+              <a:t>4/18/2024</a:t>
             </a:fld>
             <a:endParaRPr lang="en-US"/>
           </a:p>
@@ -1190,7 +1714,7 @@
           <a:p>
             <a:fld id="{7A10482E-3655-4001-B463-FAFCD5FD233C}" type="datetimeFigureOut">
               <a:rPr lang="en-US" smtClean="0"/>
-              <a:t>4/16/2024</a:t>
+              <a:t>4/18/2024</a:t>
             </a:fld>
             <a:endParaRPr lang="en-US"/>
           </a:p>
@@ -1388,7 +1912,7 @@
           <a:p>
             <a:fld id="{7A10482E-3655-4001-B463-FAFCD5FD233C}" type="datetimeFigureOut">
               <a:rPr lang="en-US" smtClean="0"/>
-              <a:t>4/16/2024</a:t>
+              <a:t>4/18/2024</a:t>
             </a:fld>
             <a:endParaRPr lang="en-US"/>
           </a:p>
@@ -1663,7 +2187,7 @@
           <a:p>
             <a:fld id="{7A10482E-3655-4001-B463-FAFCD5FD233C}" type="datetimeFigureOut">
               <a:rPr lang="en-US" smtClean="0"/>
-              <a:t>4/16/2024</a:t>
+              <a:t>4/18/2024</a:t>
             </a:fld>
             <a:endParaRPr lang="en-US"/>
           </a:p>
@@ -1928,7 +2452,7 @@
           <a:p>
             <a:fld id="{7A10482E-3655-4001-B463-FAFCD5FD233C}" type="datetimeFigureOut">
               <a:rPr lang="en-US" smtClean="0"/>
-              <a:t>4/16/2024</a:t>
+              <a:t>4/18/2024</a:t>
             </a:fld>
             <a:endParaRPr lang="en-US"/>
           </a:p>
@@ -2340,7 +2864,7 @@
           <a:p>
             <a:fld id="{7A10482E-3655-4001-B463-FAFCD5FD233C}" type="datetimeFigureOut">
               <a:rPr lang="en-US" smtClean="0"/>
-              <a:t>4/16/2024</a:t>
+              <a:t>4/18/2024</a:t>
             </a:fld>
             <a:endParaRPr lang="en-US"/>
           </a:p>
@@ -2481,7 +3005,7 @@
           <a:p>
             <a:fld id="{7A10482E-3655-4001-B463-FAFCD5FD233C}" type="datetimeFigureOut">
               <a:rPr lang="en-US" smtClean="0"/>
-              <a:t>4/16/2024</a:t>
+              <a:t>4/18/2024</a:t>
             </a:fld>
             <a:endParaRPr lang="en-US"/>
           </a:p>
@@ -2594,7 +3118,7 @@
           <a:p>
             <a:fld id="{7A10482E-3655-4001-B463-FAFCD5FD233C}" type="datetimeFigureOut">
               <a:rPr lang="en-US" smtClean="0"/>
-              <a:t>4/16/2024</a:t>
+              <a:t>4/18/2024</a:t>
             </a:fld>
             <a:endParaRPr lang="en-US"/>
           </a:p>
@@ -2905,7 +3429,7 @@
           <a:p>
             <a:fld id="{7A10482E-3655-4001-B463-FAFCD5FD233C}" type="datetimeFigureOut">
               <a:rPr lang="en-US" smtClean="0"/>
-              <a:t>4/16/2024</a:t>
+              <a:t>4/18/2024</a:t>
             </a:fld>
             <a:endParaRPr lang="en-US"/>
           </a:p>
@@ -3193,7 +3717,7 @@
           <a:p>
             <a:fld id="{7A10482E-3655-4001-B463-FAFCD5FD233C}" type="datetimeFigureOut">
               <a:rPr lang="en-US" smtClean="0"/>
-              <a:t>4/16/2024</a:t>
+              <a:t>4/18/2024</a:t>
             </a:fld>
             <a:endParaRPr lang="en-US"/>
           </a:p>
@@ -3434,7 +3958,7 @@
           <a:p>
             <a:fld id="{7A10482E-3655-4001-B463-FAFCD5FD233C}" type="datetimeFigureOut">
               <a:rPr lang="en-US" smtClean="0"/>
-              <a:t>4/16/2024</a:t>
+              <a:t>4/18/2024</a:t>
             </a:fld>
             <a:endParaRPr lang="en-US"/>
           </a:p>
@@ -3952,8 +4476,8 @@
           </a:prstGeom>
         </p:spPr>
       </p:pic>
-      <mc:AlternateContent xmlns:mc="http://schemas.openxmlformats.org/markup-compatibility/2006">
-        <mc:Choice xmlns:a14="http://schemas.microsoft.com/office/drawing/2010/main" Requires="a14">
+      <mc:AlternateContent xmlns:mc="http://schemas.openxmlformats.org/markup-compatibility/2006" xmlns:a14="http://schemas.microsoft.com/office/drawing/2010/main">
+        <mc:Choice Requires="a14">
           <p:sp>
             <p:nvSpPr>
               <p:cNvPr id="11" name="TextBox 10">
@@ -3982,6 +4506,7 @@
               </a:bodyPr>
               <a:lstStyle/>
               <a:p>
+                <a:pPr/>
                 <a14:m>
                   <m:oMathPara xmlns:m="http://schemas.openxmlformats.org/officeDocument/2006/math">
                     <m:oMathParaPr>
@@ -4027,7 +4552,7 @@
             </p:txBody>
           </p:sp>
         </mc:Choice>
-        <mc:Fallback>
+        <mc:Fallback xmlns="">
           <p:sp>
             <p:nvSpPr>
               <p:cNvPr id="11" name="TextBox 10">
@@ -4072,8 +4597,8 @@
           </p:sp>
         </mc:Fallback>
       </mc:AlternateContent>
-      <mc:AlternateContent xmlns:mc="http://schemas.openxmlformats.org/markup-compatibility/2006">
-        <mc:Choice xmlns:a14="http://schemas.microsoft.com/office/drawing/2010/main" Requires="a14">
+      <mc:AlternateContent xmlns:mc="http://schemas.openxmlformats.org/markup-compatibility/2006" xmlns:a14="http://schemas.microsoft.com/office/drawing/2010/main">
+        <mc:Choice Requires="a14">
           <p:sp>
             <p:nvSpPr>
               <p:cNvPr id="12" name="TextBox 11">
@@ -4102,6 +4627,7 @@
               </a:bodyPr>
               <a:lstStyle/>
               <a:p>
+                <a:pPr/>
                 <a14:m>
                   <m:oMathPara xmlns:m="http://schemas.openxmlformats.org/officeDocument/2006/math">
                     <m:oMathParaPr>
@@ -4147,7 +4673,7 @@
             </p:txBody>
           </p:sp>
         </mc:Choice>
-        <mc:Fallback>
+        <mc:Fallback xmlns="">
           <p:sp>
             <p:nvSpPr>
               <p:cNvPr id="12" name="TextBox 11">
@@ -4192,8 +4718,8 @@
           </p:sp>
         </mc:Fallback>
       </mc:AlternateContent>
-      <mc:AlternateContent xmlns:mc="http://schemas.openxmlformats.org/markup-compatibility/2006">
-        <mc:Choice xmlns:a14="http://schemas.microsoft.com/office/drawing/2010/main" Requires="a14">
+      <mc:AlternateContent xmlns:mc="http://schemas.openxmlformats.org/markup-compatibility/2006" xmlns:a14="http://schemas.microsoft.com/office/drawing/2010/main">
+        <mc:Choice Requires="a14">
           <p:sp>
             <p:nvSpPr>
               <p:cNvPr id="13" name="TextBox 12">
@@ -4222,6 +4748,7 @@
               </a:bodyPr>
               <a:lstStyle/>
               <a:p>
+                <a:pPr/>
                 <a14:m>
                   <m:oMathPara xmlns:m="http://schemas.openxmlformats.org/officeDocument/2006/math">
                     <m:oMathParaPr>
@@ -4267,7 +4794,7 @@
             </p:txBody>
           </p:sp>
         </mc:Choice>
-        <mc:Fallback>
+        <mc:Fallback xmlns="">
           <p:sp>
             <p:nvSpPr>
               <p:cNvPr id="13" name="TextBox 12">
@@ -6758,8 +7285,8 @@
           </a:p>
         </p:txBody>
       </p:sp>
-      <mc:AlternateContent xmlns:mc="http://schemas.openxmlformats.org/markup-compatibility/2006">
-        <mc:Choice xmlns:a14="http://schemas.microsoft.com/office/drawing/2010/main" Requires="a14">
+      <mc:AlternateContent xmlns:mc="http://schemas.openxmlformats.org/markup-compatibility/2006" xmlns:a14="http://schemas.microsoft.com/office/drawing/2010/main">
+        <mc:Choice Requires="a14">
           <p:sp>
             <p:nvSpPr>
               <p:cNvPr id="57" name="TextBox 56">
@@ -6891,7 +7418,7 @@
             </p:txBody>
           </p:sp>
         </mc:Choice>
-        <mc:Fallback>
+        <mc:Fallback xmlns="">
           <p:sp>
             <p:nvSpPr>
               <p:cNvPr id="57" name="TextBox 56">
@@ -6936,8 +7463,8 @@
           </p:sp>
         </mc:Fallback>
       </mc:AlternateContent>
-      <mc:AlternateContent xmlns:mc="http://schemas.openxmlformats.org/markup-compatibility/2006">
-        <mc:Choice xmlns:a14="http://schemas.microsoft.com/office/drawing/2010/main" Requires="a14">
+      <mc:AlternateContent xmlns:mc="http://schemas.openxmlformats.org/markup-compatibility/2006" xmlns:a14="http://schemas.microsoft.com/office/drawing/2010/main">
+        <mc:Choice Requires="a14">
           <p:sp>
             <p:nvSpPr>
               <p:cNvPr id="58" name="TextBox 57">
@@ -7069,7 +7596,7 @@
             </p:txBody>
           </p:sp>
         </mc:Choice>
-        <mc:Fallback>
+        <mc:Fallback xmlns="">
           <p:sp>
             <p:nvSpPr>
               <p:cNvPr id="58" name="TextBox 57">
@@ -7114,8 +7641,8 @@
           </p:sp>
         </mc:Fallback>
       </mc:AlternateContent>
-      <mc:AlternateContent xmlns:mc="http://schemas.openxmlformats.org/markup-compatibility/2006">
-        <mc:Choice xmlns:a14="http://schemas.microsoft.com/office/drawing/2010/main" Requires="a14">
+      <mc:AlternateContent xmlns:mc="http://schemas.openxmlformats.org/markup-compatibility/2006" xmlns:a14="http://schemas.microsoft.com/office/drawing/2010/main">
+        <mc:Choice Requires="a14">
           <p:sp>
             <p:nvSpPr>
               <p:cNvPr id="59" name="TextBox 58">
@@ -7247,7 +7774,7 @@
             </p:txBody>
           </p:sp>
         </mc:Choice>
-        <mc:Fallback>
+        <mc:Fallback xmlns="">
           <p:sp>
             <p:nvSpPr>
               <p:cNvPr id="59" name="TextBox 58">
@@ -7292,8 +7819,8 @@
           </p:sp>
         </mc:Fallback>
       </mc:AlternateContent>
-      <mc:AlternateContent xmlns:mc="http://schemas.openxmlformats.org/markup-compatibility/2006">
-        <mc:Choice xmlns:a14="http://schemas.microsoft.com/office/drawing/2010/main" Requires="a14">
+      <mc:AlternateContent xmlns:mc="http://schemas.openxmlformats.org/markup-compatibility/2006" xmlns:a14="http://schemas.microsoft.com/office/drawing/2010/main">
+        <mc:Choice Requires="a14">
           <p:sp>
             <p:nvSpPr>
               <p:cNvPr id="60" name="TextBox 59">
@@ -7838,7 +8365,7 @@
             </p:txBody>
           </p:sp>
         </mc:Choice>
-        <mc:Fallback>
+        <mc:Fallback xmlns="">
           <p:sp>
             <p:nvSpPr>
               <p:cNvPr id="60" name="TextBox 59">
@@ -12826,139 +13353,1089 @@
           <a:chExt cx="0" cy="0"/>
         </a:xfrm>
       </p:grpSpPr>
-      <p:sp>
-        <p:nvSpPr>
-          <p:cNvPr id="3" name="Subtitle 2">
-            <a:extLst>
-              <a:ext uri="{FF2B5EF4-FFF2-40B4-BE49-F238E27FC236}">
-                <a16:creationId xmlns:a16="http://schemas.microsoft.com/office/drawing/2014/main" id="{E990D022-3A63-4C96-B03D-B505DCC90AD3}"/>
-              </a:ext>
-            </a:extLst>
-          </p:cNvPr>
-          <p:cNvSpPr>
-            <a:spLocks noGrp="1"/>
-          </p:cNvSpPr>
+      <p:graphicFrame>
+        <p:nvGraphicFramePr>
+          <p:cNvPr id="5" name="Table 5">
+            <a:extLst>
+              <a:ext uri="{FF2B5EF4-FFF2-40B4-BE49-F238E27FC236}">
+                <a16:creationId xmlns:a16="http://schemas.microsoft.com/office/drawing/2014/main" id="{8BDC17D8-614C-4408-8507-584E0F0EB271}"/>
+              </a:ext>
+            </a:extLst>
+          </p:cNvPr>
+          <p:cNvGraphicFramePr>
+            <a:graphicFrameLocks noGrp="1"/>
+          </p:cNvGraphicFramePr>
           <p:nvPr>
-            <p:ph type="subTitle" idx="1"/>
+            <p:extLst>
+              <p:ext uri="{D42A27DB-BD31-4B8C-83A1-F6EECF244321}">
+                <p14:modId xmlns:p14="http://schemas.microsoft.com/office/powerpoint/2010/main" val="2759243657"/>
+              </p:ext>
+            </p:extLst>
           </p:nvPr>
-        </p:nvSpPr>
-        <p:spPr>
-          <a:xfrm>
-            <a:off x="383458" y="442452"/>
-            <a:ext cx="11356258" cy="6096000"/>
-          </a:xfrm>
-        </p:spPr>
-        <p:txBody>
-          <a:bodyPr/>
-          <a:lstStyle/>
-          <a:p>
-            <a:pPr algn="l"/>
-            <a:r>
-              <a:rPr lang="en-US" dirty="0"/>
-              <a:t>4.13 </a:t>
-            </a:r>
-            <a:r>
-              <a:rPr lang="en-US" altLang="zh-CN" dirty="0"/>
-              <a:t>synthetic case test</a:t>
-            </a:r>
-          </a:p>
-          <a:p>
-            <a:pPr marL="342900" indent="-342900" algn="l">
-              <a:buFontTx/>
-              <a:buChar char="-"/>
-            </a:pPr>
-            <a:r>
-              <a:rPr lang="en-US" dirty="0"/>
-              <a:t>original greedy: reserve 20 plans in each step</a:t>
-            </a:r>
-          </a:p>
-          <a:p>
-            <a:pPr marL="342900" indent="-342900" algn="l">
-              <a:buFontTx/>
-              <a:buChar char="-"/>
-            </a:pPr>
-            <a:r>
-              <a:rPr lang="en-US" dirty="0"/>
-              <a:t>new greedy: reserve 20 plans, create 5 new plans from one plan in each step </a:t>
-            </a:r>
-          </a:p>
-          <a:p>
-            <a:pPr marL="342900" indent="-342900" algn="l">
-              <a:buFontTx/>
-              <a:buChar char="-"/>
-            </a:pPr>
-            <a:r>
-              <a:rPr lang="en-US" dirty="0"/>
-              <a:t>test the code for all synthetic networks with different sizes, but only choose one for one size</a:t>
-            </a:r>
-          </a:p>
-          <a:p>
-            <a:pPr algn="l"/>
-            <a:endParaRPr lang="en-US" dirty="0"/>
-          </a:p>
-          <a:p>
-            <a:pPr algn="l"/>
-            <a:r>
-              <a:rPr lang="en-US" dirty="0"/>
-              <a:t>Result</a:t>
-            </a:r>
-          </a:p>
-          <a:p>
-            <a:pPr marL="342900" indent="-342900" algn="l">
-              <a:buFontTx/>
-              <a:buChar char="-"/>
-            </a:pPr>
-            <a:r>
-              <a:rPr lang="en-US" dirty="0"/>
-              <a:t>original greedy: 100-800 </a:t>
-            </a:r>
-            <a:r>
-              <a:rPr lang="en-US" altLang="zh-CN" dirty="0"/>
-              <a:t>finished,</a:t>
-            </a:r>
-            <a:r>
-              <a:rPr lang="zh-CN" altLang="en-US" dirty="0"/>
-              <a:t> </a:t>
-            </a:r>
-            <a:r>
-              <a:rPr lang="en-US" altLang="zh-CN" dirty="0"/>
-              <a:t>900 no result.</a:t>
-            </a:r>
-          </a:p>
-          <a:p>
-            <a:pPr algn="l"/>
-            <a:r>
-              <a:rPr lang="en-US" dirty="0"/>
-              <a:t>Out of memory</a:t>
-            </a:r>
-            <a:r>
-              <a:rPr lang="en-US" dirty="0">
-                <a:sym typeface="Wingdings" panose="05000000000000000000" pitchFamily="2" charset="2"/>
-              </a:rPr>
-              <a:t> 3GB</a:t>
-            </a:r>
-            <a:r>
-              <a:rPr lang="zh-CN" altLang="en-US" dirty="0">
-                <a:sym typeface="Wingdings" panose="05000000000000000000" pitchFamily="2" charset="2"/>
-              </a:rPr>
-              <a:t>改为</a:t>
-            </a:r>
-            <a:r>
-              <a:rPr lang="en-US" altLang="zh-CN" dirty="0">
-                <a:sym typeface="Wingdings" panose="05000000000000000000" pitchFamily="2" charset="2"/>
-              </a:rPr>
-              <a:t>6GB</a:t>
-            </a:r>
-            <a:endParaRPr lang="en-US" dirty="0"/>
-          </a:p>
-        </p:txBody>
-      </p:sp>
+        </p:nvGraphicFramePr>
+        <p:xfrm>
+          <a:off x="285751" y="186266"/>
+          <a:ext cx="10210800" cy="4572360"/>
+        </p:xfrm>
+        <a:graphic>
+          <a:graphicData uri="http://schemas.openxmlformats.org/drawingml/2006/table">
+            <a:tbl>
+              <a:tblPr firstRow="1" bandRow="1">
+                <a:tableStyleId>{5C22544A-7EE6-4342-B048-85BDC9FD1C3A}</a:tableStyleId>
+              </a:tblPr>
+              <a:tblGrid>
+                <a:gridCol w="775010">
+                  <a:extLst>
+                    <a:ext uri="{9D8B030D-6E8A-4147-A177-3AD203B41FA5}">
+                      <a16:colId xmlns:a16="http://schemas.microsoft.com/office/drawing/2014/main" val="3959262929"/>
+                    </a:ext>
+                  </a:extLst>
+                </a:gridCol>
+                <a:gridCol w="1577664">
+                  <a:extLst>
+                    <a:ext uri="{9D8B030D-6E8A-4147-A177-3AD203B41FA5}">
+                      <a16:colId xmlns:a16="http://schemas.microsoft.com/office/drawing/2014/main" val="1627569443"/>
+                    </a:ext>
+                  </a:extLst>
+                </a:gridCol>
+                <a:gridCol w="1000125">
+                  <a:extLst>
+                    <a:ext uri="{9D8B030D-6E8A-4147-A177-3AD203B41FA5}">
+                      <a16:colId xmlns:a16="http://schemas.microsoft.com/office/drawing/2014/main" val="2348623206"/>
+                    </a:ext>
+                  </a:extLst>
+                </a:gridCol>
+                <a:gridCol w="1114425">
+                  <a:extLst>
+                    <a:ext uri="{9D8B030D-6E8A-4147-A177-3AD203B41FA5}">
+                      <a16:colId xmlns:a16="http://schemas.microsoft.com/office/drawing/2014/main" val="936750774"/>
+                    </a:ext>
+                  </a:extLst>
+                </a:gridCol>
+                <a:gridCol w="1333500">
+                  <a:extLst>
+                    <a:ext uri="{9D8B030D-6E8A-4147-A177-3AD203B41FA5}">
+                      <a16:colId xmlns:a16="http://schemas.microsoft.com/office/drawing/2014/main" val="1096750382"/>
+                    </a:ext>
+                  </a:extLst>
+                </a:gridCol>
+                <a:gridCol w="1381125">
+                  <a:extLst>
+                    <a:ext uri="{9D8B030D-6E8A-4147-A177-3AD203B41FA5}">
+                      <a16:colId xmlns:a16="http://schemas.microsoft.com/office/drawing/2014/main" val="2553925320"/>
+                    </a:ext>
+                  </a:extLst>
+                </a:gridCol>
+                <a:gridCol w="1190625">
+                  <a:extLst>
+                    <a:ext uri="{9D8B030D-6E8A-4147-A177-3AD203B41FA5}">
+                      <a16:colId xmlns:a16="http://schemas.microsoft.com/office/drawing/2014/main" val="2568830889"/>
+                    </a:ext>
+                  </a:extLst>
+                </a:gridCol>
+                <a:gridCol w="1838326">
+                  <a:extLst>
+                    <a:ext uri="{9D8B030D-6E8A-4147-A177-3AD203B41FA5}">
+                      <a16:colId xmlns:a16="http://schemas.microsoft.com/office/drawing/2014/main" val="4256130712"/>
+                    </a:ext>
+                  </a:extLst>
+                </a:gridCol>
+              </a:tblGrid>
+              <a:tr h="525825">
+                <a:tc>
+                  <a:txBody>
+                    <a:bodyPr/>
+                    <a:lstStyle/>
+                    <a:p>
+                      <a:r>
+                        <a:rPr lang="en-US" altLang="zh-CN" dirty="0"/>
+                        <a:t>size</a:t>
+                      </a:r>
+                      <a:endParaRPr lang="en-US" dirty="0"/>
+                    </a:p>
+                  </a:txBody>
+                  <a:tcPr/>
+                </a:tc>
+                <a:tc>
+                  <a:txBody>
+                    <a:bodyPr/>
+                    <a:lstStyle/>
+                    <a:p>
+                      <a:r>
+                        <a:rPr lang="en-US" dirty="0"/>
+                        <a:t>OG</a:t>
+                      </a:r>
+                    </a:p>
+                  </a:txBody>
+                  <a:tcPr/>
+                </a:tc>
+                <a:tc>
+                  <a:txBody>
+                    <a:bodyPr/>
+                    <a:lstStyle/>
+                    <a:p>
+                      <a:r>
+                        <a:rPr lang="en-US" dirty="0"/>
+                        <a:t>NG(5)</a:t>
+                      </a:r>
+                    </a:p>
+                  </a:txBody>
+                  <a:tcPr/>
+                </a:tc>
+                <a:tc>
+                  <a:txBody>
+                    <a:bodyPr/>
+                    <a:lstStyle/>
+                    <a:p>
+                      <a:r>
+                        <a:rPr lang="en-US" dirty="0"/>
+                        <a:t>NG(10)</a:t>
+                      </a:r>
+                    </a:p>
+                  </a:txBody>
+                  <a:tcPr/>
+                </a:tc>
+                <a:tc>
+                  <a:txBody>
+                    <a:bodyPr/>
+                    <a:lstStyle/>
+                    <a:p>
+                      <a:r>
+                        <a:rPr lang="en-US" dirty="0"/>
+                        <a:t>NG(15)</a:t>
+                      </a:r>
+                    </a:p>
+                  </a:txBody>
+                  <a:tcPr/>
+                </a:tc>
+                <a:tc>
+                  <a:txBody>
+                    <a:bodyPr/>
+                    <a:lstStyle/>
+                    <a:p>
+                      <a:r>
+                        <a:rPr lang="en-US" dirty="0"/>
+                        <a:t>NG(20)</a:t>
+                      </a:r>
+                    </a:p>
+                  </a:txBody>
+                  <a:tcPr/>
+                </a:tc>
+                <a:tc>
+                  <a:txBody>
+                    <a:bodyPr/>
+                    <a:lstStyle/>
+                    <a:p>
+                      <a:r>
+                        <a:rPr lang="en-US" dirty="0"/>
+                        <a:t>NG(25)</a:t>
+                      </a:r>
+                    </a:p>
+                  </a:txBody>
+                  <a:tcPr/>
+                </a:tc>
+                <a:tc>
+                  <a:txBody>
+                    <a:bodyPr/>
+                    <a:lstStyle/>
+                    <a:p>
+                      <a:r>
+                        <a:rPr lang="en-US" dirty="0"/>
+                        <a:t>NG(30)</a:t>
+                      </a:r>
+                    </a:p>
+                  </a:txBody>
+                  <a:tcPr/>
+                </a:tc>
+                <a:extLst>
+                  <a:ext uri="{0D108BD9-81ED-4DB2-BD59-A6C34878D82A}">
+                    <a16:rowId xmlns:a16="http://schemas.microsoft.com/office/drawing/2014/main" val="1541345522"/>
+                  </a:ext>
+                </a:extLst>
+              </a:tr>
+              <a:tr h="525825">
+                <a:tc>
+                  <a:txBody>
+                    <a:bodyPr/>
+                    <a:lstStyle/>
+                    <a:p>
+                      <a:r>
+                        <a:rPr lang="en-US" dirty="0"/>
+                        <a:t>100</a:t>
+                      </a:r>
+                    </a:p>
+                  </a:txBody>
+                  <a:tcPr/>
+                </a:tc>
+                <a:tc>
+                  <a:txBody>
+                    <a:bodyPr/>
+                    <a:lstStyle/>
+                    <a:p>
+                      <a:r>
+                        <a:rPr lang="en-US" dirty="0"/>
+                        <a:t>60.69</a:t>
+                      </a:r>
+                    </a:p>
+                  </a:txBody>
+                  <a:tcPr/>
+                </a:tc>
+                <a:tc>
+                  <a:txBody>
+                    <a:bodyPr/>
+                    <a:lstStyle/>
+                    <a:p>
+                      <a:r>
+                        <a:rPr lang="en-US" dirty="0"/>
+                        <a:t>0.61</a:t>
+                      </a:r>
+                    </a:p>
+                  </a:txBody>
+                  <a:tcPr/>
+                </a:tc>
+                <a:tc>
+                  <a:txBody>
+                    <a:bodyPr/>
+                    <a:lstStyle/>
+                    <a:p>
+                      <a:r>
+                        <a:rPr lang="en-US" dirty="0"/>
+                        <a:t>2.28</a:t>
+                      </a:r>
+                    </a:p>
+                  </a:txBody>
+                  <a:tcPr/>
+                </a:tc>
+                <a:tc>
+                  <a:txBody>
+                    <a:bodyPr/>
+                    <a:lstStyle/>
+                    <a:p>
+                      <a:r>
+                        <a:rPr lang="en-US" dirty="0"/>
+                        <a:t>4.06</a:t>
+                      </a:r>
+                    </a:p>
+                  </a:txBody>
+                  <a:tcPr/>
+                </a:tc>
+                <a:tc>
+                  <a:txBody>
+                    <a:bodyPr/>
+                    <a:lstStyle/>
+                    <a:p>
+                      <a:r>
+                        <a:rPr lang="en-US" dirty="0"/>
+                        <a:t>6.92</a:t>
+                      </a:r>
+                    </a:p>
+                  </a:txBody>
+                  <a:tcPr/>
+                </a:tc>
+                <a:tc>
+                  <a:txBody>
+                    <a:bodyPr/>
+                    <a:lstStyle/>
+                    <a:p>
+                      <a:r>
+                        <a:rPr lang="en-US" dirty="0"/>
+                        <a:t>8.21</a:t>
+                      </a:r>
+                    </a:p>
+                  </a:txBody>
+                  <a:tcPr/>
+                </a:tc>
+                <a:tc>
+                  <a:txBody>
+                    <a:bodyPr/>
+                    <a:lstStyle/>
+                    <a:p>
+                      <a:r>
+                        <a:rPr lang="en-US" dirty="0"/>
+                        <a:t>11.89</a:t>
+                      </a:r>
+                    </a:p>
+                  </a:txBody>
+                  <a:tcPr/>
+                </a:tc>
+                <a:extLst>
+                  <a:ext uri="{0D108BD9-81ED-4DB2-BD59-A6C34878D82A}">
+                    <a16:rowId xmlns:a16="http://schemas.microsoft.com/office/drawing/2014/main" val="1953472893"/>
+                  </a:ext>
+                </a:extLst>
+              </a:tr>
+              <a:tr h="525825">
+                <a:tc>
+                  <a:txBody>
+                    <a:bodyPr/>
+                    <a:lstStyle/>
+                    <a:p>
+                      <a:r>
+                        <a:rPr lang="en-US" dirty="0"/>
+                        <a:t>500</a:t>
+                      </a:r>
+                    </a:p>
+                  </a:txBody>
+                  <a:tcPr/>
+                </a:tc>
+                <a:tc>
+                  <a:txBody>
+                    <a:bodyPr/>
+                    <a:lstStyle/>
+                    <a:p>
+                      <a:r>
+                        <a:rPr lang="en-US" dirty="0"/>
+                        <a:t>13503.35</a:t>
+                      </a:r>
+                    </a:p>
+                  </a:txBody>
+                  <a:tcPr/>
+                </a:tc>
+                <a:tc>
+                  <a:txBody>
+                    <a:bodyPr/>
+                    <a:lstStyle/>
+                    <a:p>
+                      <a:r>
+                        <a:rPr lang="en-US" dirty="0"/>
+                        <a:t>6.71</a:t>
+                      </a:r>
+                    </a:p>
+                  </a:txBody>
+                  <a:tcPr/>
+                </a:tc>
+                <a:tc>
+                  <a:txBody>
+                    <a:bodyPr/>
+                    <a:lstStyle/>
+                    <a:p>
+                      <a:r>
+                        <a:rPr lang="en-US" dirty="0"/>
+                        <a:t>22.33</a:t>
+                      </a:r>
+                    </a:p>
+                  </a:txBody>
+                  <a:tcPr/>
+                </a:tc>
+                <a:tc>
+                  <a:txBody>
+                    <a:bodyPr/>
+                    <a:lstStyle/>
+                    <a:p>
+                      <a:r>
+                        <a:rPr lang="en-US" dirty="0"/>
+                        <a:t>37.65</a:t>
+                      </a:r>
+                    </a:p>
+                  </a:txBody>
+                  <a:tcPr/>
+                </a:tc>
+                <a:tc>
+                  <a:txBody>
+                    <a:bodyPr/>
+                    <a:lstStyle/>
+                    <a:p>
+                      <a:r>
+                        <a:rPr lang="en-US" dirty="0"/>
+                        <a:t>61.53</a:t>
+                      </a:r>
+                    </a:p>
+                  </a:txBody>
+                  <a:tcPr/>
+                </a:tc>
+                <a:tc>
+                  <a:txBody>
+                    <a:bodyPr/>
+                    <a:lstStyle/>
+                    <a:p>
+                      <a:r>
+                        <a:rPr lang="en-US" dirty="0"/>
+                        <a:t>80.04</a:t>
+                      </a:r>
+                    </a:p>
+                  </a:txBody>
+                  <a:tcPr/>
+                </a:tc>
+                <a:tc>
+                  <a:txBody>
+                    <a:bodyPr/>
+                    <a:lstStyle/>
+                    <a:p>
+                      <a:r>
+                        <a:rPr lang="en-US" dirty="0"/>
+                        <a:t>105.42</a:t>
+                      </a:r>
+                    </a:p>
+                  </a:txBody>
+                  <a:tcPr/>
+                </a:tc>
+                <a:extLst>
+                  <a:ext uri="{0D108BD9-81ED-4DB2-BD59-A6C34878D82A}">
+                    <a16:rowId xmlns:a16="http://schemas.microsoft.com/office/drawing/2014/main" val="1043318241"/>
+                  </a:ext>
+                </a:extLst>
+              </a:tr>
+              <a:tr h="525825">
+                <a:tc>
+                  <a:txBody>
+                    <a:bodyPr/>
+                    <a:lstStyle/>
+                    <a:p>
+                      <a:r>
+                        <a:rPr lang="en-US" dirty="0"/>
+                        <a:t>1000</a:t>
+                      </a:r>
+                    </a:p>
+                  </a:txBody>
+                  <a:tcPr/>
+                </a:tc>
+                <a:tc>
+                  <a:txBody>
+                    <a:bodyPr/>
+                    <a:lstStyle/>
+                    <a:p>
+                      <a:r>
+                        <a:rPr lang="en-US" sz="1800" b="0" i="0" kern="1200" dirty="0">
+                          <a:solidFill>
+                            <a:schemeClr val="dk1"/>
+                          </a:solidFill>
+                          <a:effectLst/>
+                          <a:latin typeface="+mn-lt"/>
+                          <a:ea typeface="+mn-ea"/>
+                          <a:cs typeface="+mn-cs"/>
+                        </a:rPr>
+                        <a:t>113634.28</a:t>
+                      </a:r>
+                      <a:endParaRPr lang="en-US" dirty="0"/>
+                    </a:p>
+                  </a:txBody>
+                  <a:tcPr/>
+                </a:tc>
+                <a:tc>
+                  <a:txBody>
+                    <a:bodyPr/>
+                    <a:lstStyle/>
+                    <a:p>
+                      <a:r>
+                        <a:rPr lang="en-US" dirty="0"/>
+                        <a:t>26.96</a:t>
+                      </a:r>
+                    </a:p>
+                  </a:txBody>
+                  <a:tcPr/>
+                </a:tc>
+                <a:tc>
+                  <a:txBody>
+                    <a:bodyPr/>
+                    <a:lstStyle/>
+                    <a:p>
+                      <a:r>
+                        <a:rPr lang="en-US" dirty="0"/>
+                        <a:t>79.65</a:t>
+                      </a:r>
+                    </a:p>
+                  </a:txBody>
+                  <a:tcPr/>
+                </a:tc>
+                <a:tc>
+                  <a:txBody>
+                    <a:bodyPr/>
+                    <a:lstStyle/>
+                    <a:p>
+                      <a:r>
+                        <a:rPr lang="en-US" dirty="0"/>
+                        <a:t>133.35</a:t>
+                      </a:r>
+                    </a:p>
+                  </a:txBody>
+                  <a:tcPr/>
+                </a:tc>
+                <a:tc>
+                  <a:txBody>
+                    <a:bodyPr/>
+                    <a:lstStyle/>
+                    <a:p>
+                      <a:r>
+                        <a:rPr lang="en-US" dirty="0"/>
+                        <a:t>216.88</a:t>
+                      </a:r>
+                    </a:p>
+                  </a:txBody>
+                  <a:tcPr/>
+                </a:tc>
+                <a:tc>
+                  <a:txBody>
+                    <a:bodyPr/>
+                    <a:lstStyle/>
+                    <a:p>
+                      <a:r>
+                        <a:rPr lang="en-US" dirty="0"/>
+                        <a:t>243.29</a:t>
+                      </a:r>
+                    </a:p>
+                  </a:txBody>
+                  <a:tcPr/>
+                </a:tc>
+                <a:tc>
+                  <a:txBody>
+                    <a:bodyPr/>
+                    <a:lstStyle/>
+                    <a:p>
+                      <a:r>
+                        <a:rPr lang="en-US" dirty="0"/>
+                        <a:t>332.13</a:t>
+                      </a:r>
+                    </a:p>
+                  </a:txBody>
+                  <a:tcPr/>
+                </a:tc>
+                <a:extLst>
+                  <a:ext uri="{0D108BD9-81ED-4DB2-BD59-A6C34878D82A}">
+                    <a16:rowId xmlns:a16="http://schemas.microsoft.com/office/drawing/2014/main" val="4031194815"/>
+                  </a:ext>
+                </a:extLst>
+              </a:tr>
+              <a:tr h="525825">
+                <a:tc>
+                  <a:txBody>
+                    <a:bodyPr/>
+                    <a:lstStyle/>
+                    <a:p>
+                      <a:r>
+                        <a:rPr lang="en-US" dirty="0"/>
+                        <a:t>1500</a:t>
+                      </a:r>
+                    </a:p>
+                  </a:txBody>
+                  <a:tcPr/>
+                </a:tc>
+                <a:tc>
+                  <a:txBody>
+                    <a:bodyPr/>
+                    <a:lstStyle/>
+                    <a:p>
+                      <a:r>
+                        <a:rPr lang="en-US" dirty="0"/>
+                        <a:t>**</a:t>
+                      </a:r>
+                    </a:p>
+                  </a:txBody>
+                  <a:tcPr/>
+                </a:tc>
+                <a:tc>
+                  <a:txBody>
+                    <a:bodyPr/>
+                    <a:lstStyle/>
+                    <a:p>
+                      <a:r>
+                        <a:rPr lang="en-US" dirty="0"/>
+                        <a:t>65.68</a:t>
+                      </a:r>
+                    </a:p>
+                  </a:txBody>
+                  <a:tcPr/>
+                </a:tc>
+                <a:tc>
+                  <a:txBody>
+                    <a:bodyPr/>
+                    <a:lstStyle/>
+                    <a:p>
+                      <a:r>
+                        <a:rPr lang="en-US" dirty="0"/>
+                        <a:t>186.89</a:t>
+                      </a:r>
+                    </a:p>
+                  </a:txBody>
+                  <a:tcPr/>
+                </a:tc>
+                <a:tc>
+                  <a:txBody>
+                    <a:bodyPr/>
+                    <a:lstStyle/>
+                    <a:p>
+                      <a:r>
+                        <a:rPr lang="en-US" dirty="0"/>
+                        <a:t>299.83</a:t>
+                      </a:r>
+                    </a:p>
+                  </a:txBody>
+                  <a:tcPr/>
+                </a:tc>
+                <a:tc>
+                  <a:txBody>
+                    <a:bodyPr/>
+                    <a:lstStyle/>
+                    <a:p>
+                      <a:r>
+                        <a:rPr lang="en-US" dirty="0"/>
+                        <a:t>459.12</a:t>
+                      </a:r>
+                    </a:p>
+                  </a:txBody>
+                  <a:tcPr/>
+                </a:tc>
+                <a:tc>
+                  <a:txBody>
+                    <a:bodyPr/>
+                    <a:lstStyle/>
+                    <a:p>
+                      <a:r>
+                        <a:rPr lang="en-US" dirty="0"/>
+                        <a:t>510.40</a:t>
+                      </a:r>
+                    </a:p>
+                  </a:txBody>
+                  <a:tcPr/>
+                </a:tc>
+                <a:tc>
+                  <a:txBody>
+                    <a:bodyPr/>
+                    <a:lstStyle/>
+                    <a:p>
+                      <a:r>
+                        <a:rPr lang="en-US" dirty="0"/>
+                        <a:t>695.60</a:t>
+                      </a:r>
+                    </a:p>
+                  </a:txBody>
+                  <a:tcPr/>
+                </a:tc>
+                <a:extLst>
+                  <a:ext uri="{0D108BD9-81ED-4DB2-BD59-A6C34878D82A}">
+                    <a16:rowId xmlns:a16="http://schemas.microsoft.com/office/drawing/2014/main" val="8932694"/>
+                  </a:ext>
+                </a:extLst>
+              </a:tr>
+              <a:tr h="525825">
+                <a:tc>
+                  <a:txBody>
+                    <a:bodyPr/>
+                    <a:lstStyle/>
+                    <a:p>
+                      <a:r>
+                        <a:rPr lang="en-US" dirty="0"/>
+                        <a:t>2000</a:t>
+                      </a:r>
+                    </a:p>
+                  </a:txBody>
+                  <a:tcPr/>
+                </a:tc>
+                <a:tc>
+                  <a:txBody>
+                    <a:bodyPr/>
+                    <a:lstStyle/>
+                    <a:p>
+                      <a:r>
+                        <a:rPr lang="en-US" dirty="0"/>
+                        <a:t>**</a:t>
+                      </a:r>
+                    </a:p>
+                  </a:txBody>
+                  <a:tcPr/>
+                </a:tc>
+                <a:tc>
+                  <a:txBody>
+                    <a:bodyPr/>
+                    <a:lstStyle/>
+                    <a:p>
+                      <a:r>
+                        <a:rPr lang="en-US" dirty="0"/>
+                        <a:t>138.89</a:t>
+                      </a:r>
+                    </a:p>
+                  </a:txBody>
+                  <a:tcPr/>
+                </a:tc>
+                <a:tc>
+                  <a:txBody>
+                    <a:bodyPr/>
+                    <a:lstStyle/>
+                    <a:p>
+                      <a:r>
+                        <a:rPr lang="en-US" dirty="0"/>
+                        <a:t>360.98</a:t>
+                      </a:r>
+                    </a:p>
+                  </a:txBody>
+                  <a:tcPr/>
+                </a:tc>
+                <a:tc>
+                  <a:txBody>
+                    <a:bodyPr/>
+                    <a:lstStyle/>
+                    <a:p>
+                      <a:r>
+                        <a:rPr lang="en-US" dirty="0"/>
+                        <a:t>592.59</a:t>
+                      </a:r>
+                    </a:p>
+                  </a:txBody>
+                  <a:tcPr/>
+                </a:tc>
+                <a:tc>
+                  <a:txBody>
+                    <a:bodyPr/>
+                    <a:lstStyle/>
+                    <a:p>
+                      <a:r>
+                        <a:rPr lang="en-US" dirty="0"/>
+                        <a:t>855.72</a:t>
+                      </a:r>
+                    </a:p>
+                  </a:txBody>
+                  <a:tcPr/>
+                </a:tc>
+                <a:tc>
+                  <a:txBody>
+                    <a:bodyPr/>
+                    <a:lstStyle/>
+                    <a:p>
+                      <a:r>
+                        <a:rPr lang="en-US" dirty="0"/>
+                        <a:t>944.06</a:t>
+                      </a:r>
+                    </a:p>
+                  </a:txBody>
+                  <a:tcPr/>
+                </a:tc>
+                <a:tc>
+                  <a:txBody>
+                    <a:bodyPr/>
+                    <a:lstStyle/>
+                    <a:p>
+                      <a:r>
+                        <a:rPr lang="en-US" dirty="0"/>
+                        <a:t>1320.14</a:t>
+                      </a:r>
+                    </a:p>
+                  </a:txBody>
+                  <a:tcPr/>
+                </a:tc>
+                <a:extLst>
+                  <a:ext uri="{0D108BD9-81ED-4DB2-BD59-A6C34878D82A}">
+                    <a16:rowId xmlns:a16="http://schemas.microsoft.com/office/drawing/2014/main" val="435104574"/>
+                  </a:ext>
+                </a:extLst>
+              </a:tr>
+              <a:tr h="525825">
+                <a:tc>
+                  <a:txBody>
+                    <a:bodyPr/>
+                    <a:lstStyle/>
+                    <a:p>
+                      <a:r>
+                        <a:rPr lang="en-US" dirty="0"/>
+                        <a:t>2500</a:t>
+                      </a:r>
+                    </a:p>
+                  </a:txBody>
+                  <a:tcPr/>
+                </a:tc>
+                <a:tc>
+                  <a:txBody>
+                    <a:bodyPr/>
+                    <a:lstStyle/>
+                    <a:p>
+                      <a:r>
+                        <a:rPr lang="en-US" dirty="0"/>
+                        <a:t>**</a:t>
+                      </a:r>
+                    </a:p>
+                  </a:txBody>
+                  <a:tcPr/>
+                </a:tc>
+                <a:tc>
+                  <a:txBody>
+                    <a:bodyPr/>
+                    <a:lstStyle/>
+                    <a:p>
+                      <a:r>
+                        <a:rPr lang="en-US" dirty="0"/>
+                        <a:t>238.28</a:t>
+                      </a:r>
+                    </a:p>
+                  </a:txBody>
+                  <a:tcPr/>
+                </a:tc>
+                <a:tc>
+                  <a:txBody>
+                    <a:bodyPr/>
+                    <a:lstStyle/>
+                    <a:p>
+                      <a:r>
+                        <a:rPr lang="en-US" dirty="0"/>
+                        <a:t>615.81</a:t>
+                      </a:r>
+                    </a:p>
+                  </a:txBody>
+                  <a:tcPr/>
+                </a:tc>
+                <a:tc>
+                  <a:txBody>
+                    <a:bodyPr/>
+                    <a:lstStyle/>
+                    <a:p>
+                      <a:r>
+                        <a:rPr lang="en-US" dirty="0"/>
+                        <a:t>974.02</a:t>
+                      </a:r>
+                    </a:p>
+                  </a:txBody>
+                  <a:tcPr/>
+                </a:tc>
+                <a:tc>
+                  <a:txBody>
+                    <a:bodyPr/>
+                    <a:lstStyle/>
+                    <a:p>
+                      <a:r>
+                        <a:rPr lang="en-US" dirty="0"/>
+                        <a:t>1399.72</a:t>
+                      </a:r>
+                    </a:p>
+                  </a:txBody>
+                  <a:tcPr/>
+                </a:tc>
+                <a:tc>
+                  <a:txBody>
+                    <a:bodyPr/>
+                    <a:lstStyle/>
+                    <a:p>
+                      <a:r>
+                        <a:rPr lang="en-US" dirty="0"/>
+                        <a:t>1555.03</a:t>
+                      </a:r>
+                    </a:p>
+                  </a:txBody>
+                  <a:tcPr/>
+                </a:tc>
+                <a:tc>
+                  <a:txBody>
+                    <a:bodyPr/>
+                    <a:lstStyle/>
+                    <a:p>
+                      <a:r>
+                        <a:rPr lang="en-US" dirty="0"/>
+                        <a:t>2051.82</a:t>
+                      </a:r>
+                    </a:p>
+                  </a:txBody>
+                  <a:tcPr/>
+                </a:tc>
+                <a:extLst>
+                  <a:ext uri="{0D108BD9-81ED-4DB2-BD59-A6C34878D82A}">
+                    <a16:rowId xmlns:a16="http://schemas.microsoft.com/office/drawing/2014/main" val="2152307625"/>
+                  </a:ext>
+                </a:extLst>
+              </a:tr>
+              <a:tr h="525825">
+                <a:tc>
+                  <a:txBody>
+                    <a:bodyPr/>
+                    <a:lstStyle/>
+                    <a:p>
+                      <a:r>
+                        <a:rPr lang="en-US" dirty="0"/>
+                        <a:t>3000</a:t>
+                      </a:r>
+                    </a:p>
+                  </a:txBody>
+                  <a:tcPr/>
+                </a:tc>
+                <a:tc>
+                  <a:txBody>
+                    <a:bodyPr/>
+                    <a:lstStyle/>
+                    <a:p>
+                      <a:r>
+                        <a:rPr lang="en-US" dirty="0"/>
+                        <a:t>**</a:t>
+                      </a:r>
+                    </a:p>
+                  </a:txBody>
+                  <a:tcPr/>
+                </a:tc>
+                <a:tc>
+                  <a:txBody>
+                    <a:bodyPr/>
+                    <a:lstStyle/>
+                    <a:p>
+                      <a:r>
+                        <a:rPr lang="en-US" dirty="0"/>
+                        <a:t>394.73</a:t>
+                      </a:r>
+                    </a:p>
+                  </a:txBody>
+                  <a:tcPr/>
+                </a:tc>
+                <a:tc>
+                  <a:txBody>
+                    <a:bodyPr/>
+                    <a:lstStyle/>
+                    <a:p>
+                      <a:r>
+                        <a:rPr lang="en-US" dirty="0"/>
+                        <a:t>953.58</a:t>
+                      </a:r>
+                    </a:p>
+                  </a:txBody>
+                  <a:tcPr/>
+                </a:tc>
+                <a:tc>
+                  <a:txBody>
+                    <a:bodyPr/>
+                    <a:lstStyle/>
+                    <a:p>
+                      <a:r>
+                        <a:rPr lang="en-US" dirty="0"/>
+                        <a:t>1523.87</a:t>
+                      </a:r>
+                    </a:p>
+                  </a:txBody>
+                  <a:tcPr/>
+                </a:tc>
+                <a:tc>
+                  <a:txBody>
+                    <a:bodyPr/>
+                    <a:lstStyle/>
+                    <a:p>
+                      <a:r>
+                        <a:rPr lang="en-US" dirty="0"/>
+                        <a:t>2152.01</a:t>
+                      </a:r>
+                    </a:p>
+                  </a:txBody>
+                  <a:tcPr/>
+                </a:tc>
+                <a:tc>
+                  <a:txBody>
+                    <a:bodyPr/>
+                    <a:lstStyle/>
+                    <a:p>
+                      <a:r>
+                        <a:rPr lang="en-US" dirty="0"/>
+                        <a:t>2467.20</a:t>
+                      </a:r>
+                    </a:p>
+                  </a:txBody>
+                  <a:tcPr/>
+                </a:tc>
+                <a:tc>
+                  <a:txBody>
+                    <a:bodyPr/>
+                    <a:lstStyle/>
+                    <a:p>
+                      <a:r>
+                        <a:rPr lang="en-US" dirty="0"/>
+                        <a:t>3229.90</a:t>
+                      </a:r>
+                    </a:p>
+                  </a:txBody>
+                  <a:tcPr/>
+                </a:tc>
+                <a:extLst>
+                  <a:ext uri="{0D108BD9-81ED-4DB2-BD59-A6C34878D82A}">
+                    <a16:rowId xmlns:a16="http://schemas.microsoft.com/office/drawing/2014/main" val="3643979968"/>
+                  </a:ext>
+                </a:extLst>
+              </a:tr>
+              <a:tr h="302960">
+                <a:tc>
+                  <a:txBody>
+                    <a:bodyPr/>
+                    <a:lstStyle/>
+                    <a:p>
+                      <a:endParaRPr lang="en-US" dirty="0"/>
+                    </a:p>
+                  </a:txBody>
+                  <a:tcPr/>
+                </a:tc>
+                <a:tc>
+                  <a:txBody>
+                    <a:bodyPr/>
+                    <a:lstStyle/>
+                    <a:p>
+                      <a:endParaRPr lang="en-US" dirty="0"/>
+                    </a:p>
+                  </a:txBody>
+                  <a:tcPr/>
+                </a:tc>
+                <a:tc>
+                  <a:txBody>
+                    <a:bodyPr/>
+                    <a:lstStyle/>
+                    <a:p>
+                      <a:endParaRPr lang="en-US" dirty="0"/>
+                    </a:p>
+                  </a:txBody>
+                  <a:tcPr/>
+                </a:tc>
+                <a:tc>
+                  <a:txBody>
+                    <a:bodyPr/>
+                    <a:lstStyle/>
+                    <a:p>
+                      <a:endParaRPr lang="en-US" dirty="0"/>
+                    </a:p>
+                  </a:txBody>
+                  <a:tcPr/>
+                </a:tc>
+                <a:tc>
+                  <a:txBody>
+                    <a:bodyPr/>
+                    <a:lstStyle/>
+                    <a:p>
+                      <a:endParaRPr lang="en-US" dirty="0"/>
+                    </a:p>
+                  </a:txBody>
+                  <a:tcPr/>
+                </a:tc>
+                <a:tc>
+                  <a:txBody>
+                    <a:bodyPr/>
+                    <a:lstStyle/>
+                    <a:p>
+                      <a:endParaRPr lang="en-US" dirty="0"/>
+                    </a:p>
+                  </a:txBody>
+                  <a:tcPr/>
+                </a:tc>
+                <a:tc>
+                  <a:txBody>
+                    <a:bodyPr/>
+                    <a:lstStyle/>
+                    <a:p>
+                      <a:endParaRPr lang="en-US" dirty="0"/>
+                    </a:p>
+                  </a:txBody>
+                  <a:tcPr/>
+                </a:tc>
+                <a:tc>
+                  <a:txBody>
+                    <a:bodyPr/>
+                    <a:lstStyle/>
+                    <a:p>
+                      <a:endParaRPr lang="en-US" dirty="0"/>
+                    </a:p>
+                  </a:txBody>
+                  <a:tcPr/>
+                </a:tc>
+                <a:extLst>
+                  <a:ext uri="{0D108BD9-81ED-4DB2-BD59-A6C34878D82A}">
+                    <a16:rowId xmlns:a16="http://schemas.microsoft.com/office/drawing/2014/main" val="2673693635"/>
+                  </a:ext>
+                </a:extLst>
+              </a:tr>
+            </a:tbl>
+          </a:graphicData>
+        </a:graphic>
+      </p:graphicFrame>
       <p:pic>
         <p:nvPicPr>
-          <p:cNvPr id="6" name="Picture 5">
-            <a:extLst>
-              <a:ext uri="{FF2B5EF4-FFF2-40B4-BE49-F238E27FC236}">
-                <a16:creationId xmlns:a16="http://schemas.microsoft.com/office/drawing/2014/main" id="{9CCF2861-16D1-43F8-BECD-4FAAF69F49A0}"/>
+          <p:cNvPr id="7" name="Picture 6">
+            <a:extLst>
+              <a:ext uri="{FF2B5EF4-FFF2-40B4-BE49-F238E27FC236}">
+                <a16:creationId xmlns:a16="http://schemas.microsoft.com/office/drawing/2014/main" id="{4B4FDBA6-A133-4AB8-AF43-407FD1127626}"/>
               </a:ext>
             </a:extLst>
           </p:cNvPr>
@@ -12968,15 +14445,15 @@
           <p:nvPr/>
         </p:nvPicPr>
         <p:blipFill>
-          <a:blip r:embed="rId2"/>
+          <a:blip r:embed="rId3"/>
           <a:stretch>
             <a:fillRect/>
           </a:stretch>
         </p:blipFill>
         <p:spPr>
           <a:xfrm>
-            <a:off x="529994" y="4448367"/>
-            <a:ext cx="6982799" cy="1638529"/>
+            <a:off x="474325" y="4882979"/>
+            <a:ext cx="3362794" cy="1419423"/>
           </a:xfrm>
           <a:prstGeom prst="rect">
             <a:avLst/>
@@ -12985,54 +14462,92 @@
       </p:pic>
       <p:sp>
         <p:nvSpPr>
-          <p:cNvPr id="2" name="Multiplication Sign 1">
-            <a:extLst>
-              <a:ext uri="{FF2B5EF4-FFF2-40B4-BE49-F238E27FC236}">
-                <a16:creationId xmlns:a16="http://schemas.microsoft.com/office/drawing/2014/main" id="{5F59C5F0-5BB3-4BD9-A241-DA2422B0B313}"/>
-              </a:ext>
-            </a:extLst>
-          </p:cNvPr>
-          <p:cNvSpPr/>
+          <p:cNvPr id="8" name="TextBox 7">
+            <a:extLst>
+              <a:ext uri="{FF2B5EF4-FFF2-40B4-BE49-F238E27FC236}">
+                <a16:creationId xmlns:a16="http://schemas.microsoft.com/office/drawing/2014/main" id="{AF4DC650-2EB3-460A-8C74-9DC162D4A308}"/>
+              </a:ext>
+            </a:extLst>
+          </p:cNvPr>
+          <p:cNvSpPr txBox="1"/>
           <p:nvPr/>
         </p:nvSpPr>
         <p:spPr>
           <a:xfrm>
-            <a:off x="9344025" y="3600450"/>
-            <a:ext cx="2590800" cy="1000125"/>
+            <a:off x="474325" y="6302402"/>
+            <a:ext cx="2287806" cy="369332"/>
           </a:xfrm>
-          <a:prstGeom prst="mathMultiply">
+          <a:prstGeom prst="rect">
             <a:avLst/>
           </a:prstGeom>
+          <a:noFill/>
         </p:spPr>
-        <p:style>
-          <a:lnRef idx="2">
-            <a:schemeClr val="accent1">
-              <a:shade val="50000"/>
-            </a:schemeClr>
-          </a:lnRef>
-          <a:fillRef idx="1">
-            <a:schemeClr val="accent1"/>
-          </a:fillRef>
-          <a:effectRef idx="0">
-            <a:schemeClr val="accent1"/>
-          </a:effectRef>
-          <a:fontRef idx="minor">
-            <a:schemeClr val="lt1"/>
-          </a:fontRef>
-        </p:style>
         <p:txBody>
-          <a:bodyPr rtlCol="0" anchor="ctr"/>
+          <a:bodyPr wrap="none" rtlCol="0">
+            <a:spAutoFit/>
+          </a:bodyPr>
           <a:lstStyle/>
           <a:p>
-            <a:pPr algn="ctr"/>
-            <a:endParaRPr lang="en-US"/>
+            <a:r>
+              <a:rPr lang="en-US" dirty="0"/>
+              <a:t>OG</a:t>
+            </a:r>
+            <a:r>
+              <a:rPr lang="zh-CN" altLang="en-US" dirty="0"/>
+              <a:t>和</a:t>
+            </a:r>
+            <a:r>
+              <a:rPr lang="en-US" altLang="zh-CN" dirty="0"/>
+              <a:t>NG(5) HV</a:t>
+            </a:r>
+            <a:r>
+              <a:rPr lang="zh-CN" altLang="en-US" dirty="0"/>
+              <a:t>的对比</a:t>
+            </a:r>
+            <a:endParaRPr lang="en-US" dirty="0"/>
+          </a:p>
+        </p:txBody>
+      </p:sp>
+      <p:sp>
+        <p:nvSpPr>
+          <p:cNvPr id="9" name="TextBox 8">
+            <a:extLst>
+              <a:ext uri="{FF2B5EF4-FFF2-40B4-BE49-F238E27FC236}">
+                <a16:creationId xmlns:a16="http://schemas.microsoft.com/office/drawing/2014/main" id="{130E67B3-9D3D-43E9-B499-A5E99DEB8B54}"/>
+              </a:ext>
+            </a:extLst>
+          </p:cNvPr>
+          <p:cNvSpPr txBox="1"/>
+          <p:nvPr/>
+        </p:nvSpPr>
+        <p:spPr>
+          <a:xfrm>
+            <a:off x="5104498" y="5616059"/>
+            <a:ext cx="614271" cy="369332"/>
+          </a:xfrm>
+          <a:prstGeom prst="rect">
+            <a:avLst/>
+          </a:prstGeom>
+          <a:noFill/>
+        </p:spPr>
+        <p:txBody>
+          <a:bodyPr wrap="none" rtlCol="0">
+            <a:spAutoFit/>
+          </a:bodyPr>
+          <a:lstStyle/>
+          <a:p>
+            <a:r>
+              <a:rPr lang="en-US" altLang="zh-CN" dirty="0"/>
+              <a:t>time</a:t>
+            </a:r>
+            <a:endParaRPr lang="en-US" dirty="0"/>
           </a:p>
         </p:txBody>
       </p:sp>
     </p:spTree>
     <p:extLst>
       <p:ext uri="{BB962C8B-B14F-4D97-AF65-F5344CB8AC3E}">
-        <p14:creationId xmlns:p14="http://schemas.microsoft.com/office/powerpoint/2010/main" val="1735336203"/>
+        <p14:creationId xmlns:p14="http://schemas.microsoft.com/office/powerpoint/2010/main" val="3087620827"/>
       </p:ext>
     </p:extLst>
   </p:cSld>
@@ -13059,50 +14574,1107 @@
           <a:chExt cx="0" cy="0"/>
         </a:xfrm>
       </p:grpSpPr>
+      <p:graphicFrame>
+        <p:nvGraphicFramePr>
+          <p:cNvPr id="5" name="Table 5">
+            <a:extLst>
+              <a:ext uri="{FF2B5EF4-FFF2-40B4-BE49-F238E27FC236}">
+                <a16:creationId xmlns:a16="http://schemas.microsoft.com/office/drawing/2014/main" id="{8BDC17D8-614C-4408-8507-584E0F0EB271}"/>
+              </a:ext>
+            </a:extLst>
+          </p:cNvPr>
+          <p:cNvGraphicFramePr>
+            <a:graphicFrameLocks noGrp="1"/>
+          </p:cNvGraphicFramePr>
+          <p:nvPr>
+            <p:extLst>
+              <p:ext uri="{D42A27DB-BD31-4B8C-83A1-F6EECF244321}">
+                <p14:modId xmlns:p14="http://schemas.microsoft.com/office/powerpoint/2010/main" val="3858309177"/>
+              </p:ext>
+            </p:extLst>
+          </p:nvPr>
+        </p:nvGraphicFramePr>
+        <p:xfrm>
+          <a:off x="285751" y="186266"/>
+          <a:ext cx="10210800" cy="4572360"/>
+        </p:xfrm>
+        <a:graphic>
+          <a:graphicData uri="http://schemas.openxmlformats.org/drawingml/2006/table">
+            <a:tbl>
+              <a:tblPr firstRow="1" bandRow="1">
+                <a:tableStyleId>{5C22544A-7EE6-4342-B048-85BDC9FD1C3A}</a:tableStyleId>
+              </a:tblPr>
+              <a:tblGrid>
+                <a:gridCol w="775010">
+                  <a:extLst>
+                    <a:ext uri="{9D8B030D-6E8A-4147-A177-3AD203B41FA5}">
+                      <a16:colId xmlns:a16="http://schemas.microsoft.com/office/drawing/2014/main" val="3959262929"/>
+                    </a:ext>
+                  </a:extLst>
+                </a:gridCol>
+                <a:gridCol w="1577664">
+                  <a:extLst>
+                    <a:ext uri="{9D8B030D-6E8A-4147-A177-3AD203B41FA5}">
+                      <a16:colId xmlns:a16="http://schemas.microsoft.com/office/drawing/2014/main" val="1627569443"/>
+                    </a:ext>
+                  </a:extLst>
+                </a:gridCol>
+                <a:gridCol w="1000125">
+                  <a:extLst>
+                    <a:ext uri="{9D8B030D-6E8A-4147-A177-3AD203B41FA5}">
+                      <a16:colId xmlns:a16="http://schemas.microsoft.com/office/drawing/2014/main" val="2348623206"/>
+                    </a:ext>
+                  </a:extLst>
+                </a:gridCol>
+                <a:gridCol w="1114425">
+                  <a:extLst>
+                    <a:ext uri="{9D8B030D-6E8A-4147-A177-3AD203B41FA5}">
+                      <a16:colId xmlns:a16="http://schemas.microsoft.com/office/drawing/2014/main" val="936750774"/>
+                    </a:ext>
+                  </a:extLst>
+                </a:gridCol>
+                <a:gridCol w="1333500">
+                  <a:extLst>
+                    <a:ext uri="{9D8B030D-6E8A-4147-A177-3AD203B41FA5}">
+                      <a16:colId xmlns:a16="http://schemas.microsoft.com/office/drawing/2014/main" val="1096750382"/>
+                    </a:ext>
+                  </a:extLst>
+                </a:gridCol>
+                <a:gridCol w="1381125">
+                  <a:extLst>
+                    <a:ext uri="{9D8B030D-6E8A-4147-A177-3AD203B41FA5}">
+                      <a16:colId xmlns:a16="http://schemas.microsoft.com/office/drawing/2014/main" val="2553925320"/>
+                    </a:ext>
+                  </a:extLst>
+                </a:gridCol>
+                <a:gridCol w="1190625">
+                  <a:extLst>
+                    <a:ext uri="{9D8B030D-6E8A-4147-A177-3AD203B41FA5}">
+                      <a16:colId xmlns:a16="http://schemas.microsoft.com/office/drawing/2014/main" val="2568830889"/>
+                    </a:ext>
+                  </a:extLst>
+                </a:gridCol>
+                <a:gridCol w="1838326">
+                  <a:extLst>
+                    <a:ext uri="{9D8B030D-6E8A-4147-A177-3AD203B41FA5}">
+                      <a16:colId xmlns:a16="http://schemas.microsoft.com/office/drawing/2014/main" val="4256130712"/>
+                    </a:ext>
+                  </a:extLst>
+                </a:gridCol>
+              </a:tblGrid>
+              <a:tr h="525825">
+                <a:tc>
+                  <a:txBody>
+                    <a:bodyPr/>
+                    <a:lstStyle/>
+                    <a:p>
+                      <a:r>
+                        <a:rPr lang="en-US" altLang="zh-CN" dirty="0"/>
+                        <a:t>size</a:t>
+                      </a:r>
+                      <a:endParaRPr lang="en-US" dirty="0"/>
+                    </a:p>
+                  </a:txBody>
+                  <a:tcPr/>
+                </a:tc>
+                <a:tc>
+                  <a:txBody>
+                    <a:bodyPr/>
+                    <a:lstStyle/>
+                    <a:p>
+                      <a:r>
+                        <a:rPr lang="en-US" dirty="0"/>
+                        <a:t>OG</a:t>
+                      </a:r>
+                    </a:p>
+                  </a:txBody>
+                  <a:tcPr/>
+                </a:tc>
+                <a:tc>
+                  <a:txBody>
+                    <a:bodyPr/>
+                    <a:lstStyle/>
+                    <a:p>
+                      <a:r>
+                        <a:rPr lang="en-US" dirty="0"/>
+                        <a:t>NG(5)</a:t>
+                      </a:r>
+                    </a:p>
+                  </a:txBody>
+                  <a:tcPr/>
+                </a:tc>
+                <a:tc>
+                  <a:txBody>
+                    <a:bodyPr/>
+                    <a:lstStyle/>
+                    <a:p>
+                      <a:r>
+                        <a:rPr lang="en-US" dirty="0"/>
+                        <a:t>NG(10)</a:t>
+                      </a:r>
+                    </a:p>
+                  </a:txBody>
+                  <a:tcPr/>
+                </a:tc>
+                <a:tc>
+                  <a:txBody>
+                    <a:bodyPr/>
+                    <a:lstStyle/>
+                    <a:p>
+                      <a:r>
+                        <a:rPr lang="en-US" dirty="0"/>
+                        <a:t>NG(15)</a:t>
+                      </a:r>
+                    </a:p>
+                  </a:txBody>
+                  <a:tcPr/>
+                </a:tc>
+                <a:tc>
+                  <a:txBody>
+                    <a:bodyPr/>
+                    <a:lstStyle/>
+                    <a:p>
+                      <a:r>
+                        <a:rPr lang="en-US" dirty="0"/>
+                        <a:t>NG(20)</a:t>
+                      </a:r>
+                    </a:p>
+                  </a:txBody>
+                  <a:tcPr/>
+                </a:tc>
+                <a:tc>
+                  <a:txBody>
+                    <a:bodyPr/>
+                    <a:lstStyle/>
+                    <a:p>
+                      <a:r>
+                        <a:rPr lang="en-US" dirty="0"/>
+                        <a:t>NG(25)</a:t>
+                      </a:r>
+                    </a:p>
+                  </a:txBody>
+                  <a:tcPr/>
+                </a:tc>
+                <a:tc>
+                  <a:txBody>
+                    <a:bodyPr/>
+                    <a:lstStyle/>
+                    <a:p>
+                      <a:r>
+                        <a:rPr lang="en-US" dirty="0"/>
+                        <a:t>NG(30)</a:t>
+                      </a:r>
+                    </a:p>
+                  </a:txBody>
+                  <a:tcPr/>
+                </a:tc>
+                <a:extLst>
+                  <a:ext uri="{0D108BD9-81ED-4DB2-BD59-A6C34878D82A}">
+                    <a16:rowId xmlns:a16="http://schemas.microsoft.com/office/drawing/2014/main" val="1541345522"/>
+                  </a:ext>
+                </a:extLst>
+              </a:tr>
+              <a:tr h="525825">
+                <a:tc>
+                  <a:txBody>
+                    <a:bodyPr/>
+                    <a:lstStyle/>
+                    <a:p>
+                      <a:r>
+                        <a:rPr lang="en-US" dirty="0"/>
+                        <a:t>100</a:t>
+                      </a:r>
+                    </a:p>
+                  </a:txBody>
+                  <a:tcPr/>
+                </a:tc>
+                <a:tc>
+                  <a:txBody>
+                    <a:bodyPr/>
+                    <a:lstStyle/>
+                    <a:p>
+                      <a:r>
+                        <a:rPr lang="en-US" dirty="0"/>
+                        <a:t>0.291</a:t>
+                      </a:r>
+                    </a:p>
+                  </a:txBody>
+                  <a:tcPr/>
+                </a:tc>
+                <a:tc>
+                  <a:txBody>
+                    <a:bodyPr/>
+                    <a:lstStyle/>
+                    <a:p>
+                      <a:r>
+                        <a:rPr lang="en-US" dirty="0"/>
+                        <a:t>0.267</a:t>
+                      </a:r>
+                    </a:p>
+                  </a:txBody>
+                  <a:tcPr/>
+                </a:tc>
+                <a:tc>
+                  <a:txBody>
+                    <a:bodyPr/>
+                    <a:lstStyle/>
+                    <a:p>
+                      <a:r>
+                        <a:rPr lang="en-US"/>
+                        <a:t>0.293</a:t>
+                      </a:r>
+                      <a:endParaRPr lang="en-US" dirty="0"/>
+                    </a:p>
+                  </a:txBody>
+                  <a:tcPr/>
+                </a:tc>
+                <a:tc>
+                  <a:txBody>
+                    <a:bodyPr/>
+                    <a:lstStyle/>
+                    <a:p>
+                      <a:r>
+                        <a:rPr lang="en-US" dirty="0"/>
+                        <a:t>0.287</a:t>
+                      </a:r>
+                    </a:p>
+                  </a:txBody>
+                  <a:tcPr/>
+                </a:tc>
+                <a:tc>
+                  <a:txBody>
+                    <a:bodyPr/>
+                    <a:lstStyle/>
+                    <a:p>
+                      <a:r>
+                        <a:rPr lang="en-US"/>
+                        <a:t>0.285</a:t>
+                      </a:r>
+                      <a:endParaRPr lang="en-US" dirty="0"/>
+                    </a:p>
+                  </a:txBody>
+                  <a:tcPr/>
+                </a:tc>
+                <a:tc>
+                  <a:txBody>
+                    <a:bodyPr/>
+                    <a:lstStyle/>
+                    <a:p>
+                      <a:r>
+                        <a:rPr lang="en-US" dirty="0"/>
+                        <a:t>0.3</a:t>
+                      </a:r>
+                    </a:p>
+                  </a:txBody>
+                  <a:tcPr/>
+                </a:tc>
+                <a:tc>
+                  <a:txBody>
+                    <a:bodyPr/>
+                    <a:lstStyle/>
+                    <a:p>
+                      <a:r>
+                        <a:rPr lang="en-US" dirty="0"/>
+                        <a:t>0.291</a:t>
+                      </a:r>
+                    </a:p>
+                  </a:txBody>
+                  <a:tcPr/>
+                </a:tc>
+                <a:extLst>
+                  <a:ext uri="{0D108BD9-81ED-4DB2-BD59-A6C34878D82A}">
+                    <a16:rowId xmlns:a16="http://schemas.microsoft.com/office/drawing/2014/main" val="1953472893"/>
+                  </a:ext>
+                </a:extLst>
+              </a:tr>
+              <a:tr h="525825">
+                <a:tc>
+                  <a:txBody>
+                    <a:bodyPr/>
+                    <a:lstStyle/>
+                    <a:p>
+                      <a:r>
+                        <a:rPr lang="en-US" dirty="0"/>
+                        <a:t>500</a:t>
+                      </a:r>
+                    </a:p>
+                  </a:txBody>
+                  <a:tcPr/>
+                </a:tc>
+                <a:tc>
+                  <a:txBody>
+                    <a:bodyPr/>
+                    <a:lstStyle/>
+                    <a:p>
+                      <a:r>
+                        <a:rPr lang="en-US" dirty="0"/>
+                        <a:t>0.292</a:t>
+                      </a:r>
+                    </a:p>
+                  </a:txBody>
+                  <a:tcPr/>
+                </a:tc>
+                <a:tc>
+                  <a:txBody>
+                    <a:bodyPr/>
+                    <a:lstStyle/>
+                    <a:p>
+                      <a:r>
+                        <a:rPr lang="en-US" dirty="0"/>
+                        <a:t>0.203</a:t>
+                      </a:r>
+                    </a:p>
+                  </a:txBody>
+                  <a:tcPr/>
+                </a:tc>
+                <a:tc>
+                  <a:txBody>
+                    <a:bodyPr/>
+                    <a:lstStyle/>
+                    <a:p>
+                      <a:r>
+                        <a:rPr lang="en-US" dirty="0"/>
+                        <a:t>0.234</a:t>
+                      </a:r>
+                    </a:p>
+                  </a:txBody>
+                  <a:tcPr/>
+                </a:tc>
+                <a:tc>
+                  <a:txBody>
+                    <a:bodyPr/>
+                    <a:lstStyle/>
+                    <a:p>
+                      <a:r>
+                        <a:rPr lang="en-US" dirty="0"/>
+                        <a:t>0.259</a:t>
+                      </a:r>
+                    </a:p>
+                  </a:txBody>
+                  <a:tcPr/>
+                </a:tc>
+                <a:tc>
+                  <a:txBody>
+                    <a:bodyPr/>
+                    <a:lstStyle/>
+                    <a:p>
+                      <a:r>
+                        <a:rPr lang="en-US" dirty="0"/>
+                        <a:t>0.257</a:t>
+                      </a:r>
+                    </a:p>
+                  </a:txBody>
+                  <a:tcPr/>
+                </a:tc>
+                <a:tc>
+                  <a:txBody>
+                    <a:bodyPr/>
+                    <a:lstStyle/>
+                    <a:p>
+                      <a:r>
+                        <a:rPr lang="en-US" dirty="0"/>
+                        <a:t>0.26</a:t>
+                      </a:r>
+                    </a:p>
+                  </a:txBody>
+                  <a:tcPr/>
+                </a:tc>
+                <a:tc>
+                  <a:txBody>
+                    <a:bodyPr/>
+                    <a:lstStyle/>
+                    <a:p>
+                      <a:r>
+                        <a:rPr lang="en-US" dirty="0"/>
+                        <a:t>0.274</a:t>
+                      </a:r>
+                    </a:p>
+                  </a:txBody>
+                  <a:tcPr/>
+                </a:tc>
+                <a:extLst>
+                  <a:ext uri="{0D108BD9-81ED-4DB2-BD59-A6C34878D82A}">
+                    <a16:rowId xmlns:a16="http://schemas.microsoft.com/office/drawing/2014/main" val="1043318241"/>
+                  </a:ext>
+                </a:extLst>
+              </a:tr>
+              <a:tr h="525825">
+                <a:tc>
+                  <a:txBody>
+                    <a:bodyPr/>
+                    <a:lstStyle/>
+                    <a:p>
+                      <a:r>
+                        <a:rPr lang="en-US" dirty="0"/>
+                        <a:t>1000</a:t>
+                      </a:r>
+                    </a:p>
+                  </a:txBody>
+                  <a:tcPr/>
+                </a:tc>
+                <a:tc>
+                  <a:txBody>
+                    <a:bodyPr/>
+                    <a:lstStyle/>
+                    <a:p>
+                      <a:r>
+                        <a:rPr lang="en-US" dirty="0"/>
+                        <a:t>0.296</a:t>
+                      </a:r>
+                    </a:p>
+                  </a:txBody>
+                  <a:tcPr/>
+                </a:tc>
+                <a:tc>
+                  <a:txBody>
+                    <a:bodyPr/>
+                    <a:lstStyle/>
+                    <a:p>
+                      <a:r>
+                        <a:rPr lang="en-US" dirty="0"/>
+                        <a:t>0.205</a:t>
+                      </a:r>
+                    </a:p>
+                  </a:txBody>
+                  <a:tcPr/>
+                </a:tc>
+                <a:tc>
+                  <a:txBody>
+                    <a:bodyPr/>
+                    <a:lstStyle/>
+                    <a:p>
+                      <a:r>
+                        <a:rPr lang="en-US" dirty="0"/>
+                        <a:t>0.221</a:t>
+                      </a:r>
+                    </a:p>
+                  </a:txBody>
+                  <a:tcPr/>
+                </a:tc>
+                <a:tc>
+                  <a:txBody>
+                    <a:bodyPr/>
+                    <a:lstStyle/>
+                    <a:p>
+                      <a:r>
+                        <a:rPr lang="en-US" dirty="0"/>
+                        <a:t>0.223</a:t>
+                      </a:r>
+                    </a:p>
+                  </a:txBody>
+                  <a:tcPr/>
+                </a:tc>
+                <a:tc>
+                  <a:txBody>
+                    <a:bodyPr/>
+                    <a:lstStyle/>
+                    <a:p>
+                      <a:r>
+                        <a:rPr lang="en-US" dirty="0"/>
+                        <a:t>0.243</a:t>
+                      </a:r>
+                    </a:p>
+                  </a:txBody>
+                  <a:tcPr/>
+                </a:tc>
+                <a:tc>
+                  <a:txBody>
+                    <a:bodyPr/>
+                    <a:lstStyle/>
+                    <a:p>
+                      <a:r>
+                        <a:rPr lang="en-US" dirty="0"/>
+                        <a:t>0.248</a:t>
+                      </a:r>
+                    </a:p>
+                  </a:txBody>
+                  <a:tcPr/>
+                </a:tc>
+                <a:tc>
+                  <a:txBody>
+                    <a:bodyPr/>
+                    <a:lstStyle/>
+                    <a:p>
+                      <a:r>
+                        <a:rPr lang="en-US" dirty="0"/>
+                        <a:t>0.252</a:t>
+                      </a:r>
+                    </a:p>
+                  </a:txBody>
+                  <a:tcPr/>
+                </a:tc>
+                <a:extLst>
+                  <a:ext uri="{0D108BD9-81ED-4DB2-BD59-A6C34878D82A}">
+                    <a16:rowId xmlns:a16="http://schemas.microsoft.com/office/drawing/2014/main" val="4031194815"/>
+                  </a:ext>
+                </a:extLst>
+              </a:tr>
+              <a:tr h="525825">
+                <a:tc>
+                  <a:txBody>
+                    <a:bodyPr/>
+                    <a:lstStyle/>
+                    <a:p>
+                      <a:r>
+                        <a:rPr lang="en-US" dirty="0"/>
+                        <a:t>1500</a:t>
+                      </a:r>
+                    </a:p>
+                  </a:txBody>
+                  <a:tcPr/>
+                </a:tc>
+                <a:tc>
+                  <a:txBody>
+                    <a:bodyPr/>
+                    <a:lstStyle/>
+                    <a:p>
+                      <a:r>
+                        <a:rPr lang="en-US" dirty="0"/>
+                        <a:t>**</a:t>
+                      </a:r>
+                    </a:p>
+                  </a:txBody>
+                  <a:tcPr/>
+                </a:tc>
+                <a:tc>
+                  <a:txBody>
+                    <a:bodyPr/>
+                    <a:lstStyle/>
+                    <a:p>
+                      <a:r>
+                        <a:rPr lang="en-US" dirty="0"/>
+                        <a:t>0.145</a:t>
+                      </a:r>
+                    </a:p>
+                  </a:txBody>
+                  <a:tcPr/>
+                </a:tc>
+                <a:tc>
+                  <a:txBody>
+                    <a:bodyPr/>
+                    <a:lstStyle/>
+                    <a:p>
+                      <a:r>
+                        <a:rPr lang="en-US" dirty="0"/>
+                        <a:t>0.243</a:t>
+                      </a:r>
+                    </a:p>
+                  </a:txBody>
+                  <a:tcPr/>
+                </a:tc>
+                <a:tc>
+                  <a:txBody>
+                    <a:bodyPr/>
+                    <a:lstStyle/>
+                    <a:p>
+                      <a:r>
+                        <a:rPr lang="en-US" dirty="0"/>
+                        <a:t>0.247</a:t>
+                      </a:r>
+                    </a:p>
+                  </a:txBody>
+                  <a:tcPr/>
+                </a:tc>
+                <a:tc>
+                  <a:txBody>
+                    <a:bodyPr/>
+                    <a:lstStyle/>
+                    <a:p>
+                      <a:r>
+                        <a:rPr lang="en-US" dirty="0"/>
+                        <a:t>0.255</a:t>
+                      </a:r>
+                    </a:p>
+                  </a:txBody>
+                  <a:tcPr/>
+                </a:tc>
+                <a:tc>
+                  <a:txBody>
+                    <a:bodyPr/>
+                    <a:lstStyle/>
+                    <a:p>
+                      <a:r>
+                        <a:rPr lang="en-US" dirty="0"/>
+                        <a:t>0.267</a:t>
+                      </a:r>
+                    </a:p>
+                  </a:txBody>
+                  <a:tcPr/>
+                </a:tc>
+                <a:tc>
+                  <a:txBody>
+                    <a:bodyPr/>
+                    <a:lstStyle/>
+                    <a:p>
+                      <a:r>
+                        <a:rPr lang="en-US" dirty="0"/>
+                        <a:t>0.26</a:t>
+                      </a:r>
+                    </a:p>
+                  </a:txBody>
+                  <a:tcPr/>
+                </a:tc>
+                <a:extLst>
+                  <a:ext uri="{0D108BD9-81ED-4DB2-BD59-A6C34878D82A}">
+                    <a16:rowId xmlns:a16="http://schemas.microsoft.com/office/drawing/2014/main" val="8932694"/>
+                  </a:ext>
+                </a:extLst>
+              </a:tr>
+              <a:tr h="525825">
+                <a:tc>
+                  <a:txBody>
+                    <a:bodyPr/>
+                    <a:lstStyle/>
+                    <a:p>
+                      <a:r>
+                        <a:rPr lang="en-US" dirty="0"/>
+                        <a:t>2000</a:t>
+                      </a:r>
+                    </a:p>
+                  </a:txBody>
+                  <a:tcPr/>
+                </a:tc>
+                <a:tc>
+                  <a:txBody>
+                    <a:bodyPr/>
+                    <a:lstStyle/>
+                    <a:p>
+                      <a:r>
+                        <a:rPr lang="en-US" dirty="0"/>
+                        <a:t>**</a:t>
+                      </a:r>
+                    </a:p>
+                  </a:txBody>
+                  <a:tcPr/>
+                </a:tc>
+                <a:tc>
+                  <a:txBody>
+                    <a:bodyPr/>
+                    <a:lstStyle/>
+                    <a:p>
+                      <a:r>
+                        <a:rPr lang="en-US" dirty="0"/>
+                        <a:t>0.17</a:t>
+                      </a:r>
+                    </a:p>
+                  </a:txBody>
+                  <a:tcPr/>
+                </a:tc>
+                <a:tc>
+                  <a:txBody>
+                    <a:bodyPr/>
+                    <a:lstStyle/>
+                    <a:p>
+                      <a:r>
+                        <a:rPr lang="en-US" dirty="0"/>
+                        <a:t>0.227</a:t>
+                      </a:r>
+                    </a:p>
+                  </a:txBody>
+                  <a:tcPr/>
+                </a:tc>
+                <a:tc>
+                  <a:txBody>
+                    <a:bodyPr/>
+                    <a:lstStyle/>
+                    <a:p>
+                      <a:r>
+                        <a:rPr lang="en-US" dirty="0"/>
+                        <a:t>0.243</a:t>
+                      </a:r>
+                    </a:p>
+                  </a:txBody>
+                  <a:tcPr/>
+                </a:tc>
+                <a:tc>
+                  <a:txBody>
+                    <a:bodyPr/>
+                    <a:lstStyle/>
+                    <a:p>
+                      <a:r>
+                        <a:rPr lang="en-US" dirty="0"/>
+                        <a:t>0.248</a:t>
+                      </a:r>
+                    </a:p>
+                  </a:txBody>
+                  <a:tcPr/>
+                </a:tc>
+                <a:tc>
+                  <a:txBody>
+                    <a:bodyPr/>
+                    <a:lstStyle/>
+                    <a:p>
+                      <a:r>
+                        <a:rPr lang="en-US" dirty="0"/>
+                        <a:t>0.249</a:t>
+                      </a:r>
+                    </a:p>
+                  </a:txBody>
+                  <a:tcPr/>
+                </a:tc>
+                <a:tc>
+                  <a:txBody>
+                    <a:bodyPr/>
+                    <a:lstStyle/>
+                    <a:p>
+                      <a:r>
+                        <a:rPr lang="en-US" dirty="0"/>
+                        <a:t>0.261</a:t>
+                      </a:r>
+                    </a:p>
+                  </a:txBody>
+                  <a:tcPr/>
+                </a:tc>
+                <a:extLst>
+                  <a:ext uri="{0D108BD9-81ED-4DB2-BD59-A6C34878D82A}">
+                    <a16:rowId xmlns:a16="http://schemas.microsoft.com/office/drawing/2014/main" val="435104574"/>
+                  </a:ext>
+                </a:extLst>
+              </a:tr>
+              <a:tr h="525825">
+                <a:tc>
+                  <a:txBody>
+                    <a:bodyPr/>
+                    <a:lstStyle/>
+                    <a:p>
+                      <a:r>
+                        <a:rPr lang="en-US" dirty="0"/>
+                        <a:t>2500</a:t>
+                      </a:r>
+                    </a:p>
+                  </a:txBody>
+                  <a:tcPr/>
+                </a:tc>
+                <a:tc>
+                  <a:txBody>
+                    <a:bodyPr/>
+                    <a:lstStyle/>
+                    <a:p>
+                      <a:r>
+                        <a:rPr lang="en-US" dirty="0"/>
+                        <a:t>**</a:t>
+                      </a:r>
+                    </a:p>
+                  </a:txBody>
+                  <a:tcPr/>
+                </a:tc>
+                <a:tc>
+                  <a:txBody>
+                    <a:bodyPr/>
+                    <a:lstStyle/>
+                    <a:p>
+                      <a:r>
+                        <a:rPr lang="en-US" dirty="0"/>
+                        <a:t>0.153</a:t>
+                      </a:r>
+                    </a:p>
+                  </a:txBody>
+                  <a:tcPr/>
+                </a:tc>
+                <a:tc>
+                  <a:txBody>
+                    <a:bodyPr/>
+                    <a:lstStyle/>
+                    <a:p>
+                      <a:r>
+                        <a:rPr lang="en-US" dirty="0"/>
+                        <a:t>0.238</a:t>
+                      </a:r>
+                    </a:p>
+                  </a:txBody>
+                  <a:tcPr/>
+                </a:tc>
+                <a:tc>
+                  <a:txBody>
+                    <a:bodyPr/>
+                    <a:lstStyle/>
+                    <a:p>
+                      <a:r>
+                        <a:rPr lang="en-US" dirty="0"/>
+                        <a:t>0.238</a:t>
+                      </a:r>
+                    </a:p>
+                  </a:txBody>
+                  <a:tcPr/>
+                </a:tc>
+                <a:tc>
+                  <a:txBody>
+                    <a:bodyPr/>
+                    <a:lstStyle/>
+                    <a:p>
+                      <a:r>
+                        <a:rPr lang="en-US" dirty="0"/>
+                        <a:t>0.268</a:t>
+                      </a:r>
+                    </a:p>
+                  </a:txBody>
+                  <a:tcPr/>
+                </a:tc>
+                <a:tc>
+                  <a:txBody>
+                    <a:bodyPr/>
+                    <a:lstStyle/>
+                    <a:p>
+                      <a:r>
+                        <a:rPr lang="en-US" dirty="0"/>
+                        <a:t>0.259</a:t>
+                      </a:r>
+                    </a:p>
+                  </a:txBody>
+                  <a:tcPr/>
+                </a:tc>
+                <a:tc>
+                  <a:txBody>
+                    <a:bodyPr/>
+                    <a:lstStyle/>
+                    <a:p>
+                      <a:r>
+                        <a:rPr lang="en-US" dirty="0"/>
+                        <a:t>0.256</a:t>
+                      </a:r>
+                    </a:p>
+                  </a:txBody>
+                  <a:tcPr/>
+                </a:tc>
+                <a:extLst>
+                  <a:ext uri="{0D108BD9-81ED-4DB2-BD59-A6C34878D82A}">
+                    <a16:rowId xmlns:a16="http://schemas.microsoft.com/office/drawing/2014/main" val="2152307625"/>
+                  </a:ext>
+                </a:extLst>
+              </a:tr>
+              <a:tr h="525825">
+                <a:tc>
+                  <a:txBody>
+                    <a:bodyPr/>
+                    <a:lstStyle/>
+                    <a:p>
+                      <a:r>
+                        <a:rPr lang="en-US" dirty="0"/>
+                        <a:t>3000</a:t>
+                      </a:r>
+                    </a:p>
+                  </a:txBody>
+                  <a:tcPr/>
+                </a:tc>
+                <a:tc>
+                  <a:txBody>
+                    <a:bodyPr/>
+                    <a:lstStyle/>
+                    <a:p>
+                      <a:r>
+                        <a:rPr lang="en-US" dirty="0"/>
+                        <a:t>**</a:t>
+                      </a:r>
+                    </a:p>
+                  </a:txBody>
+                  <a:tcPr/>
+                </a:tc>
+                <a:tc>
+                  <a:txBody>
+                    <a:bodyPr/>
+                    <a:lstStyle/>
+                    <a:p>
+                      <a:r>
+                        <a:rPr lang="en-US" dirty="0"/>
+                        <a:t>0.135</a:t>
+                      </a:r>
+                    </a:p>
+                  </a:txBody>
+                  <a:tcPr/>
+                </a:tc>
+                <a:tc>
+                  <a:txBody>
+                    <a:bodyPr/>
+                    <a:lstStyle/>
+                    <a:p>
+                      <a:r>
+                        <a:rPr lang="en-US" dirty="0"/>
+                        <a:t>0.231</a:t>
+                      </a:r>
+                    </a:p>
+                  </a:txBody>
+                  <a:tcPr/>
+                </a:tc>
+                <a:tc>
+                  <a:txBody>
+                    <a:bodyPr/>
+                    <a:lstStyle/>
+                    <a:p>
+                      <a:r>
+                        <a:rPr lang="en-US" dirty="0"/>
+                        <a:t>0.24</a:t>
+                      </a:r>
+                    </a:p>
+                  </a:txBody>
+                  <a:tcPr/>
+                </a:tc>
+                <a:tc>
+                  <a:txBody>
+                    <a:bodyPr/>
+                    <a:lstStyle/>
+                    <a:p>
+                      <a:r>
+                        <a:rPr lang="en-US" dirty="0"/>
+                        <a:t>0.256</a:t>
+                      </a:r>
+                    </a:p>
+                  </a:txBody>
+                  <a:tcPr/>
+                </a:tc>
+                <a:tc>
+                  <a:txBody>
+                    <a:bodyPr/>
+                    <a:lstStyle/>
+                    <a:p>
+                      <a:r>
+                        <a:rPr lang="en-US" dirty="0"/>
+                        <a:t>0.257</a:t>
+                      </a:r>
+                    </a:p>
+                  </a:txBody>
+                  <a:tcPr/>
+                </a:tc>
+                <a:tc>
+                  <a:txBody>
+                    <a:bodyPr/>
+                    <a:lstStyle/>
+                    <a:p>
+                      <a:r>
+                        <a:rPr lang="en-US" dirty="0"/>
+                        <a:t>0.252</a:t>
+                      </a:r>
+                    </a:p>
+                  </a:txBody>
+                  <a:tcPr/>
+                </a:tc>
+                <a:extLst>
+                  <a:ext uri="{0D108BD9-81ED-4DB2-BD59-A6C34878D82A}">
+                    <a16:rowId xmlns:a16="http://schemas.microsoft.com/office/drawing/2014/main" val="3643979968"/>
+                  </a:ext>
+                </a:extLst>
+              </a:tr>
+              <a:tr h="302960">
+                <a:tc>
+                  <a:txBody>
+                    <a:bodyPr/>
+                    <a:lstStyle/>
+                    <a:p>
+                      <a:endParaRPr lang="en-US" dirty="0"/>
+                    </a:p>
+                  </a:txBody>
+                  <a:tcPr/>
+                </a:tc>
+                <a:tc>
+                  <a:txBody>
+                    <a:bodyPr/>
+                    <a:lstStyle/>
+                    <a:p>
+                      <a:endParaRPr lang="en-US" dirty="0"/>
+                    </a:p>
+                  </a:txBody>
+                  <a:tcPr/>
+                </a:tc>
+                <a:tc>
+                  <a:txBody>
+                    <a:bodyPr/>
+                    <a:lstStyle/>
+                    <a:p>
+                      <a:endParaRPr lang="en-US" dirty="0"/>
+                    </a:p>
+                  </a:txBody>
+                  <a:tcPr/>
+                </a:tc>
+                <a:tc>
+                  <a:txBody>
+                    <a:bodyPr/>
+                    <a:lstStyle/>
+                    <a:p>
+                      <a:endParaRPr lang="en-US" dirty="0"/>
+                    </a:p>
+                  </a:txBody>
+                  <a:tcPr/>
+                </a:tc>
+                <a:tc>
+                  <a:txBody>
+                    <a:bodyPr/>
+                    <a:lstStyle/>
+                    <a:p>
+                      <a:endParaRPr lang="en-US" dirty="0"/>
+                    </a:p>
+                  </a:txBody>
+                  <a:tcPr/>
+                </a:tc>
+                <a:tc>
+                  <a:txBody>
+                    <a:bodyPr/>
+                    <a:lstStyle/>
+                    <a:p>
+                      <a:endParaRPr lang="en-US" dirty="0"/>
+                    </a:p>
+                  </a:txBody>
+                  <a:tcPr/>
+                </a:tc>
+                <a:tc>
+                  <a:txBody>
+                    <a:bodyPr/>
+                    <a:lstStyle/>
+                    <a:p>
+                      <a:endParaRPr lang="en-US" dirty="0"/>
+                    </a:p>
+                  </a:txBody>
+                  <a:tcPr/>
+                </a:tc>
+                <a:tc>
+                  <a:txBody>
+                    <a:bodyPr/>
+                    <a:lstStyle/>
+                    <a:p>
+                      <a:endParaRPr lang="en-US" dirty="0"/>
+                    </a:p>
+                  </a:txBody>
+                  <a:tcPr/>
+                </a:tc>
+                <a:extLst>
+                  <a:ext uri="{0D108BD9-81ED-4DB2-BD59-A6C34878D82A}">
+                    <a16:rowId xmlns:a16="http://schemas.microsoft.com/office/drawing/2014/main" val="2673693635"/>
+                  </a:ext>
+                </a:extLst>
+              </a:tr>
+            </a:tbl>
+          </a:graphicData>
+        </a:graphic>
+      </p:graphicFrame>
       <p:sp>
         <p:nvSpPr>
-          <p:cNvPr id="3" name="Subtitle 2">
-            <a:extLst>
-              <a:ext uri="{FF2B5EF4-FFF2-40B4-BE49-F238E27FC236}">
-                <a16:creationId xmlns:a16="http://schemas.microsoft.com/office/drawing/2014/main" id="{E990D022-3A63-4C96-B03D-B505DCC90AD3}"/>
-              </a:ext>
-            </a:extLst>
-          </p:cNvPr>
-          <p:cNvSpPr>
-            <a:spLocks noGrp="1"/>
-          </p:cNvSpPr>
-          <p:nvPr>
-            <p:ph type="subTitle" idx="1"/>
-          </p:nvPr>
+          <p:cNvPr id="6" name="TextBox 5">
+            <a:extLst>
+              <a:ext uri="{FF2B5EF4-FFF2-40B4-BE49-F238E27FC236}">
+                <a16:creationId xmlns:a16="http://schemas.microsoft.com/office/drawing/2014/main" id="{C14BCDA5-776F-419E-9480-9381FD4C21E0}"/>
+              </a:ext>
+            </a:extLst>
+          </p:cNvPr>
+          <p:cNvSpPr txBox="1"/>
+          <p:nvPr/>
         </p:nvSpPr>
         <p:spPr>
           <a:xfrm>
-            <a:off x="383458" y="442452"/>
-            <a:ext cx="11356258" cy="6096000"/>
+            <a:off x="5104498" y="5616059"/>
+            <a:ext cx="460382" cy="369332"/>
           </a:xfrm>
+          <a:prstGeom prst="rect">
+            <a:avLst/>
+          </a:prstGeom>
+          <a:noFill/>
         </p:spPr>
         <p:txBody>
-          <a:bodyPr/>
+          <a:bodyPr wrap="none" rtlCol="0">
+            <a:spAutoFit/>
+          </a:bodyPr>
           <a:lstStyle/>
           <a:p>
-            <a:pPr algn="l"/>
-            <a:r>
-              <a:rPr lang="en-US" dirty="0"/>
-              <a:t>4.16 </a:t>
-            </a:r>
             <a:r>
               <a:rPr lang="en-US" altLang="zh-CN" dirty="0"/>
-              <a:t>synthetic case test</a:t>
-            </a:r>
-          </a:p>
-          <a:p>
-            <a:pPr marL="342900" indent="-342900" algn="l">
-              <a:buFontTx/>
-              <a:buChar char="-"/>
-            </a:pPr>
-            <a:r>
-              <a:rPr lang="en-US" altLang="zh-CN" dirty="0"/>
-              <a:t>Parallel test, original greedy: 1613446</a:t>
+              <a:t>HV</a:t>
             </a:r>
             <a:endParaRPr lang="en-US" dirty="0"/>
           </a:p>
@@ -13111,7 +15683,702 @@
     </p:spTree>
     <p:extLst>
       <p:ext uri="{BB962C8B-B14F-4D97-AF65-F5344CB8AC3E}">
-        <p14:creationId xmlns:p14="http://schemas.microsoft.com/office/powerpoint/2010/main" val="3087620827"/>
+        <p14:creationId xmlns:p14="http://schemas.microsoft.com/office/powerpoint/2010/main" val="1735616279"/>
+      </p:ext>
+    </p:extLst>
+  </p:cSld>
+  <p:clrMapOvr>
+    <a:masterClrMapping/>
+  </p:clrMapOvr>
+</p:sld>
+</file>
+
+<file path=ppt/slides/slide8.xml><?xml version="1.0" encoding="utf-8"?>
+<p:sld xmlns:a="http://schemas.openxmlformats.org/drawingml/2006/main" xmlns:r="http://schemas.openxmlformats.org/officeDocument/2006/relationships" xmlns:p="http://schemas.openxmlformats.org/presentationml/2006/main">
+  <p:cSld>
+    <p:spTree>
+      <p:nvGrpSpPr>
+        <p:cNvPr id="1" name=""/>
+        <p:cNvGrpSpPr/>
+        <p:nvPr/>
+      </p:nvGrpSpPr>
+      <p:grpSpPr>
+        <a:xfrm>
+          <a:off x="0" y="0"/>
+          <a:ext cx="0" cy="0"/>
+          <a:chOff x="0" y="0"/>
+          <a:chExt cx="0" cy="0"/>
+        </a:xfrm>
+      </p:grpSpPr>
+      <p:pic>
+        <p:nvPicPr>
+          <p:cNvPr id="12" name="Picture 11">
+            <a:extLst>
+              <a:ext uri="{FF2B5EF4-FFF2-40B4-BE49-F238E27FC236}">
+                <a16:creationId xmlns:a16="http://schemas.microsoft.com/office/drawing/2014/main" id="{D11E303E-AAC5-4638-8B8B-C11ACC0407C3}"/>
+              </a:ext>
+            </a:extLst>
+          </p:cNvPr>
+          <p:cNvPicPr>
+            <a:picLocks noChangeAspect="1"/>
+          </p:cNvPicPr>
+          <p:nvPr/>
+        </p:nvPicPr>
+        <p:blipFill>
+          <a:blip r:embed="rId3"/>
+          <a:stretch>
+            <a:fillRect/>
+          </a:stretch>
+        </p:blipFill>
+        <p:spPr>
+          <a:xfrm>
+            <a:off x="3119042" y="2742621"/>
+            <a:ext cx="4723001" cy="3937157"/>
+          </a:xfrm>
+          <a:prstGeom prst="rect">
+            <a:avLst/>
+          </a:prstGeom>
+        </p:spPr>
+      </p:pic>
+      <p:graphicFrame>
+        <p:nvGraphicFramePr>
+          <p:cNvPr id="5" name="Table 5">
+            <a:extLst>
+              <a:ext uri="{FF2B5EF4-FFF2-40B4-BE49-F238E27FC236}">
+                <a16:creationId xmlns:a16="http://schemas.microsoft.com/office/drawing/2014/main" id="{8BDC17D8-614C-4408-8507-584E0F0EB271}"/>
+              </a:ext>
+            </a:extLst>
+          </p:cNvPr>
+          <p:cNvGraphicFramePr>
+            <a:graphicFrameLocks noGrp="1"/>
+          </p:cNvGraphicFramePr>
+          <p:nvPr>
+            <p:extLst>
+              <p:ext uri="{D42A27DB-BD31-4B8C-83A1-F6EECF244321}">
+                <p14:modId xmlns:p14="http://schemas.microsoft.com/office/powerpoint/2010/main" val="3985063565"/>
+              </p:ext>
+            </p:extLst>
+          </p:nvPr>
+        </p:nvGraphicFramePr>
+        <p:xfrm>
+          <a:off x="1671439" y="681566"/>
+          <a:ext cx="7858128" cy="1577475"/>
+        </p:xfrm>
+        <a:graphic>
+          <a:graphicData uri="http://schemas.openxmlformats.org/drawingml/2006/table">
+            <a:tbl>
+              <a:tblPr firstRow="1" bandRow="1">
+                <a:tableStyleId>{5C22544A-7EE6-4342-B048-85BDC9FD1C3A}</a:tableStyleId>
+              </a:tblPr>
+              <a:tblGrid>
+                <a:gridCol w="887208">
+                  <a:extLst>
+                    <a:ext uri="{9D8B030D-6E8A-4147-A177-3AD203B41FA5}">
+                      <a16:colId xmlns:a16="http://schemas.microsoft.com/office/drawing/2014/main" val="2850459278"/>
+                    </a:ext>
+                  </a:extLst>
+                </a:gridCol>
+                <a:gridCol w="887208">
+                  <a:extLst>
+                    <a:ext uri="{9D8B030D-6E8A-4147-A177-3AD203B41FA5}">
+                      <a16:colId xmlns:a16="http://schemas.microsoft.com/office/drawing/2014/main" val="2348623206"/>
+                    </a:ext>
+                  </a:extLst>
+                </a:gridCol>
+                <a:gridCol w="988603">
+                  <a:extLst>
+                    <a:ext uri="{9D8B030D-6E8A-4147-A177-3AD203B41FA5}">
+                      <a16:colId xmlns:a16="http://schemas.microsoft.com/office/drawing/2014/main" val="936750774"/>
+                    </a:ext>
+                  </a:extLst>
+                </a:gridCol>
+                <a:gridCol w="1182944">
+                  <a:extLst>
+                    <a:ext uri="{9D8B030D-6E8A-4147-A177-3AD203B41FA5}">
+                      <a16:colId xmlns:a16="http://schemas.microsoft.com/office/drawing/2014/main" val="1096750382"/>
+                    </a:ext>
+                  </a:extLst>
+                </a:gridCol>
+                <a:gridCol w="1225192">
+                  <a:extLst>
+                    <a:ext uri="{9D8B030D-6E8A-4147-A177-3AD203B41FA5}">
+                      <a16:colId xmlns:a16="http://schemas.microsoft.com/office/drawing/2014/main" val="2553925320"/>
+                    </a:ext>
+                  </a:extLst>
+                </a:gridCol>
+                <a:gridCol w="1056200">
+                  <a:extLst>
+                    <a:ext uri="{9D8B030D-6E8A-4147-A177-3AD203B41FA5}">
+                      <a16:colId xmlns:a16="http://schemas.microsoft.com/office/drawing/2014/main" val="2568830889"/>
+                    </a:ext>
+                  </a:extLst>
+                </a:gridCol>
+                <a:gridCol w="1630773">
+                  <a:extLst>
+                    <a:ext uri="{9D8B030D-6E8A-4147-A177-3AD203B41FA5}">
+                      <a16:colId xmlns:a16="http://schemas.microsoft.com/office/drawing/2014/main" val="4256130712"/>
+                    </a:ext>
+                  </a:extLst>
+                </a:gridCol>
+              </a:tblGrid>
+              <a:tr h="525825">
+                <a:tc>
+                  <a:txBody>
+                    <a:bodyPr/>
+                    <a:lstStyle/>
+                    <a:p>
+                      <a:endParaRPr lang="en-US" dirty="0"/>
+                    </a:p>
+                  </a:txBody>
+                  <a:tcPr/>
+                </a:tc>
+                <a:tc>
+                  <a:txBody>
+                    <a:bodyPr/>
+                    <a:lstStyle/>
+                    <a:p>
+                      <a:r>
+                        <a:rPr lang="en-US" dirty="0"/>
+                        <a:t>NG(5)</a:t>
+                      </a:r>
+                    </a:p>
+                  </a:txBody>
+                  <a:tcPr/>
+                </a:tc>
+                <a:tc>
+                  <a:txBody>
+                    <a:bodyPr/>
+                    <a:lstStyle/>
+                    <a:p>
+                      <a:r>
+                        <a:rPr lang="en-US" dirty="0"/>
+                        <a:t>NG(10)</a:t>
+                      </a:r>
+                    </a:p>
+                  </a:txBody>
+                  <a:tcPr/>
+                </a:tc>
+                <a:tc>
+                  <a:txBody>
+                    <a:bodyPr/>
+                    <a:lstStyle/>
+                    <a:p>
+                      <a:r>
+                        <a:rPr lang="en-US" dirty="0"/>
+                        <a:t>NG(15)</a:t>
+                      </a:r>
+                    </a:p>
+                  </a:txBody>
+                  <a:tcPr/>
+                </a:tc>
+                <a:tc>
+                  <a:txBody>
+                    <a:bodyPr/>
+                    <a:lstStyle/>
+                    <a:p>
+                      <a:r>
+                        <a:rPr lang="en-US" dirty="0"/>
+                        <a:t>NG(20)</a:t>
+                      </a:r>
+                    </a:p>
+                  </a:txBody>
+                  <a:tcPr/>
+                </a:tc>
+                <a:tc>
+                  <a:txBody>
+                    <a:bodyPr/>
+                    <a:lstStyle/>
+                    <a:p>
+                      <a:r>
+                        <a:rPr lang="en-US" dirty="0"/>
+                        <a:t>NG(25)</a:t>
+                      </a:r>
+                    </a:p>
+                  </a:txBody>
+                  <a:tcPr/>
+                </a:tc>
+                <a:tc>
+                  <a:txBody>
+                    <a:bodyPr/>
+                    <a:lstStyle/>
+                    <a:p>
+                      <a:r>
+                        <a:rPr lang="en-US" dirty="0"/>
+                        <a:t>NG(30)</a:t>
+                      </a:r>
+                    </a:p>
+                  </a:txBody>
+                  <a:tcPr/>
+                </a:tc>
+                <a:extLst>
+                  <a:ext uri="{0D108BD9-81ED-4DB2-BD59-A6C34878D82A}">
+                    <a16:rowId xmlns:a16="http://schemas.microsoft.com/office/drawing/2014/main" val="1541345522"/>
+                  </a:ext>
+                </a:extLst>
+              </a:tr>
+              <a:tr h="525825">
+                <a:tc>
+                  <a:txBody>
+                    <a:bodyPr/>
+                    <a:lstStyle/>
+                    <a:p>
+                      <a:r>
+                        <a:rPr lang="en-US" altLang="zh-CN" dirty="0"/>
+                        <a:t>Time</a:t>
+                      </a:r>
+                      <a:endParaRPr lang="en-US" dirty="0"/>
+                    </a:p>
+                  </a:txBody>
+                  <a:tcPr/>
+                </a:tc>
+                <a:tc>
+                  <a:txBody>
+                    <a:bodyPr/>
+                    <a:lstStyle/>
+                    <a:p>
+                      <a:r>
+                        <a:rPr lang="en-US" dirty="0"/>
+                        <a:t>27.59</a:t>
+                      </a:r>
+                    </a:p>
+                  </a:txBody>
+                  <a:tcPr/>
+                </a:tc>
+                <a:tc>
+                  <a:txBody>
+                    <a:bodyPr/>
+                    <a:lstStyle/>
+                    <a:p>
+                      <a:r>
+                        <a:rPr lang="en-US" dirty="0"/>
+                        <a:t>64.56</a:t>
+                      </a:r>
+                    </a:p>
+                  </a:txBody>
+                  <a:tcPr/>
+                </a:tc>
+                <a:tc>
+                  <a:txBody>
+                    <a:bodyPr/>
+                    <a:lstStyle/>
+                    <a:p>
+                      <a:r>
+                        <a:rPr lang="en-US" dirty="0"/>
+                        <a:t>116.71</a:t>
+                      </a:r>
+                    </a:p>
+                  </a:txBody>
+                  <a:tcPr/>
+                </a:tc>
+                <a:tc>
+                  <a:txBody>
+                    <a:bodyPr/>
+                    <a:lstStyle/>
+                    <a:p>
+                      <a:r>
+                        <a:rPr lang="en-US" dirty="0"/>
+                        <a:t>172.19</a:t>
+                      </a:r>
+                    </a:p>
+                  </a:txBody>
+                  <a:tcPr/>
+                </a:tc>
+                <a:tc>
+                  <a:txBody>
+                    <a:bodyPr/>
+                    <a:lstStyle/>
+                    <a:p>
+                      <a:r>
+                        <a:rPr lang="en-US" dirty="0"/>
+                        <a:t>261.45</a:t>
+                      </a:r>
+                    </a:p>
+                  </a:txBody>
+                  <a:tcPr/>
+                </a:tc>
+                <a:tc>
+                  <a:txBody>
+                    <a:bodyPr/>
+                    <a:lstStyle/>
+                    <a:p>
+                      <a:r>
+                        <a:rPr lang="en-US" dirty="0"/>
+                        <a:t>309.94</a:t>
+                      </a:r>
+                    </a:p>
+                  </a:txBody>
+                  <a:tcPr/>
+                </a:tc>
+                <a:extLst>
+                  <a:ext uri="{0D108BD9-81ED-4DB2-BD59-A6C34878D82A}">
+                    <a16:rowId xmlns:a16="http://schemas.microsoft.com/office/drawing/2014/main" val="1953472893"/>
+                  </a:ext>
+                </a:extLst>
+              </a:tr>
+              <a:tr h="525825">
+                <a:tc>
+                  <a:txBody>
+                    <a:bodyPr/>
+                    <a:lstStyle/>
+                    <a:p>
+                      <a:r>
+                        <a:rPr lang="en-US" dirty="0"/>
+                        <a:t>HV</a:t>
+                      </a:r>
+                    </a:p>
+                  </a:txBody>
+                  <a:tcPr/>
+                </a:tc>
+                <a:tc>
+                  <a:txBody>
+                    <a:bodyPr/>
+                    <a:lstStyle/>
+                    <a:p>
+                      <a:r>
+                        <a:rPr lang="en-US" dirty="0"/>
+                        <a:t>0.189</a:t>
+                      </a:r>
+                    </a:p>
+                  </a:txBody>
+                  <a:tcPr/>
+                </a:tc>
+                <a:tc>
+                  <a:txBody>
+                    <a:bodyPr/>
+                    <a:lstStyle/>
+                    <a:p>
+                      <a:r>
+                        <a:rPr lang="en-US" dirty="0"/>
+                        <a:t>0.24</a:t>
+                      </a:r>
+                    </a:p>
+                  </a:txBody>
+                  <a:tcPr/>
+                </a:tc>
+                <a:tc>
+                  <a:txBody>
+                    <a:bodyPr/>
+                    <a:lstStyle/>
+                    <a:p>
+                      <a:r>
+                        <a:rPr lang="en-US" dirty="0"/>
+                        <a:t>0.273</a:t>
+                      </a:r>
+                    </a:p>
+                  </a:txBody>
+                  <a:tcPr/>
+                </a:tc>
+                <a:tc>
+                  <a:txBody>
+                    <a:bodyPr/>
+                    <a:lstStyle/>
+                    <a:p>
+                      <a:r>
+                        <a:rPr lang="en-US" dirty="0"/>
+                        <a:t>0.26</a:t>
+                      </a:r>
+                    </a:p>
+                  </a:txBody>
+                  <a:tcPr/>
+                </a:tc>
+                <a:tc>
+                  <a:txBody>
+                    <a:bodyPr/>
+                    <a:lstStyle/>
+                    <a:p>
+                      <a:r>
+                        <a:rPr lang="en-US" dirty="0"/>
+                        <a:t>0.281</a:t>
+                      </a:r>
+                    </a:p>
+                  </a:txBody>
+                  <a:tcPr/>
+                </a:tc>
+                <a:tc>
+                  <a:txBody>
+                    <a:bodyPr/>
+                    <a:lstStyle/>
+                    <a:p>
+                      <a:r>
+                        <a:rPr lang="en-US" dirty="0"/>
+                        <a:t>0.273</a:t>
+                      </a:r>
+                    </a:p>
+                  </a:txBody>
+                  <a:tcPr/>
+                </a:tc>
+                <a:extLst>
+                  <a:ext uri="{0D108BD9-81ED-4DB2-BD59-A6C34878D82A}">
+                    <a16:rowId xmlns:a16="http://schemas.microsoft.com/office/drawing/2014/main" val="1043318241"/>
+                  </a:ext>
+                </a:extLst>
+              </a:tr>
+            </a:tbl>
+          </a:graphicData>
+        </a:graphic>
+      </p:graphicFrame>
+      <p:sp>
+        <p:nvSpPr>
+          <p:cNvPr id="3" name="TextBox 2">
+            <a:extLst>
+              <a:ext uri="{FF2B5EF4-FFF2-40B4-BE49-F238E27FC236}">
+                <a16:creationId xmlns:a16="http://schemas.microsoft.com/office/drawing/2014/main" id="{F6F2F247-2CB7-45C1-916D-A543DD3045E7}"/>
+              </a:ext>
+            </a:extLst>
+          </p:cNvPr>
+          <p:cNvSpPr txBox="1"/>
+          <p:nvPr/>
+        </p:nvSpPr>
+        <p:spPr>
+          <a:xfrm>
+            <a:off x="265798" y="215927"/>
+            <a:ext cx="1405641" cy="369332"/>
+          </a:xfrm>
+          <a:prstGeom prst="rect">
+            <a:avLst/>
+          </a:prstGeom>
+          <a:noFill/>
+        </p:spPr>
+        <p:txBody>
+          <a:bodyPr wrap="none" rtlCol="0">
+            <a:spAutoFit/>
+          </a:bodyPr>
+          <a:lstStyle/>
+          <a:p>
+            <a:r>
+              <a:rPr lang="en-US" altLang="zh-CN" dirty="0"/>
+              <a:t>Real-life case</a:t>
+            </a:r>
+            <a:endParaRPr lang="en-US" dirty="0"/>
+          </a:p>
+        </p:txBody>
+      </p:sp>
+      <p:sp>
+        <p:nvSpPr>
+          <p:cNvPr id="2" name="Rectangle 1">
+            <a:extLst>
+              <a:ext uri="{FF2B5EF4-FFF2-40B4-BE49-F238E27FC236}">
+                <a16:creationId xmlns:a16="http://schemas.microsoft.com/office/drawing/2014/main" id="{8EB98E75-28F5-408E-B47F-FE779F8A4C6F}"/>
+              </a:ext>
+            </a:extLst>
+          </p:cNvPr>
+          <p:cNvSpPr/>
+          <p:nvPr/>
+        </p:nvSpPr>
+        <p:spPr>
+          <a:xfrm>
+            <a:off x="6819899" y="681566"/>
+            <a:ext cx="1095375" cy="1577475"/>
+          </a:xfrm>
+          <a:prstGeom prst="rect">
+            <a:avLst/>
+          </a:prstGeom>
+          <a:noFill/>
+          <a:ln w="28575">
+            <a:solidFill>
+              <a:srgbClr val="FF0000"/>
+            </a:solidFill>
+          </a:ln>
+        </p:spPr>
+        <p:style>
+          <a:lnRef idx="2">
+            <a:schemeClr val="accent1">
+              <a:shade val="50000"/>
+            </a:schemeClr>
+          </a:lnRef>
+          <a:fillRef idx="1">
+            <a:schemeClr val="accent1"/>
+          </a:fillRef>
+          <a:effectRef idx="0">
+            <a:schemeClr val="accent1"/>
+          </a:effectRef>
+          <a:fontRef idx="minor">
+            <a:schemeClr val="lt1"/>
+          </a:fontRef>
+        </p:style>
+        <p:txBody>
+          <a:bodyPr rtlCol="0" anchor="ctr"/>
+          <a:lstStyle/>
+          <a:p>
+            <a:pPr algn="ctr"/>
+            <a:endParaRPr lang="en-US"/>
+          </a:p>
+        </p:txBody>
+      </p:sp>
+      <p:cxnSp>
+        <p:nvCxnSpPr>
+          <p:cNvPr id="9" name="Straight Connector 8">
+            <a:extLst>
+              <a:ext uri="{FF2B5EF4-FFF2-40B4-BE49-F238E27FC236}">
+                <a16:creationId xmlns:a16="http://schemas.microsoft.com/office/drawing/2014/main" id="{E17855B8-CA06-47E0-87AF-F04A9B13410E}"/>
+              </a:ext>
+            </a:extLst>
+          </p:cNvPr>
+          <p:cNvCxnSpPr>
+            <a:cxnSpLocks/>
+          </p:cNvCxnSpPr>
+          <p:nvPr/>
+        </p:nvCxnSpPr>
+        <p:spPr>
+          <a:xfrm flipV="1">
+            <a:off x="5381625" y="3429000"/>
+            <a:ext cx="2209800" cy="619126"/>
+          </a:xfrm>
+          <a:prstGeom prst="line">
+            <a:avLst/>
+          </a:prstGeom>
+          <a:ln w="28575">
+            <a:solidFill>
+              <a:srgbClr val="FF0000"/>
+            </a:solidFill>
+            <a:prstDash val="sysDot"/>
+          </a:ln>
+        </p:spPr>
+        <p:style>
+          <a:lnRef idx="1">
+            <a:schemeClr val="accent1"/>
+          </a:lnRef>
+          <a:fillRef idx="0">
+            <a:schemeClr val="accent1"/>
+          </a:fillRef>
+          <a:effectRef idx="0">
+            <a:schemeClr val="accent1"/>
+          </a:effectRef>
+          <a:fontRef idx="minor">
+            <a:schemeClr val="tx1"/>
+          </a:fontRef>
+        </p:style>
+      </p:cxnSp>
+    </p:spTree>
+    <p:extLst>
+      <p:ext uri="{BB962C8B-B14F-4D97-AF65-F5344CB8AC3E}">
+        <p14:creationId xmlns:p14="http://schemas.microsoft.com/office/powerpoint/2010/main" val="3840237021"/>
+      </p:ext>
+    </p:extLst>
+  </p:cSld>
+  <p:clrMapOvr>
+    <a:masterClrMapping/>
+  </p:clrMapOvr>
+</p:sld>
+</file>
+
+<file path=ppt/slides/slide9.xml><?xml version="1.0" encoding="utf-8"?>
+<p:sld xmlns:a="http://schemas.openxmlformats.org/drawingml/2006/main" xmlns:r="http://schemas.openxmlformats.org/officeDocument/2006/relationships" xmlns:p="http://schemas.openxmlformats.org/presentationml/2006/main">
+  <p:cSld>
+    <p:spTree>
+      <p:nvGrpSpPr>
+        <p:cNvPr id="1" name=""/>
+        <p:cNvGrpSpPr/>
+        <p:nvPr/>
+      </p:nvGrpSpPr>
+      <p:grpSpPr>
+        <a:xfrm>
+          <a:off x="0" y="0"/>
+          <a:ext cx="0" cy="0"/>
+          <a:chOff x="0" y="0"/>
+          <a:chExt cx="0" cy="0"/>
+        </a:xfrm>
+      </p:grpSpPr>
+      <p:sp>
+        <p:nvSpPr>
+          <p:cNvPr id="3" name="TextBox 2">
+            <a:extLst>
+              <a:ext uri="{FF2B5EF4-FFF2-40B4-BE49-F238E27FC236}">
+                <a16:creationId xmlns:a16="http://schemas.microsoft.com/office/drawing/2014/main" id="{F6F2F247-2CB7-45C1-916D-A543DD3045E7}"/>
+              </a:ext>
+            </a:extLst>
+          </p:cNvPr>
+          <p:cNvSpPr txBox="1"/>
+          <p:nvPr/>
+        </p:nvSpPr>
+        <p:spPr>
+          <a:xfrm>
+            <a:off x="265798" y="215927"/>
+            <a:ext cx="1405641" cy="369332"/>
+          </a:xfrm>
+          <a:prstGeom prst="rect">
+            <a:avLst/>
+          </a:prstGeom>
+          <a:noFill/>
+        </p:spPr>
+        <p:txBody>
+          <a:bodyPr wrap="none" rtlCol="0">
+            <a:spAutoFit/>
+          </a:bodyPr>
+          <a:lstStyle/>
+          <a:p>
+            <a:r>
+              <a:rPr lang="en-US" altLang="zh-CN" dirty="0"/>
+              <a:t>Real-life case</a:t>
+            </a:r>
+            <a:endParaRPr lang="en-US" dirty="0"/>
+          </a:p>
+        </p:txBody>
+      </p:sp>
+      <p:pic>
+        <p:nvPicPr>
+          <p:cNvPr id="6" name="Picture 5">
+            <a:extLst>
+              <a:ext uri="{FF2B5EF4-FFF2-40B4-BE49-F238E27FC236}">
+                <a16:creationId xmlns:a16="http://schemas.microsoft.com/office/drawing/2014/main" id="{A2978042-D465-41CC-8D05-42E1E7663DD5}"/>
+              </a:ext>
+            </a:extLst>
+          </p:cNvPr>
+          <p:cNvPicPr>
+            <a:picLocks noChangeAspect="1"/>
+          </p:cNvPicPr>
+          <p:nvPr/>
+        </p:nvPicPr>
+        <p:blipFill>
+          <a:blip r:embed="rId3"/>
+          <a:stretch>
+            <a:fillRect/>
+          </a:stretch>
+        </p:blipFill>
+        <p:spPr>
+          <a:xfrm>
+            <a:off x="1556183" y="773668"/>
+            <a:ext cx="9079633" cy="5715000"/>
+          </a:xfrm>
+          <a:prstGeom prst="rect">
+            <a:avLst/>
+          </a:prstGeom>
+        </p:spPr>
+      </p:pic>
+      <p:pic>
+        <p:nvPicPr>
+          <p:cNvPr id="8" name="Picture 7">
+            <a:extLst>
+              <a:ext uri="{FF2B5EF4-FFF2-40B4-BE49-F238E27FC236}">
+                <a16:creationId xmlns:a16="http://schemas.microsoft.com/office/drawing/2014/main" id="{A5BAA255-BF7D-4C40-8386-CDB0D6EAABDA}"/>
+              </a:ext>
+            </a:extLst>
+          </p:cNvPr>
+          <p:cNvPicPr>
+            <a:picLocks noChangeAspect="1"/>
+          </p:cNvPicPr>
+          <p:nvPr/>
+        </p:nvPicPr>
+        <p:blipFill>
+          <a:blip r:embed="rId4"/>
+          <a:stretch>
+            <a:fillRect/>
+          </a:stretch>
+        </p:blipFill>
+        <p:spPr>
+          <a:xfrm>
+            <a:off x="1842952" y="1271535"/>
+            <a:ext cx="1933845" cy="752580"/>
+          </a:xfrm>
+          <a:prstGeom prst="rect">
+            <a:avLst/>
+          </a:prstGeom>
+        </p:spPr>
+      </p:pic>
+    </p:spTree>
+    <p:extLst>
+      <p:ext uri="{BB962C8B-B14F-4D97-AF65-F5344CB8AC3E}">
+        <p14:creationId xmlns:p14="http://schemas.microsoft.com/office/powerpoint/2010/main" val="2183856432"/>
       </p:ext>
     </p:extLst>
   </p:cSld>

--- a/DOCUS/progress-report.pptx
+++ b/DOCUS/progress-report.pptx
@@ -5,7 +5,7 @@
     <p:sldMasterId id="2147483648" r:id="rId1"/>
   </p:sldMasterIdLst>
   <p:notesMasterIdLst>
-    <p:notesMasterId r:id="rId11"/>
+    <p:notesMasterId r:id="rId13"/>
   </p:notesMasterIdLst>
   <p:sldIdLst>
     <p:sldId id="256" r:id="rId2"/>
@@ -13,10 +13,12 @@
     <p:sldId id="262" r:id="rId4"/>
     <p:sldId id="259" r:id="rId5"/>
     <p:sldId id="258" r:id="rId6"/>
-    <p:sldId id="260" r:id="rId7"/>
-    <p:sldId id="263" r:id="rId8"/>
-    <p:sldId id="264" r:id="rId9"/>
-    <p:sldId id="265" r:id="rId10"/>
+    <p:sldId id="267" r:id="rId7"/>
+    <p:sldId id="260" r:id="rId8"/>
+    <p:sldId id="263" r:id="rId9"/>
+    <p:sldId id="264" r:id="rId10"/>
+    <p:sldId id="265" r:id="rId11"/>
+    <p:sldId id="266" r:id="rId12"/>
   </p:sldIdLst>
   <p:sldSz cx="12192000" cy="6858000"/>
   <p:notesSz cx="6858000" cy="9144000"/>
@@ -217,7 +219,7 @@
           <a:p>
             <a:fld id="{40FA2BF5-A2AA-42DF-8501-9AD854A6A8C7}" type="datetimeFigureOut">
               <a:rPr lang="en-US" smtClean="0"/>
-              <a:t>4/18/2024</a:t>
+              <a:t>4/23/2024</a:t>
             </a:fld>
             <a:endParaRPr lang="en-US"/>
           </a:p>
@@ -599,6 +601,34 @@
               <a:rPr lang="en-US" altLang="zh-CN" dirty="0"/>
               <a:t>size</a:t>
             </a:r>
+          </a:p>
+          <a:p>
+            <a:pPr marL="0" marR="0" lvl="0" indent="0" algn="l" defTabSz="914400" rtl="0" eaLnBrk="1" fontAlgn="auto" latinLnBrk="0" hangingPunct="1">
+              <a:lnSpc>
+                <a:spcPct val="100000"/>
+              </a:lnSpc>
+              <a:spcBef>
+                <a:spcPts val="0"/>
+              </a:spcBef>
+              <a:spcAft>
+                <a:spcPts val="0"/>
+              </a:spcAft>
+              <a:buClrTx/>
+              <a:buSzTx/>
+              <a:buFontTx/>
+              <a:buNone/>
+              <a:tabLst/>
+              <a:defRPr/>
+            </a:pPr>
+            <a:r>
+              <a:rPr lang="en-US" altLang="zh-CN" dirty="0">
+                <a:ea typeface="等线"/>
+                <a:cs typeface="Calibri"/>
+              </a:rPr>
+              <a:t>Stopping criterion: the solutions in the front 0 of the final solution is n</a:t>
+            </a:r>
+          </a:p>
+          <a:p>
             <a:endParaRPr lang="en-US" dirty="0"/>
           </a:p>
         </p:txBody>
@@ -684,24 +714,75 @@
           <a:lstStyle/>
           <a:p>
             <a:r>
+              <a:rPr lang="en-US" dirty="0"/>
+              <a:t>F1</a:t>
+            </a:r>
+            <a:r>
               <a:rPr lang="zh-CN" altLang="en-US" dirty="0"/>
-              <a:t>每个</a:t>
+              <a:t>加到</a:t>
             </a:r>
             <a:r>
               <a:rPr lang="en-US" altLang="zh-CN" dirty="0"/>
-              <a:t>iteration</a:t>
+              <a:t>final solution</a:t>
             </a:r>
             <a:r>
               <a:rPr lang="zh-CN" altLang="en-US" dirty="0"/>
-              <a:t>用于</a:t>
+              <a:t>时，也需要考虑</a:t>
             </a:r>
             <a:r>
               <a:rPr lang="en-US" altLang="zh-CN" dirty="0"/>
-              <a:t>sorting</a:t>
+              <a:t>F1</a:t>
             </a:r>
             <a:r>
               <a:rPr lang="zh-CN" altLang="en-US" dirty="0"/>
-              <a:t>的时间大大缩小</a:t>
+              <a:t>中满足</a:t>
+            </a:r>
+            <a:r>
+              <a:rPr lang="en-US" altLang="zh-CN" dirty="0"/>
+              <a:t>constraint</a:t>
+            </a:r>
+            <a:r>
+              <a:rPr lang="zh-CN" altLang="en-US" dirty="0"/>
+              <a:t>的</a:t>
+            </a:r>
+            <a:r>
+              <a:rPr lang="en-US" altLang="zh-CN" dirty="0"/>
+              <a:t>solution</a:t>
+            </a:r>
+            <a:r>
+              <a:rPr lang="zh-CN" altLang="en-US" dirty="0"/>
+              <a:t>的数量和</a:t>
+            </a:r>
+            <a:r>
+              <a:rPr lang="en-US" altLang="zh-CN" dirty="0"/>
+              <a:t>final solution size</a:t>
+            </a:r>
+            <a:r>
+              <a:rPr lang="zh-CN" altLang="en-US" dirty="0"/>
+              <a:t>的关系</a:t>
+            </a:r>
+            <a:endParaRPr lang="en-US" altLang="zh-CN" dirty="0"/>
+          </a:p>
+          <a:p>
+            <a:r>
+              <a:rPr lang="en-US" dirty="0"/>
+              <a:t>N</a:t>
+            </a:r>
+            <a:r>
+              <a:rPr lang="zh-CN" altLang="en-US" dirty="0"/>
+              <a:t>：</a:t>
+            </a:r>
+            <a:r>
+              <a:rPr lang="en-US" altLang="zh-CN" dirty="0"/>
+              <a:t>final solution set</a:t>
+            </a:r>
+            <a:r>
+              <a:rPr lang="zh-CN" altLang="en-US" dirty="0"/>
+              <a:t>的</a:t>
+            </a:r>
+            <a:r>
+              <a:rPr lang="en-US" altLang="zh-CN" dirty="0"/>
+              <a:t>size</a:t>
             </a:r>
             <a:endParaRPr lang="en-US" dirty="0"/>
           </a:p>
@@ -733,7 +814,7 @@
     </p:spTree>
     <p:extLst>
       <p:ext uri="{BB962C8B-B14F-4D97-AF65-F5344CB8AC3E}">
-        <p14:creationId xmlns:p14="http://schemas.microsoft.com/office/powerpoint/2010/main" val="2666434187"/>
+        <p14:creationId xmlns:p14="http://schemas.microsoft.com/office/powerpoint/2010/main" val="3039694928"/>
       </p:ext>
     </p:extLst>
   </p:cSld>
@@ -837,7 +918,7 @@
     </p:spTree>
     <p:extLst>
       <p:ext uri="{BB962C8B-B14F-4D97-AF65-F5344CB8AC3E}">
-        <p14:creationId xmlns:p14="http://schemas.microsoft.com/office/powerpoint/2010/main" val="3503857670"/>
+        <p14:creationId xmlns:p14="http://schemas.microsoft.com/office/powerpoint/2010/main" val="2666434187"/>
       </p:ext>
     </p:extLst>
   </p:cSld>
@@ -892,78 +973,25 @@
           <a:lstStyle/>
           <a:p>
             <a:r>
+              <a:rPr lang="zh-CN" altLang="en-US" dirty="0"/>
+              <a:t>每个</a:t>
+            </a:r>
+            <a:r>
               <a:rPr lang="en-US" altLang="zh-CN" dirty="0"/>
-              <a:t>Pareto optimal? </a:t>
+              <a:t>iteration</a:t>
             </a:r>
             <a:r>
               <a:rPr lang="zh-CN" altLang="en-US" dirty="0"/>
-              <a:t>保留</a:t>
+              <a:t>用于</a:t>
             </a:r>
             <a:r>
               <a:rPr lang="en-US" altLang="zh-CN" dirty="0"/>
-              <a:t>20</a:t>
+              <a:t>sorting</a:t>
             </a:r>
             <a:r>
               <a:rPr lang="zh-CN" altLang="en-US" dirty="0"/>
-              <a:t>个</a:t>
+              <a:t>的时间大大缩小</a:t>
             </a:r>
-            <a:r>
-              <a:rPr lang="en-US" altLang="zh-CN" dirty="0"/>
-              <a:t>solution</a:t>
-            </a:r>
-          </a:p>
-          <a:p>
-            <a:r>
-              <a:rPr lang="zh-CN" altLang="en-US" dirty="0"/>
-              <a:t>当初</a:t>
-            </a:r>
-            <a:r>
-              <a:rPr lang="en-US" altLang="zh-CN" dirty="0" err="1"/>
-              <a:t>nsga</a:t>
-            </a:r>
-            <a:r>
-              <a:rPr lang="zh-CN" altLang="en-US" dirty="0"/>
-              <a:t>时，</a:t>
-            </a:r>
-            <a:r>
-              <a:rPr lang="en-US" altLang="zh-CN" dirty="0"/>
-              <a:t>coverage</a:t>
-            </a:r>
-            <a:r>
-              <a:rPr lang="zh-CN" altLang="en-US" dirty="0"/>
-              <a:t>和</a:t>
-            </a:r>
-            <a:r>
-              <a:rPr lang="en-US" altLang="zh-CN" dirty="0"/>
-              <a:t>resolution</a:t>
-            </a:r>
-            <a:r>
-              <a:rPr lang="zh-CN" altLang="en-US" dirty="0"/>
-              <a:t>的</a:t>
-            </a:r>
-            <a:r>
-              <a:rPr lang="en-US" altLang="zh-CN" dirty="0"/>
-              <a:t>trade-off</a:t>
-            </a:r>
-            <a:r>
-              <a:rPr lang="zh-CN" altLang="en-US" dirty="0"/>
-              <a:t>就没有明显的关系？</a:t>
-            </a:r>
-            <a:r>
-              <a:rPr lang="en-US" altLang="zh-CN" dirty="0">
-                <a:sym typeface="Wingdings" panose="05000000000000000000" pitchFamily="2" charset="2"/>
-              </a:rPr>
-              <a:t> </a:t>
-            </a:r>
-            <a:r>
-              <a:rPr lang="zh-CN" altLang="en-US" dirty="0">
-                <a:sym typeface="Wingdings" panose="05000000000000000000" pitchFamily="2" charset="2"/>
-              </a:rPr>
-              <a:t>是否因为这两个是相关的？</a:t>
-            </a:r>
-            <a:endParaRPr lang="en-US" altLang="zh-CN" dirty="0"/>
-          </a:p>
-          <a:p>
             <a:endParaRPr lang="en-US" dirty="0"/>
           </a:p>
         </p:txBody>
@@ -994,7 +1022,7 @@
     </p:spTree>
     <p:extLst>
       <p:ext uri="{BB962C8B-B14F-4D97-AF65-F5344CB8AC3E}">
-        <p14:creationId xmlns:p14="http://schemas.microsoft.com/office/powerpoint/2010/main" val="3057163822"/>
+        <p14:creationId xmlns:p14="http://schemas.microsoft.com/office/powerpoint/2010/main" val="3503857670"/>
       </p:ext>
     </p:extLst>
   </p:cSld>
@@ -1151,7 +1179,248 @@
     </p:spTree>
     <p:extLst>
       <p:ext uri="{BB962C8B-B14F-4D97-AF65-F5344CB8AC3E}">
+        <p14:creationId xmlns:p14="http://schemas.microsoft.com/office/powerpoint/2010/main" val="3057163822"/>
+      </p:ext>
+    </p:extLst>
+  </p:cSld>
+  <p:clrMapOvr>
+    <a:masterClrMapping/>
+  </p:clrMapOvr>
+</p:notes>
+</file>
+
+<file path=ppt/notesSlides/notesSlide6.xml><?xml version="1.0" encoding="utf-8"?>
+<p:notes xmlns:a="http://schemas.openxmlformats.org/drawingml/2006/main" xmlns:r="http://schemas.openxmlformats.org/officeDocument/2006/relationships" xmlns:p="http://schemas.openxmlformats.org/presentationml/2006/main">
+  <p:cSld>
+    <p:spTree>
+      <p:nvGrpSpPr>
+        <p:cNvPr id="1" name=""/>
+        <p:cNvGrpSpPr/>
+        <p:nvPr/>
+      </p:nvGrpSpPr>
+      <p:grpSpPr>
+        <a:xfrm>
+          <a:off x="0" y="0"/>
+          <a:ext cx="0" cy="0"/>
+          <a:chOff x="0" y="0"/>
+          <a:chExt cx="0" cy="0"/>
+        </a:xfrm>
+      </p:grpSpPr>
+      <p:sp>
+        <p:nvSpPr>
+          <p:cNvPr id="2" name="Slide Image Placeholder 1"/>
+          <p:cNvSpPr>
+            <a:spLocks noGrp="1" noRot="1" noChangeAspect="1"/>
+          </p:cNvSpPr>
+          <p:nvPr>
+            <p:ph type="sldImg"/>
+          </p:nvPr>
+        </p:nvSpPr>
+        <p:spPr/>
+      </p:sp>
+      <p:sp>
+        <p:nvSpPr>
+          <p:cNvPr id="3" name="Notes Placeholder 2"/>
+          <p:cNvSpPr>
+            <a:spLocks noGrp="1"/>
+          </p:cNvSpPr>
+          <p:nvPr>
+            <p:ph type="body" idx="1"/>
+          </p:nvPr>
+        </p:nvSpPr>
+        <p:spPr/>
+        <p:txBody>
+          <a:bodyPr/>
+          <a:lstStyle/>
+          <a:p>
+            <a:r>
+              <a:rPr lang="en-US" altLang="zh-CN" dirty="0"/>
+              <a:t>Pareto optimal? </a:t>
+            </a:r>
+            <a:r>
+              <a:rPr lang="zh-CN" altLang="en-US" dirty="0"/>
+              <a:t>保留</a:t>
+            </a:r>
+            <a:r>
+              <a:rPr lang="en-US" altLang="zh-CN" dirty="0"/>
+              <a:t>20</a:t>
+            </a:r>
+            <a:r>
+              <a:rPr lang="zh-CN" altLang="en-US" dirty="0"/>
+              <a:t>个</a:t>
+            </a:r>
+            <a:r>
+              <a:rPr lang="en-US" altLang="zh-CN" dirty="0"/>
+              <a:t>solution</a:t>
+            </a:r>
+          </a:p>
+          <a:p>
+            <a:r>
+              <a:rPr lang="zh-CN" altLang="en-US" dirty="0"/>
+              <a:t>当初</a:t>
+            </a:r>
+            <a:r>
+              <a:rPr lang="en-US" altLang="zh-CN" dirty="0" err="1"/>
+              <a:t>nsga</a:t>
+            </a:r>
+            <a:r>
+              <a:rPr lang="zh-CN" altLang="en-US" dirty="0"/>
+              <a:t>时，</a:t>
+            </a:r>
+            <a:r>
+              <a:rPr lang="en-US" altLang="zh-CN" dirty="0"/>
+              <a:t>coverage</a:t>
+            </a:r>
+            <a:r>
+              <a:rPr lang="zh-CN" altLang="en-US" dirty="0"/>
+              <a:t>和</a:t>
+            </a:r>
+            <a:r>
+              <a:rPr lang="en-US" altLang="zh-CN" dirty="0"/>
+              <a:t>resolution</a:t>
+            </a:r>
+            <a:r>
+              <a:rPr lang="zh-CN" altLang="en-US" dirty="0"/>
+              <a:t>的</a:t>
+            </a:r>
+            <a:r>
+              <a:rPr lang="en-US" altLang="zh-CN" dirty="0"/>
+              <a:t>trade-off</a:t>
+            </a:r>
+            <a:r>
+              <a:rPr lang="zh-CN" altLang="en-US" dirty="0"/>
+              <a:t>就没有明显的关系？</a:t>
+            </a:r>
+            <a:r>
+              <a:rPr lang="en-US" altLang="zh-CN" dirty="0">
+                <a:sym typeface="Wingdings" panose="05000000000000000000" pitchFamily="2" charset="2"/>
+              </a:rPr>
+              <a:t> </a:t>
+            </a:r>
+            <a:r>
+              <a:rPr lang="zh-CN" altLang="en-US" dirty="0">
+                <a:sym typeface="Wingdings" panose="05000000000000000000" pitchFamily="2" charset="2"/>
+              </a:rPr>
+              <a:t>是否因为这两个是相关的？</a:t>
+            </a:r>
+            <a:endParaRPr lang="en-US" altLang="zh-CN" dirty="0"/>
+          </a:p>
+          <a:p>
+            <a:endParaRPr lang="en-US" dirty="0"/>
+          </a:p>
+        </p:txBody>
+      </p:sp>
+      <p:sp>
+        <p:nvSpPr>
+          <p:cNvPr id="4" name="Slide Number Placeholder 3"/>
+          <p:cNvSpPr>
+            <a:spLocks noGrp="1"/>
+          </p:cNvSpPr>
+          <p:nvPr>
+            <p:ph type="sldNum" sz="quarter" idx="5"/>
+          </p:nvPr>
+        </p:nvSpPr>
+        <p:spPr/>
+        <p:txBody>
+          <a:bodyPr/>
+          <a:lstStyle/>
+          <a:p>
+            <a:fld id="{F52A3BAE-7284-49D3-BE26-52E20F6ACF0C}" type="slidenum">
+              <a:rPr lang="en-US" smtClean="0"/>
+              <a:t>10</a:t>
+            </a:fld>
+            <a:endParaRPr lang="en-US"/>
+          </a:p>
+        </p:txBody>
+      </p:sp>
+    </p:spTree>
+    <p:extLst>
+      <p:ext uri="{BB962C8B-B14F-4D97-AF65-F5344CB8AC3E}">
         <p14:creationId xmlns:p14="http://schemas.microsoft.com/office/powerpoint/2010/main" val="3266214995"/>
+      </p:ext>
+    </p:extLst>
+  </p:cSld>
+  <p:clrMapOvr>
+    <a:masterClrMapping/>
+  </p:clrMapOvr>
+</p:notes>
+</file>
+
+<file path=ppt/notesSlides/notesSlide7.xml><?xml version="1.0" encoding="utf-8"?>
+<p:notes xmlns:a="http://schemas.openxmlformats.org/drawingml/2006/main" xmlns:r="http://schemas.openxmlformats.org/officeDocument/2006/relationships" xmlns:p="http://schemas.openxmlformats.org/presentationml/2006/main">
+  <p:cSld>
+    <p:spTree>
+      <p:nvGrpSpPr>
+        <p:cNvPr id="1" name=""/>
+        <p:cNvGrpSpPr/>
+        <p:nvPr/>
+      </p:nvGrpSpPr>
+      <p:grpSpPr>
+        <a:xfrm>
+          <a:off x="0" y="0"/>
+          <a:ext cx="0" cy="0"/>
+          <a:chOff x="0" y="0"/>
+          <a:chExt cx="0" cy="0"/>
+        </a:xfrm>
+      </p:grpSpPr>
+      <p:sp>
+        <p:nvSpPr>
+          <p:cNvPr id="2" name="Slide Image Placeholder 1"/>
+          <p:cNvSpPr>
+            <a:spLocks noGrp="1" noRot="1" noChangeAspect="1"/>
+          </p:cNvSpPr>
+          <p:nvPr>
+            <p:ph type="sldImg"/>
+          </p:nvPr>
+        </p:nvSpPr>
+        <p:spPr/>
+      </p:sp>
+      <p:sp>
+        <p:nvSpPr>
+          <p:cNvPr id="3" name="Notes Placeholder 2"/>
+          <p:cNvSpPr>
+            <a:spLocks noGrp="1"/>
+          </p:cNvSpPr>
+          <p:nvPr>
+            <p:ph type="body" idx="1"/>
+          </p:nvPr>
+        </p:nvSpPr>
+        <p:spPr/>
+        <p:txBody>
+          <a:bodyPr/>
+          <a:lstStyle/>
+          <a:p>
+            <a:endParaRPr lang="en-US" dirty="0"/>
+          </a:p>
+        </p:txBody>
+      </p:sp>
+      <p:sp>
+        <p:nvSpPr>
+          <p:cNvPr id="4" name="Slide Number Placeholder 3"/>
+          <p:cNvSpPr>
+            <a:spLocks noGrp="1"/>
+          </p:cNvSpPr>
+          <p:nvPr>
+            <p:ph type="sldNum" sz="quarter" idx="5"/>
+          </p:nvPr>
+        </p:nvSpPr>
+        <p:spPr/>
+        <p:txBody>
+          <a:bodyPr/>
+          <a:lstStyle/>
+          <a:p>
+            <a:fld id="{F52A3BAE-7284-49D3-BE26-52E20F6ACF0C}" type="slidenum">
+              <a:rPr lang="en-US" smtClean="0"/>
+              <a:t>11</a:t>
+            </a:fld>
+            <a:endParaRPr lang="en-US"/>
+          </a:p>
+        </p:txBody>
+      </p:sp>
+    </p:spTree>
+    <p:extLst>
+      <p:ext uri="{BB962C8B-B14F-4D97-AF65-F5344CB8AC3E}">
+        <p14:creationId xmlns:p14="http://schemas.microsoft.com/office/powerpoint/2010/main" val="4168867695"/>
       </p:ext>
     </p:extLst>
   </p:cSld>
@@ -1308,7 +1577,7 @@
           <a:p>
             <a:fld id="{7A10482E-3655-4001-B463-FAFCD5FD233C}" type="datetimeFigureOut">
               <a:rPr lang="en-US" smtClean="0"/>
-              <a:t>4/18/2024</a:t>
+              <a:t>4/23/2024</a:t>
             </a:fld>
             <a:endParaRPr lang="en-US"/>
           </a:p>
@@ -1506,7 +1775,7 @@
           <a:p>
             <a:fld id="{7A10482E-3655-4001-B463-FAFCD5FD233C}" type="datetimeFigureOut">
               <a:rPr lang="en-US" smtClean="0"/>
-              <a:t>4/18/2024</a:t>
+              <a:t>4/23/2024</a:t>
             </a:fld>
             <a:endParaRPr lang="en-US"/>
           </a:p>
@@ -1714,7 +1983,7 @@
           <a:p>
             <a:fld id="{7A10482E-3655-4001-B463-FAFCD5FD233C}" type="datetimeFigureOut">
               <a:rPr lang="en-US" smtClean="0"/>
-              <a:t>4/18/2024</a:t>
+              <a:t>4/23/2024</a:t>
             </a:fld>
             <a:endParaRPr lang="en-US"/>
           </a:p>
@@ -1912,7 +2181,7 @@
           <a:p>
             <a:fld id="{7A10482E-3655-4001-B463-FAFCD5FD233C}" type="datetimeFigureOut">
               <a:rPr lang="en-US" smtClean="0"/>
-              <a:t>4/18/2024</a:t>
+              <a:t>4/23/2024</a:t>
             </a:fld>
             <a:endParaRPr lang="en-US"/>
           </a:p>
@@ -2187,7 +2456,7 @@
           <a:p>
             <a:fld id="{7A10482E-3655-4001-B463-FAFCD5FD233C}" type="datetimeFigureOut">
               <a:rPr lang="en-US" smtClean="0"/>
-              <a:t>4/18/2024</a:t>
+              <a:t>4/23/2024</a:t>
             </a:fld>
             <a:endParaRPr lang="en-US"/>
           </a:p>
@@ -2452,7 +2721,7 @@
           <a:p>
             <a:fld id="{7A10482E-3655-4001-B463-FAFCD5FD233C}" type="datetimeFigureOut">
               <a:rPr lang="en-US" smtClean="0"/>
-              <a:t>4/18/2024</a:t>
+              <a:t>4/23/2024</a:t>
             </a:fld>
             <a:endParaRPr lang="en-US"/>
           </a:p>
@@ -2864,7 +3133,7 @@
           <a:p>
             <a:fld id="{7A10482E-3655-4001-B463-FAFCD5FD233C}" type="datetimeFigureOut">
               <a:rPr lang="en-US" smtClean="0"/>
-              <a:t>4/18/2024</a:t>
+              <a:t>4/23/2024</a:t>
             </a:fld>
             <a:endParaRPr lang="en-US"/>
           </a:p>
@@ -3005,7 +3274,7 @@
           <a:p>
             <a:fld id="{7A10482E-3655-4001-B463-FAFCD5FD233C}" type="datetimeFigureOut">
               <a:rPr lang="en-US" smtClean="0"/>
-              <a:t>4/18/2024</a:t>
+              <a:t>4/23/2024</a:t>
             </a:fld>
             <a:endParaRPr lang="en-US"/>
           </a:p>
@@ -3118,7 +3387,7 @@
           <a:p>
             <a:fld id="{7A10482E-3655-4001-B463-FAFCD5FD233C}" type="datetimeFigureOut">
               <a:rPr lang="en-US" smtClean="0"/>
-              <a:t>4/18/2024</a:t>
+              <a:t>4/23/2024</a:t>
             </a:fld>
             <a:endParaRPr lang="en-US"/>
           </a:p>
@@ -3429,7 +3698,7 @@
           <a:p>
             <a:fld id="{7A10482E-3655-4001-B463-FAFCD5FD233C}" type="datetimeFigureOut">
               <a:rPr lang="en-US" smtClean="0"/>
-              <a:t>4/18/2024</a:t>
+              <a:t>4/23/2024</a:t>
             </a:fld>
             <a:endParaRPr lang="en-US"/>
           </a:p>
@@ -3717,7 +3986,7 @@
           <a:p>
             <a:fld id="{7A10482E-3655-4001-B463-FAFCD5FD233C}" type="datetimeFigureOut">
               <a:rPr lang="en-US" smtClean="0"/>
-              <a:t>4/18/2024</a:t>
+              <a:t>4/23/2024</a:t>
             </a:fld>
             <a:endParaRPr lang="en-US"/>
           </a:p>
@@ -3958,7 +4227,7 @@
           <a:p>
             <a:fld id="{7A10482E-3655-4001-B463-FAFCD5FD233C}" type="datetimeFigureOut">
               <a:rPr lang="en-US" smtClean="0"/>
-              <a:t>4/18/2024</a:t>
+              <a:t>4/23/2024</a:t>
             </a:fld>
             <a:endParaRPr lang="en-US"/>
           </a:p>
@@ -4843,6 +5112,192 @@
     <p:extLst>
       <p:ext uri="{BB962C8B-B14F-4D97-AF65-F5344CB8AC3E}">
         <p14:creationId xmlns:p14="http://schemas.microsoft.com/office/powerpoint/2010/main" val="3842092529"/>
+      </p:ext>
+    </p:extLst>
+  </p:cSld>
+  <p:clrMapOvr>
+    <a:masterClrMapping/>
+  </p:clrMapOvr>
+</p:sld>
+</file>
+
+<file path=ppt/slides/slide10.xml><?xml version="1.0" encoding="utf-8"?>
+<p:sld xmlns:a="http://schemas.openxmlformats.org/drawingml/2006/main" xmlns:r="http://schemas.openxmlformats.org/officeDocument/2006/relationships" xmlns:p="http://schemas.openxmlformats.org/presentationml/2006/main">
+  <p:cSld>
+    <p:spTree>
+      <p:nvGrpSpPr>
+        <p:cNvPr id="1" name=""/>
+        <p:cNvGrpSpPr/>
+        <p:nvPr/>
+      </p:nvGrpSpPr>
+      <p:grpSpPr>
+        <a:xfrm>
+          <a:off x="0" y="0"/>
+          <a:ext cx="0" cy="0"/>
+          <a:chOff x="0" y="0"/>
+          <a:chExt cx="0" cy="0"/>
+        </a:xfrm>
+      </p:grpSpPr>
+      <p:sp>
+        <p:nvSpPr>
+          <p:cNvPr id="3" name="TextBox 2">
+            <a:extLst>
+              <a:ext uri="{FF2B5EF4-FFF2-40B4-BE49-F238E27FC236}">
+                <a16:creationId xmlns:a16="http://schemas.microsoft.com/office/drawing/2014/main" id="{F6F2F247-2CB7-45C1-916D-A543DD3045E7}"/>
+              </a:ext>
+            </a:extLst>
+          </p:cNvPr>
+          <p:cNvSpPr txBox="1"/>
+          <p:nvPr/>
+        </p:nvSpPr>
+        <p:spPr>
+          <a:xfrm>
+            <a:off x="265798" y="215927"/>
+            <a:ext cx="1405641" cy="369332"/>
+          </a:xfrm>
+          <a:prstGeom prst="rect">
+            <a:avLst/>
+          </a:prstGeom>
+          <a:noFill/>
+        </p:spPr>
+        <p:txBody>
+          <a:bodyPr wrap="none" rtlCol="0">
+            <a:spAutoFit/>
+          </a:bodyPr>
+          <a:lstStyle/>
+          <a:p>
+            <a:r>
+              <a:rPr lang="en-US" altLang="zh-CN" dirty="0"/>
+              <a:t>Real-life case</a:t>
+            </a:r>
+            <a:endParaRPr lang="en-US" dirty="0"/>
+          </a:p>
+        </p:txBody>
+      </p:sp>
+      <p:pic>
+        <p:nvPicPr>
+          <p:cNvPr id="6" name="Picture 5">
+            <a:extLst>
+              <a:ext uri="{FF2B5EF4-FFF2-40B4-BE49-F238E27FC236}">
+                <a16:creationId xmlns:a16="http://schemas.microsoft.com/office/drawing/2014/main" id="{A2978042-D465-41CC-8D05-42E1E7663DD5}"/>
+              </a:ext>
+            </a:extLst>
+          </p:cNvPr>
+          <p:cNvPicPr>
+            <a:picLocks noChangeAspect="1"/>
+          </p:cNvPicPr>
+          <p:nvPr/>
+        </p:nvPicPr>
+        <p:blipFill>
+          <a:blip r:embed="rId3"/>
+          <a:stretch>
+            <a:fillRect/>
+          </a:stretch>
+        </p:blipFill>
+        <p:spPr>
+          <a:xfrm>
+            <a:off x="1556183" y="773668"/>
+            <a:ext cx="9079633" cy="5715000"/>
+          </a:xfrm>
+          <a:prstGeom prst="rect">
+            <a:avLst/>
+          </a:prstGeom>
+        </p:spPr>
+      </p:pic>
+      <p:pic>
+        <p:nvPicPr>
+          <p:cNvPr id="8" name="Picture 7">
+            <a:extLst>
+              <a:ext uri="{FF2B5EF4-FFF2-40B4-BE49-F238E27FC236}">
+                <a16:creationId xmlns:a16="http://schemas.microsoft.com/office/drawing/2014/main" id="{A5BAA255-BF7D-4C40-8386-CDB0D6EAABDA}"/>
+              </a:ext>
+            </a:extLst>
+          </p:cNvPr>
+          <p:cNvPicPr>
+            <a:picLocks noChangeAspect="1"/>
+          </p:cNvPicPr>
+          <p:nvPr/>
+        </p:nvPicPr>
+        <p:blipFill>
+          <a:blip r:embed="rId4"/>
+          <a:stretch>
+            <a:fillRect/>
+          </a:stretch>
+        </p:blipFill>
+        <p:spPr>
+          <a:xfrm>
+            <a:off x="1842952" y="1271535"/>
+            <a:ext cx="1933845" cy="752580"/>
+          </a:xfrm>
+          <a:prstGeom prst="rect">
+            <a:avLst/>
+          </a:prstGeom>
+        </p:spPr>
+      </p:pic>
+    </p:spTree>
+    <p:extLst>
+      <p:ext uri="{BB962C8B-B14F-4D97-AF65-F5344CB8AC3E}">
+        <p14:creationId xmlns:p14="http://schemas.microsoft.com/office/powerpoint/2010/main" val="2183856432"/>
+      </p:ext>
+    </p:extLst>
+  </p:cSld>
+  <p:clrMapOvr>
+    <a:masterClrMapping/>
+  </p:clrMapOvr>
+</p:sld>
+</file>
+
+<file path=ppt/slides/slide11.xml><?xml version="1.0" encoding="utf-8"?>
+<p:sld xmlns:a="http://schemas.openxmlformats.org/drawingml/2006/main" xmlns:r="http://schemas.openxmlformats.org/officeDocument/2006/relationships" xmlns:p="http://schemas.openxmlformats.org/presentationml/2006/main">
+  <p:cSld>
+    <p:spTree>
+      <p:nvGrpSpPr>
+        <p:cNvPr id="1" name=""/>
+        <p:cNvGrpSpPr/>
+        <p:nvPr/>
+      </p:nvGrpSpPr>
+      <p:grpSpPr>
+        <a:xfrm>
+          <a:off x="0" y="0"/>
+          <a:ext cx="0" cy="0"/>
+          <a:chOff x="0" y="0"/>
+          <a:chExt cx="0" cy="0"/>
+        </a:xfrm>
+      </p:grpSpPr>
+      <p:pic>
+        <p:nvPicPr>
+          <p:cNvPr id="4" name="Picture 3">
+            <a:extLst>
+              <a:ext uri="{FF2B5EF4-FFF2-40B4-BE49-F238E27FC236}">
+                <a16:creationId xmlns:a16="http://schemas.microsoft.com/office/drawing/2014/main" id="{D3BCA997-5B72-4379-93AD-E1E9358634C4}"/>
+              </a:ext>
+            </a:extLst>
+          </p:cNvPr>
+          <p:cNvPicPr>
+            <a:picLocks noChangeAspect="1"/>
+          </p:cNvPicPr>
+          <p:nvPr/>
+        </p:nvPicPr>
+        <p:blipFill>
+          <a:blip r:embed="rId3"/>
+          <a:stretch>
+            <a:fillRect/>
+          </a:stretch>
+        </p:blipFill>
+        <p:spPr>
+          <a:xfrm>
+            <a:off x="1769853" y="0"/>
+            <a:ext cx="8652294" cy="6858000"/>
+          </a:xfrm>
+          <a:prstGeom prst="rect">
+            <a:avLst/>
+          </a:prstGeom>
+        </p:spPr>
+      </p:pic>
+    </p:spTree>
+    <p:extLst>
+      <p:ext uri="{BB962C8B-B14F-4D97-AF65-F5344CB8AC3E}">
+        <p14:creationId xmlns:p14="http://schemas.microsoft.com/office/powerpoint/2010/main" val="152621655"/>
       </p:ext>
     </p:extLst>
   </p:cSld>
@@ -9999,10 +10454,10 @@
       </p:grpSpPr>
       <p:sp>
         <p:nvSpPr>
-          <p:cNvPr id="5" name="Rectangle 4">
-            <a:extLst>
-              <a:ext uri="{FF2B5EF4-FFF2-40B4-BE49-F238E27FC236}">
-                <a16:creationId xmlns:a16="http://schemas.microsoft.com/office/drawing/2014/main" id="{338DAF06-CECB-4DE5-9AF1-53BD90FB371B}"/>
+          <p:cNvPr id="120" name="Rectangle 119">
+            <a:extLst>
+              <a:ext uri="{FF2B5EF4-FFF2-40B4-BE49-F238E27FC236}">
+                <a16:creationId xmlns:a16="http://schemas.microsoft.com/office/drawing/2014/main" id="{53529B54-B3E1-4BCD-85B0-76ABF5B24AAF}"/>
               </a:ext>
             </a:extLst>
           </p:cNvPr>
@@ -10011,8 +10466,172 @@
         </p:nvSpPr>
         <p:spPr>
           <a:xfrm>
-            <a:off x="889601" y="2278933"/>
-            <a:ext cx="639096" cy="1278194"/>
+            <a:off x="4568368" y="568277"/>
+            <a:ext cx="480323" cy="1008051"/>
+          </a:xfrm>
+          <a:prstGeom prst="rect">
+            <a:avLst/>
+          </a:prstGeom>
+          <a:solidFill>
+            <a:schemeClr val="bg2"/>
+          </a:solidFill>
+          <a:ln w="19050">
+            <a:solidFill>
+              <a:schemeClr val="tx1"/>
+            </a:solidFill>
+          </a:ln>
+        </p:spPr>
+        <p:style>
+          <a:lnRef idx="2">
+            <a:schemeClr val="accent1">
+              <a:shade val="50000"/>
+            </a:schemeClr>
+          </a:lnRef>
+          <a:fillRef idx="1">
+            <a:schemeClr val="accent1"/>
+          </a:fillRef>
+          <a:effectRef idx="0">
+            <a:schemeClr val="accent1"/>
+          </a:effectRef>
+          <a:fontRef idx="minor">
+            <a:schemeClr val="lt1"/>
+          </a:fontRef>
+        </p:style>
+        <p:txBody>
+          <a:bodyPr rtlCol="0" anchor="ctr"/>
+          <a:lstStyle/>
+          <a:p>
+            <a:pPr algn="ctr"/>
+            <a:endParaRPr lang="en-US" dirty="0"/>
+          </a:p>
+        </p:txBody>
+      </p:sp>
+      <p:sp>
+        <p:nvSpPr>
+          <p:cNvPr id="86" name="Rectangle 85">
+            <a:extLst>
+              <a:ext uri="{FF2B5EF4-FFF2-40B4-BE49-F238E27FC236}">
+                <a16:creationId xmlns:a16="http://schemas.microsoft.com/office/drawing/2014/main" id="{39D05572-C50A-4439-9AE9-124676A29B9E}"/>
+              </a:ext>
+            </a:extLst>
+          </p:cNvPr>
+          <p:cNvSpPr/>
+          <p:nvPr/>
+        </p:nvSpPr>
+        <p:spPr>
+          <a:xfrm>
+            <a:off x="4479772" y="469791"/>
+            <a:ext cx="646320" cy="1786143"/>
+          </a:xfrm>
+          <a:prstGeom prst="rect">
+            <a:avLst/>
+          </a:prstGeom>
+          <a:noFill/>
+          <a:ln>
+            <a:solidFill>
+              <a:schemeClr val="tx1"/>
+            </a:solidFill>
+          </a:ln>
+        </p:spPr>
+        <p:style>
+          <a:lnRef idx="2">
+            <a:schemeClr val="accent1">
+              <a:shade val="50000"/>
+            </a:schemeClr>
+          </a:lnRef>
+          <a:fillRef idx="1">
+            <a:schemeClr val="accent1"/>
+          </a:fillRef>
+          <a:effectRef idx="0">
+            <a:schemeClr val="accent1"/>
+          </a:effectRef>
+          <a:fontRef idx="minor">
+            <a:schemeClr val="lt1"/>
+          </a:fontRef>
+        </p:style>
+        <p:txBody>
+          <a:bodyPr rtlCol="0" anchor="ctr"/>
+          <a:lstStyle/>
+          <a:p>
+            <a:pPr algn="ctr"/>
+            <a:endParaRPr lang="en-US" sz="1600" dirty="0">
+              <a:solidFill>
+                <a:schemeClr val="tx1"/>
+              </a:solidFill>
+            </a:endParaRPr>
+          </a:p>
+        </p:txBody>
+      </p:sp>
+      <p:sp>
+        <p:nvSpPr>
+          <p:cNvPr id="98" name="Rectangle 97">
+            <a:extLst>
+              <a:ext uri="{FF2B5EF4-FFF2-40B4-BE49-F238E27FC236}">
+                <a16:creationId xmlns:a16="http://schemas.microsoft.com/office/drawing/2014/main" id="{1D3D2E4D-821A-49A8-9ED7-47408BD7D621}"/>
+              </a:ext>
+            </a:extLst>
+          </p:cNvPr>
+          <p:cNvSpPr/>
+          <p:nvPr/>
+        </p:nvSpPr>
+        <p:spPr>
+          <a:xfrm>
+            <a:off x="4560624" y="1663506"/>
+            <a:ext cx="496701" cy="345677"/>
+          </a:xfrm>
+          <a:prstGeom prst="rect">
+            <a:avLst/>
+          </a:prstGeom>
+          <a:solidFill>
+            <a:schemeClr val="bg2"/>
+          </a:solidFill>
+          <a:ln w="19050">
+            <a:solidFill>
+              <a:schemeClr val="tx1"/>
+            </a:solidFill>
+          </a:ln>
+        </p:spPr>
+        <p:style>
+          <a:lnRef idx="2">
+            <a:schemeClr val="accent1">
+              <a:shade val="50000"/>
+            </a:schemeClr>
+          </a:lnRef>
+          <a:fillRef idx="1">
+            <a:schemeClr val="accent1"/>
+          </a:fillRef>
+          <a:effectRef idx="0">
+            <a:schemeClr val="accent1"/>
+          </a:effectRef>
+          <a:fontRef idx="minor">
+            <a:schemeClr val="lt1"/>
+          </a:fontRef>
+        </p:style>
+        <p:txBody>
+          <a:bodyPr rtlCol="0" anchor="ctr"/>
+          <a:lstStyle/>
+          <a:p>
+            <a:pPr algn="ctr"/>
+            <a:endParaRPr lang="en-US" dirty="0"/>
+          </a:p>
+        </p:txBody>
+      </p:sp>
+      <p:sp>
+        <p:nvSpPr>
+          <p:cNvPr id="5" name="Rectangle 4">
+            <a:extLst>
+              <a:ext uri="{FF2B5EF4-FFF2-40B4-BE49-F238E27FC236}">
+                <a16:creationId xmlns:a16="http://schemas.microsoft.com/office/drawing/2014/main" id="{338DAF06-CECB-4DE5-9AF1-53BD90FB371B}"/>
+              </a:ext>
+            </a:extLst>
+          </p:cNvPr>
+          <p:cNvSpPr/>
+          <p:nvPr/>
+        </p:nvSpPr>
+        <p:spPr>
+          <a:xfrm>
+            <a:off x="785748" y="3890535"/>
+            <a:ext cx="639096" cy="1056980"/>
           </a:xfrm>
           <a:prstGeom prst="rect">
             <a:avLst/>
@@ -10063,8 +10682,8 @@
         </p:nvSpPr>
         <p:spPr>
           <a:xfrm>
-            <a:off x="1882495" y="1525536"/>
-            <a:ext cx="639096" cy="2770239"/>
+            <a:off x="1778642" y="3155170"/>
+            <a:ext cx="639096" cy="2530993"/>
           </a:xfrm>
           <a:prstGeom prst="rect">
             <a:avLst/>
@@ -10115,8 +10734,8 @@
         </p:nvSpPr>
         <p:spPr>
           <a:xfrm>
-            <a:off x="3045544" y="1523078"/>
-            <a:ext cx="639096" cy="2772697"/>
+            <a:off x="2941691" y="3155170"/>
+            <a:ext cx="639096" cy="2530993"/>
           </a:xfrm>
           <a:prstGeom prst="rect">
             <a:avLst/>
@@ -10167,7 +10786,7 @@
         </p:nvSpPr>
         <p:spPr>
           <a:xfrm>
-            <a:off x="3153698" y="1602964"/>
+            <a:off x="3049844" y="3299905"/>
             <a:ext cx="422787" cy="598539"/>
           </a:xfrm>
           <a:prstGeom prst="rect">
@@ -10221,7 +10840,7 @@
         </p:nvSpPr>
         <p:spPr>
           <a:xfrm>
-            <a:off x="3153697" y="2289994"/>
+            <a:off x="3049844" y="4002340"/>
             <a:ext cx="422787" cy="314634"/>
           </a:xfrm>
           <a:prstGeom prst="rect">
@@ -10275,7 +10894,7 @@
         </p:nvSpPr>
         <p:spPr>
           <a:xfrm>
-            <a:off x="3153697" y="2746222"/>
+            <a:off x="3049844" y="4364164"/>
             <a:ext cx="422787" cy="536831"/>
           </a:xfrm>
           <a:prstGeom prst="rect">
@@ -10329,7 +10948,7 @@
         </p:nvSpPr>
         <p:spPr>
           <a:xfrm>
-            <a:off x="3153697" y="3424648"/>
+            <a:off x="3049844" y="4992438"/>
             <a:ext cx="422787" cy="249238"/>
           </a:xfrm>
           <a:prstGeom prst="rect">
@@ -10383,7 +11002,7 @@
         </p:nvSpPr>
         <p:spPr>
           <a:xfrm>
-            <a:off x="3202857" y="3757876"/>
+            <a:off x="3099004" y="5148264"/>
             <a:ext cx="343364" cy="369332"/>
           </a:xfrm>
           <a:prstGeom prst="rect">
@@ -10415,15 +11034,15 @@
           </p:cNvPr>
           <p:cNvCxnSpPr>
             <a:cxnSpLocks/>
-            <a:stCxn id="9" idx="3"/>
-            <a:endCxn id="17" idx="1"/>
+            <a:stCxn id="9" idx="0"/>
+            <a:endCxn id="17" idx="2"/>
           </p:cNvCxnSpPr>
           <p:nvPr/>
         </p:nvCxnSpPr>
         <p:spPr>
-          <a:xfrm flipV="1">
-            <a:off x="3576485" y="1895258"/>
-            <a:ext cx="1114556" cy="6976"/>
+          <a:xfrm flipH="1" flipV="1">
+            <a:off x="3257627" y="2258090"/>
+            <a:ext cx="3611" cy="1041815"/>
           </a:xfrm>
           <a:prstGeom prst="straightConnector1">
             <a:avLst/>
@@ -10464,7 +11083,234 @@
         </p:nvSpPr>
         <p:spPr>
           <a:xfrm>
-            <a:off x="4691041" y="1595988"/>
+            <a:off x="2934467" y="471948"/>
+            <a:ext cx="646320" cy="1786142"/>
+          </a:xfrm>
+          <a:prstGeom prst="rect">
+            <a:avLst/>
+          </a:prstGeom>
+          <a:solidFill>
+            <a:schemeClr val="bg1"/>
+          </a:solidFill>
+          <a:ln>
+            <a:solidFill>
+              <a:schemeClr val="tx1"/>
+            </a:solidFill>
+          </a:ln>
+        </p:spPr>
+        <p:style>
+          <a:lnRef idx="2">
+            <a:schemeClr val="accent1">
+              <a:shade val="50000"/>
+            </a:schemeClr>
+          </a:lnRef>
+          <a:fillRef idx="1">
+            <a:schemeClr val="accent1"/>
+          </a:fillRef>
+          <a:effectRef idx="0">
+            <a:schemeClr val="accent1"/>
+          </a:effectRef>
+          <a:fontRef idx="minor">
+            <a:schemeClr val="lt1"/>
+          </a:fontRef>
+        </p:style>
+        <p:txBody>
+          <a:bodyPr rtlCol="0" anchor="ctr"/>
+          <a:lstStyle/>
+          <a:p>
+            <a:pPr algn="ctr"/>
+            <a:endParaRPr lang="en-US" sz="1600" dirty="0">
+              <a:solidFill>
+                <a:schemeClr val="tx1"/>
+              </a:solidFill>
+            </a:endParaRPr>
+          </a:p>
+        </p:txBody>
+      </p:sp>
+      <p:sp>
+        <p:nvSpPr>
+          <p:cNvPr id="19" name="TextBox 18">
+            <a:extLst>
+              <a:ext uri="{FF2B5EF4-FFF2-40B4-BE49-F238E27FC236}">
+                <a16:creationId xmlns:a16="http://schemas.microsoft.com/office/drawing/2014/main" id="{C23D6319-4BB2-4550-9EF5-C3E320E6C9C7}"/>
+              </a:ext>
+            </a:extLst>
+          </p:cNvPr>
+          <p:cNvSpPr txBox="1"/>
+          <p:nvPr/>
+        </p:nvSpPr>
+        <p:spPr>
+          <a:xfrm>
+            <a:off x="2788234" y="2614372"/>
+            <a:ext cx="1224694" cy="338554"/>
+          </a:xfrm>
+          <a:prstGeom prst="rect">
+            <a:avLst/>
+          </a:prstGeom>
+          <a:noFill/>
+        </p:spPr>
+        <p:txBody>
+          <a:bodyPr wrap="none" rtlCol="0">
+            <a:spAutoFit/>
+          </a:bodyPr>
+          <a:lstStyle/>
+          <a:p>
+            <a:r>
+              <a:rPr lang="en-US" altLang="zh-CN" sz="1600" dirty="0"/>
+              <a:t>max sensor?</a:t>
+            </a:r>
+          </a:p>
+        </p:txBody>
+      </p:sp>
+      <p:sp>
+        <p:nvSpPr>
+          <p:cNvPr id="20" name="Rectangle 19">
+            <a:extLst>
+              <a:ext uri="{FF2B5EF4-FFF2-40B4-BE49-F238E27FC236}">
+                <a16:creationId xmlns:a16="http://schemas.microsoft.com/office/drawing/2014/main" id="{CD34B09B-74D9-48DC-850F-E88DC02CE4CD}"/>
+              </a:ext>
+            </a:extLst>
+          </p:cNvPr>
+          <p:cNvSpPr/>
+          <p:nvPr/>
+        </p:nvSpPr>
+        <p:spPr>
+          <a:xfrm>
+            <a:off x="3010131" y="3961191"/>
+            <a:ext cx="521493" cy="1590010"/>
+          </a:xfrm>
+          <a:prstGeom prst="rect">
+            <a:avLst/>
+          </a:prstGeom>
+          <a:noFill/>
+          <a:ln w="19050">
+            <a:solidFill>
+              <a:schemeClr val="tx1"/>
+            </a:solidFill>
+            <a:prstDash val="sysDash"/>
+          </a:ln>
+        </p:spPr>
+        <p:style>
+          <a:lnRef idx="2">
+            <a:schemeClr val="accent1">
+              <a:shade val="50000"/>
+            </a:schemeClr>
+          </a:lnRef>
+          <a:fillRef idx="1">
+            <a:schemeClr val="accent1"/>
+          </a:fillRef>
+          <a:effectRef idx="0">
+            <a:schemeClr val="accent1"/>
+          </a:effectRef>
+          <a:fontRef idx="minor">
+            <a:schemeClr val="lt1"/>
+          </a:fontRef>
+        </p:style>
+        <p:txBody>
+          <a:bodyPr rtlCol="0" anchor="ctr"/>
+          <a:lstStyle/>
+          <a:p>
+            <a:pPr algn="ctr"/>
+            <a:endParaRPr lang="en-US"/>
+          </a:p>
+        </p:txBody>
+      </p:sp>
+      <p:cxnSp>
+        <p:nvCxnSpPr>
+          <p:cNvPr id="22" name="Straight Arrow Connector 21">
+            <a:extLst>
+              <a:ext uri="{FF2B5EF4-FFF2-40B4-BE49-F238E27FC236}">
+                <a16:creationId xmlns:a16="http://schemas.microsoft.com/office/drawing/2014/main" id="{F10D3B31-08FC-4149-8DF2-FE21E5590958}"/>
+              </a:ext>
+            </a:extLst>
+          </p:cNvPr>
+          <p:cNvCxnSpPr>
+            <a:cxnSpLocks/>
+            <a:stCxn id="20" idx="3"/>
+            <a:endCxn id="27" idx="1"/>
+          </p:cNvCxnSpPr>
+          <p:nvPr/>
+        </p:nvCxnSpPr>
+        <p:spPr>
+          <a:xfrm>
+            <a:off x="3531624" y="4756196"/>
+            <a:ext cx="1291628" cy="1619"/>
+          </a:xfrm>
+          <a:prstGeom prst="straightConnector1">
+            <a:avLst/>
+          </a:prstGeom>
+          <a:ln>
+            <a:solidFill>
+              <a:schemeClr val="tx1"/>
+            </a:solidFill>
+            <a:tailEnd type="triangle"/>
+          </a:ln>
+        </p:spPr>
+        <p:style>
+          <a:lnRef idx="1">
+            <a:schemeClr val="accent1"/>
+          </a:lnRef>
+          <a:fillRef idx="0">
+            <a:schemeClr val="accent1"/>
+          </a:fillRef>
+          <a:effectRef idx="0">
+            <a:schemeClr val="accent1"/>
+          </a:effectRef>
+          <a:fontRef idx="minor">
+            <a:schemeClr val="tx1"/>
+          </a:fontRef>
+        </p:style>
+      </p:cxnSp>
+      <p:sp>
+        <p:nvSpPr>
+          <p:cNvPr id="25" name="TextBox 24">
+            <a:extLst>
+              <a:ext uri="{FF2B5EF4-FFF2-40B4-BE49-F238E27FC236}">
+                <a16:creationId xmlns:a16="http://schemas.microsoft.com/office/drawing/2014/main" id="{873E0548-148A-431D-AC44-49F2DD5AA2BA}"/>
+              </a:ext>
+            </a:extLst>
+          </p:cNvPr>
+          <p:cNvSpPr txBox="1"/>
+          <p:nvPr/>
+        </p:nvSpPr>
+        <p:spPr>
+          <a:xfrm>
+            <a:off x="3600064" y="4429490"/>
+            <a:ext cx="1224694" cy="338554"/>
+          </a:xfrm>
+          <a:prstGeom prst="rect">
+            <a:avLst/>
+          </a:prstGeom>
+          <a:noFill/>
+        </p:spPr>
+        <p:txBody>
+          <a:bodyPr wrap="none" rtlCol="0">
+            <a:spAutoFit/>
+          </a:bodyPr>
+          <a:lstStyle/>
+          <a:p>
+            <a:r>
+              <a:rPr lang="en-US" sz="1600" dirty="0"/>
+              <a:t>max sensor?</a:t>
+            </a:r>
+          </a:p>
+        </p:txBody>
+      </p:sp>
+      <p:sp>
+        <p:nvSpPr>
+          <p:cNvPr id="27" name="Rectangle 26">
+            <a:extLst>
+              <a:ext uri="{FF2B5EF4-FFF2-40B4-BE49-F238E27FC236}">
+                <a16:creationId xmlns:a16="http://schemas.microsoft.com/office/drawing/2014/main" id="{D8AF74F3-C5CB-487C-A1C4-CDD1372358A1}"/>
+              </a:ext>
+            </a:extLst>
+          </p:cNvPr>
+          <p:cNvSpPr/>
+          <p:nvPr/>
+        </p:nvSpPr>
+        <p:spPr>
+          <a:xfrm>
+            <a:off x="4823252" y="4458545"/>
             <a:ext cx="1274682" cy="598539"/>
           </a:xfrm>
           <a:prstGeom prst="rect">
@@ -10506,52 +11352,17 @@
                   <a:schemeClr val="tx1"/>
                 </a:solidFill>
               </a:rPr>
-              <a:t>Add to final solution</a:t>
+              <a:t>Remove </a:t>
             </a:r>
           </a:p>
         </p:txBody>
       </p:sp>
       <p:sp>
         <p:nvSpPr>
-          <p:cNvPr id="19" name="TextBox 18">
-            <a:extLst>
-              <a:ext uri="{FF2B5EF4-FFF2-40B4-BE49-F238E27FC236}">
-                <a16:creationId xmlns:a16="http://schemas.microsoft.com/office/drawing/2014/main" id="{C23D6319-4BB2-4550-9EF5-C3E320E6C9C7}"/>
-              </a:ext>
-            </a:extLst>
-          </p:cNvPr>
-          <p:cNvSpPr txBox="1"/>
-          <p:nvPr/>
-        </p:nvSpPr>
-        <p:spPr>
-          <a:xfrm>
-            <a:off x="3671788" y="1633069"/>
-            <a:ext cx="1019253" cy="338554"/>
-          </a:xfrm>
-          <a:prstGeom prst="rect">
-            <a:avLst/>
-          </a:prstGeom>
-          <a:noFill/>
-        </p:spPr>
-        <p:txBody>
-          <a:bodyPr wrap="none" rtlCol="0">
-            <a:spAutoFit/>
-          </a:bodyPr>
-          <a:lstStyle/>
-          <a:p>
-            <a:r>
-              <a:rPr lang="en-US" sz="1600" dirty="0"/>
-              <a:t>constraint</a:t>
-            </a:r>
-          </a:p>
-        </p:txBody>
-      </p:sp>
-      <p:sp>
-        <p:nvSpPr>
-          <p:cNvPr id="20" name="Rectangle 19">
-            <a:extLst>
-              <a:ext uri="{FF2B5EF4-FFF2-40B4-BE49-F238E27FC236}">
-                <a16:creationId xmlns:a16="http://schemas.microsoft.com/office/drawing/2014/main" id="{CD34B09B-74D9-48DC-850F-E88DC02CE4CD}"/>
+          <p:cNvPr id="35" name="Rectangle 34">
+            <a:extLst>
+              <a:ext uri="{FF2B5EF4-FFF2-40B4-BE49-F238E27FC236}">
+                <a16:creationId xmlns:a16="http://schemas.microsoft.com/office/drawing/2014/main" id="{73355051-B3A4-4200-A154-E9302776BBB8}"/>
               </a:ext>
             </a:extLst>
           </p:cNvPr>
@@ -10560,202 +11371,7 @@
         </p:nvSpPr>
         <p:spPr>
           <a:xfrm>
-            <a:off x="3104151" y="2250666"/>
-            <a:ext cx="521493" cy="1921344"/>
-          </a:xfrm>
-          <a:prstGeom prst="rect">
-            <a:avLst/>
-          </a:prstGeom>
-          <a:noFill/>
-          <a:ln w="19050">
-            <a:solidFill>
-              <a:schemeClr val="tx1"/>
-            </a:solidFill>
-            <a:prstDash val="sysDash"/>
-          </a:ln>
-        </p:spPr>
-        <p:style>
-          <a:lnRef idx="2">
-            <a:schemeClr val="accent1">
-              <a:shade val="50000"/>
-            </a:schemeClr>
-          </a:lnRef>
-          <a:fillRef idx="1">
-            <a:schemeClr val="accent1"/>
-          </a:fillRef>
-          <a:effectRef idx="0">
-            <a:schemeClr val="accent1"/>
-          </a:effectRef>
-          <a:fontRef idx="minor">
-            <a:schemeClr val="lt1"/>
-          </a:fontRef>
-        </p:style>
-        <p:txBody>
-          <a:bodyPr rtlCol="0" anchor="ctr"/>
-          <a:lstStyle/>
-          <a:p>
-            <a:pPr algn="ctr"/>
-            <a:endParaRPr lang="en-US"/>
-          </a:p>
-        </p:txBody>
-      </p:sp>
-      <p:cxnSp>
-        <p:nvCxnSpPr>
-          <p:cNvPr id="22" name="Straight Arrow Connector 21">
-            <a:extLst>
-              <a:ext uri="{FF2B5EF4-FFF2-40B4-BE49-F238E27FC236}">
-                <a16:creationId xmlns:a16="http://schemas.microsoft.com/office/drawing/2014/main" id="{F10D3B31-08FC-4149-8DF2-FE21E5590958}"/>
-              </a:ext>
-            </a:extLst>
-          </p:cNvPr>
-          <p:cNvCxnSpPr>
-            <a:cxnSpLocks/>
-            <a:stCxn id="20" idx="3"/>
-            <a:endCxn id="27" idx="1"/>
-          </p:cNvCxnSpPr>
-          <p:nvPr/>
-        </p:nvCxnSpPr>
-        <p:spPr>
-          <a:xfrm>
-            <a:off x="3625644" y="3211338"/>
-            <a:ext cx="1063992" cy="9648"/>
-          </a:xfrm>
-          <a:prstGeom prst="straightConnector1">
-            <a:avLst/>
-          </a:prstGeom>
-          <a:ln>
-            <a:solidFill>
-              <a:schemeClr val="tx1"/>
-            </a:solidFill>
-            <a:tailEnd type="triangle"/>
-          </a:ln>
-        </p:spPr>
-        <p:style>
-          <a:lnRef idx="1">
-            <a:schemeClr val="accent1"/>
-          </a:lnRef>
-          <a:fillRef idx="0">
-            <a:schemeClr val="accent1"/>
-          </a:fillRef>
-          <a:effectRef idx="0">
-            <a:schemeClr val="accent1"/>
-          </a:effectRef>
-          <a:fontRef idx="minor">
-            <a:schemeClr val="tx1"/>
-          </a:fontRef>
-        </p:style>
-      </p:cxnSp>
-      <p:sp>
-        <p:nvSpPr>
-          <p:cNvPr id="25" name="TextBox 24">
-            <a:extLst>
-              <a:ext uri="{FF2B5EF4-FFF2-40B4-BE49-F238E27FC236}">
-                <a16:creationId xmlns:a16="http://schemas.microsoft.com/office/drawing/2014/main" id="{873E0548-148A-431D-AC44-49F2DD5AA2BA}"/>
-              </a:ext>
-            </a:extLst>
-          </p:cNvPr>
-          <p:cNvSpPr txBox="1"/>
-          <p:nvPr/>
-        </p:nvSpPr>
-        <p:spPr>
-          <a:xfrm>
-            <a:off x="3694473" y="2933385"/>
-            <a:ext cx="1019253" cy="338554"/>
-          </a:xfrm>
-          <a:prstGeom prst="rect">
-            <a:avLst/>
-          </a:prstGeom>
-          <a:noFill/>
-        </p:spPr>
-        <p:txBody>
-          <a:bodyPr wrap="none" rtlCol="0">
-            <a:spAutoFit/>
-          </a:bodyPr>
-          <a:lstStyle/>
-          <a:p>
-            <a:r>
-              <a:rPr lang="en-US" sz="1600" dirty="0"/>
-              <a:t>constraint</a:t>
-            </a:r>
-          </a:p>
-        </p:txBody>
-      </p:sp>
-      <p:sp>
-        <p:nvSpPr>
-          <p:cNvPr id="27" name="Rectangle 26">
-            <a:extLst>
-              <a:ext uri="{FF2B5EF4-FFF2-40B4-BE49-F238E27FC236}">
-                <a16:creationId xmlns:a16="http://schemas.microsoft.com/office/drawing/2014/main" id="{D8AF74F3-C5CB-487C-A1C4-CDD1372358A1}"/>
-              </a:ext>
-            </a:extLst>
-          </p:cNvPr>
-          <p:cNvSpPr/>
-          <p:nvPr/>
-        </p:nvSpPr>
-        <p:spPr>
-          <a:xfrm>
-            <a:off x="4689636" y="2921716"/>
-            <a:ext cx="1274682" cy="598539"/>
-          </a:xfrm>
-          <a:prstGeom prst="rect">
-            <a:avLst/>
-          </a:prstGeom>
-          <a:solidFill>
-            <a:schemeClr val="bg2"/>
-          </a:solidFill>
-          <a:ln>
-            <a:solidFill>
-              <a:schemeClr val="tx1"/>
-            </a:solidFill>
-          </a:ln>
-        </p:spPr>
-        <p:style>
-          <a:lnRef idx="2">
-            <a:schemeClr val="accent1">
-              <a:shade val="50000"/>
-            </a:schemeClr>
-          </a:lnRef>
-          <a:fillRef idx="1">
-            <a:schemeClr val="accent1"/>
-          </a:fillRef>
-          <a:effectRef idx="0">
-            <a:schemeClr val="accent1"/>
-          </a:effectRef>
-          <a:fontRef idx="minor">
-            <a:schemeClr val="lt1"/>
-          </a:fontRef>
-        </p:style>
-        <p:txBody>
-          <a:bodyPr rtlCol="0" anchor="ctr"/>
-          <a:lstStyle/>
-          <a:p>
-            <a:pPr algn="ctr"/>
-            <a:r>
-              <a:rPr lang="en-US" sz="1600" dirty="0">
-                <a:solidFill>
-                  <a:schemeClr val="tx1"/>
-                </a:solidFill>
-              </a:rPr>
-              <a:t>Remove </a:t>
-            </a:r>
-          </a:p>
-        </p:txBody>
-      </p:sp>
-      <p:sp>
-        <p:nvSpPr>
-          <p:cNvPr id="35" name="Rectangle 34">
-            <a:extLst>
-              <a:ext uri="{FF2B5EF4-FFF2-40B4-BE49-F238E27FC236}">
-                <a16:creationId xmlns:a16="http://schemas.microsoft.com/office/drawing/2014/main" id="{73355051-B3A4-4200-A154-E9302776BBB8}"/>
-              </a:ext>
-            </a:extLst>
-          </p:cNvPr>
-          <p:cNvSpPr/>
-          <p:nvPr/>
-        </p:nvSpPr>
-        <p:spPr>
-          <a:xfrm>
-            <a:off x="6202398" y="1532361"/>
+            <a:off x="6623642" y="3099155"/>
             <a:ext cx="639096" cy="2094493"/>
           </a:xfrm>
           <a:prstGeom prst="rect">
@@ -10810,9 +11426,9 @@
           <p:nvPr/>
         </p:nvCxnSpPr>
         <p:spPr>
-          <a:xfrm flipV="1">
-            <a:off x="1528697" y="2910656"/>
-            <a:ext cx="353798" cy="7374"/>
+          <a:xfrm>
+            <a:off x="1424844" y="4419025"/>
+            <a:ext cx="353798" cy="1642"/>
           </a:xfrm>
           <a:prstGeom prst="straightConnector1">
             <a:avLst/>
@@ -10856,9 +11472,9 @@
           <p:nvPr/>
         </p:nvCxnSpPr>
         <p:spPr>
-          <a:xfrm flipV="1">
-            <a:off x="2521591" y="2909427"/>
-            <a:ext cx="523953" cy="1229"/>
+          <a:xfrm>
+            <a:off x="2417738" y="4420667"/>
+            <a:ext cx="523953" cy="0"/>
           </a:xfrm>
           <a:prstGeom prst="straightConnector1">
             <a:avLst/>
@@ -10887,10 +11503,10 @@
       </p:cxnSp>
       <p:sp>
         <p:nvSpPr>
-          <p:cNvPr id="46" name="Right Brace 45">
-            <a:extLst>
-              <a:ext uri="{FF2B5EF4-FFF2-40B4-BE49-F238E27FC236}">
-                <a16:creationId xmlns:a16="http://schemas.microsoft.com/office/drawing/2014/main" id="{97E4DEE9-A30F-4EBB-BA1D-E84F80040903}"/>
+          <p:cNvPr id="47" name="Rectangle 46">
+            <a:extLst>
+              <a:ext uri="{FF2B5EF4-FFF2-40B4-BE49-F238E27FC236}">
+                <a16:creationId xmlns:a16="http://schemas.microsoft.com/office/drawing/2014/main" id="{1F3ED503-7801-4A78-B07E-9D12698137D3}"/>
               </a:ext>
             </a:extLst>
           </p:cNvPr>
@@ -10899,57 +11515,8 @@
         </p:nvSpPr>
         <p:spPr>
           <a:xfrm>
-            <a:off x="5960807" y="1840485"/>
-            <a:ext cx="167149" cy="1418640"/>
-          </a:xfrm>
-          <a:prstGeom prst="rightBrace">
-            <a:avLst/>
-          </a:prstGeom>
-          <a:ln>
-            <a:solidFill>
-              <a:schemeClr val="tx1"/>
-            </a:solidFill>
-          </a:ln>
-        </p:spPr>
-        <p:style>
-          <a:lnRef idx="1">
-            <a:schemeClr val="accent1"/>
-          </a:lnRef>
-          <a:fillRef idx="0">
-            <a:schemeClr val="accent1"/>
-          </a:fillRef>
-          <a:effectRef idx="0">
-            <a:schemeClr val="accent1"/>
-          </a:effectRef>
-          <a:fontRef idx="minor">
-            <a:schemeClr val="tx1"/>
-          </a:fontRef>
-        </p:style>
-        <p:txBody>
-          <a:bodyPr rtlCol="0" anchor="ctr"/>
-          <a:lstStyle/>
-          <a:p>
-            <a:pPr algn="ctr"/>
-            <a:endParaRPr lang="en-US"/>
-          </a:p>
-        </p:txBody>
-      </p:sp>
-      <p:sp>
-        <p:nvSpPr>
-          <p:cNvPr id="47" name="Rectangle 46">
-            <a:extLst>
-              <a:ext uri="{FF2B5EF4-FFF2-40B4-BE49-F238E27FC236}">
-                <a16:creationId xmlns:a16="http://schemas.microsoft.com/office/drawing/2014/main" id="{1F3ED503-7801-4A78-B07E-9D12698137D3}"/>
-              </a:ext>
-            </a:extLst>
-          </p:cNvPr>
-          <p:cNvSpPr/>
-          <p:nvPr/>
-        </p:nvSpPr>
-        <p:spPr>
-          <a:xfrm>
-            <a:off x="1975081" y="1591904"/>
-            <a:ext cx="457712" cy="1278194"/>
+            <a:off x="1869964" y="3267895"/>
+            <a:ext cx="457712" cy="1031920"/>
           </a:xfrm>
           <a:prstGeom prst="rect">
             <a:avLst/>
@@ -11000,8 +11567,8 @@
         </p:nvSpPr>
         <p:spPr>
           <a:xfrm>
-            <a:off x="1973817" y="2948270"/>
-            <a:ext cx="457712" cy="1278194"/>
+            <a:off x="1869964" y="4419024"/>
+            <a:ext cx="457712" cy="1197827"/>
           </a:xfrm>
           <a:prstGeom prst="rect">
             <a:avLst/>
@@ -11052,8 +11619,8 @@
         </p:nvSpPr>
         <p:spPr>
           <a:xfrm>
-            <a:off x="7888158" y="715142"/>
-            <a:ext cx="639096" cy="2094493"/>
+            <a:off x="8309402" y="2339266"/>
+            <a:ext cx="639096" cy="1715792"/>
           </a:xfrm>
           <a:prstGeom prst="rect">
             <a:avLst/>
@@ -11104,7 +11671,7 @@
         </p:nvSpPr>
         <p:spPr>
           <a:xfrm>
-            <a:off x="7996312" y="800240"/>
+            <a:off x="8404648" y="2417771"/>
             <a:ext cx="422787" cy="598539"/>
           </a:xfrm>
           <a:prstGeom prst="rect">
@@ -11158,7 +11725,7 @@
         </p:nvSpPr>
         <p:spPr>
           <a:xfrm>
-            <a:off x="7995594" y="1522534"/>
+            <a:off x="8416837" y="3073254"/>
             <a:ext cx="422787" cy="314634"/>
           </a:xfrm>
           <a:prstGeom prst="rect">
@@ -11212,8 +11779,8 @@
         </p:nvSpPr>
         <p:spPr>
           <a:xfrm>
-            <a:off x="7995953" y="1960923"/>
-            <a:ext cx="422787" cy="536831"/>
+            <a:off x="8417197" y="3448690"/>
+            <a:ext cx="422787" cy="441845"/>
           </a:xfrm>
           <a:prstGeom prst="rect">
             <a:avLst/>
@@ -11266,7 +11833,7 @@
         </p:nvSpPr>
         <p:spPr>
           <a:xfrm>
-            <a:off x="8035305" y="2386404"/>
+            <a:off x="8456549" y="3749689"/>
             <a:ext cx="343364" cy="369332"/>
           </a:xfrm>
           <a:prstGeom prst="rect">
@@ -11301,7 +11868,7 @@
         </p:nvCxnSpPr>
         <p:spPr>
           <a:xfrm>
-            <a:off x="7553939" y="2258633"/>
+            <a:off x="7993162" y="3812328"/>
             <a:ext cx="1323975" cy="0"/>
           </a:xfrm>
           <a:prstGeom prst="line">
@@ -11340,14 +11907,13 @@
           </p:cNvPr>
           <p:cNvCxnSpPr>
             <a:cxnSpLocks/>
-            <a:stCxn id="57" idx="3"/>
           </p:cNvCxnSpPr>
           <p:nvPr/>
         </p:nvCxnSpPr>
         <p:spPr>
-          <a:xfrm>
-            <a:off x="8527254" y="1762389"/>
-            <a:ext cx="731802" cy="6263"/>
+          <a:xfrm flipV="1">
+            <a:off x="8951236" y="3180833"/>
+            <a:ext cx="731802" cy="35728"/>
           </a:xfrm>
           <a:prstGeom prst="straightConnector1">
             <a:avLst/>
@@ -11388,8 +11954,8 @@
         </p:nvSpPr>
         <p:spPr>
           <a:xfrm>
-            <a:off x="9268890" y="718902"/>
-            <a:ext cx="639096" cy="1539731"/>
+            <a:off x="9667885" y="2304076"/>
+            <a:ext cx="639096" cy="1457554"/>
           </a:xfrm>
           <a:prstGeom prst="rect">
             <a:avLst/>
@@ -11440,8 +12006,8 @@
         </p:nvSpPr>
         <p:spPr>
           <a:xfrm>
-            <a:off x="9371768" y="800240"/>
-            <a:ext cx="422787" cy="598539"/>
+            <a:off x="9768437" y="2388426"/>
+            <a:ext cx="422787" cy="589942"/>
           </a:xfrm>
           <a:prstGeom prst="rect">
             <a:avLst/>
@@ -11494,7 +12060,7 @@
         </p:nvSpPr>
         <p:spPr>
           <a:xfrm>
-            <a:off x="9376017" y="1521151"/>
+            <a:off x="9787429" y="3051580"/>
             <a:ext cx="422787" cy="314634"/>
           </a:xfrm>
           <a:prstGeom prst="rect">
@@ -11548,7 +12114,7 @@
         </p:nvSpPr>
         <p:spPr>
           <a:xfrm>
-            <a:off x="9377044" y="1958157"/>
+            <a:off x="9778624" y="3439426"/>
             <a:ext cx="422787" cy="244254"/>
           </a:xfrm>
           <a:prstGeom prst="rect">
@@ -11588,8 +12154,8 @@
           </a:p>
         </p:txBody>
       </p:sp>
-      <mc:AlternateContent xmlns:mc="http://schemas.openxmlformats.org/markup-compatibility/2006" xmlns:a14="http://schemas.microsoft.com/office/drawing/2010/main">
-        <mc:Choice Requires="a14">
+      <mc:AlternateContent xmlns:mc="http://schemas.openxmlformats.org/markup-compatibility/2006">
+        <mc:Choice xmlns:a14="http://schemas.microsoft.com/office/drawing/2010/main" Requires="a14">
           <p:sp>
             <p:nvSpPr>
               <p:cNvPr id="83" name="TextBox 82">
@@ -11604,7 +12170,7 @@
             </p:nvSpPr>
             <p:spPr>
               <a:xfrm>
-                <a:off x="1004446" y="3603988"/>
+                <a:off x="900593" y="4994376"/>
                 <a:ext cx="409406" cy="338554"/>
               </a:xfrm>
               <a:prstGeom prst="rect">
@@ -11658,7 +12224,7 @@
             </p:txBody>
           </p:sp>
         </mc:Choice>
-        <mc:Fallback xmlns="">
+        <mc:Fallback>
           <p:sp>
             <p:nvSpPr>
               <p:cNvPr id="83" name="TextBox 82">
@@ -11675,7 +12241,7 @@
             </p:nvSpPr>
             <p:spPr>
               <a:xfrm>
-                <a:off x="1004446" y="3603988"/>
+                <a:off x="900593" y="4994376"/>
                 <a:ext cx="409406" cy="338554"/>
               </a:xfrm>
               <a:prstGeom prst="rect">
@@ -11703,8 +12269,8 @@
           </p:sp>
         </mc:Fallback>
       </mc:AlternateContent>
-      <mc:AlternateContent xmlns:mc="http://schemas.openxmlformats.org/markup-compatibility/2006" xmlns:a14="http://schemas.microsoft.com/office/drawing/2010/main">
-        <mc:Choice Requires="a14">
+      <mc:AlternateContent xmlns:mc="http://schemas.openxmlformats.org/markup-compatibility/2006">
+        <mc:Choice xmlns:a14="http://schemas.microsoft.com/office/drawing/2010/main" Requires="a14">
           <p:sp>
             <p:nvSpPr>
               <p:cNvPr id="85" name="TextBox 84">
@@ -11719,7 +12285,7 @@
             </p:nvSpPr>
             <p:spPr>
               <a:xfrm>
-                <a:off x="9308123" y="2246946"/>
+                <a:off x="9728472" y="3749689"/>
                 <a:ext cx="604974" cy="338554"/>
               </a:xfrm>
               <a:prstGeom prst="rect">
@@ -11779,7 +12345,7 @@
             </p:txBody>
           </p:sp>
         </mc:Choice>
-        <mc:Fallback xmlns="">
+        <mc:Fallback>
           <p:sp>
             <p:nvSpPr>
               <p:cNvPr id="85" name="TextBox 84">
@@ -11796,7 +12362,7 @@
             </p:nvSpPr>
             <p:spPr>
               <a:xfrm>
-                <a:off x="9308123" y="2246946"/>
+                <a:off x="9728472" y="3749689"/>
                 <a:ext cx="604974" cy="338554"/>
               </a:xfrm>
               <a:prstGeom prst="rect">
@@ -11824,8 +12390,8 @@
           </p:sp>
         </mc:Fallback>
       </mc:AlternateContent>
-      <mc:AlternateContent xmlns:mc="http://schemas.openxmlformats.org/markup-compatibility/2006" xmlns:a14="http://schemas.microsoft.com/office/drawing/2010/main">
-        <mc:Choice Requires="a14">
+      <mc:AlternateContent xmlns:mc="http://schemas.openxmlformats.org/markup-compatibility/2006">
+        <mc:Choice xmlns:a14="http://schemas.microsoft.com/office/drawing/2010/main" Requires="a14">
           <p:sp>
             <p:nvSpPr>
               <p:cNvPr id="87" name="TextBox 86">
@@ -11840,7 +12406,7 @@
             </p:nvSpPr>
             <p:spPr>
               <a:xfrm>
-                <a:off x="1612266" y="4344350"/>
+                <a:off x="1508413" y="5734738"/>
                 <a:ext cx="1179554" cy="346826"/>
               </a:xfrm>
               <a:prstGeom prst="rect">
@@ -11943,7 +12509,7 @@
             </p:txBody>
           </p:sp>
         </mc:Choice>
-        <mc:Fallback xmlns="">
+        <mc:Fallback>
           <p:sp>
             <p:nvSpPr>
               <p:cNvPr id="87" name="TextBox 86">
@@ -11960,7 +12526,7 @@
             </p:nvSpPr>
             <p:spPr>
               <a:xfrm>
-                <a:off x="1612266" y="4344350"/>
+                <a:off x="1508413" y="5734738"/>
                 <a:ext cx="1179554" cy="346826"/>
               </a:xfrm>
               <a:prstGeom prst="rect">
@@ -11988,8 +12554,8 @@
           </p:sp>
         </mc:Fallback>
       </mc:AlternateContent>
-      <mc:AlternateContent xmlns:mc="http://schemas.openxmlformats.org/markup-compatibility/2006" xmlns:a14="http://schemas.microsoft.com/office/drawing/2010/main">
-        <mc:Choice Requires="a14">
+      <mc:AlternateContent xmlns:mc="http://schemas.openxmlformats.org/markup-compatibility/2006">
+        <mc:Choice xmlns:a14="http://schemas.microsoft.com/office/drawing/2010/main" Requires="a14">
           <p:sp>
             <p:nvSpPr>
               <p:cNvPr id="88" name="TextBox 87">
@@ -12004,7 +12570,7 @@
             </p:nvSpPr>
             <p:spPr>
               <a:xfrm>
-                <a:off x="3166210" y="1718254"/>
+                <a:off x="3070357" y="3423076"/>
                 <a:ext cx="424090" cy="338554"/>
               </a:xfrm>
               <a:prstGeom prst="rect">
@@ -12058,7 +12624,7 @@
             </p:txBody>
           </p:sp>
         </mc:Choice>
-        <mc:Fallback xmlns="">
+        <mc:Fallback>
           <p:sp>
             <p:nvSpPr>
               <p:cNvPr id="88" name="TextBox 87">
@@ -12075,7 +12641,7 @@
             </p:nvSpPr>
             <p:spPr>
               <a:xfrm>
-                <a:off x="3166210" y="1718254"/>
+                <a:off x="3070357" y="3423076"/>
                 <a:ext cx="424090" cy="338554"/>
               </a:xfrm>
               <a:prstGeom prst="rect">
@@ -12103,8 +12669,8 @@
           </p:sp>
         </mc:Fallback>
       </mc:AlternateContent>
-      <mc:AlternateContent xmlns:mc="http://schemas.openxmlformats.org/markup-compatibility/2006" xmlns:a14="http://schemas.microsoft.com/office/drawing/2010/main">
-        <mc:Choice Requires="a14">
+      <mc:AlternateContent xmlns:mc="http://schemas.openxmlformats.org/markup-compatibility/2006">
+        <mc:Choice xmlns:a14="http://schemas.microsoft.com/office/drawing/2010/main" Requires="a14">
           <p:sp>
             <p:nvSpPr>
               <p:cNvPr id="89" name="TextBox 88">
@@ -12119,7 +12685,7 @@
             </p:nvSpPr>
             <p:spPr>
               <a:xfrm>
-                <a:off x="3156542" y="2269835"/>
+                <a:off x="3042745" y="3977125"/>
                 <a:ext cx="428835" cy="338554"/>
               </a:xfrm>
               <a:prstGeom prst="rect">
@@ -12173,7 +12739,7 @@
             </p:txBody>
           </p:sp>
         </mc:Choice>
-        <mc:Fallback xmlns="">
+        <mc:Fallback>
           <p:sp>
             <p:nvSpPr>
               <p:cNvPr id="89" name="TextBox 88">
@@ -12190,7 +12756,7 @@
             </p:nvSpPr>
             <p:spPr>
               <a:xfrm>
-                <a:off x="3156542" y="2269835"/>
+                <a:off x="3042745" y="3977125"/>
                 <a:ext cx="428835" cy="338554"/>
               </a:xfrm>
               <a:prstGeom prst="rect">
@@ -12218,8 +12784,8 @@
           </p:sp>
         </mc:Fallback>
       </mc:AlternateContent>
-      <mc:AlternateContent xmlns:mc="http://schemas.openxmlformats.org/markup-compatibility/2006" xmlns:a14="http://schemas.microsoft.com/office/drawing/2010/main">
-        <mc:Choice Requires="a14">
+      <mc:AlternateContent xmlns:mc="http://schemas.openxmlformats.org/markup-compatibility/2006">
+        <mc:Choice xmlns:a14="http://schemas.microsoft.com/office/drawing/2010/main" Requires="a14">
           <p:sp>
             <p:nvSpPr>
               <p:cNvPr id="90" name="TextBox 89">
@@ -12234,7 +12800,7 @@
             </p:nvSpPr>
             <p:spPr>
               <a:xfrm>
-                <a:off x="3146598" y="2840603"/>
+                <a:off x="3042745" y="4458545"/>
                 <a:ext cx="428835" cy="338554"/>
               </a:xfrm>
               <a:prstGeom prst="rect">
@@ -12288,7 +12854,7 @@
             </p:txBody>
           </p:sp>
         </mc:Choice>
-        <mc:Fallback xmlns="">
+        <mc:Fallback>
           <p:sp>
             <p:nvSpPr>
               <p:cNvPr id="90" name="TextBox 89">
@@ -12305,7 +12871,7 @@
             </p:nvSpPr>
             <p:spPr>
               <a:xfrm>
-                <a:off x="3146598" y="2840603"/>
+                <a:off x="3042745" y="4458545"/>
                 <a:ext cx="428835" cy="338554"/>
               </a:xfrm>
               <a:prstGeom prst="rect">
@@ -12333,8 +12899,8 @@
           </p:sp>
         </mc:Fallback>
       </mc:AlternateContent>
-      <mc:AlternateContent xmlns:mc="http://schemas.openxmlformats.org/markup-compatibility/2006" xmlns:a14="http://schemas.microsoft.com/office/drawing/2010/main">
-        <mc:Choice Requires="a14">
+      <mc:AlternateContent xmlns:mc="http://schemas.openxmlformats.org/markup-compatibility/2006">
+        <mc:Choice xmlns:a14="http://schemas.microsoft.com/office/drawing/2010/main" Requires="a14">
           <p:sp>
             <p:nvSpPr>
               <p:cNvPr id="91" name="TextBox 90">
@@ -12349,7 +12915,7 @@
             </p:nvSpPr>
             <p:spPr>
               <a:xfrm>
-                <a:off x="6315864" y="3688278"/>
+                <a:off x="6737108" y="5081059"/>
                 <a:ext cx="412164" cy="338554"/>
               </a:xfrm>
               <a:prstGeom prst="rect">
@@ -12411,7 +12977,7 @@
             </p:txBody>
           </p:sp>
         </mc:Choice>
-        <mc:Fallback xmlns="">
+        <mc:Fallback>
           <p:sp>
             <p:nvSpPr>
               <p:cNvPr id="91" name="TextBox 90">
@@ -12428,7 +12994,7 @@
             </p:nvSpPr>
             <p:spPr>
               <a:xfrm>
-                <a:off x="6315864" y="3688278"/>
+                <a:off x="6737108" y="5081059"/>
                 <a:ext cx="412164" cy="338554"/>
               </a:xfrm>
               <a:prstGeom prst="rect">
@@ -12456,8 +13022,8 @@
           </p:sp>
         </mc:Fallback>
       </mc:AlternateContent>
-      <mc:AlternateContent xmlns:mc="http://schemas.openxmlformats.org/markup-compatibility/2006" xmlns:a14="http://schemas.microsoft.com/office/drawing/2010/main">
-        <mc:Choice Requires="a14">
+      <mc:AlternateContent xmlns:mc="http://schemas.openxmlformats.org/markup-compatibility/2006">
+        <mc:Choice xmlns:a14="http://schemas.microsoft.com/office/drawing/2010/main" Requires="a14">
           <p:sp>
             <p:nvSpPr>
               <p:cNvPr id="93" name="TextBox 92">
@@ -12472,7 +13038,7 @@
             </p:nvSpPr>
             <p:spPr>
               <a:xfrm>
-                <a:off x="8002460" y="924904"/>
+                <a:off x="8423440" y="2512613"/>
                 <a:ext cx="424090" cy="338554"/>
               </a:xfrm>
               <a:prstGeom prst="rect">
@@ -12526,7 +13092,7 @@
             </p:txBody>
           </p:sp>
         </mc:Choice>
-        <mc:Fallback xmlns="">
+        <mc:Fallback>
           <p:sp>
             <p:nvSpPr>
               <p:cNvPr id="93" name="TextBox 92">
@@ -12543,7 +13109,7 @@
             </p:nvSpPr>
             <p:spPr>
               <a:xfrm>
-                <a:off x="8002460" y="924904"/>
+                <a:off x="8423440" y="2512613"/>
                 <a:ext cx="424090" cy="338554"/>
               </a:xfrm>
               <a:prstGeom prst="rect">
@@ -12571,8 +13137,8 @@
           </p:sp>
         </mc:Fallback>
       </mc:AlternateContent>
-      <mc:AlternateContent xmlns:mc="http://schemas.openxmlformats.org/markup-compatibility/2006" xmlns:a14="http://schemas.microsoft.com/office/drawing/2010/main">
-        <mc:Choice Requires="a14">
+      <mc:AlternateContent xmlns:mc="http://schemas.openxmlformats.org/markup-compatibility/2006">
+        <mc:Choice xmlns:a14="http://schemas.microsoft.com/office/drawing/2010/main" Requires="a14">
           <p:sp>
             <p:nvSpPr>
               <p:cNvPr id="94" name="TextBox 93">
@@ -12587,7 +13153,7 @@
             </p:nvSpPr>
             <p:spPr>
               <a:xfrm>
-                <a:off x="7990204" y="1507593"/>
+                <a:off x="8422724" y="3097594"/>
                 <a:ext cx="428835" cy="338554"/>
               </a:xfrm>
               <a:prstGeom prst="rect">
@@ -12641,7 +13207,7 @@
             </p:txBody>
           </p:sp>
         </mc:Choice>
-        <mc:Fallback xmlns="">
+        <mc:Fallback>
           <p:sp>
             <p:nvSpPr>
               <p:cNvPr id="94" name="TextBox 93">
@@ -12658,7 +13224,7 @@
             </p:nvSpPr>
             <p:spPr>
               <a:xfrm>
-                <a:off x="7990204" y="1507593"/>
+                <a:off x="8422724" y="3097594"/>
                 <a:ext cx="428835" cy="338554"/>
               </a:xfrm>
               <a:prstGeom prst="rect">
@@ -12686,8 +13252,8 @@
           </p:sp>
         </mc:Fallback>
       </mc:AlternateContent>
-      <mc:AlternateContent xmlns:mc="http://schemas.openxmlformats.org/markup-compatibility/2006" xmlns:a14="http://schemas.microsoft.com/office/drawing/2010/main">
-        <mc:Choice Requires="a14">
+      <mc:AlternateContent xmlns:mc="http://schemas.openxmlformats.org/markup-compatibility/2006">
+        <mc:Choice xmlns:a14="http://schemas.microsoft.com/office/drawing/2010/main" Requires="a14">
           <p:sp>
             <p:nvSpPr>
               <p:cNvPr id="95" name="TextBox 94">
@@ -12702,7 +13268,7 @@
             </p:nvSpPr>
             <p:spPr>
               <a:xfrm>
-                <a:off x="7990562" y="1964720"/>
+                <a:off x="8412893" y="3484607"/>
                 <a:ext cx="428835" cy="338554"/>
               </a:xfrm>
               <a:prstGeom prst="rect">
@@ -12756,7 +13322,7 @@
             </p:txBody>
           </p:sp>
         </mc:Choice>
-        <mc:Fallback xmlns="">
+        <mc:Fallback>
           <p:sp>
             <p:nvSpPr>
               <p:cNvPr id="95" name="TextBox 94">
@@ -12773,7 +13339,7 @@
             </p:nvSpPr>
             <p:spPr>
               <a:xfrm>
-                <a:off x="7990562" y="1964720"/>
+                <a:off x="8412893" y="3484607"/>
                 <a:ext cx="428835" cy="338554"/>
               </a:xfrm>
               <a:prstGeom prst="rect">
@@ -12803,80 +13369,10 @@
       </mc:AlternateContent>
       <p:sp>
         <p:nvSpPr>
-          <p:cNvPr id="103" name="TextBox 102">
-            <a:extLst>
-              <a:ext uri="{FF2B5EF4-FFF2-40B4-BE49-F238E27FC236}">
-                <a16:creationId xmlns:a16="http://schemas.microsoft.com/office/drawing/2014/main" id="{A05FD1B5-EE41-4996-8F80-7108D4908046}"/>
-              </a:ext>
-            </a:extLst>
-          </p:cNvPr>
-          <p:cNvSpPr txBox="1"/>
-          <p:nvPr/>
-        </p:nvSpPr>
-        <p:spPr>
-          <a:xfrm>
-            <a:off x="-22913" y="6519446"/>
-            <a:ext cx="1045864" cy="338554"/>
-          </a:xfrm>
-          <a:prstGeom prst="rect">
-            <a:avLst/>
-          </a:prstGeom>
-          <a:noFill/>
-        </p:spPr>
-        <p:txBody>
-          <a:bodyPr wrap="none" rtlCol="0">
-            <a:spAutoFit/>
-          </a:bodyPr>
-          <a:lstStyle/>
-          <a:p>
-            <a:r>
-              <a:rPr lang="en-US" sz="1600" dirty="0"/>
-              <a:t>procedure</a:t>
-            </a:r>
-          </a:p>
-        </p:txBody>
-      </p:sp>
-      <p:sp>
-        <p:nvSpPr>
-          <p:cNvPr id="107" name="TextBox 106">
-            <a:extLst>
-              <a:ext uri="{FF2B5EF4-FFF2-40B4-BE49-F238E27FC236}">
-                <a16:creationId xmlns:a16="http://schemas.microsoft.com/office/drawing/2014/main" id="{8FB3DFF2-7986-4262-98F7-E82B4DD33389}"/>
-              </a:ext>
-            </a:extLst>
-          </p:cNvPr>
-          <p:cNvSpPr txBox="1"/>
-          <p:nvPr/>
-        </p:nvSpPr>
-        <p:spPr>
-          <a:xfrm>
-            <a:off x="725086" y="6266873"/>
-            <a:ext cx="4116961" cy="369332"/>
-          </a:xfrm>
-          <a:prstGeom prst="rect">
-            <a:avLst/>
-          </a:prstGeom>
-          <a:noFill/>
-        </p:spPr>
-        <p:txBody>
-          <a:bodyPr wrap="none" rtlCol="0">
-            <a:spAutoFit/>
-          </a:bodyPr>
-          <a:lstStyle/>
-          <a:p>
-            <a:r>
-              <a:rPr lang="en-US" dirty="0"/>
-              <a:t>Do not iterate all potential candidate sites</a:t>
-            </a:r>
-          </a:p>
-        </p:txBody>
-      </p:sp>
-      <p:sp>
-        <p:nvSpPr>
-          <p:cNvPr id="108" name="Rectangle 107">
-            <a:extLst>
-              <a:ext uri="{FF2B5EF4-FFF2-40B4-BE49-F238E27FC236}">
-                <a16:creationId xmlns:a16="http://schemas.microsoft.com/office/drawing/2014/main" id="{A26D6C76-2233-457E-A1A2-4A40A7E8547B}"/>
+          <p:cNvPr id="109" name="Rectangle 108">
+            <a:extLst>
+              <a:ext uri="{FF2B5EF4-FFF2-40B4-BE49-F238E27FC236}">
+                <a16:creationId xmlns:a16="http://schemas.microsoft.com/office/drawing/2014/main" id="{70BAAAEA-FA99-42BA-AE33-60EF3AB8E0C0}"/>
               </a:ext>
             </a:extLst>
           </p:cNvPr>
@@ -12885,60 +13381,8 @@
         </p:nvSpPr>
         <p:spPr>
           <a:xfrm>
-            <a:off x="7888158" y="3003078"/>
-            <a:ext cx="639096" cy="2094493"/>
-          </a:xfrm>
-          <a:prstGeom prst="rect">
-            <a:avLst/>
-          </a:prstGeom>
-          <a:noFill/>
-          <a:ln w="19050">
-            <a:solidFill>
-              <a:schemeClr val="tx1"/>
-            </a:solidFill>
-          </a:ln>
-        </p:spPr>
-        <p:style>
-          <a:lnRef idx="2">
-            <a:schemeClr val="accent1">
-              <a:shade val="50000"/>
-            </a:schemeClr>
-          </a:lnRef>
-          <a:fillRef idx="1">
-            <a:schemeClr val="accent1"/>
-          </a:fillRef>
-          <a:effectRef idx="0">
-            <a:schemeClr val="accent1"/>
-          </a:effectRef>
-          <a:fontRef idx="minor">
-            <a:schemeClr val="lt1"/>
-          </a:fontRef>
-        </p:style>
-        <p:txBody>
-          <a:bodyPr rtlCol="0" anchor="ctr"/>
-          <a:lstStyle/>
-          <a:p>
-            <a:pPr algn="ctr"/>
-            <a:endParaRPr lang="en-US"/>
-          </a:p>
-        </p:txBody>
-      </p:sp>
-      <p:sp>
-        <p:nvSpPr>
-          <p:cNvPr id="109" name="Rectangle 108">
-            <a:extLst>
-              <a:ext uri="{FF2B5EF4-FFF2-40B4-BE49-F238E27FC236}">
-                <a16:creationId xmlns:a16="http://schemas.microsoft.com/office/drawing/2014/main" id="{70BAAAEA-FA99-42BA-AE33-60EF3AB8E0C0}"/>
-              </a:ext>
-            </a:extLst>
-          </p:cNvPr>
-          <p:cNvSpPr/>
-          <p:nvPr/>
-        </p:nvSpPr>
-        <p:spPr>
-          <a:xfrm>
-            <a:off x="7983405" y="3102081"/>
-            <a:ext cx="422787" cy="1260194"/>
+            <a:off x="8414205" y="4787475"/>
+            <a:ext cx="422787" cy="782845"/>
           </a:xfrm>
           <a:prstGeom prst="rect">
             <a:avLst/>
@@ -12991,8 +13435,8 @@
         </p:nvSpPr>
         <p:spPr>
           <a:xfrm>
-            <a:off x="7983404" y="4438230"/>
-            <a:ext cx="422787" cy="598539"/>
+            <a:off x="8414480" y="5658327"/>
+            <a:ext cx="422787" cy="686575"/>
           </a:xfrm>
           <a:prstGeom prst="rect">
             <a:avLst/>
@@ -13045,7 +13489,7 @@
         </p:nvCxnSpPr>
         <p:spPr>
           <a:xfrm>
-            <a:off x="7571918" y="5097571"/>
+            <a:off x="7993162" y="6490352"/>
             <a:ext cx="1323975" cy="0"/>
           </a:xfrm>
           <a:prstGeom prst="line">
@@ -13073,8 +13517,8 @@
           </a:fontRef>
         </p:style>
       </p:cxnSp>
-      <mc:AlternateContent xmlns:mc="http://schemas.openxmlformats.org/markup-compatibility/2006" xmlns:a14="http://schemas.microsoft.com/office/drawing/2010/main">
-        <mc:Choice Requires="a14">
+      <mc:AlternateContent xmlns:mc="http://schemas.openxmlformats.org/markup-compatibility/2006">
+        <mc:Choice xmlns:a14="http://schemas.microsoft.com/office/drawing/2010/main" Requires="a14">
           <p:sp>
             <p:nvSpPr>
               <p:cNvPr id="112" name="TextBox 111">
@@ -13089,7 +13533,7 @@
             </p:nvSpPr>
             <p:spPr>
               <a:xfrm>
-                <a:off x="7874975" y="5126665"/>
+                <a:off x="8296219" y="6519446"/>
                 <a:ext cx="604974" cy="338554"/>
               </a:xfrm>
               <a:prstGeom prst="rect">
@@ -13149,7 +13593,7 @@
             </p:txBody>
           </p:sp>
         </mc:Choice>
-        <mc:Fallback xmlns="">
+        <mc:Fallback>
           <p:sp>
             <p:nvSpPr>
               <p:cNvPr id="112" name="TextBox 111">
@@ -13166,7 +13610,7 @@
             </p:nvSpPr>
             <p:spPr>
               <a:xfrm>
-                <a:off x="7874975" y="5126665"/>
+                <a:off x="8296219" y="6519446"/>
                 <a:ext cx="604974" cy="338554"/>
               </a:xfrm>
               <a:prstGeom prst="rect">
@@ -13208,7 +13652,7 @@
         </p:nvSpPr>
         <p:spPr>
           <a:xfrm rot="10800000">
-            <a:off x="7254199" y="1105625"/>
+            <a:off x="7675443" y="2498406"/>
             <a:ext cx="372547" cy="2947965"/>
           </a:xfrm>
           <a:prstGeom prst="rightBrace">
@@ -13255,14 +13699,13 @@
           <p:cNvCxnSpPr>
             <a:cxnSpLocks/>
             <a:stCxn id="113" idx="1"/>
-            <a:endCxn id="35" idx="3"/>
           </p:cNvCxnSpPr>
           <p:nvPr/>
         </p:nvCxnSpPr>
         <p:spPr>
           <a:xfrm flipH="1">
-            <a:off x="6841494" y="2579607"/>
-            <a:ext cx="412705" cy="1"/>
+            <a:off x="7262738" y="3972388"/>
+            <a:ext cx="412705" cy="0"/>
           </a:xfrm>
           <a:prstGeom prst="line">
             <a:avLst/>
@@ -13302,7 +13745,7 @@
         </p:nvSpPr>
         <p:spPr>
           <a:xfrm>
-            <a:off x="6880727" y="2323723"/>
+            <a:off x="7331407" y="3551981"/>
             <a:ext cx="514885" cy="338554"/>
           </a:xfrm>
           <a:prstGeom prst="rect">
@@ -13320,6 +13763,714 @@
               <a:rPr lang="en-US" sz="1600" dirty="0"/>
               <a:t>&lt;N?</a:t>
             </a:r>
+          </a:p>
+        </p:txBody>
+      </p:sp>
+      <p:cxnSp>
+        <p:nvCxnSpPr>
+          <p:cNvPr id="72" name="Straight Arrow Connector 71">
+            <a:extLst>
+              <a:ext uri="{FF2B5EF4-FFF2-40B4-BE49-F238E27FC236}">
+                <a16:creationId xmlns:a16="http://schemas.microsoft.com/office/drawing/2014/main" id="{6B71A27D-A712-4D6C-BAD9-A98FA7DC0F01}"/>
+              </a:ext>
+            </a:extLst>
+          </p:cNvPr>
+          <p:cNvCxnSpPr>
+            <a:cxnSpLocks/>
+          </p:cNvCxnSpPr>
+          <p:nvPr/>
+        </p:nvCxnSpPr>
+        <p:spPr>
+          <a:xfrm>
+            <a:off x="3590621" y="3315577"/>
+            <a:ext cx="3042855" cy="18338"/>
+          </a:xfrm>
+          <a:prstGeom prst="straightConnector1">
+            <a:avLst/>
+          </a:prstGeom>
+          <a:ln>
+            <a:solidFill>
+              <a:schemeClr val="tx1"/>
+            </a:solidFill>
+            <a:tailEnd type="triangle"/>
+          </a:ln>
+        </p:spPr>
+        <p:style>
+          <a:lnRef idx="1">
+            <a:schemeClr val="accent1"/>
+          </a:lnRef>
+          <a:fillRef idx="0">
+            <a:schemeClr val="accent1"/>
+          </a:fillRef>
+          <a:effectRef idx="0">
+            <a:schemeClr val="accent1"/>
+          </a:effectRef>
+          <a:fontRef idx="minor">
+            <a:schemeClr val="tx1"/>
+          </a:fontRef>
+        </p:style>
+      </p:cxnSp>
+      <p:cxnSp>
+        <p:nvCxnSpPr>
+          <p:cNvPr id="76" name="Straight Arrow Connector 75">
+            <a:extLst>
+              <a:ext uri="{FF2B5EF4-FFF2-40B4-BE49-F238E27FC236}">
+                <a16:creationId xmlns:a16="http://schemas.microsoft.com/office/drawing/2014/main" id="{ACC6DBB3-1E57-400A-8E40-9634AC6EA861}"/>
+              </a:ext>
+            </a:extLst>
+          </p:cNvPr>
+          <p:cNvCxnSpPr>
+            <a:cxnSpLocks/>
+          </p:cNvCxnSpPr>
+          <p:nvPr/>
+        </p:nvCxnSpPr>
+        <p:spPr>
+          <a:xfrm>
+            <a:off x="6096000" y="4736172"/>
+            <a:ext cx="517195" cy="0"/>
+          </a:xfrm>
+          <a:prstGeom prst="straightConnector1">
+            <a:avLst/>
+          </a:prstGeom>
+          <a:ln>
+            <a:solidFill>
+              <a:schemeClr val="tx1"/>
+            </a:solidFill>
+            <a:tailEnd type="triangle"/>
+          </a:ln>
+        </p:spPr>
+        <p:style>
+          <a:lnRef idx="1">
+            <a:schemeClr val="accent1"/>
+          </a:lnRef>
+          <a:fillRef idx="0">
+            <a:schemeClr val="accent1"/>
+          </a:fillRef>
+          <a:effectRef idx="0">
+            <a:schemeClr val="accent1"/>
+          </a:effectRef>
+          <a:fontRef idx="minor">
+            <a:schemeClr val="tx1"/>
+          </a:fontRef>
+        </p:style>
+      </p:cxnSp>
+      <p:sp>
+        <p:nvSpPr>
+          <p:cNvPr id="92" name="Rectangle 91">
+            <a:extLst>
+              <a:ext uri="{FF2B5EF4-FFF2-40B4-BE49-F238E27FC236}">
+                <a16:creationId xmlns:a16="http://schemas.microsoft.com/office/drawing/2014/main" id="{2C532720-A8C6-4E0B-8E0B-F763704183AC}"/>
+              </a:ext>
+            </a:extLst>
+          </p:cNvPr>
+          <p:cNvSpPr/>
+          <p:nvPr/>
+        </p:nvSpPr>
+        <p:spPr>
+          <a:xfrm>
+            <a:off x="5959823" y="849996"/>
+            <a:ext cx="484929" cy="1002643"/>
+          </a:xfrm>
+          <a:prstGeom prst="rect">
+            <a:avLst/>
+          </a:prstGeom>
+          <a:solidFill>
+            <a:schemeClr val="bg2"/>
+          </a:solidFill>
+          <a:ln w="19050">
+            <a:solidFill>
+              <a:schemeClr val="tx1"/>
+            </a:solidFill>
+          </a:ln>
+        </p:spPr>
+        <p:style>
+          <a:lnRef idx="2">
+            <a:schemeClr val="accent1">
+              <a:shade val="50000"/>
+            </a:schemeClr>
+          </a:lnRef>
+          <a:fillRef idx="1">
+            <a:schemeClr val="accent1"/>
+          </a:fillRef>
+          <a:effectRef idx="0">
+            <a:schemeClr val="accent1"/>
+          </a:effectRef>
+          <a:fontRef idx="minor">
+            <a:schemeClr val="lt1"/>
+          </a:fontRef>
+        </p:style>
+        <p:txBody>
+          <a:bodyPr rtlCol="0" anchor="ctr"/>
+          <a:lstStyle/>
+          <a:p>
+            <a:pPr algn="ctr"/>
+            <a:endParaRPr lang="en-US" dirty="0"/>
+          </a:p>
+        </p:txBody>
+      </p:sp>
+      <mc:AlternateContent xmlns:mc="http://schemas.openxmlformats.org/markup-compatibility/2006">
+        <mc:Choice xmlns:a14="http://schemas.microsoft.com/office/drawing/2010/main" Requires="a14">
+          <p:sp>
+            <p:nvSpPr>
+              <p:cNvPr id="96" name="TextBox 95">
+                <a:extLst>
+                  <a:ext uri="{FF2B5EF4-FFF2-40B4-BE49-F238E27FC236}">
+                    <a16:creationId xmlns:a16="http://schemas.microsoft.com/office/drawing/2014/main" id="{F522393E-4650-4C82-9AD0-B5A9811DF1B1}"/>
+                  </a:ext>
+                </a:extLst>
+              </p:cNvPr>
+              <p:cNvSpPr txBox="1"/>
+              <p:nvPr/>
+            </p:nvSpPr>
+            <p:spPr>
+              <a:xfrm>
+                <a:off x="4606334" y="879952"/>
+                <a:ext cx="424090" cy="338554"/>
+              </a:xfrm>
+              <a:prstGeom prst="rect">
+                <a:avLst/>
+              </a:prstGeom>
+              <a:noFill/>
+            </p:spPr>
+            <p:txBody>
+              <a:bodyPr wrap="square" rtlCol="0">
+                <a:spAutoFit/>
+              </a:bodyPr>
+              <a:lstStyle/>
+              <a:p>
+                <a:pPr/>
+                <a14:m>
+                  <m:oMathPara xmlns:m="http://schemas.openxmlformats.org/officeDocument/2006/math">
+                    <m:oMathParaPr>
+                      <m:jc m:val="centerGroup"/>
+                    </m:oMathParaPr>
+                    <m:oMath xmlns:m="http://schemas.openxmlformats.org/officeDocument/2006/math">
+                      <m:sSub>
+                        <m:sSubPr>
+                          <m:ctrlPr>
+                            <a:rPr lang="en-US" sz="1600" i="1" dirty="0" smtClean="0">
+                              <a:latin typeface="Cambria Math" panose="02040503050406030204" pitchFamily="18" charset="0"/>
+                            </a:rPr>
+                          </m:ctrlPr>
+                        </m:sSubPr>
+                        <m:e>
+                          <m:r>
+                            <a:rPr lang="en-US" sz="1600" b="0" i="1" dirty="0" smtClean="0">
+                              <a:latin typeface="Cambria Math" panose="02040503050406030204" pitchFamily="18" charset="0"/>
+                            </a:rPr>
+                            <m:t>𝐹</m:t>
+                          </m:r>
+                        </m:e>
+                        <m:sub>
+                          <m:r>
+                            <a:rPr lang="en-US" sz="1600" b="0" i="1" dirty="0" smtClean="0">
+                              <a:latin typeface="Cambria Math" panose="02040503050406030204" pitchFamily="18" charset="0"/>
+                            </a:rPr>
+                            <m:t>1</m:t>
+                          </m:r>
+                        </m:sub>
+                      </m:sSub>
+                    </m:oMath>
+                  </m:oMathPara>
+                </a14:m>
+                <a:endParaRPr lang="en-US" sz="1600" dirty="0"/>
+              </a:p>
+            </p:txBody>
+          </p:sp>
+        </mc:Choice>
+        <mc:Fallback>
+          <p:sp>
+            <p:nvSpPr>
+              <p:cNvPr id="96" name="TextBox 95">
+                <a:extLst>
+                  <a:ext uri="{FF2B5EF4-FFF2-40B4-BE49-F238E27FC236}">
+                    <a16:creationId xmlns:a16="http://schemas.microsoft.com/office/drawing/2014/main" id="{F522393E-4650-4C82-9AD0-B5A9811DF1B1}"/>
+                  </a:ext>
+                </a:extLst>
+              </p:cNvPr>
+              <p:cNvSpPr txBox="1">
+                <a:spLocks noRot="1" noChangeAspect="1" noMove="1" noResize="1" noEditPoints="1" noAdjustHandles="1" noChangeArrowheads="1" noChangeShapeType="1" noTextEdit="1"/>
+              </p:cNvSpPr>
+              <p:nvPr/>
+            </p:nvSpPr>
+            <p:spPr>
+              <a:xfrm>
+                <a:off x="4606334" y="879952"/>
+                <a:ext cx="424090" cy="338554"/>
+              </a:xfrm>
+              <a:prstGeom prst="rect">
+                <a:avLst/>
+              </a:prstGeom>
+              <a:blipFill>
+                <a:blip r:embed="rId14"/>
+                <a:stretch>
+                  <a:fillRect/>
+                </a:stretch>
+              </a:blipFill>
+            </p:spPr>
+            <p:txBody>
+              <a:bodyPr/>
+              <a:lstStyle/>
+              <a:p>
+                <a:r>
+                  <a:rPr lang="en-US">
+                    <a:noFill/>
+                  </a:rPr>
+                  <a:t> </a:t>
+                </a:r>
+              </a:p>
+            </p:txBody>
+          </p:sp>
+        </mc:Fallback>
+      </mc:AlternateContent>
+      <mc:AlternateContent xmlns:mc="http://schemas.openxmlformats.org/markup-compatibility/2006">
+        <mc:Choice xmlns:a14="http://schemas.microsoft.com/office/drawing/2010/main" Requires="a14">
+          <p:sp>
+            <p:nvSpPr>
+              <p:cNvPr id="97" name="TextBox 96">
+                <a:extLst>
+                  <a:ext uri="{FF2B5EF4-FFF2-40B4-BE49-F238E27FC236}">
+                    <a16:creationId xmlns:a16="http://schemas.microsoft.com/office/drawing/2014/main" id="{017E22E3-F169-4C63-A7A9-65C6228365C3}"/>
+                  </a:ext>
+                </a:extLst>
+              </p:cNvPr>
+              <p:cNvSpPr txBox="1"/>
+              <p:nvPr/>
+            </p:nvSpPr>
+            <p:spPr>
+              <a:xfrm>
+                <a:off x="4598346" y="1667872"/>
+                <a:ext cx="428835" cy="338554"/>
+              </a:xfrm>
+              <a:prstGeom prst="rect">
+                <a:avLst/>
+              </a:prstGeom>
+              <a:noFill/>
+            </p:spPr>
+            <p:txBody>
+              <a:bodyPr wrap="none" rtlCol="0">
+                <a:spAutoFit/>
+              </a:bodyPr>
+              <a:lstStyle/>
+              <a:p>
+                <a:pPr/>
+                <a14:m>
+                  <m:oMathPara xmlns:m="http://schemas.openxmlformats.org/officeDocument/2006/math">
+                    <m:oMathParaPr>
+                      <m:jc m:val="centerGroup"/>
+                    </m:oMathParaPr>
+                    <m:oMath xmlns:m="http://schemas.openxmlformats.org/officeDocument/2006/math">
+                      <m:sSub>
+                        <m:sSubPr>
+                          <m:ctrlPr>
+                            <a:rPr lang="en-US" sz="1600" i="1" dirty="0" smtClean="0">
+                              <a:latin typeface="Cambria Math" panose="02040503050406030204" pitchFamily="18" charset="0"/>
+                            </a:rPr>
+                          </m:ctrlPr>
+                        </m:sSubPr>
+                        <m:e>
+                          <m:r>
+                            <a:rPr lang="en-US" sz="1600" b="0" i="1" dirty="0" smtClean="0">
+                              <a:latin typeface="Cambria Math" panose="02040503050406030204" pitchFamily="18" charset="0"/>
+                            </a:rPr>
+                            <m:t>𝐹</m:t>
+                          </m:r>
+                        </m:e>
+                        <m:sub>
+                          <m:r>
+                            <a:rPr lang="en-US" sz="1600" b="0" i="1" dirty="0" smtClean="0">
+                              <a:latin typeface="Cambria Math" panose="02040503050406030204" pitchFamily="18" charset="0"/>
+                            </a:rPr>
+                            <m:t>2</m:t>
+                          </m:r>
+                        </m:sub>
+                      </m:sSub>
+                    </m:oMath>
+                  </m:oMathPara>
+                </a14:m>
+                <a:endParaRPr lang="en-US" sz="1600" dirty="0"/>
+              </a:p>
+            </p:txBody>
+          </p:sp>
+        </mc:Choice>
+        <mc:Fallback>
+          <p:sp>
+            <p:nvSpPr>
+              <p:cNvPr id="97" name="TextBox 96">
+                <a:extLst>
+                  <a:ext uri="{FF2B5EF4-FFF2-40B4-BE49-F238E27FC236}">
+                    <a16:creationId xmlns:a16="http://schemas.microsoft.com/office/drawing/2014/main" id="{017E22E3-F169-4C63-A7A9-65C6228365C3}"/>
+                  </a:ext>
+                </a:extLst>
+              </p:cNvPr>
+              <p:cNvSpPr txBox="1">
+                <a:spLocks noRot="1" noChangeAspect="1" noMove="1" noResize="1" noEditPoints="1" noAdjustHandles="1" noChangeArrowheads="1" noChangeShapeType="1" noTextEdit="1"/>
+              </p:cNvSpPr>
+              <p:nvPr/>
+            </p:nvSpPr>
+            <p:spPr>
+              <a:xfrm>
+                <a:off x="4598346" y="1667872"/>
+                <a:ext cx="428835" cy="338554"/>
+              </a:xfrm>
+              <a:prstGeom prst="rect">
+                <a:avLst/>
+              </a:prstGeom>
+              <a:blipFill>
+                <a:blip r:embed="rId15"/>
+                <a:stretch>
+                  <a:fillRect/>
+                </a:stretch>
+              </a:blipFill>
+            </p:spPr>
+            <p:txBody>
+              <a:bodyPr/>
+              <a:lstStyle/>
+              <a:p>
+                <a:r>
+                  <a:rPr lang="en-US">
+                    <a:noFill/>
+                  </a:rPr>
+                  <a:t> </a:t>
+                </a:r>
+              </a:p>
+            </p:txBody>
+          </p:sp>
+        </mc:Fallback>
+      </mc:AlternateContent>
+      <p:sp>
+        <p:nvSpPr>
+          <p:cNvPr id="99" name="TextBox 98">
+            <a:extLst>
+              <a:ext uri="{FF2B5EF4-FFF2-40B4-BE49-F238E27FC236}">
+                <a16:creationId xmlns:a16="http://schemas.microsoft.com/office/drawing/2014/main" id="{BF5BD406-5508-4421-A605-2DA2D3FA0283}"/>
+              </a:ext>
+            </a:extLst>
+          </p:cNvPr>
+          <p:cNvSpPr txBox="1"/>
+          <p:nvPr/>
+        </p:nvSpPr>
+        <p:spPr>
+          <a:xfrm>
+            <a:off x="4596502" y="1872815"/>
+            <a:ext cx="343364" cy="369332"/>
+          </a:xfrm>
+          <a:prstGeom prst="rect">
+            <a:avLst/>
+          </a:prstGeom>
+          <a:noFill/>
+        </p:spPr>
+        <p:txBody>
+          <a:bodyPr wrap="square" rtlCol="0">
+            <a:spAutoFit/>
+          </a:bodyPr>
+          <a:lstStyle/>
+          <a:p>
+            <a:r>
+              <a:rPr lang="en-US" dirty="0"/>
+              <a:t>…</a:t>
+            </a:r>
+          </a:p>
+        </p:txBody>
+      </p:sp>
+      <mc:AlternateContent xmlns:mc="http://schemas.openxmlformats.org/markup-compatibility/2006">
+        <mc:Choice xmlns:a14="http://schemas.microsoft.com/office/drawing/2010/main" Requires="a14">
+          <p:sp>
+            <p:nvSpPr>
+              <p:cNvPr id="101" name="TextBox 100">
+                <a:extLst>
+                  <a:ext uri="{FF2B5EF4-FFF2-40B4-BE49-F238E27FC236}">
+                    <a16:creationId xmlns:a16="http://schemas.microsoft.com/office/drawing/2014/main" id="{A700F91B-153D-4893-879C-95552F20DD8B}"/>
+                  </a:ext>
+                </a:extLst>
+              </p:cNvPr>
+              <p:cNvSpPr txBox="1"/>
+              <p:nvPr/>
+            </p:nvSpPr>
+            <p:spPr>
+              <a:xfrm>
+                <a:off x="5990242" y="1182040"/>
+                <a:ext cx="424090" cy="338554"/>
+              </a:xfrm>
+              <a:prstGeom prst="rect">
+                <a:avLst/>
+              </a:prstGeom>
+              <a:noFill/>
+            </p:spPr>
+            <p:txBody>
+              <a:bodyPr wrap="square" rtlCol="0">
+                <a:spAutoFit/>
+              </a:bodyPr>
+              <a:lstStyle/>
+              <a:p>
+                <a:pPr/>
+                <a14:m>
+                  <m:oMathPara xmlns:m="http://schemas.openxmlformats.org/officeDocument/2006/math">
+                    <m:oMathParaPr>
+                      <m:jc m:val="centerGroup"/>
+                    </m:oMathParaPr>
+                    <m:oMath xmlns:m="http://schemas.openxmlformats.org/officeDocument/2006/math">
+                      <m:sSub>
+                        <m:sSubPr>
+                          <m:ctrlPr>
+                            <a:rPr lang="en-US" sz="1600" i="1" dirty="0" smtClean="0">
+                              <a:latin typeface="Cambria Math" panose="02040503050406030204" pitchFamily="18" charset="0"/>
+                            </a:rPr>
+                          </m:ctrlPr>
+                        </m:sSubPr>
+                        <m:e>
+                          <m:r>
+                            <a:rPr lang="en-US" sz="1600" b="0" i="1" dirty="0" smtClean="0">
+                              <a:latin typeface="Cambria Math" panose="02040503050406030204" pitchFamily="18" charset="0"/>
+                            </a:rPr>
+                            <m:t>𝐹</m:t>
+                          </m:r>
+                        </m:e>
+                        <m:sub>
+                          <m:r>
+                            <a:rPr lang="en-US" sz="1600" b="0" i="1" dirty="0" smtClean="0">
+                              <a:latin typeface="Cambria Math" panose="02040503050406030204" pitchFamily="18" charset="0"/>
+                            </a:rPr>
+                            <m:t>1</m:t>
+                          </m:r>
+                        </m:sub>
+                      </m:sSub>
+                    </m:oMath>
+                  </m:oMathPara>
+                </a14:m>
+                <a:endParaRPr lang="en-US" sz="1600" dirty="0"/>
+              </a:p>
+            </p:txBody>
+          </p:sp>
+        </mc:Choice>
+        <mc:Fallback>
+          <p:sp>
+            <p:nvSpPr>
+              <p:cNvPr id="101" name="TextBox 100">
+                <a:extLst>
+                  <a:ext uri="{FF2B5EF4-FFF2-40B4-BE49-F238E27FC236}">
+                    <a16:creationId xmlns:a16="http://schemas.microsoft.com/office/drawing/2014/main" id="{A700F91B-153D-4893-879C-95552F20DD8B}"/>
+                  </a:ext>
+                </a:extLst>
+              </p:cNvPr>
+              <p:cNvSpPr txBox="1">
+                <a:spLocks noRot="1" noChangeAspect="1" noMove="1" noResize="1" noEditPoints="1" noAdjustHandles="1" noChangeArrowheads="1" noChangeShapeType="1" noTextEdit="1"/>
+              </p:cNvSpPr>
+              <p:nvPr/>
+            </p:nvSpPr>
+            <p:spPr>
+              <a:xfrm>
+                <a:off x="5990242" y="1182040"/>
+                <a:ext cx="424090" cy="338554"/>
+              </a:xfrm>
+              <a:prstGeom prst="rect">
+                <a:avLst/>
+              </a:prstGeom>
+              <a:blipFill>
+                <a:blip r:embed="rId16"/>
+                <a:stretch>
+                  <a:fillRect/>
+                </a:stretch>
+              </a:blipFill>
+            </p:spPr>
+            <p:txBody>
+              <a:bodyPr/>
+              <a:lstStyle/>
+              <a:p>
+                <a:r>
+                  <a:rPr lang="en-US">
+                    <a:noFill/>
+                  </a:rPr>
+                  <a:t> </a:t>
+                </a:r>
+              </a:p>
+            </p:txBody>
+          </p:sp>
+        </mc:Fallback>
+      </mc:AlternateContent>
+      <p:cxnSp>
+        <p:nvCxnSpPr>
+          <p:cNvPr id="102" name="Straight Arrow Connector 101">
+            <a:extLst>
+              <a:ext uri="{FF2B5EF4-FFF2-40B4-BE49-F238E27FC236}">
+                <a16:creationId xmlns:a16="http://schemas.microsoft.com/office/drawing/2014/main" id="{D42563BB-5787-4546-A724-CD2357796CD4}"/>
+              </a:ext>
+            </a:extLst>
+          </p:cNvPr>
+          <p:cNvCxnSpPr>
+            <a:cxnSpLocks/>
+            <a:stCxn id="17" idx="3"/>
+            <a:endCxn id="86" idx="1"/>
+          </p:cNvCxnSpPr>
+          <p:nvPr/>
+        </p:nvCxnSpPr>
+        <p:spPr>
+          <a:xfrm flipV="1">
+            <a:off x="3580787" y="1362863"/>
+            <a:ext cx="898985" cy="2156"/>
+          </a:xfrm>
+          <a:prstGeom prst="straightConnector1">
+            <a:avLst/>
+          </a:prstGeom>
+          <a:ln>
+            <a:solidFill>
+              <a:schemeClr val="tx1"/>
+            </a:solidFill>
+            <a:tailEnd type="triangle"/>
+          </a:ln>
+        </p:spPr>
+        <p:style>
+          <a:lnRef idx="1">
+            <a:schemeClr val="accent1"/>
+          </a:lnRef>
+          <a:fillRef idx="0">
+            <a:schemeClr val="accent1"/>
+          </a:fillRef>
+          <a:effectRef idx="0">
+            <a:schemeClr val="accent1"/>
+          </a:effectRef>
+          <a:fontRef idx="minor">
+            <a:schemeClr val="tx1"/>
+          </a:fontRef>
+        </p:style>
+      </p:cxnSp>
+      <p:cxnSp>
+        <p:nvCxnSpPr>
+          <p:cNvPr id="104" name="Straight Arrow Connector 103">
+            <a:extLst>
+              <a:ext uri="{FF2B5EF4-FFF2-40B4-BE49-F238E27FC236}">
+                <a16:creationId xmlns:a16="http://schemas.microsoft.com/office/drawing/2014/main" id="{D14B4A3B-1BC7-4BC7-B7A6-E9AE1F263D02}"/>
+              </a:ext>
+            </a:extLst>
+          </p:cNvPr>
+          <p:cNvCxnSpPr>
+            <a:cxnSpLocks/>
+            <a:stCxn id="86" idx="3"/>
+            <a:endCxn id="92" idx="1"/>
+          </p:cNvCxnSpPr>
+          <p:nvPr/>
+        </p:nvCxnSpPr>
+        <p:spPr>
+          <a:xfrm flipV="1">
+            <a:off x="5126092" y="1351318"/>
+            <a:ext cx="833731" cy="11545"/>
+          </a:xfrm>
+          <a:prstGeom prst="straightConnector1">
+            <a:avLst/>
+          </a:prstGeom>
+          <a:ln>
+            <a:solidFill>
+              <a:schemeClr val="tx1"/>
+            </a:solidFill>
+            <a:tailEnd type="triangle"/>
+          </a:ln>
+        </p:spPr>
+        <p:style>
+          <a:lnRef idx="1">
+            <a:schemeClr val="accent1"/>
+          </a:lnRef>
+          <a:fillRef idx="0">
+            <a:schemeClr val="accent1"/>
+          </a:fillRef>
+          <a:effectRef idx="0">
+            <a:schemeClr val="accent1"/>
+          </a:effectRef>
+          <a:fontRef idx="minor">
+            <a:schemeClr val="tx1"/>
+          </a:fontRef>
+        </p:style>
+      </p:cxnSp>
+      <p:cxnSp>
+        <p:nvCxnSpPr>
+          <p:cNvPr id="105" name="Straight Connector 104">
+            <a:extLst>
+              <a:ext uri="{FF2B5EF4-FFF2-40B4-BE49-F238E27FC236}">
+                <a16:creationId xmlns:a16="http://schemas.microsoft.com/office/drawing/2014/main" id="{C78B13F2-DBED-4C18-A2FA-A9AB9D8C147B}"/>
+              </a:ext>
+            </a:extLst>
+          </p:cNvPr>
+          <p:cNvCxnSpPr/>
+          <p:nvPr/>
+        </p:nvCxnSpPr>
+        <p:spPr>
+          <a:xfrm>
+            <a:off x="5532708" y="1852639"/>
+            <a:ext cx="1323975" cy="0"/>
+          </a:xfrm>
+          <a:prstGeom prst="line">
+            <a:avLst/>
+          </a:prstGeom>
+          <a:ln w="19050">
+            <a:solidFill>
+              <a:schemeClr val="tx1"/>
+            </a:solidFill>
+            <a:prstDash val="sysDash"/>
+          </a:ln>
+        </p:spPr>
+        <p:style>
+          <a:lnRef idx="1">
+            <a:schemeClr val="accent1"/>
+          </a:lnRef>
+          <a:fillRef idx="0">
+            <a:schemeClr val="accent1"/>
+          </a:fillRef>
+          <a:effectRef idx="0">
+            <a:schemeClr val="accent1"/>
+          </a:effectRef>
+          <a:fontRef idx="minor">
+            <a:schemeClr val="tx1"/>
+          </a:fontRef>
+        </p:style>
+      </p:cxnSp>
+      <p:sp>
+        <p:nvSpPr>
+          <p:cNvPr id="117" name="Rectangle 116">
+            <a:extLst>
+              <a:ext uri="{FF2B5EF4-FFF2-40B4-BE49-F238E27FC236}">
+                <a16:creationId xmlns:a16="http://schemas.microsoft.com/office/drawing/2014/main" id="{0A69E094-100A-45AA-BA9C-465D7BF267D1}"/>
+              </a:ext>
+            </a:extLst>
+          </p:cNvPr>
+          <p:cNvSpPr/>
+          <p:nvPr/>
+        </p:nvSpPr>
+        <p:spPr>
+          <a:xfrm>
+            <a:off x="8306051" y="4686553"/>
+            <a:ext cx="639096" cy="1715792"/>
+          </a:xfrm>
+          <a:prstGeom prst="rect">
+            <a:avLst/>
+          </a:prstGeom>
+          <a:noFill/>
+          <a:ln w="19050">
+            <a:solidFill>
+              <a:schemeClr val="tx1"/>
+            </a:solidFill>
+          </a:ln>
+        </p:spPr>
+        <p:style>
+          <a:lnRef idx="2">
+            <a:schemeClr val="accent1">
+              <a:shade val="50000"/>
+            </a:schemeClr>
+          </a:lnRef>
+          <a:fillRef idx="1">
+            <a:schemeClr val="accent1"/>
+          </a:fillRef>
+          <a:effectRef idx="0">
+            <a:schemeClr val="accent1"/>
+          </a:effectRef>
+          <a:fontRef idx="minor">
+            <a:schemeClr val="lt1"/>
+          </a:fontRef>
+        </p:style>
+        <p:txBody>
+          <a:bodyPr rtlCol="0" anchor="ctr"/>
+          <a:lstStyle/>
+          <a:p>
+            <a:pPr algn="ctr"/>
+            <a:endParaRPr lang="en-US"/>
           </a:p>
         </p:txBody>
       </p:sp>
@@ -13337,6 +14488,3371 @@
 </file>
 
 <file path=ppt/slides/slide6.xml><?xml version="1.0" encoding="utf-8"?>
+<p:sld xmlns:a="http://schemas.openxmlformats.org/drawingml/2006/main" xmlns:r="http://schemas.openxmlformats.org/officeDocument/2006/relationships" xmlns:p="http://schemas.openxmlformats.org/presentationml/2006/main">
+  <p:cSld>
+    <p:spTree>
+      <p:nvGrpSpPr>
+        <p:cNvPr id="1" name=""/>
+        <p:cNvGrpSpPr/>
+        <p:nvPr/>
+      </p:nvGrpSpPr>
+      <p:grpSpPr>
+        <a:xfrm>
+          <a:off x="0" y="0"/>
+          <a:ext cx="0" cy="0"/>
+          <a:chOff x="0" y="0"/>
+          <a:chExt cx="0" cy="0"/>
+        </a:xfrm>
+      </p:grpSpPr>
+      <p:sp>
+        <p:nvSpPr>
+          <p:cNvPr id="5" name="Rectangle 4">
+            <a:extLst>
+              <a:ext uri="{FF2B5EF4-FFF2-40B4-BE49-F238E27FC236}">
+                <a16:creationId xmlns:a16="http://schemas.microsoft.com/office/drawing/2014/main" id="{338DAF06-CECB-4DE5-9AF1-53BD90FB371B}"/>
+              </a:ext>
+            </a:extLst>
+          </p:cNvPr>
+          <p:cNvSpPr/>
+          <p:nvPr/>
+        </p:nvSpPr>
+        <p:spPr>
+          <a:xfrm>
+            <a:off x="756251" y="3330767"/>
+            <a:ext cx="639096" cy="1278194"/>
+          </a:xfrm>
+          <a:prstGeom prst="rect">
+            <a:avLst/>
+          </a:prstGeom>
+          <a:noFill/>
+          <a:ln w="19050">
+            <a:solidFill>
+              <a:schemeClr val="tx1"/>
+            </a:solidFill>
+          </a:ln>
+        </p:spPr>
+        <p:style>
+          <a:lnRef idx="2">
+            <a:schemeClr val="accent1">
+              <a:shade val="50000"/>
+            </a:schemeClr>
+          </a:lnRef>
+          <a:fillRef idx="1">
+            <a:schemeClr val="accent1"/>
+          </a:fillRef>
+          <a:effectRef idx="0">
+            <a:schemeClr val="accent1"/>
+          </a:effectRef>
+          <a:fontRef idx="minor">
+            <a:schemeClr val="lt1"/>
+          </a:fontRef>
+        </p:style>
+        <p:txBody>
+          <a:bodyPr rtlCol="0" anchor="ctr"/>
+          <a:lstStyle/>
+          <a:p>
+            <a:pPr algn="ctr"/>
+            <a:endParaRPr lang="en-US" dirty="0"/>
+          </a:p>
+        </p:txBody>
+      </p:sp>
+      <p:sp>
+        <p:nvSpPr>
+          <p:cNvPr id="7" name="Rectangle 6">
+            <a:extLst>
+              <a:ext uri="{FF2B5EF4-FFF2-40B4-BE49-F238E27FC236}">
+                <a16:creationId xmlns:a16="http://schemas.microsoft.com/office/drawing/2014/main" id="{EA408118-2386-4217-B633-DDA7C8A0859E}"/>
+              </a:ext>
+            </a:extLst>
+          </p:cNvPr>
+          <p:cNvSpPr/>
+          <p:nvPr/>
+        </p:nvSpPr>
+        <p:spPr>
+          <a:xfrm>
+            <a:off x="1749145" y="2577370"/>
+            <a:ext cx="639096" cy="2770239"/>
+          </a:xfrm>
+          <a:prstGeom prst="rect">
+            <a:avLst/>
+          </a:prstGeom>
+          <a:noFill/>
+          <a:ln w="19050">
+            <a:solidFill>
+              <a:schemeClr val="tx1"/>
+            </a:solidFill>
+          </a:ln>
+        </p:spPr>
+        <p:style>
+          <a:lnRef idx="2">
+            <a:schemeClr val="accent1">
+              <a:shade val="50000"/>
+            </a:schemeClr>
+          </a:lnRef>
+          <a:fillRef idx="1">
+            <a:schemeClr val="accent1"/>
+          </a:fillRef>
+          <a:effectRef idx="0">
+            <a:schemeClr val="accent1"/>
+          </a:effectRef>
+          <a:fontRef idx="minor">
+            <a:schemeClr val="lt1"/>
+          </a:fontRef>
+        </p:style>
+        <p:txBody>
+          <a:bodyPr rtlCol="0" anchor="ctr"/>
+          <a:lstStyle/>
+          <a:p>
+            <a:pPr algn="ctr"/>
+            <a:endParaRPr lang="en-US"/>
+          </a:p>
+        </p:txBody>
+      </p:sp>
+      <p:sp>
+        <p:nvSpPr>
+          <p:cNvPr id="8" name="Rectangle 7">
+            <a:extLst>
+              <a:ext uri="{FF2B5EF4-FFF2-40B4-BE49-F238E27FC236}">
+                <a16:creationId xmlns:a16="http://schemas.microsoft.com/office/drawing/2014/main" id="{72C1BA14-ACEA-4C03-8A76-FA73C7BEAF61}"/>
+              </a:ext>
+            </a:extLst>
+          </p:cNvPr>
+          <p:cNvSpPr/>
+          <p:nvPr/>
+        </p:nvSpPr>
+        <p:spPr>
+          <a:xfrm>
+            <a:off x="2912194" y="2574912"/>
+            <a:ext cx="639096" cy="2772697"/>
+          </a:xfrm>
+          <a:prstGeom prst="rect">
+            <a:avLst/>
+          </a:prstGeom>
+          <a:noFill/>
+          <a:ln w="19050">
+            <a:solidFill>
+              <a:schemeClr val="tx1"/>
+            </a:solidFill>
+          </a:ln>
+        </p:spPr>
+        <p:style>
+          <a:lnRef idx="2">
+            <a:schemeClr val="accent1">
+              <a:shade val="50000"/>
+            </a:schemeClr>
+          </a:lnRef>
+          <a:fillRef idx="1">
+            <a:schemeClr val="accent1"/>
+          </a:fillRef>
+          <a:effectRef idx="0">
+            <a:schemeClr val="accent1"/>
+          </a:effectRef>
+          <a:fontRef idx="minor">
+            <a:schemeClr val="lt1"/>
+          </a:fontRef>
+        </p:style>
+        <p:txBody>
+          <a:bodyPr rtlCol="0" anchor="ctr"/>
+          <a:lstStyle/>
+          <a:p>
+            <a:pPr algn="ctr"/>
+            <a:endParaRPr lang="en-US"/>
+          </a:p>
+        </p:txBody>
+      </p:sp>
+      <p:sp>
+        <p:nvSpPr>
+          <p:cNvPr id="9" name="Rectangle 8">
+            <a:extLst>
+              <a:ext uri="{FF2B5EF4-FFF2-40B4-BE49-F238E27FC236}">
+                <a16:creationId xmlns:a16="http://schemas.microsoft.com/office/drawing/2014/main" id="{67C4FEA3-D0A3-4B97-8E32-B108D4D89072}"/>
+              </a:ext>
+            </a:extLst>
+          </p:cNvPr>
+          <p:cNvSpPr/>
+          <p:nvPr/>
+        </p:nvSpPr>
+        <p:spPr>
+          <a:xfrm>
+            <a:off x="3020348" y="2654798"/>
+            <a:ext cx="422787" cy="598539"/>
+          </a:xfrm>
+          <a:prstGeom prst="rect">
+            <a:avLst/>
+          </a:prstGeom>
+          <a:solidFill>
+            <a:schemeClr val="bg2"/>
+          </a:solidFill>
+          <a:ln w="19050">
+            <a:solidFill>
+              <a:schemeClr val="tx1"/>
+            </a:solidFill>
+          </a:ln>
+        </p:spPr>
+        <p:style>
+          <a:lnRef idx="2">
+            <a:schemeClr val="accent1">
+              <a:shade val="50000"/>
+            </a:schemeClr>
+          </a:lnRef>
+          <a:fillRef idx="1">
+            <a:schemeClr val="accent1"/>
+          </a:fillRef>
+          <a:effectRef idx="0">
+            <a:schemeClr val="accent1"/>
+          </a:effectRef>
+          <a:fontRef idx="minor">
+            <a:schemeClr val="lt1"/>
+          </a:fontRef>
+        </p:style>
+        <p:txBody>
+          <a:bodyPr rtlCol="0" anchor="ctr"/>
+          <a:lstStyle/>
+          <a:p>
+            <a:pPr algn="ctr"/>
+            <a:endParaRPr lang="en-US" dirty="0"/>
+          </a:p>
+        </p:txBody>
+      </p:sp>
+      <p:sp>
+        <p:nvSpPr>
+          <p:cNvPr id="10" name="Rectangle 9">
+            <a:extLst>
+              <a:ext uri="{FF2B5EF4-FFF2-40B4-BE49-F238E27FC236}">
+                <a16:creationId xmlns:a16="http://schemas.microsoft.com/office/drawing/2014/main" id="{46221114-D930-456E-9796-009C0C71DFE9}"/>
+              </a:ext>
+            </a:extLst>
+          </p:cNvPr>
+          <p:cNvSpPr/>
+          <p:nvPr/>
+        </p:nvSpPr>
+        <p:spPr>
+          <a:xfrm>
+            <a:off x="3020347" y="3341828"/>
+            <a:ext cx="422787" cy="314634"/>
+          </a:xfrm>
+          <a:prstGeom prst="rect">
+            <a:avLst/>
+          </a:prstGeom>
+          <a:solidFill>
+            <a:schemeClr val="bg2"/>
+          </a:solidFill>
+          <a:ln w="19050">
+            <a:solidFill>
+              <a:schemeClr val="tx1"/>
+            </a:solidFill>
+          </a:ln>
+        </p:spPr>
+        <p:style>
+          <a:lnRef idx="2">
+            <a:schemeClr val="accent1">
+              <a:shade val="50000"/>
+            </a:schemeClr>
+          </a:lnRef>
+          <a:fillRef idx="1">
+            <a:schemeClr val="accent1"/>
+          </a:fillRef>
+          <a:effectRef idx="0">
+            <a:schemeClr val="accent1"/>
+          </a:effectRef>
+          <a:fontRef idx="minor">
+            <a:schemeClr val="lt1"/>
+          </a:fontRef>
+        </p:style>
+        <p:txBody>
+          <a:bodyPr rtlCol="0" anchor="ctr"/>
+          <a:lstStyle/>
+          <a:p>
+            <a:pPr algn="ctr"/>
+            <a:endParaRPr lang="en-US" dirty="0"/>
+          </a:p>
+        </p:txBody>
+      </p:sp>
+      <p:sp>
+        <p:nvSpPr>
+          <p:cNvPr id="11" name="Rectangle 10">
+            <a:extLst>
+              <a:ext uri="{FF2B5EF4-FFF2-40B4-BE49-F238E27FC236}">
+                <a16:creationId xmlns:a16="http://schemas.microsoft.com/office/drawing/2014/main" id="{1358DC74-F546-4692-B575-7A583E5344F7}"/>
+              </a:ext>
+            </a:extLst>
+          </p:cNvPr>
+          <p:cNvSpPr/>
+          <p:nvPr/>
+        </p:nvSpPr>
+        <p:spPr>
+          <a:xfrm>
+            <a:off x="3020347" y="3798056"/>
+            <a:ext cx="422787" cy="536831"/>
+          </a:xfrm>
+          <a:prstGeom prst="rect">
+            <a:avLst/>
+          </a:prstGeom>
+          <a:solidFill>
+            <a:schemeClr val="bg2"/>
+          </a:solidFill>
+          <a:ln w="19050">
+            <a:solidFill>
+              <a:schemeClr val="tx1"/>
+            </a:solidFill>
+          </a:ln>
+        </p:spPr>
+        <p:style>
+          <a:lnRef idx="2">
+            <a:schemeClr val="accent1">
+              <a:shade val="50000"/>
+            </a:schemeClr>
+          </a:lnRef>
+          <a:fillRef idx="1">
+            <a:schemeClr val="accent1"/>
+          </a:fillRef>
+          <a:effectRef idx="0">
+            <a:schemeClr val="accent1"/>
+          </a:effectRef>
+          <a:fontRef idx="minor">
+            <a:schemeClr val="lt1"/>
+          </a:fontRef>
+        </p:style>
+        <p:txBody>
+          <a:bodyPr rtlCol="0" anchor="ctr"/>
+          <a:lstStyle/>
+          <a:p>
+            <a:pPr algn="ctr"/>
+            <a:endParaRPr lang="en-US" dirty="0"/>
+          </a:p>
+        </p:txBody>
+      </p:sp>
+      <p:sp>
+        <p:nvSpPr>
+          <p:cNvPr id="12" name="Rectangle 11">
+            <a:extLst>
+              <a:ext uri="{FF2B5EF4-FFF2-40B4-BE49-F238E27FC236}">
+                <a16:creationId xmlns:a16="http://schemas.microsoft.com/office/drawing/2014/main" id="{84DE9477-98AB-4695-B800-CAB3286265A1}"/>
+              </a:ext>
+            </a:extLst>
+          </p:cNvPr>
+          <p:cNvSpPr/>
+          <p:nvPr/>
+        </p:nvSpPr>
+        <p:spPr>
+          <a:xfrm>
+            <a:off x="3020347" y="4476482"/>
+            <a:ext cx="422787" cy="249238"/>
+          </a:xfrm>
+          <a:prstGeom prst="rect">
+            <a:avLst/>
+          </a:prstGeom>
+          <a:solidFill>
+            <a:schemeClr val="bg2"/>
+          </a:solidFill>
+          <a:ln w="19050">
+            <a:solidFill>
+              <a:schemeClr val="tx1"/>
+            </a:solidFill>
+          </a:ln>
+        </p:spPr>
+        <p:style>
+          <a:lnRef idx="2">
+            <a:schemeClr val="accent1">
+              <a:shade val="50000"/>
+            </a:schemeClr>
+          </a:lnRef>
+          <a:fillRef idx="1">
+            <a:schemeClr val="accent1"/>
+          </a:fillRef>
+          <a:effectRef idx="0">
+            <a:schemeClr val="accent1"/>
+          </a:effectRef>
+          <a:fontRef idx="minor">
+            <a:schemeClr val="lt1"/>
+          </a:fontRef>
+        </p:style>
+        <p:txBody>
+          <a:bodyPr rtlCol="0" anchor="ctr"/>
+          <a:lstStyle/>
+          <a:p>
+            <a:pPr algn="ctr"/>
+            <a:endParaRPr lang="en-US" dirty="0"/>
+          </a:p>
+        </p:txBody>
+      </p:sp>
+      <p:sp>
+        <p:nvSpPr>
+          <p:cNvPr id="13" name="TextBox 12">
+            <a:extLst>
+              <a:ext uri="{FF2B5EF4-FFF2-40B4-BE49-F238E27FC236}">
+                <a16:creationId xmlns:a16="http://schemas.microsoft.com/office/drawing/2014/main" id="{B573AF54-446A-486E-8629-83BE74FAC409}"/>
+              </a:ext>
+            </a:extLst>
+          </p:cNvPr>
+          <p:cNvSpPr txBox="1"/>
+          <p:nvPr/>
+        </p:nvSpPr>
+        <p:spPr>
+          <a:xfrm>
+            <a:off x="3069507" y="4809710"/>
+            <a:ext cx="343364" cy="369332"/>
+          </a:xfrm>
+          <a:prstGeom prst="rect">
+            <a:avLst/>
+          </a:prstGeom>
+          <a:noFill/>
+        </p:spPr>
+        <p:txBody>
+          <a:bodyPr wrap="square" rtlCol="0">
+            <a:spAutoFit/>
+          </a:bodyPr>
+          <a:lstStyle/>
+          <a:p>
+            <a:r>
+              <a:rPr lang="en-US" dirty="0"/>
+              <a:t>…</a:t>
+            </a:r>
+          </a:p>
+        </p:txBody>
+      </p:sp>
+      <p:cxnSp>
+        <p:nvCxnSpPr>
+          <p:cNvPr id="15" name="Straight Arrow Connector 14">
+            <a:extLst>
+              <a:ext uri="{FF2B5EF4-FFF2-40B4-BE49-F238E27FC236}">
+                <a16:creationId xmlns:a16="http://schemas.microsoft.com/office/drawing/2014/main" id="{B9E4FD28-B48A-487F-B9EA-F98FAB1901AE}"/>
+              </a:ext>
+            </a:extLst>
+          </p:cNvPr>
+          <p:cNvCxnSpPr>
+            <a:cxnSpLocks/>
+            <a:stCxn id="9" idx="3"/>
+            <a:endCxn id="17" idx="1"/>
+          </p:cNvCxnSpPr>
+          <p:nvPr/>
+        </p:nvCxnSpPr>
+        <p:spPr>
+          <a:xfrm flipV="1">
+            <a:off x="3443135" y="2949485"/>
+            <a:ext cx="1639653" cy="4583"/>
+          </a:xfrm>
+          <a:prstGeom prst="straightConnector1">
+            <a:avLst/>
+          </a:prstGeom>
+          <a:ln>
+            <a:solidFill>
+              <a:schemeClr val="tx1"/>
+            </a:solidFill>
+            <a:tailEnd type="triangle"/>
+          </a:ln>
+        </p:spPr>
+        <p:style>
+          <a:lnRef idx="1">
+            <a:schemeClr val="accent1"/>
+          </a:lnRef>
+          <a:fillRef idx="0">
+            <a:schemeClr val="accent1"/>
+          </a:fillRef>
+          <a:effectRef idx="0">
+            <a:schemeClr val="accent1"/>
+          </a:effectRef>
+          <a:fontRef idx="minor">
+            <a:schemeClr val="tx1"/>
+          </a:fontRef>
+        </p:style>
+      </p:cxnSp>
+      <p:sp>
+        <p:nvSpPr>
+          <p:cNvPr id="17" name="Rectangle 16">
+            <a:extLst>
+              <a:ext uri="{FF2B5EF4-FFF2-40B4-BE49-F238E27FC236}">
+                <a16:creationId xmlns:a16="http://schemas.microsoft.com/office/drawing/2014/main" id="{10D94B83-F10F-4D14-8DD8-3AB47AD1E0DD}"/>
+              </a:ext>
+            </a:extLst>
+          </p:cNvPr>
+          <p:cNvSpPr/>
+          <p:nvPr/>
+        </p:nvSpPr>
+        <p:spPr>
+          <a:xfrm>
+            <a:off x="5082788" y="2650215"/>
+            <a:ext cx="1274682" cy="598539"/>
+          </a:xfrm>
+          <a:prstGeom prst="rect">
+            <a:avLst/>
+          </a:prstGeom>
+          <a:solidFill>
+            <a:schemeClr val="bg2"/>
+          </a:solidFill>
+          <a:ln>
+            <a:solidFill>
+              <a:schemeClr val="tx1"/>
+            </a:solidFill>
+          </a:ln>
+        </p:spPr>
+        <p:style>
+          <a:lnRef idx="2">
+            <a:schemeClr val="accent1">
+              <a:shade val="50000"/>
+            </a:schemeClr>
+          </a:lnRef>
+          <a:fillRef idx="1">
+            <a:schemeClr val="accent1"/>
+          </a:fillRef>
+          <a:effectRef idx="0">
+            <a:schemeClr val="accent1"/>
+          </a:effectRef>
+          <a:fontRef idx="minor">
+            <a:schemeClr val="lt1"/>
+          </a:fontRef>
+        </p:style>
+        <p:txBody>
+          <a:bodyPr rtlCol="0" anchor="ctr"/>
+          <a:lstStyle/>
+          <a:p>
+            <a:pPr algn="ctr"/>
+            <a:r>
+              <a:rPr lang="en-US" sz="1600" dirty="0">
+                <a:solidFill>
+                  <a:schemeClr val="tx1"/>
+                </a:solidFill>
+              </a:rPr>
+              <a:t>Add to final solution</a:t>
+            </a:r>
+          </a:p>
+        </p:txBody>
+      </p:sp>
+      <p:sp>
+        <p:nvSpPr>
+          <p:cNvPr id="19" name="TextBox 18">
+            <a:extLst>
+              <a:ext uri="{FF2B5EF4-FFF2-40B4-BE49-F238E27FC236}">
+                <a16:creationId xmlns:a16="http://schemas.microsoft.com/office/drawing/2014/main" id="{C23D6319-4BB2-4550-9EF5-C3E320E6C9C7}"/>
+              </a:ext>
+            </a:extLst>
+          </p:cNvPr>
+          <p:cNvSpPr txBox="1"/>
+          <p:nvPr/>
+        </p:nvSpPr>
+        <p:spPr>
+          <a:xfrm>
+            <a:off x="3785927" y="2656719"/>
+            <a:ext cx="1130118" cy="584775"/>
+          </a:xfrm>
+          <a:prstGeom prst="rect">
+            <a:avLst/>
+          </a:prstGeom>
+          <a:noFill/>
+        </p:spPr>
+        <p:txBody>
+          <a:bodyPr wrap="none" rtlCol="0">
+            <a:spAutoFit/>
+          </a:bodyPr>
+          <a:lstStyle/>
+          <a:p>
+            <a:r>
+              <a:rPr lang="en-US" altLang="zh-CN" sz="1600" dirty="0"/>
+              <a:t>max sensor</a:t>
+            </a:r>
+          </a:p>
+          <a:p>
+            <a:r>
+              <a:rPr lang="en-US" sz="1600" dirty="0"/>
+              <a:t>constraint</a:t>
+            </a:r>
+          </a:p>
+        </p:txBody>
+      </p:sp>
+      <p:sp>
+        <p:nvSpPr>
+          <p:cNvPr id="20" name="Rectangle 19">
+            <a:extLst>
+              <a:ext uri="{FF2B5EF4-FFF2-40B4-BE49-F238E27FC236}">
+                <a16:creationId xmlns:a16="http://schemas.microsoft.com/office/drawing/2014/main" id="{CD34B09B-74D9-48DC-850F-E88DC02CE4CD}"/>
+              </a:ext>
+            </a:extLst>
+          </p:cNvPr>
+          <p:cNvSpPr/>
+          <p:nvPr/>
+        </p:nvSpPr>
+        <p:spPr>
+          <a:xfrm>
+            <a:off x="2970801" y="3302500"/>
+            <a:ext cx="521493" cy="1921344"/>
+          </a:xfrm>
+          <a:prstGeom prst="rect">
+            <a:avLst/>
+          </a:prstGeom>
+          <a:noFill/>
+          <a:ln w="19050">
+            <a:solidFill>
+              <a:schemeClr val="tx1"/>
+            </a:solidFill>
+            <a:prstDash val="sysDash"/>
+          </a:ln>
+        </p:spPr>
+        <p:style>
+          <a:lnRef idx="2">
+            <a:schemeClr val="accent1">
+              <a:shade val="50000"/>
+            </a:schemeClr>
+          </a:lnRef>
+          <a:fillRef idx="1">
+            <a:schemeClr val="accent1"/>
+          </a:fillRef>
+          <a:effectRef idx="0">
+            <a:schemeClr val="accent1"/>
+          </a:effectRef>
+          <a:fontRef idx="minor">
+            <a:schemeClr val="lt1"/>
+          </a:fontRef>
+        </p:style>
+        <p:txBody>
+          <a:bodyPr rtlCol="0" anchor="ctr"/>
+          <a:lstStyle/>
+          <a:p>
+            <a:pPr algn="ctr"/>
+            <a:endParaRPr lang="en-US"/>
+          </a:p>
+        </p:txBody>
+      </p:sp>
+      <p:cxnSp>
+        <p:nvCxnSpPr>
+          <p:cNvPr id="22" name="Straight Arrow Connector 21">
+            <a:extLst>
+              <a:ext uri="{FF2B5EF4-FFF2-40B4-BE49-F238E27FC236}">
+                <a16:creationId xmlns:a16="http://schemas.microsoft.com/office/drawing/2014/main" id="{F10D3B31-08FC-4149-8DF2-FE21E5590958}"/>
+              </a:ext>
+            </a:extLst>
+          </p:cNvPr>
+          <p:cNvCxnSpPr>
+            <a:cxnSpLocks/>
+            <a:stCxn id="20" idx="3"/>
+            <a:endCxn id="27" idx="1"/>
+          </p:cNvCxnSpPr>
+          <p:nvPr/>
+        </p:nvCxnSpPr>
+        <p:spPr>
+          <a:xfrm>
+            <a:off x="3492294" y="4263172"/>
+            <a:ext cx="1589089" cy="12041"/>
+          </a:xfrm>
+          <a:prstGeom prst="straightConnector1">
+            <a:avLst/>
+          </a:prstGeom>
+          <a:ln>
+            <a:solidFill>
+              <a:schemeClr val="tx1"/>
+            </a:solidFill>
+            <a:tailEnd type="triangle"/>
+          </a:ln>
+        </p:spPr>
+        <p:style>
+          <a:lnRef idx="1">
+            <a:schemeClr val="accent1"/>
+          </a:lnRef>
+          <a:fillRef idx="0">
+            <a:schemeClr val="accent1"/>
+          </a:fillRef>
+          <a:effectRef idx="0">
+            <a:schemeClr val="accent1"/>
+          </a:effectRef>
+          <a:fontRef idx="minor">
+            <a:schemeClr val="tx1"/>
+          </a:fontRef>
+        </p:style>
+      </p:cxnSp>
+      <p:sp>
+        <p:nvSpPr>
+          <p:cNvPr id="25" name="TextBox 24">
+            <a:extLst>
+              <a:ext uri="{FF2B5EF4-FFF2-40B4-BE49-F238E27FC236}">
+                <a16:creationId xmlns:a16="http://schemas.microsoft.com/office/drawing/2014/main" id="{873E0548-148A-431D-AC44-49F2DD5AA2BA}"/>
+              </a:ext>
+            </a:extLst>
+          </p:cNvPr>
+          <p:cNvSpPr txBox="1"/>
+          <p:nvPr/>
+        </p:nvSpPr>
+        <p:spPr>
+          <a:xfrm>
+            <a:off x="3676960" y="3924618"/>
+            <a:ext cx="1141338" cy="338554"/>
+          </a:xfrm>
+          <a:prstGeom prst="rect">
+            <a:avLst/>
+          </a:prstGeom>
+          <a:noFill/>
+        </p:spPr>
+        <p:txBody>
+          <a:bodyPr wrap="none" rtlCol="0">
+            <a:spAutoFit/>
+          </a:bodyPr>
+          <a:lstStyle/>
+          <a:p>
+            <a:r>
+              <a:rPr lang="en-US" sz="1600" dirty="0"/>
+              <a:t>max sensor</a:t>
+            </a:r>
+          </a:p>
+        </p:txBody>
+      </p:sp>
+      <p:sp>
+        <p:nvSpPr>
+          <p:cNvPr id="27" name="Rectangle 26">
+            <a:extLst>
+              <a:ext uri="{FF2B5EF4-FFF2-40B4-BE49-F238E27FC236}">
+                <a16:creationId xmlns:a16="http://schemas.microsoft.com/office/drawing/2014/main" id="{D8AF74F3-C5CB-487C-A1C4-CDD1372358A1}"/>
+              </a:ext>
+            </a:extLst>
+          </p:cNvPr>
+          <p:cNvSpPr/>
+          <p:nvPr/>
+        </p:nvSpPr>
+        <p:spPr>
+          <a:xfrm>
+            <a:off x="5081383" y="3975943"/>
+            <a:ext cx="1274682" cy="598539"/>
+          </a:xfrm>
+          <a:prstGeom prst="rect">
+            <a:avLst/>
+          </a:prstGeom>
+          <a:solidFill>
+            <a:schemeClr val="bg2"/>
+          </a:solidFill>
+          <a:ln>
+            <a:solidFill>
+              <a:schemeClr val="tx1"/>
+            </a:solidFill>
+          </a:ln>
+        </p:spPr>
+        <p:style>
+          <a:lnRef idx="2">
+            <a:schemeClr val="accent1">
+              <a:shade val="50000"/>
+            </a:schemeClr>
+          </a:lnRef>
+          <a:fillRef idx="1">
+            <a:schemeClr val="accent1"/>
+          </a:fillRef>
+          <a:effectRef idx="0">
+            <a:schemeClr val="accent1"/>
+          </a:effectRef>
+          <a:fontRef idx="minor">
+            <a:schemeClr val="lt1"/>
+          </a:fontRef>
+        </p:style>
+        <p:txBody>
+          <a:bodyPr rtlCol="0" anchor="ctr"/>
+          <a:lstStyle/>
+          <a:p>
+            <a:pPr algn="ctr"/>
+            <a:r>
+              <a:rPr lang="en-US" sz="1600" dirty="0">
+                <a:solidFill>
+                  <a:schemeClr val="tx1"/>
+                </a:solidFill>
+              </a:rPr>
+              <a:t>Remove </a:t>
+            </a:r>
+          </a:p>
+        </p:txBody>
+      </p:sp>
+      <p:sp>
+        <p:nvSpPr>
+          <p:cNvPr id="35" name="Rectangle 34">
+            <a:extLst>
+              <a:ext uri="{FF2B5EF4-FFF2-40B4-BE49-F238E27FC236}">
+                <a16:creationId xmlns:a16="http://schemas.microsoft.com/office/drawing/2014/main" id="{73355051-B3A4-4200-A154-E9302776BBB8}"/>
+              </a:ext>
+            </a:extLst>
+          </p:cNvPr>
+          <p:cNvSpPr/>
+          <p:nvPr/>
+        </p:nvSpPr>
+        <p:spPr>
+          <a:xfrm>
+            <a:off x="6594145" y="2586588"/>
+            <a:ext cx="639096" cy="2094493"/>
+          </a:xfrm>
+          <a:prstGeom prst="rect">
+            <a:avLst/>
+          </a:prstGeom>
+          <a:noFill/>
+          <a:ln w="19050">
+            <a:solidFill>
+              <a:schemeClr val="tx1"/>
+            </a:solidFill>
+          </a:ln>
+        </p:spPr>
+        <p:style>
+          <a:lnRef idx="2">
+            <a:schemeClr val="accent1">
+              <a:shade val="50000"/>
+            </a:schemeClr>
+          </a:lnRef>
+          <a:fillRef idx="1">
+            <a:schemeClr val="accent1"/>
+          </a:fillRef>
+          <a:effectRef idx="0">
+            <a:schemeClr val="accent1"/>
+          </a:effectRef>
+          <a:fontRef idx="minor">
+            <a:schemeClr val="lt1"/>
+          </a:fontRef>
+        </p:style>
+        <p:txBody>
+          <a:bodyPr rtlCol="0" anchor="ctr"/>
+          <a:lstStyle/>
+          <a:p>
+            <a:pPr algn="ctr"/>
+            <a:endParaRPr lang="en-US"/>
+          </a:p>
+        </p:txBody>
+      </p:sp>
+      <p:cxnSp>
+        <p:nvCxnSpPr>
+          <p:cNvPr id="37" name="Straight Arrow Connector 36">
+            <a:extLst>
+              <a:ext uri="{FF2B5EF4-FFF2-40B4-BE49-F238E27FC236}">
+                <a16:creationId xmlns:a16="http://schemas.microsoft.com/office/drawing/2014/main" id="{C00D0D6B-E149-4238-8332-B7ADC038AC17}"/>
+              </a:ext>
+            </a:extLst>
+          </p:cNvPr>
+          <p:cNvCxnSpPr>
+            <a:cxnSpLocks/>
+            <a:stCxn id="5" idx="3"/>
+            <a:endCxn id="7" idx="1"/>
+          </p:cNvCxnSpPr>
+          <p:nvPr/>
+        </p:nvCxnSpPr>
+        <p:spPr>
+          <a:xfrm flipV="1">
+            <a:off x="1395347" y="3962490"/>
+            <a:ext cx="353798" cy="7374"/>
+          </a:xfrm>
+          <a:prstGeom prst="straightConnector1">
+            <a:avLst/>
+          </a:prstGeom>
+          <a:ln>
+            <a:solidFill>
+              <a:schemeClr val="tx1"/>
+            </a:solidFill>
+            <a:tailEnd type="triangle"/>
+          </a:ln>
+        </p:spPr>
+        <p:style>
+          <a:lnRef idx="1">
+            <a:schemeClr val="accent1"/>
+          </a:lnRef>
+          <a:fillRef idx="0">
+            <a:schemeClr val="accent1"/>
+          </a:fillRef>
+          <a:effectRef idx="0">
+            <a:schemeClr val="accent1"/>
+          </a:effectRef>
+          <a:fontRef idx="minor">
+            <a:schemeClr val="tx1"/>
+          </a:fontRef>
+        </p:style>
+      </p:cxnSp>
+      <p:cxnSp>
+        <p:nvCxnSpPr>
+          <p:cNvPr id="41" name="Straight Arrow Connector 40">
+            <a:extLst>
+              <a:ext uri="{FF2B5EF4-FFF2-40B4-BE49-F238E27FC236}">
+                <a16:creationId xmlns:a16="http://schemas.microsoft.com/office/drawing/2014/main" id="{C6D7960D-618E-4528-949E-0CF9BC782F69}"/>
+              </a:ext>
+            </a:extLst>
+          </p:cNvPr>
+          <p:cNvCxnSpPr>
+            <a:cxnSpLocks/>
+            <a:stCxn id="7" idx="3"/>
+            <a:endCxn id="8" idx="1"/>
+          </p:cNvCxnSpPr>
+          <p:nvPr/>
+        </p:nvCxnSpPr>
+        <p:spPr>
+          <a:xfrm flipV="1">
+            <a:off x="2388241" y="3961261"/>
+            <a:ext cx="523953" cy="1229"/>
+          </a:xfrm>
+          <a:prstGeom prst="straightConnector1">
+            <a:avLst/>
+          </a:prstGeom>
+          <a:ln>
+            <a:solidFill>
+              <a:schemeClr val="tx1"/>
+            </a:solidFill>
+            <a:tailEnd type="triangle"/>
+          </a:ln>
+        </p:spPr>
+        <p:style>
+          <a:lnRef idx="1">
+            <a:schemeClr val="accent1"/>
+          </a:lnRef>
+          <a:fillRef idx="0">
+            <a:schemeClr val="accent1"/>
+          </a:fillRef>
+          <a:effectRef idx="0">
+            <a:schemeClr val="accent1"/>
+          </a:effectRef>
+          <a:fontRef idx="minor">
+            <a:schemeClr val="tx1"/>
+          </a:fontRef>
+        </p:style>
+      </p:cxnSp>
+      <p:sp>
+        <p:nvSpPr>
+          <p:cNvPr id="46" name="Right Brace 45">
+            <a:extLst>
+              <a:ext uri="{FF2B5EF4-FFF2-40B4-BE49-F238E27FC236}">
+                <a16:creationId xmlns:a16="http://schemas.microsoft.com/office/drawing/2014/main" id="{97E4DEE9-A30F-4EBB-BA1D-E84F80040903}"/>
+              </a:ext>
+            </a:extLst>
+          </p:cNvPr>
+          <p:cNvSpPr/>
+          <p:nvPr/>
+        </p:nvSpPr>
+        <p:spPr>
+          <a:xfrm>
+            <a:off x="6352554" y="2894712"/>
+            <a:ext cx="167149" cy="1418640"/>
+          </a:xfrm>
+          <a:prstGeom prst="rightBrace">
+            <a:avLst/>
+          </a:prstGeom>
+          <a:ln>
+            <a:solidFill>
+              <a:schemeClr val="tx1"/>
+            </a:solidFill>
+          </a:ln>
+        </p:spPr>
+        <p:style>
+          <a:lnRef idx="1">
+            <a:schemeClr val="accent1"/>
+          </a:lnRef>
+          <a:fillRef idx="0">
+            <a:schemeClr val="accent1"/>
+          </a:fillRef>
+          <a:effectRef idx="0">
+            <a:schemeClr val="accent1"/>
+          </a:effectRef>
+          <a:fontRef idx="minor">
+            <a:schemeClr val="tx1"/>
+          </a:fontRef>
+        </p:style>
+        <p:txBody>
+          <a:bodyPr rtlCol="0" anchor="ctr"/>
+          <a:lstStyle/>
+          <a:p>
+            <a:pPr algn="ctr"/>
+            <a:endParaRPr lang="en-US"/>
+          </a:p>
+        </p:txBody>
+      </p:sp>
+      <p:sp>
+        <p:nvSpPr>
+          <p:cNvPr id="47" name="Rectangle 46">
+            <a:extLst>
+              <a:ext uri="{FF2B5EF4-FFF2-40B4-BE49-F238E27FC236}">
+                <a16:creationId xmlns:a16="http://schemas.microsoft.com/office/drawing/2014/main" id="{1F3ED503-7801-4A78-B07E-9D12698137D3}"/>
+              </a:ext>
+            </a:extLst>
+          </p:cNvPr>
+          <p:cNvSpPr/>
+          <p:nvPr/>
+        </p:nvSpPr>
+        <p:spPr>
+          <a:xfrm>
+            <a:off x="1841731" y="2643738"/>
+            <a:ext cx="457712" cy="1278194"/>
+          </a:xfrm>
+          <a:prstGeom prst="rect">
+            <a:avLst/>
+          </a:prstGeom>
+          <a:noFill/>
+          <a:ln w="19050">
+            <a:solidFill>
+              <a:schemeClr val="tx1"/>
+            </a:solidFill>
+          </a:ln>
+        </p:spPr>
+        <p:style>
+          <a:lnRef idx="2">
+            <a:schemeClr val="accent1">
+              <a:shade val="50000"/>
+            </a:schemeClr>
+          </a:lnRef>
+          <a:fillRef idx="1">
+            <a:schemeClr val="accent1"/>
+          </a:fillRef>
+          <a:effectRef idx="0">
+            <a:schemeClr val="accent1"/>
+          </a:effectRef>
+          <a:fontRef idx="minor">
+            <a:schemeClr val="lt1"/>
+          </a:fontRef>
+        </p:style>
+        <p:txBody>
+          <a:bodyPr rtlCol="0" anchor="ctr"/>
+          <a:lstStyle/>
+          <a:p>
+            <a:pPr algn="ctr"/>
+            <a:endParaRPr lang="en-US" dirty="0"/>
+          </a:p>
+        </p:txBody>
+      </p:sp>
+      <p:sp>
+        <p:nvSpPr>
+          <p:cNvPr id="48" name="Rectangle 47">
+            <a:extLst>
+              <a:ext uri="{FF2B5EF4-FFF2-40B4-BE49-F238E27FC236}">
+                <a16:creationId xmlns:a16="http://schemas.microsoft.com/office/drawing/2014/main" id="{791E73E1-80B3-47FF-92DA-6A3D718C279A}"/>
+              </a:ext>
+            </a:extLst>
+          </p:cNvPr>
+          <p:cNvSpPr/>
+          <p:nvPr/>
+        </p:nvSpPr>
+        <p:spPr>
+          <a:xfrm>
+            <a:off x="1840467" y="4000104"/>
+            <a:ext cx="457712" cy="1278194"/>
+          </a:xfrm>
+          <a:prstGeom prst="rect">
+            <a:avLst/>
+          </a:prstGeom>
+          <a:noFill/>
+          <a:ln w="19050">
+            <a:solidFill>
+              <a:schemeClr val="tx1"/>
+            </a:solidFill>
+          </a:ln>
+        </p:spPr>
+        <p:style>
+          <a:lnRef idx="2">
+            <a:schemeClr val="accent1">
+              <a:shade val="50000"/>
+            </a:schemeClr>
+          </a:lnRef>
+          <a:fillRef idx="1">
+            <a:schemeClr val="accent1"/>
+          </a:fillRef>
+          <a:effectRef idx="0">
+            <a:schemeClr val="accent1"/>
+          </a:effectRef>
+          <a:fontRef idx="minor">
+            <a:schemeClr val="lt1"/>
+          </a:fontRef>
+        </p:style>
+        <p:txBody>
+          <a:bodyPr rtlCol="0" anchor="ctr"/>
+          <a:lstStyle/>
+          <a:p>
+            <a:pPr algn="ctr"/>
+            <a:endParaRPr lang="en-US" dirty="0"/>
+          </a:p>
+        </p:txBody>
+      </p:sp>
+      <p:sp>
+        <p:nvSpPr>
+          <p:cNvPr id="57" name="Rectangle 56">
+            <a:extLst>
+              <a:ext uri="{FF2B5EF4-FFF2-40B4-BE49-F238E27FC236}">
+                <a16:creationId xmlns:a16="http://schemas.microsoft.com/office/drawing/2014/main" id="{463171A6-6F67-43BC-8C37-A1D5F9CF3709}"/>
+              </a:ext>
+            </a:extLst>
+          </p:cNvPr>
+          <p:cNvSpPr/>
+          <p:nvPr/>
+        </p:nvSpPr>
+        <p:spPr>
+          <a:xfrm>
+            <a:off x="8279905" y="1769369"/>
+            <a:ext cx="639096" cy="2094493"/>
+          </a:xfrm>
+          <a:prstGeom prst="rect">
+            <a:avLst/>
+          </a:prstGeom>
+          <a:noFill/>
+          <a:ln w="19050">
+            <a:solidFill>
+              <a:schemeClr val="tx1"/>
+            </a:solidFill>
+          </a:ln>
+        </p:spPr>
+        <p:style>
+          <a:lnRef idx="2">
+            <a:schemeClr val="accent1">
+              <a:shade val="50000"/>
+            </a:schemeClr>
+          </a:lnRef>
+          <a:fillRef idx="1">
+            <a:schemeClr val="accent1"/>
+          </a:fillRef>
+          <a:effectRef idx="0">
+            <a:schemeClr val="accent1"/>
+          </a:effectRef>
+          <a:fontRef idx="minor">
+            <a:schemeClr val="lt1"/>
+          </a:fontRef>
+        </p:style>
+        <p:txBody>
+          <a:bodyPr rtlCol="0" anchor="ctr"/>
+          <a:lstStyle/>
+          <a:p>
+            <a:pPr algn="ctr"/>
+            <a:endParaRPr lang="en-US"/>
+          </a:p>
+        </p:txBody>
+      </p:sp>
+      <p:sp>
+        <p:nvSpPr>
+          <p:cNvPr id="58" name="Rectangle 57">
+            <a:extLst>
+              <a:ext uri="{FF2B5EF4-FFF2-40B4-BE49-F238E27FC236}">
+                <a16:creationId xmlns:a16="http://schemas.microsoft.com/office/drawing/2014/main" id="{34F85246-2054-4862-BF0C-EE6ABD090A4A}"/>
+              </a:ext>
+            </a:extLst>
+          </p:cNvPr>
+          <p:cNvSpPr/>
+          <p:nvPr/>
+        </p:nvSpPr>
+        <p:spPr>
+          <a:xfrm>
+            <a:off x="8388059" y="1854467"/>
+            <a:ext cx="422787" cy="598539"/>
+          </a:xfrm>
+          <a:prstGeom prst="rect">
+            <a:avLst/>
+          </a:prstGeom>
+          <a:solidFill>
+            <a:schemeClr val="bg2"/>
+          </a:solidFill>
+          <a:ln w="19050">
+            <a:solidFill>
+              <a:schemeClr val="tx1"/>
+            </a:solidFill>
+          </a:ln>
+        </p:spPr>
+        <p:style>
+          <a:lnRef idx="2">
+            <a:schemeClr val="accent1">
+              <a:shade val="50000"/>
+            </a:schemeClr>
+          </a:lnRef>
+          <a:fillRef idx="1">
+            <a:schemeClr val="accent1"/>
+          </a:fillRef>
+          <a:effectRef idx="0">
+            <a:schemeClr val="accent1"/>
+          </a:effectRef>
+          <a:fontRef idx="minor">
+            <a:schemeClr val="lt1"/>
+          </a:fontRef>
+        </p:style>
+        <p:txBody>
+          <a:bodyPr rtlCol="0" anchor="ctr"/>
+          <a:lstStyle/>
+          <a:p>
+            <a:pPr algn="ctr"/>
+            <a:endParaRPr lang="en-US" dirty="0"/>
+          </a:p>
+        </p:txBody>
+      </p:sp>
+      <p:sp>
+        <p:nvSpPr>
+          <p:cNvPr id="59" name="Rectangle 58">
+            <a:extLst>
+              <a:ext uri="{FF2B5EF4-FFF2-40B4-BE49-F238E27FC236}">
+                <a16:creationId xmlns:a16="http://schemas.microsoft.com/office/drawing/2014/main" id="{9B54EEC9-7E13-4359-80E0-08084BE0704D}"/>
+              </a:ext>
+            </a:extLst>
+          </p:cNvPr>
+          <p:cNvSpPr/>
+          <p:nvPr/>
+        </p:nvSpPr>
+        <p:spPr>
+          <a:xfrm>
+            <a:off x="8387341" y="2576761"/>
+            <a:ext cx="422787" cy="314634"/>
+          </a:xfrm>
+          <a:prstGeom prst="rect">
+            <a:avLst/>
+          </a:prstGeom>
+          <a:solidFill>
+            <a:schemeClr val="bg2"/>
+          </a:solidFill>
+          <a:ln w="19050">
+            <a:solidFill>
+              <a:schemeClr val="tx1"/>
+            </a:solidFill>
+          </a:ln>
+        </p:spPr>
+        <p:style>
+          <a:lnRef idx="2">
+            <a:schemeClr val="accent1">
+              <a:shade val="50000"/>
+            </a:schemeClr>
+          </a:lnRef>
+          <a:fillRef idx="1">
+            <a:schemeClr val="accent1"/>
+          </a:fillRef>
+          <a:effectRef idx="0">
+            <a:schemeClr val="accent1"/>
+          </a:effectRef>
+          <a:fontRef idx="minor">
+            <a:schemeClr val="lt1"/>
+          </a:fontRef>
+        </p:style>
+        <p:txBody>
+          <a:bodyPr rtlCol="0" anchor="ctr"/>
+          <a:lstStyle/>
+          <a:p>
+            <a:pPr algn="ctr"/>
+            <a:endParaRPr lang="en-US" dirty="0"/>
+          </a:p>
+        </p:txBody>
+      </p:sp>
+      <p:sp>
+        <p:nvSpPr>
+          <p:cNvPr id="60" name="Rectangle 59">
+            <a:extLst>
+              <a:ext uri="{FF2B5EF4-FFF2-40B4-BE49-F238E27FC236}">
+                <a16:creationId xmlns:a16="http://schemas.microsoft.com/office/drawing/2014/main" id="{E2B3C771-605D-4FF9-98B5-6A51FE974E90}"/>
+              </a:ext>
+            </a:extLst>
+          </p:cNvPr>
+          <p:cNvSpPr/>
+          <p:nvPr/>
+        </p:nvSpPr>
+        <p:spPr>
+          <a:xfrm>
+            <a:off x="8387700" y="3015150"/>
+            <a:ext cx="422787" cy="536831"/>
+          </a:xfrm>
+          <a:prstGeom prst="rect">
+            <a:avLst/>
+          </a:prstGeom>
+          <a:solidFill>
+            <a:schemeClr val="bg2"/>
+          </a:solidFill>
+          <a:ln w="19050">
+            <a:solidFill>
+              <a:schemeClr val="tx1"/>
+            </a:solidFill>
+          </a:ln>
+        </p:spPr>
+        <p:style>
+          <a:lnRef idx="2">
+            <a:schemeClr val="accent1">
+              <a:shade val="50000"/>
+            </a:schemeClr>
+          </a:lnRef>
+          <a:fillRef idx="1">
+            <a:schemeClr val="accent1"/>
+          </a:fillRef>
+          <a:effectRef idx="0">
+            <a:schemeClr val="accent1"/>
+          </a:effectRef>
+          <a:fontRef idx="minor">
+            <a:schemeClr val="lt1"/>
+          </a:fontRef>
+        </p:style>
+        <p:txBody>
+          <a:bodyPr rtlCol="0" anchor="ctr"/>
+          <a:lstStyle/>
+          <a:p>
+            <a:pPr algn="ctr"/>
+            <a:endParaRPr lang="en-US" dirty="0"/>
+          </a:p>
+        </p:txBody>
+      </p:sp>
+      <p:sp>
+        <p:nvSpPr>
+          <p:cNvPr id="62" name="TextBox 61">
+            <a:extLst>
+              <a:ext uri="{FF2B5EF4-FFF2-40B4-BE49-F238E27FC236}">
+                <a16:creationId xmlns:a16="http://schemas.microsoft.com/office/drawing/2014/main" id="{909311EA-916D-44FF-B0B4-9B71BC35D4DA}"/>
+              </a:ext>
+            </a:extLst>
+          </p:cNvPr>
+          <p:cNvSpPr txBox="1"/>
+          <p:nvPr/>
+        </p:nvSpPr>
+        <p:spPr>
+          <a:xfrm>
+            <a:off x="8427052" y="3440631"/>
+            <a:ext cx="343364" cy="369332"/>
+          </a:xfrm>
+          <a:prstGeom prst="rect">
+            <a:avLst/>
+          </a:prstGeom>
+          <a:noFill/>
+        </p:spPr>
+        <p:txBody>
+          <a:bodyPr wrap="square" rtlCol="0">
+            <a:spAutoFit/>
+          </a:bodyPr>
+          <a:lstStyle/>
+          <a:p>
+            <a:r>
+              <a:rPr lang="en-US" dirty="0"/>
+              <a:t>…</a:t>
+            </a:r>
+          </a:p>
+        </p:txBody>
+      </p:sp>
+      <p:cxnSp>
+        <p:nvCxnSpPr>
+          <p:cNvPr id="64" name="Straight Connector 63">
+            <a:extLst>
+              <a:ext uri="{FF2B5EF4-FFF2-40B4-BE49-F238E27FC236}">
+                <a16:creationId xmlns:a16="http://schemas.microsoft.com/office/drawing/2014/main" id="{A4C171E7-712C-46AC-AB7D-D5E420555A37}"/>
+              </a:ext>
+            </a:extLst>
+          </p:cNvPr>
+          <p:cNvCxnSpPr/>
+          <p:nvPr/>
+        </p:nvCxnSpPr>
+        <p:spPr>
+          <a:xfrm>
+            <a:off x="7945686" y="3312860"/>
+            <a:ext cx="1323975" cy="0"/>
+          </a:xfrm>
+          <a:prstGeom prst="line">
+            <a:avLst/>
+          </a:prstGeom>
+          <a:ln w="19050">
+            <a:solidFill>
+              <a:schemeClr val="tx1"/>
+            </a:solidFill>
+            <a:prstDash val="sysDash"/>
+          </a:ln>
+        </p:spPr>
+        <p:style>
+          <a:lnRef idx="1">
+            <a:schemeClr val="accent1"/>
+          </a:lnRef>
+          <a:fillRef idx="0">
+            <a:schemeClr val="accent1"/>
+          </a:fillRef>
+          <a:effectRef idx="0">
+            <a:schemeClr val="accent1"/>
+          </a:effectRef>
+          <a:fontRef idx="minor">
+            <a:schemeClr val="tx1"/>
+          </a:fontRef>
+        </p:style>
+      </p:cxnSp>
+      <p:cxnSp>
+        <p:nvCxnSpPr>
+          <p:cNvPr id="66" name="Straight Arrow Connector 65">
+            <a:extLst>
+              <a:ext uri="{FF2B5EF4-FFF2-40B4-BE49-F238E27FC236}">
+                <a16:creationId xmlns:a16="http://schemas.microsoft.com/office/drawing/2014/main" id="{4C2EA039-6A78-40F3-8B80-60814771C73D}"/>
+              </a:ext>
+            </a:extLst>
+          </p:cNvPr>
+          <p:cNvCxnSpPr>
+            <a:cxnSpLocks/>
+            <a:stCxn id="57" idx="3"/>
+          </p:cNvCxnSpPr>
+          <p:nvPr/>
+        </p:nvCxnSpPr>
+        <p:spPr>
+          <a:xfrm>
+            <a:off x="8919001" y="2816616"/>
+            <a:ext cx="731802" cy="6263"/>
+          </a:xfrm>
+          <a:prstGeom prst="straightConnector1">
+            <a:avLst/>
+          </a:prstGeom>
+          <a:ln>
+            <a:solidFill>
+              <a:schemeClr val="tx1"/>
+            </a:solidFill>
+            <a:tailEnd type="triangle"/>
+          </a:ln>
+        </p:spPr>
+        <p:style>
+          <a:lnRef idx="1">
+            <a:schemeClr val="accent1"/>
+          </a:lnRef>
+          <a:fillRef idx="0">
+            <a:schemeClr val="accent1"/>
+          </a:fillRef>
+          <a:effectRef idx="0">
+            <a:schemeClr val="accent1"/>
+          </a:effectRef>
+          <a:fontRef idx="minor">
+            <a:schemeClr val="tx1"/>
+          </a:fontRef>
+        </p:style>
+      </p:cxnSp>
+      <p:sp>
+        <p:nvSpPr>
+          <p:cNvPr id="68" name="Rectangle 67">
+            <a:extLst>
+              <a:ext uri="{FF2B5EF4-FFF2-40B4-BE49-F238E27FC236}">
+                <a16:creationId xmlns:a16="http://schemas.microsoft.com/office/drawing/2014/main" id="{92507856-D905-40A7-BEE8-F967F907EBC9}"/>
+              </a:ext>
+            </a:extLst>
+          </p:cNvPr>
+          <p:cNvSpPr/>
+          <p:nvPr/>
+        </p:nvSpPr>
+        <p:spPr>
+          <a:xfrm>
+            <a:off x="9660637" y="1773129"/>
+            <a:ext cx="639096" cy="1539731"/>
+          </a:xfrm>
+          <a:prstGeom prst="rect">
+            <a:avLst/>
+          </a:prstGeom>
+          <a:noFill/>
+          <a:ln w="19050">
+            <a:solidFill>
+              <a:schemeClr val="tx1"/>
+            </a:solidFill>
+          </a:ln>
+        </p:spPr>
+        <p:style>
+          <a:lnRef idx="2">
+            <a:schemeClr val="accent1">
+              <a:shade val="50000"/>
+            </a:schemeClr>
+          </a:lnRef>
+          <a:fillRef idx="1">
+            <a:schemeClr val="accent1"/>
+          </a:fillRef>
+          <a:effectRef idx="0">
+            <a:schemeClr val="accent1"/>
+          </a:effectRef>
+          <a:fontRef idx="minor">
+            <a:schemeClr val="lt1"/>
+          </a:fontRef>
+        </p:style>
+        <p:txBody>
+          <a:bodyPr rtlCol="0" anchor="ctr"/>
+          <a:lstStyle/>
+          <a:p>
+            <a:pPr algn="ctr"/>
+            <a:endParaRPr lang="en-US"/>
+          </a:p>
+        </p:txBody>
+      </p:sp>
+      <p:sp>
+        <p:nvSpPr>
+          <p:cNvPr id="73" name="Rectangle 72">
+            <a:extLst>
+              <a:ext uri="{FF2B5EF4-FFF2-40B4-BE49-F238E27FC236}">
+                <a16:creationId xmlns:a16="http://schemas.microsoft.com/office/drawing/2014/main" id="{BF6000E0-38C7-4A87-A6F3-7C5852960C65}"/>
+              </a:ext>
+            </a:extLst>
+          </p:cNvPr>
+          <p:cNvSpPr/>
+          <p:nvPr/>
+        </p:nvSpPr>
+        <p:spPr>
+          <a:xfrm>
+            <a:off x="9763515" y="1854467"/>
+            <a:ext cx="422787" cy="598539"/>
+          </a:xfrm>
+          <a:prstGeom prst="rect">
+            <a:avLst/>
+          </a:prstGeom>
+          <a:solidFill>
+            <a:schemeClr val="bg2"/>
+          </a:solidFill>
+          <a:ln w="19050">
+            <a:solidFill>
+              <a:schemeClr val="tx1"/>
+            </a:solidFill>
+          </a:ln>
+        </p:spPr>
+        <p:style>
+          <a:lnRef idx="2">
+            <a:schemeClr val="accent1">
+              <a:shade val="50000"/>
+            </a:schemeClr>
+          </a:lnRef>
+          <a:fillRef idx="1">
+            <a:schemeClr val="accent1"/>
+          </a:fillRef>
+          <a:effectRef idx="0">
+            <a:schemeClr val="accent1"/>
+          </a:effectRef>
+          <a:fontRef idx="minor">
+            <a:schemeClr val="lt1"/>
+          </a:fontRef>
+        </p:style>
+        <p:txBody>
+          <a:bodyPr rtlCol="0" anchor="ctr"/>
+          <a:lstStyle/>
+          <a:p>
+            <a:pPr algn="ctr"/>
+            <a:endParaRPr lang="en-US" dirty="0"/>
+          </a:p>
+        </p:txBody>
+      </p:sp>
+      <p:sp>
+        <p:nvSpPr>
+          <p:cNvPr id="74" name="Rectangle 73">
+            <a:extLst>
+              <a:ext uri="{FF2B5EF4-FFF2-40B4-BE49-F238E27FC236}">
+                <a16:creationId xmlns:a16="http://schemas.microsoft.com/office/drawing/2014/main" id="{0886AA6D-F234-4536-AB6E-66F877195BF9}"/>
+              </a:ext>
+            </a:extLst>
+          </p:cNvPr>
+          <p:cNvSpPr/>
+          <p:nvPr/>
+        </p:nvSpPr>
+        <p:spPr>
+          <a:xfrm>
+            <a:off x="9767764" y="2575378"/>
+            <a:ext cx="422787" cy="314634"/>
+          </a:xfrm>
+          <a:prstGeom prst="rect">
+            <a:avLst/>
+          </a:prstGeom>
+          <a:solidFill>
+            <a:schemeClr val="bg2"/>
+          </a:solidFill>
+          <a:ln w="19050">
+            <a:solidFill>
+              <a:schemeClr val="tx1"/>
+            </a:solidFill>
+          </a:ln>
+        </p:spPr>
+        <p:style>
+          <a:lnRef idx="2">
+            <a:schemeClr val="accent1">
+              <a:shade val="50000"/>
+            </a:schemeClr>
+          </a:lnRef>
+          <a:fillRef idx="1">
+            <a:schemeClr val="accent1"/>
+          </a:fillRef>
+          <a:effectRef idx="0">
+            <a:schemeClr val="accent1"/>
+          </a:effectRef>
+          <a:fontRef idx="minor">
+            <a:schemeClr val="lt1"/>
+          </a:fontRef>
+        </p:style>
+        <p:txBody>
+          <a:bodyPr rtlCol="0" anchor="ctr"/>
+          <a:lstStyle/>
+          <a:p>
+            <a:pPr algn="ctr"/>
+            <a:endParaRPr lang="en-US" dirty="0"/>
+          </a:p>
+        </p:txBody>
+      </p:sp>
+      <p:sp>
+        <p:nvSpPr>
+          <p:cNvPr id="75" name="Rectangle 74">
+            <a:extLst>
+              <a:ext uri="{FF2B5EF4-FFF2-40B4-BE49-F238E27FC236}">
+                <a16:creationId xmlns:a16="http://schemas.microsoft.com/office/drawing/2014/main" id="{5EF96196-9DF8-4B28-B0FE-633EB934974A}"/>
+              </a:ext>
+            </a:extLst>
+          </p:cNvPr>
+          <p:cNvSpPr/>
+          <p:nvPr/>
+        </p:nvSpPr>
+        <p:spPr>
+          <a:xfrm>
+            <a:off x="9768791" y="3012384"/>
+            <a:ext cx="422787" cy="244254"/>
+          </a:xfrm>
+          <a:prstGeom prst="rect">
+            <a:avLst/>
+          </a:prstGeom>
+          <a:solidFill>
+            <a:schemeClr val="bg2"/>
+          </a:solidFill>
+          <a:ln w="19050">
+            <a:solidFill>
+              <a:schemeClr val="tx1"/>
+            </a:solidFill>
+          </a:ln>
+        </p:spPr>
+        <p:style>
+          <a:lnRef idx="2">
+            <a:schemeClr val="accent1">
+              <a:shade val="50000"/>
+            </a:schemeClr>
+          </a:lnRef>
+          <a:fillRef idx="1">
+            <a:schemeClr val="accent1"/>
+          </a:fillRef>
+          <a:effectRef idx="0">
+            <a:schemeClr val="accent1"/>
+          </a:effectRef>
+          <a:fontRef idx="minor">
+            <a:schemeClr val="lt1"/>
+          </a:fontRef>
+        </p:style>
+        <p:txBody>
+          <a:bodyPr rtlCol="0" anchor="ctr"/>
+          <a:lstStyle/>
+          <a:p>
+            <a:pPr algn="ctr"/>
+            <a:endParaRPr lang="en-US" dirty="0"/>
+          </a:p>
+        </p:txBody>
+      </p:sp>
+      <mc:AlternateContent xmlns:mc="http://schemas.openxmlformats.org/markup-compatibility/2006">
+        <mc:Choice xmlns:a14="http://schemas.microsoft.com/office/drawing/2010/main" Requires="a14">
+          <p:sp>
+            <p:nvSpPr>
+              <p:cNvPr id="83" name="TextBox 82">
+                <a:extLst>
+                  <a:ext uri="{FF2B5EF4-FFF2-40B4-BE49-F238E27FC236}">
+                    <a16:creationId xmlns:a16="http://schemas.microsoft.com/office/drawing/2014/main" id="{DBF5F40B-15D1-4D09-B9E1-5F44031ECA2D}"/>
+                  </a:ext>
+                </a:extLst>
+              </p:cNvPr>
+              <p:cNvSpPr txBox="1"/>
+              <p:nvPr/>
+            </p:nvSpPr>
+            <p:spPr>
+              <a:xfrm>
+                <a:off x="871096" y="4655822"/>
+                <a:ext cx="409406" cy="338554"/>
+              </a:xfrm>
+              <a:prstGeom prst="rect">
+                <a:avLst/>
+              </a:prstGeom>
+              <a:noFill/>
+            </p:spPr>
+            <p:txBody>
+              <a:bodyPr wrap="none" rtlCol="0">
+                <a:spAutoFit/>
+              </a:bodyPr>
+              <a:lstStyle/>
+              <a:p>
+                <a:pPr/>
+                <a14:m>
+                  <m:oMathPara xmlns:m="http://schemas.openxmlformats.org/officeDocument/2006/math">
+                    <m:oMathParaPr>
+                      <m:jc m:val="centerGroup"/>
+                    </m:oMathParaPr>
+                    <m:oMath xmlns:m="http://schemas.openxmlformats.org/officeDocument/2006/math">
+                      <m:sSub>
+                        <m:sSubPr>
+                          <m:ctrlPr>
+                            <a:rPr lang="en-US" sz="1600" i="1" dirty="0" smtClean="0">
+                              <a:latin typeface="Cambria Math" panose="02040503050406030204" pitchFamily="18" charset="0"/>
+                            </a:rPr>
+                          </m:ctrlPr>
+                        </m:sSubPr>
+                        <m:e>
+                          <m:r>
+                            <a:rPr lang="en-US" sz="1600" b="0" i="1" dirty="0" smtClean="0">
+                              <a:latin typeface="Cambria Math" panose="02040503050406030204" pitchFamily="18" charset="0"/>
+                            </a:rPr>
+                            <m:t>𝑆</m:t>
+                          </m:r>
+                        </m:e>
+                        <m:sub>
+                          <m:r>
+                            <a:rPr lang="en-US" sz="1600" b="0" i="1" dirty="0" smtClean="0">
+                              <a:latin typeface="Cambria Math" panose="02040503050406030204" pitchFamily="18" charset="0"/>
+                            </a:rPr>
+                            <m:t>𝑡</m:t>
+                          </m:r>
+                        </m:sub>
+                      </m:sSub>
+                    </m:oMath>
+                  </m:oMathPara>
+                </a14:m>
+                <a:endParaRPr lang="en-US" sz="1600" dirty="0"/>
+              </a:p>
+            </p:txBody>
+          </p:sp>
+        </mc:Choice>
+        <mc:Fallback>
+          <p:sp>
+            <p:nvSpPr>
+              <p:cNvPr id="83" name="TextBox 82">
+                <a:extLst>
+                  <a:ext uri="{FF2B5EF4-FFF2-40B4-BE49-F238E27FC236}">
+                    <a16:creationId xmlns:a16="http://schemas.microsoft.com/office/drawing/2014/main" id="{DBF5F40B-15D1-4D09-B9E1-5F44031ECA2D}"/>
+                  </a:ext>
+                </a:extLst>
+              </p:cNvPr>
+              <p:cNvSpPr txBox="1">
+                <a:spLocks noRot="1" noChangeAspect="1" noMove="1" noResize="1" noEditPoints="1" noAdjustHandles="1" noChangeArrowheads="1" noChangeShapeType="1" noTextEdit="1"/>
+              </p:cNvSpPr>
+              <p:nvPr/>
+            </p:nvSpPr>
+            <p:spPr>
+              <a:xfrm>
+                <a:off x="871096" y="4655822"/>
+                <a:ext cx="409406" cy="338554"/>
+              </a:xfrm>
+              <a:prstGeom prst="rect">
+                <a:avLst/>
+              </a:prstGeom>
+              <a:blipFill>
+                <a:blip r:embed="rId3"/>
+                <a:stretch>
+                  <a:fillRect/>
+                </a:stretch>
+              </a:blipFill>
+            </p:spPr>
+            <p:txBody>
+              <a:bodyPr/>
+              <a:lstStyle/>
+              <a:p>
+                <a:r>
+                  <a:rPr lang="en-US">
+                    <a:noFill/>
+                  </a:rPr>
+                  <a:t> </a:t>
+                </a:r>
+              </a:p>
+            </p:txBody>
+          </p:sp>
+        </mc:Fallback>
+      </mc:AlternateContent>
+      <mc:AlternateContent xmlns:mc="http://schemas.openxmlformats.org/markup-compatibility/2006">
+        <mc:Choice xmlns:a14="http://schemas.microsoft.com/office/drawing/2010/main" Requires="a14">
+          <p:sp>
+            <p:nvSpPr>
+              <p:cNvPr id="85" name="TextBox 84">
+                <a:extLst>
+                  <a:ext uri="{FF2B5EF4-FFF2-40B4-BE49-F238E27FC236}">
+                    <a16:creationId xmlns:a16="http://schemas.microsoft.com/office/drawing/2014/main" id="{FC485BF5-0D27-4A97-AD58-DF2D1E737EA1}"/>
+                  </a:ext>
+                </a:extLst>
+              </p:cNvPr>
+              <p:cNvSpPr txBox="1"/>
+              <p:nvPr/>
+            </p:nvSpPr>
+            <p:spPr>
+              <a:xfrm>
+                <a:off x="9699870" y="3301173"/>
+                <a:ext cx="604974" cy="338554"/>
+              </a:xfrm>
+              <a:prstGeom prst="rect">
+                <a:avLst/>
+              </a:prstGeom>
+              <a:noFill/>
+            </p:spPr>
+            <p:txBody>
+              <a:bodyPr wrap="none" rtlCol="0">
+                <a:spAutoFit/>
+              </a:bodyPr>
+              <a:lstStyle/>
+              <a:p>
+                <a:pPr/>
+                <a14:m>
+                  <m:oMathPara xmlns:m="http://schemas.openxmlformats.org/officeDocument/2006/math">
+                    <m:oMathParaPr>
+                      <m:jc m:val="centerGroup"/>
+                    </m:oMathParaPr>
+                    <m:oMath xmlns:m="http://schemas.openxmlformats.org/officeDocument/2006/math">
+                      <m:sSub>
+                        <m:sSubPr>
+                          <m:ctrlPr>
+                            <a:rPr lang="en-US" sz="1600" i="1" dirty="0" smtClean="0">
+                              <a:latin typeface="Cambria Math" panose="02040503050406030204" pitchFamily="18" charset="0"/>
+                            </a:rPr>
+                          </m:ctrlPr>
+                        </m:sSubPr>
+                        <m:e>
+                          <m:r>
+                            <a:rPr lang="en-US" sz="1600" b="0" i="1" dirty="0" smtClean="0">
+                              <a:latin typeface="Cambria Math" panose="02040503050406030204" pitchFamily="18" charset="0"/>
+                            </a:rPr>
+                            <m:t>𝑆</m:t>
+                          </m:r>
+                        </m:e>
+                        <m:sub>
+                          <m:r>
+                            <a:rPr lang="en-US" sz="1600" b="0" i="1" dirty="0" smtClean="0">
+                              <a:latin typeface="Cambria Math" panose="02040503050406030204" pitchFamily="18" charset="0"/>
+                            </a:rPr>
+                            <m:t>𝑡</m:t>
+                          </m:r>
+                          <m:r>
+                            <a:rPr lang="en-US" sz="1600" b="0" i="1" dirty="0" smtClean="0">
+                              <a:latin typeface="Cambria Math" panose="02040503050406030204" pitchFamily="18" charset="0"/>
+                            </a:rPr>
+                            <m:t>+1</m:t>
+                          </m:r>
+                        </m:sub>
+                      </m:sSub>
+                    </m:oMath>
+                  </m:oMathPara>
+                </a14:m>
+                <a:endParaRPr lang="en-US" sz="1600" dirty="0"/>
+              </a:p>
+            </p:txBody>
+          </p:sp>
+        </mc:Choice>
+        <mc:Fallback>
+          <p:sp>
+            <p:nvSpPr>
+              <p:cNvPr id="85" name="TextBox 84">
+                <a:extLst>
+                  <a:ext uri="{FF2B5EF4-FFF2-40B4-BE49-F238E27FC236}">
+                    <a16:creationId xmlns:a16="http://schemas.microsoft.com/office/drawing/2014/main" id="{FC485BF5-0D27-4A97-AD58-DF2D1E737EA1}"/>
+                  </a:ext>
+                </a:extLst>
+              </p:cNvPr>
+              <p:cNvSpPr txBox="1">
+                <a:spLocks noRot="1" noChangeAspect="1" noMove="1" noResize="1" noEditPoints="1" noAdjustHandles="1" noChangeArrowheads="1" noChangeShapeType="1" noTextEdit="1"/>
+              </p:cNvSpPr>
+              <p:nvPr/>
+            </p:nvSpPr>
+            <p:spPr>
+              <a:xfrm>
+                <a:off x="9699870" y="3301173"/>
+                <a:ext cx="604974" cy="338554"/>
+              </a:xfrm>
+              <a:prstGeom prst="rect">
+                <a:avLst/>
+              </a:prstGeom>
+              <a:blipFill>
+                <a:blip r:embed="rId4"/>
+                <a:stretch>
+                  <a:fillRect/>
+                </a:stretch>
+              </a:blipFill>
+            </p:spPr>
+            <p:txBody>
+              <a:bodyPr/>
+              <a:lstStyle/>
+              <a:p>
+                <a:r>
+                  <a:rPr lang="en-US">
+                    <a:noFill/>
+                  </a:rPr>
+                  <a:t> </a:t>
+                </a:r>
+              </a:p>
+            </p:txBody>
+          </p:sp>
+        </mc:Fallback>
+      </mc:AlternateContent>
+      <mc:AlternateContent xmlns:mc="http://schemas.openxmlformats.org/markup-compatibility/2006">
+        <mc:Choice xmlns:a14="http://schemas.microsoft.com/office/drawing/2010/main" Requires="a14">
+          <p:sp>
+            <p:nvSpPr>
+              <p:cNvPr id="87" name="TextBox 86">
+                <a:extLst>
+                  <a:ext uri="{FF2B5EF4-FFF2-40B4-BE49-F238E27FC236}">
+                    <a16:creationId xmlns:a16="http://schemas.microsoft.com/office/drawing/2014/main" id="{FB9C16A0-8A1E-42AF-9789-D79175B11706}"/>
+                  </a:ext>
+                </a:extLst>
+              </p:cNvPr>
+              <p:cNvSpPr txBox="1"/>
+              <p:nvPr/>
+            </p:nvSpPr>
+            <p:spPr>
+              <a:xfrm>
+                <a:off x="1478916" y="5396184"/>
+                <a:ext cx="1179554" cy="346826"/>
+              </a:xfrm>
+              <a:prstGeom prst="rect">
+                <a:avLst/>
+              </a:prstGeom>
+              <a:noFill/>
+            </p:spPr>
+            <p:txBody>
+              <a:bodyPr wrap="none" rtlCol="0">
+                <a:spAutoFit/>
+              </a:bodyPr>
+              <a:lstStyle/>
+              <a:p>
+                <a:pPr/>
+                <a14:m>
+                  <m:oMathPara xmlns:m="http://schemas.openxmlformats.org/officeDocument/2006/math">
+                    <m:oMathParaPr>
+                      <m:jc m:val="centerGroup"/>
+                    </m:oMathParaPr>
+                    <m:oMath xmlns:m="http://schemas.openxmlformats.org/officeDocument/2006/math">
+                      <m:sSub>
+                        <m:sSubPr>
+                          <m:ctrlPr>
+                            <a:rPr lang="en-US" sz="1600" i="1" dirty="0" smtClean="0">
+                              <a:latin typeface="Cambria Math" panose="02040503050406030204" pitchFamily="18" charset="0"/>
+                            </a:rPr>
+                          </m:ctrlPr>
+                        </m:sSubPr>
+                        <m:e>
+                          <m:r>
+                            <a:rPr lang="en-US" sz="1600" b="0" i="1" dirty="0" smtClean="0">
+                              <a:latin typeface="Cambria Math" panose="02040503050406030204" pitchFamily="18" charset="0"/>
+                            </a:rPr>
+                            <m:t>𝑆</m:t>
+                          </m:r>
+                        </m:e>
+                        <m:sub>
+                          <m:r>
+                            <a:rPr lang="en-US" sz="1600" b="0" i="1" dirty="0" smtClean="0">
+                              <a:latin typeface="Cambria Math" panose="02040503050406030204" pitchFamily="18" charset="0"/>
+                            </a:rPr>
+                            <m:t>𝑡</m:t>
+                          </m:r>
+                        </m:sub>
+                      </m:sSub>
+                      <m:r>
+                        <a:rPr lang="en-US" sz="1600" i="1" dirty="0" smtClean="0">
+                          <a:latin typeface="Cambria Math" panose="02040503050406030204" pitchFamily="18" charset="0"/>
+                          <a:ea typeface="Cambria Math" panose="02040503050406030204" pitchFamily="18" charset="0"/>
+                        </a:rPr>
+                        <m:t>∪</m:t>
+                      </m:r>
+                      <m:sSub>
+                        <m:sSubPr>
+                          <m:ctrlPr>
+                            <a:rPr lang="en-US" sz="1600" i="1" dirty="0" smtClean="0">
+                              <a:latin typeface="Cambria Math" panose="02040503050406030204" pitchFamily="18" charset="0"/>
+                              <a:ea typeface="Cambria Math" panose="02040503050406030204" pitchFamily="18" charset="0"/>
+                            </a:rPr>
+                          </m:ctrlPr>
+                        </m:sSubPr>
+                        <m:e>
+                          <m:r>
+                            <a:rPr lang="en-US" sz="1600" b="0" i="1" dirty="0" smtClean="0">
+                              <a:latin typeface="Cambria Math" panose="02040503050406030204" pitchFamily="18" charset="0"/>
+                              <a:ea typeface="Cambria Math" panose="02040503050406030204" pitchFamily="18" charset="0"/>
+                            </a:rPr>
+                            <m:t>𝑆</m:t>
+                          </m:r>
+                        </m:e>
+                        <m:sub>
+                          <m:r>
+                            <a:rPr lang="en-US" sz="1600" b="0" i="1" dirty="0" smtClean="0">
+                              <a:latin typeface="Cambria Math" panose="02040503050406030204" pitchFamily="18" charset="0"/>
+                              <a:ea typeface="Cambria Math" panose="02040503050406030204" pitchFamily="18" charset="0"/>
+                            </a:rPr>
+                            <m:t>𝑡</m:t>
+                          </m:r>
+                          <m:r>
+                            <a:rPr lang="en-US" sz="1600" b="0" i="1" dirty="0" smtClean="0">
+                              <a:latin typeface="Cambria Math" panose="02040503050406030204" pitchFamily="18" charset="0"/>
+                              <a:ea typeface="Cambria Math" panose="02040503050406030204" pitchFamily="18" charset="0"/>
+                            </a:rPr>
+                            <m:t>_</m:t>
+                          </m:r>
+                          <m:r>
+                            <a:rPr lang="en-US" sz="1600" b="0" i="1" dirty="0" smtClean="0">
+                              <a:latin typeface="Cambria Math" panose="02040503050406030204" pitchFamily="18" charset="0"/>
+                              <a:ea typeface="Cambria Math" panose="02040503050406030204" pitchFamily="18" charset="0"/>
+                            </a:rPr>
+                            <m:t>𝑛𝑒𝑤</m:t>
+                          </m:r>
+                        </m:sub>
+                      </m:sSub>
+                    </m:oMath>
+                  </m:oMathPara>
+                </a14:m>
+                <a:endParaRPr lang="en-US" sz="1600" dirty="0"/>
+              </a:p>
+            </p:txBody>
+          </p:sp>
+        </mc:Choice>
+        <mc:Fallback>
+          <p:sp>
+            <p:nvSpPr>
+              <p:cNvPr id="87" name="TextBox 86">
+                <a:extLst>
+                  <a:ext uri="{FF2B5EF4-FFF2-40B4-BE49-F238E27FC236}">
+                    <a16:creationId xmlns:a16="http://schemas.microsoft.com/office/drawing/2014/main" id="{FB9C16A0-8A1E-42AF-9789-D79175B11706}"/>
+                  </a:ext>
+                </a:extLst>
+              </p:cNvPr>
+              <p:cNvSpPr txBox="1">
+                <a:spLocks noRot="1" noChangeAspect="1" noMove="1" noResize="1" noEditPoints="1" noAdjustHandles="1" noChangeArrowheads="1" noChangeShapeType="1" noTextEdit="1"/>
+              </p:cNvSpPr>
+              <p:nvPr/>
+            </p:nvSpPr>
+            <p:spPr>
+              <a:xfrm>
+                <a:off x="1478916" y="5396184"/>
+                <a:ext cx="1179554" cy="346826"/>
+              </a:xfrm>
+              <a:prstGeom prst="rect">
+                <a:avLst/>
+              </a:prstGeom>
+              <a:blipFill>
+                <a:blip r:embed="rId5"/>
+                <a:stretch>
+                  <a:fillRect/>
+                </a:stretch>
+              </a:blipFill>
+            </p:spPr>
+            <p:txBody>
+              <a:bodyPr/>
+              <a:lstStyle/>
+              <a:p>
+                <a:r>
+                  <a:rPr lang="en-US">
+                    <a:noFill/>
+                  </a:rPr>
+                  <a:t> </a:t>
+                </a:r>
+              </a:p>
+            </p:txBody>
+          </p:sp>
+        </mc:Fallback>
+      </mc:AlternateContent>
+      <mc:AlternateContent xmlns:mc="http://schemas.openxmlformats.org/markup-compatibility/2006">
+        <mc:Choice xmlns:a14="http://schemas.microsoft.com/office/drawing/2010/main" Requires="a14">
+          <p:sp>
+            <p:nvSpPr>
+              <p:cNvPr id="88" name="TextBox 87">
+                <a:extLst>
+                  <a:ext uri="{FF2B5EF4-FFF2-40B4-BE49-F238E27FC236}">
+                    <a16:creationId xmlns:a16="http://schemas.microsoft.com/office/drawing/2014/main" id="{95D14E93-E828-471E-91E0-C6E4AD80890E}"/>
+                  </a:ext>
+                </a:extLst>
+              </p:cNvPr>
+              <p:cNvSpPr txBox="1"/>
+              <p:nvPr/>
+            </p:nvSpPr>
+            <p:spPr>
+              <a:xfrm>
+                <a:off x="3032860" y="2770088"/>
+                <a:ext cx="424090" cy="338554"/>
+              </a:xfrm>
+              <a:prstGeom prst="rect">
+                <a:avLst/>
+              </a:prstGeom>
+              <a:noFill/>
+            </p:spPr>
+            <p:txBody>
+              <a:bodyPr wrap="none" rtlCol="0">
+                <a:spAutoFit/>
+              </a:bodyPr>
+              <a:lstStyle/>
+              <a:p>
+                <a:pPr/>
+                <a14:m>
+                  <m:oMathPara xmlns:m="http://schemas.openxmlformats.org/officeDocument/2006/math">
+                    <m:oMathParaPr>
+                      <m:jc m:val="centerGroup"/>
+                    </m:oMathParaPr>
+                    <m:oMath xmlns:m="http://schemas.openxmlformats.org/officeDocument/2006/math">
+                      <m:sSub>
+                        <m:sSubPr>
+                          <m:ctrlPr>
+                            <a:rPr lang="en-US" sz="1600" i="1" dirty="0" smtClean="0">
+                              <a:latin typeface="Cambria Math" panose="02040503050406030204" pitchFamily="18" charset="0"/>
+                            </a:rPr>
+                          </m:ctrlPr>
+                        </m:sSubPr>
+                        <m:e>
+                          <m:r>
+                            <a:rPr lang="en-US" sz="1600" b="0" i="1" dirty="0" smtClean="0">
+                              <a:latin typeface="Cambria Math" panose="02040503050406030204" pitchFamily="18" charset="0"/>
+                            </a:rPr>
+                            <m:t>𝐹</m:t>
+                          </m:r>
+                        </m:e>
+                        <m:sub>
+                          <m:r>
+                            <a:rPr lang="en-US" sz="1600" b="0" i="1" dirty="0" smtClean="0">
+                              <a:latin typeface="Cambria Math" panose="02040503050406030204" pitchFamily="18" charset="0"/>
+                            </a:rPr>
+                            <m:t>1</m:t>
+                          </m:r>
+                        </m:sub>
+                      </m:sSub>
+                    </m:oMath>
+                  </m:oMathPara>
+                </a14:m>
+                <a:endParaRPr lang="en-US" sz="1600" dirty="0"/>
+              </a:p>
+            </p:txBody>
+          </p:sp>
+        </mc:Choice>
+        <mc:Fallback>
+          <p:sp>
+            <p:nvSpPr>
+              <p:cNvPr id="88" name="TextBox 87">
+                <a:extLst>
+                  <a:ext uri="{FF2B5EF4-FFF2-40B4-BE49-F238E27FC236}">
+                    <a16:creationId xmlns:a16="http://schemas.microsoft.com/office/drawing/2014/main" id="{95D14E93-E828-471E-91E0-C6E4AD80890E}"/>
+                  </a:ext>
+                </a:extLst>
+              </p:cNvPr>
+              <p:cNvSpPr txBox="1">
+                <a:spLocks noRot="1" noChangeAspect="1" noMove="1" noResize="1" noEditPoints="1" noAdjustHandles="1" noChangeArrowheads="1" noChangeShapeType="1" noTextEdit="1"/>
+              </p:cNvSpPr>
+              <p:nvPr/>
+            </p:nvSpPr>
+            <p:spPr>
+              <a:xfrm>
+                <a:off x="3032860" y="2770088"/>
+                <a:ext cx="424090" cy="338554"/>
+              </a:xfrm>
+              <a:prstGeom prst="rect">
+                <a:avLst/>
+              </a:prstGeom>
+              <a:blipFill>
+                <a:blip r:embed="rId6"/>
+                <a:stretch>
+                  <a:fillRect/>
+                </a:stretch>
+              </a:blipFill>
+            </p:spPr>
+            <p:txBody>
+              <a:bodyPr/>
+              <a:lstStyle/>
+              <a:p>
+                <a:r>
+                  <a:rPr lang="en-US">
+                    <a:noFill/>
+                  </a:rPr>
+                  <a:t> </a:t>
+                </a:r>
+              </a:p>
+            </p:txBody>
+          </p:sp>
+        </mc:Fallback>
+      </mc:AlternateContent>
+      <mc:AlternateContent xmlns:mc="http://schemas.openxmlformats.org/markup-compatibility/2006">
+        <mc:Choice xmlns:a14="http://schemas.microsoft.com/office/drawing/2010/main" Requires="a14">
+          <p:sp>
+            <p:nvSpPr>
+              <p:cNvPr id="89" name="TextBox 88">
+                <a:extLst>
+                  <a:ext uri="{FF2B5EF4-FFF2-40B4-BE49-F238E27FC236}">
+                    <a16:creationId xmlns:a16="http://schemas.microsoft.com/office/drawing/2014/main" id="{D818A2FF-D164-47F3-88CC-F6C08E8BC518}"/>
+                  </a:ext>
+                </a:extLst>
+              </p:cNvPr>
+              <p:cNvSpPr txBox="1"/>
+              <p:nvPr/>
+            </p:nvSpPr>
+            <p:spPr>
+              <a:xfrm>
+                <a:off x="3023192" y="3321669"/>
+                <a:ext cx="428835" cy="338554"/>
+              </a:xfrm>
+              <a:prstGeom prst="rect">
+                <a:avLst/>
+              </a:prstGeom>
+              <a:noFill/>
+            </p:spPr>
+            <p:txBody>
+              <a:bodyPr wrap="none" rtlCol="0">
+                <a:spAutoFit/>
+              </a:bodyPr>
+              <a:lstStyle/>
+              <a:p>
+                <a:pPr/>
+                <a14:m>
+                  <m:oMathPara xmlns:m="http://schemas.openxmlformats.org/officeDocument/2006/math">
+                    <m:oMathParaPr>
+                      <m:jc m:val="centerGroup"/>
+                    </m:oMathParaPr>
+                    <m:oMath xmlns:m="http://schemas.openxmlformats.org/officeDocument/2006/math">
+                      <m:sSub>
+                        <m:sSubPr>
+                          <m:ctrlPr>
+                            <a:rPr lang="en-US" sz="1600" i="1" dirty="0" smtClean="0">
+                              <a:latin typeface="Cambria Math" panose="02040503050406030204" pitchFamily="18" charset="0"/>
+                            </a:rPr>
+                          </m:ctrlPr>
+                        </m:sSubPr>
+                        <m:e>
+                          <m:r>
+                            <a:rPr lang="en-US" sz="1600" b="0" i="1" dirty="0" smtClean="0">
+                              <a:latin typeface="Cambria Math" panose="02040503050406030204" pitchFamily="18" charset="0"/>
+                            </a:rPr>
+                            <m:t>𝐹</m:t>
+                          </m:r>
+                        </m:e>
+                        <m:sub>
+                          <m:r>
+                            <a:rPr lang="en-US" sz="1600" b="0" i="1" dirty="0" smtClean="0">
+                              <a:latin typeface="Cambria Math" panose="02040503050406030204" pitchFamily="18" charset="0"/>
+                            </a:rPr>
+                            <m:t>2</m:t>
+                          </m:r>
+                        </m:sub>
+                      </m:sSub>
+                    </m:oMath>
+                  </m:oMathPara>
+                </a14:m>
+                <a:endParaRPr lang="en-US" sz="1600" dirty="0"/>
+              </a:p>
+            </p:txBody>
+          </p:sp>
+        </mc:Choice>
+        <mc:Fallback>
+          <p:sp>
+            <p:nvSpPr>
+              <p:cNvPr id="89" name="TextBox 88">
+                <a:extLst>
+                  <a:ext uri="{FF2B5EF4-FFF2-40B4-BE49-F238E27FC236}">
+                    <a16:creationId xmlns:a16="http://schemas.microsoft.com/office/drawing/2014/main" id="{D818A2FF-D164-47F3-88CC-F6C08E8BC518}"/>
+                  </a:ext>
+                </a:extLst>
+              </p:cNvPr>
+              <p:cNvSpPr txBox="1">
+                <a:spLocks noRot="1" noChangeAspect="1" noMove="1" noResize="1" noEditPoints="1" noAdjustHandles="1" noChangeArrowheads="1" noChangeShapeType="1" noTextEdit="1"/>
+              </p:cNvSpPr>
+              <p:nvPr/>
+            </p:nvSpPr>
+            <p:spPr>
+              <a:xfrm>
+                <a:off x="3023192" y="3321669"/>
+                <a:ext cx="428835" cy="338554"/>
+              </a:xfrm>
+              <a:prstGeom prst="rect">
+                <a:avLst/>
+              </a:prstGeom>
+              <a:blipFill>
+                <a:blip r:embed="rId7"/>
+                <a:stretch>
+                  <a:fillRect/>
+                </a:stretch>
+              </a:blipFill>
+            </p:spPr>
+            <p:txBody>
+              <a:bodyPr/>
+              <a:lstStyle/>
+              <a:p>
+                <a:r>
+                  <a:rPr lang="en-US">
+                    <a:noFill/>
+                  </a:rPr>
+                  <a:t> </a:t>
+                </a:r>
+              </a:p>
+            </p:txBody>
+          </p:sp>
+        </mc:Fallback>
+      </mc:AlternateContent>
+      <mc:AlternateContent xmlns:mc="http://schemas.openxmlformats.org/markup-compatibility/2006">
+        <mc:Choice xmlns:a14="http://schemas.microsoft.com/office/drawing/2010/main" Requires="a14">
+          <p:sp>
+            <p:nvSpPr>
+              <p:cNvPr id="90" name="TextBox 89">
+                <a:extLst>
+                  <a:ext uri="{FF2B5EF4-FFF2-40B4-BE49-F238E27FC236}">
+                    <a16:creationId xmlns:a16="http://schemas.microsoft.com/office/drawing/2014/main" id="{6A52F796-F9F0-451C-B326-73023B5E4C44}"/>
+                  </a:ext>
+                </a:extLst>
+              </p:cNvPr>
+              <p:cNvSpPr txBox="1"/>
+              <p:nvPr/>
+            </p:nvSpPr>
+            <p:spPr>
+              <a:xfrm>
+                <a:off x="3013248" y="3892437"/>
+                <a:ext cx="428835" cy="338554"/>
+              </a:xfrm>
+              <a:prstGeom prst="rect">
+                <a:avLst/>
+              </a:prstGeom>
+              <a:noFill/>
+            </p:spPr>
+            <p:txBody>
+              <a:bodyPr wrap="none" rtlCol="0">
+                <a:spAutoFit/>
+              </a:bodyPr>
+              <a:lstStyle/>
+              <a:p>
+                <a:pPr/>
+                <a14:m>
+                  <m:oMathPara xmlns:m="http://schemas.openxmlformats.org/officeDocument/2006/math">
+                    <m:oMathParaPr>
+                      <m:jc m:val="centerGroup"/>
+                    </m:oMathParaPr>
+                    <m:oMath xmlns:m="http://schemas.openxmlformats.org/officeDocument/2006/math">
+                      <m:sSub>
+                        <m:sSubPr>
+                          <m:ctrlPr>
+                            <a:rPr lang="en-US" sz="1600" i="1" dirty="0" smtClean="0">
+                              <a:latin typeface="Cambria Math" panose="02040503050406030204" pitchFamily="18" charset="0"/>
+                            </a:rPr>
+                          </m:ctrlPr>
+                        </m:sSubPr>
+                        <m:e>
+                          <m:r>
+                            <a:rPr lang="en-US" sz="1600" b="0" i="1" dirty="0" smtClean="0">
+                              <a:latin typeface="Cambria Math" panose="02040503050406030204" pitchFamily="18" charset="0"/>
+                            </a:rPr>
+                            <m:t>𝐹</m:t>
+                          </m:r>
+                        </m:e>
+                        <m:sub>
+                          <m:r>
+                            <a:rPr lang="en-US" sz="1600" b="0" i="1" dirty="0" smtClean="0">
+                              <a:latin typeface="Cambria Math" panose="02040503050406030204" pitchFamily="18" charset="0"/>
+                            </a:rPr>
+                            <m:t>3</m:t>
+                          </m:r>
+                        </m:sub>
+                      </m:sSub>
+                    </m:oMath>
+                  </m:oMathPara>
+                </a14:m>
+                <a:endParaRPr lang="en-US" sz="1600" dirty="0"/>
+              </a:p>
+            </p:txBody>
+          </p:sp>
+        </mc:Choice>
+        <mc:Fallback>
+          <p:sp>
+            <p:nvSpPr>
+              <p:cNvPr id="90" name="TextBox 89">
+                <a:extLst>
+                  <a:ext uri="{FF2B5EF4-FFF2-40B4-BE49-F238E27FC236}">
+                    <a16:creationId xmlns:a16="http://schemas.microsoft.com/office/drawing/2014/main" id="{6A52F796-F9F0-451C-B326-73023B5E4C44}"/>
+                  </a:ext>
+                </a:extLst>
+              </p:cNvPr>
+              <p:cNvSpPr txBox="1">
+                <a:spLocks noRot="1" noChangeAspect="1" noMove="1" noResize="1" noEditPoints="1" noAdjustHandles="1" noChangeArrowheads="1" noChangeShapeType="1" noTextEdit="1"/>
+              </p:cNvSpPr>
+              <p:nvPr/>
+            </p:nvSpPr>
+            <p:spPr>
+              <a:xfrm>
+                <a:off x="3013248" y="3892437"/>
+                <a:ext cx="428835" cy="338554"/>
+              </a:xfrm>
+              <a:prstGeom prst="rect">
+                <a:avLst/>
+              </a:prstGeom>
+              <a:blipFill>
+                <a:blip r:embed="rId8"/>
+                <a:stretch>
+                  <a:fillRect/>
+                </a:stretch>
+              </a:blipFill>
+            </p:spPr>
+            <p:txBody>
+              <a:bodyPr/>
+              <a:lstStyle/>
+              <a:p>
+                <a:r>
+                  <a:rPr lang="en-US">
+                    <a:noFill/>
+                  </a:rPr>
+                  <a:t> </a:t>
+                </a:r>
+              </a:p>
+            </p:txBody>
+          </p:sp>
+        </mc:Fallback>
+      </mc:AlternateContent>
+      <mc:AlternateContent xmlns:mc="http://schemas.openxmlformats.org/markup-compatibility/2006">
+        <mc:Choice xmlns:a14="http://schemas.microsoft.com/office/drawing/2010/main" Requires="a14">
+          <p:sp>
+            <p:nvSpPr>
+              <p:cNvPr id="91" name="TextBox 90">
+                <a:extLst>
+                  <a:ext uri="{FF2B5EF4-FFF2-40B4-BE49-F238E27FC236}">
+                    <a16:creationId xmlns:a16="http://schemas.microsoft.com/office/drawing/2014/main" id="{EB7DE263-3605-4936-9178-B10F08591B95}"/>
+                  </a:ext>
+                </a:extLst>
+              </p:cNvPr>
+              <p:cNvSpPr txBox="1"/>
+              <p:nvPr/>
+            </p:nvSpPr>
+            <p:spPr>
+              <a:xfrm>
+                <a:off x="6707611" y="4742505"/>
+                <a:ext cx="412164" cy="338554"/>
+              </a:xfrm>
+              <a:prstGeom prst="rect">
+                <a:avLst/>
+              </a:prstGeom>
+              <a:noFill/>
+            </p:spPr>
+            <p:txBody>
+              <a:bodyPr wrap="none" rtlCol="0">
+                <a:spAutoFit/>
+              </a:bodyPr>
+              <a:lstStyle/>
+              <a:p>
+                <a:pPr/>
+                <a14:m>
+                  <m:oMathPara xmlns:m="http://schemas.openxmlformats.org/officeDocument/2006/math">
+                    <m:oMathParaPr>
+                      <m:jc m:val="centerGroup"/>
+                    </m:oMathParaPr>
+                    <m:oMath xmlns:m="http://schemas.openxmlformats.org/officeDocument/2006/math">
+                      <m:sSubSup>
+                        <m:sSubSupPr>
+                          <m:ctrlPr>
+                            <a:rPr lang="en-US" sz="1600" i="1" smtClean="0">
+                              <a:latin typeface="Cambria Math" panose="02040503050406030204" pitchFamily="18" charset="0"/>
+                            </a:rPr>
+                          </m:ctrlPr>
+                        </m:sSubSupPr>
+                        <m:e>
+                          <m:r>
+                            <a:rPr lang="en-US" sz="1600" b="0" i="1" smtClean="0">
+                              <a:latin typeface="Cambria Math" panose="02040503050406030204" pitchFamily="18" charset="0"/>
+                            </a:rPr>
+                            <m:t>𝑆</m:t>
+                          </m:r>
+                        </m:e>
+                        <m:sub>
+                          <m:r>
+                            <a:rPr lang="en-US" sz="1600" b="0" i="1" smtClean="0">
+                              <a:latin typeface="Cambria Math" panose="02040503050406030204" pitchFamily="18" charset="0"/>
+                            </a:rPr>
+                            <m:t>𝑡</m:t>
+                          </m:r>
+                        </m:sub>
+                        <m:sup>
+                          <m:r>
+                            <a:rPr lang="en-US" sz="1600" b="0" i="1" smtClean="0">
+                              <a:latin typeface="Cambria Math" panose="02040503050406030204" pitchFamily="18" charset="0"/>
+                            </a:rPr>
+                            <m:t>′</m:t>
+                          </m:r>
+                        </m:sup>
+                      </m:sSubSup>
+                    </m:oMath>
+                  </m:oMathPara>
+                </a14:m>
+                <a:endParaRPr lang="en-US" sz="1600" dirty="0"/>
+              </a:p>
+            </p:txBody>
+          </p:sp>
+        </mc:Choice>
+        <mc:Fallback>
+          <p:sp>
+            <p:nvSpPr>
+              <p:cNvPr id="91" name="TextBox 90">
+                <a:extLst>
+                  <a:ext uri="{FF2B5EF4-FFF2-40B4-BE49-F238E27FC236}">
+                    <a16:creationId xmlns:a16="http://schemas.microsoft.com/office/drawing/2014/main" id="{EB7DE263-3605-4936-9178-B10F08591B95}"/>
+                  </a:ext>
+                </a:extLst>
+              </p:cNvPr>
+              <p:cNvSpPr txBox="1">
+                <a:spLocks noRot="1" noChangeAspect="1" noMove="1" noResize="1" noEditPoints="1" noAdjustHandles="1" noChangeArrowheads="1" noChangeShapeType="1" noTextEdit="1"/>
+              </p:cNvSpPr>
+              <p:nvPr/>
+            </p:nvSpPr>
+            <p:spPr>
+              <a:xfrm>
+                <a:off x="6707611" y="4742505"/>
+                <a:ext cx="412164" cy="338554"/>
+              </a:xfrm>
+              <a:prstGeom prst="rect">
+                <a:avLst/>
+              </a:prstGeom>
+              <a:blipFill>
+                <a:blip r:embed="rId9"/>
+                <a:stretch>
+                  <a:fillRect/>
+                </a:stretch>
+              </a:blipFill>
+            </p:spPr>
+            <p:txBody>
+              <a:bodyPr/>
+              <a:lstStyle/>
+              <a:p>
+                <a:r>
+                  <a:rPr lang="en-US">
+                    <a:noFill/>
+                  </a:rPr>
+                  <a:t> </a:t>
+                </a:r>
+              </a:p>
+            </p:txBody>
+          </p:sp>
+        </mc:Fallback>
+      </mc:AlternateContent>
+      <mc:AlternateContent xmlns:mc="http://schemas.openxmlformats.org/markup-compatibility/2006">
+        <mc:Choice xmlns:a14="http://schemas.microsoft.com/office/drawing/2010/main" Requires="a14">
+          <p:sp>
+            <p:nvSpPr>
+              <p:cNvPr id="93" name="TextBox 92">
+                <a:extLst>
+                  <a:ext uri="{FF2B5EF4-FFF2-40B4-BE49-F238E27FC236}">
+                    <a16:creationId xmlns:a16="http://schemas.microsoft.com/office/drawing/2014/main" id="{49245CF3-F8BE-4F53-BB78-F5F7F536FB77}"/>
+                  </a:ext>
+                </a:extLst>
+              </p:cNvPr>
+              <p:cNvSpPr txBox="1"/>
+              <p:nvPr/>
+            </p:nvSpPr>
+            <p:spPr>
+              <a:xfrm>
+                <a:off x="8394207" y="1979131"/>
+                <a:ext cx="424090" cy="338554"/>
+              </a:xfrm>
+              <a:prstGeom prst="rect">
+                <a:avLst/>
+              </a:prstGeom>
+              <a:noFill/>
+            </p:spPr>
+            <p:txBody>
+              <a:bodyPr wrap="none" rtlCol="0">
+                <a:spAutoFit/>
+              </a:bodyPr>
+              <a:lstStyle/>
+              <a:p>
+                <a:pPr/>
+                <a14:m>
+                  <m:oMathPara xmlns:m="http://schemas.openxmlformats.org/officeDocument/2006/math">
+                    <m:oMathParaPr>
+                      <m:jc m:val="centerGroup"/>
+                    </m:oMathParaPr>
+                    <m:oMath xmlns:m="http://schemas.openxmlformats.org/officeDocument/2006/math">
+                      <m:sSub>
+                        <m:sSubPr>
+                          <m:ctrlPr>
+                            <a:rPr lang="en-US" sz="1600" i="1" dirty="0" smtClean="0">
+                              <a:latin typeface="Cambria Math" panose="02040503050406030204" pitchFamily="18" charset="0"/>
+                            </a:rPr>
+                          </m:ctrlPr>
+                        </m:sSubPr>
+                        <m:e>
+                          <m:r>
+                            <a:rPr lang="en-US" sz="1600" b="0" i="1" dirty="0" smtClean="0">
+                              <a:latin typeface="Cambria Math" panose="02040503050406030204" pitchFamily="18" charset="0"/>
+                            </a:rPr>
+                            <m:t>𝐹</m:t>
+                          </m:r>
+                        </m:e>
+                        <m:sub>
+                          <m:r>
+                            <a:rPr lang="en-US" sz="1600" b="0" i="1" dirty="0" smtClean="0">
+                              <a:latin typeface="Cambria Math" panose="02040503050406030204" pitchFamily="18" charset="0"/>
+                            </a:rPr>
+                            <m:t>1</m:t>
+                          </m:r>
+                        </m:sub>
+                      </m:sSub>
+                    </m:oMath>
+                  </m:oMathPara>
+                </a14:m>
+                <a:endParaRPr lang="en-US" sz="1600" dirty="0"/>
+              </a:p>
+            </p:txBody>
+          </p:sp>
+        </mc:Choice>
+        <mc:Fallback>
+          <p:sp>
+            <p:nvSpPr>
+              <p:cNvPr id="93" name="TextBox 92">
+                <a:extLst>
+                  <a:ext uri="{FF2B5EF4-FFF2-40B4-BE49-F238E27FC236}">
+                    <a16:creationId xmlns:a16="http://schemas.microsoft.com/office/drawing/2014/main" id="{49245CF3-F8BE-4F53-BB78-F5F7F536FB77}"/>
+                  </a:ext>
+                </a:extLst>
+              </p:cNvPr>
+              <p:cNvSpPr txBox="1">
+                <a:spLocks noRot="1" noChangeAspect="1" noMove="1" noResize="1" noEditPoints="1" noAdjustHandles="1" noChangeArrowheads="1" noChangeShapeType="1" noTextEdit="1"/>
+              </p:cNvSpPr>
+              <p:nvPr/>
+            </p:nvSpPr>
+            <p:spPr>
+              <a:xfrm>
+                <a:off x="8394207" y="1979131"/>
+                <a:ext cx="424090" cy="338554"/>
+              </a:xfrm>
+              <a:prstGeom prst="rect">
+                <a:avLst/>
+              </a:prstGeom>
+              <a:blipFill>
+                <a:blip r:embed="rId10"/>
+                <a:stretch>
+                  <a:fillRect/>
+                </a:stretch>
+              </a:blipFill>
+            </p:spPr>
+            <p:txBody>
+              <a:bodyPr/>
+              <a:lstStyle/>
+              <a:p>
+                <a:r>
+                  <a:rPr lang="en-US">
+                    <a:noFill/>
+                  </a:rPr>
+                  <a:t> </a:t>
+                </a:r>
+              </a:p>
+            </p:txBody>
+          </p:sp>
+        </mc:Fallback>
+      </mc:AlternateContent>
+      <mc:AlternateContent xmlns:mc="http://schemas.openxmlformats.org/markup-compatibility/2006">
+        <mc:Choice xmlns:a14="http://schemas.microsoft.com/office/drawing/2010/main" Requires="a14">
+          <p:sp>
+            <p:nvSpPr>
+              <p:cNvPr id="94" name="TextBox 93">
+                <a:extLst>
+                  <a:ext uri="{FF2B5EF4-FFF2-40B4-BE49-F238E27FC236}">
+                    <a16:creationId xmlns:a16="http://schemas.microsoft.com/office/drawing/2014/main" id="{ED0D1449-5D9C-45AF-B810-93021EA0EAF9}"/>
+                  </a:ext>
+                </a:extLst>
+              </p:cNvPr>
+              <p:cNvSpPr txBox="1"/>
+              <p:nvPr/>
+            </p:nvSpPr>
+            <p:spPr>
+              <a:xfrm>
+                <a:off x="8381951" y="2561820"/>
+                <a:ext cx="428835" cy="338554"/>
+              </a:xfrm>
+              <a:prstGeom prst="rect">
+                <a:avLst/>
+              </a:prstGeom>
+              <a:noFill/>
+            </p:spPr>
+            <p:txBody>
+              <a:bodyPr wrap="none" rtlCol="0">
+                <a:spAutoFit/>
+              </a:bodyPr>
+              <a:lstStyle/>
+              <a:p>
+                <a:pPr/>
+                <a14:m>
+                  <m:oMathPara xmlns:m="http://schemas.openxmlformats.org/officeDocument/2006/math">
+                    <m:oMathParaPr>
+                      <m:jc m:val="centerGroup"/>
+                    </m:oMathParaPr>
+                    <m:oMath xmlns:m="http://schemas.openxmlformats.org/officeDocument/2006/math">
+                      <m:sSub>
+                        <m:sSubPr>
+                          <m:ctrlPr>
+                            <a:rPr lang="en-US" sz="1600" i="1" dirty="0" smtClean="0">
+                              <a:latin typeface="Cambria Math" panose="02040503050406030204" pitchFamily="18" charset="0"/>
+                            </a:rPr>
+                          </m:ctrlPr>
+                        </m:sSubPr>
+                        <m:e>
+                          <m:r>
+                            <a:rPr lang="en-US" sz="1600" b="0" i="1" dirty="0" smtClean="0">
+                              <a:latin typeface="Cambria Math" panose="02040503050406030204" pitchFamily="18" charset="0"/>
+                            </a:rPr>
+                            <m:t>𝐹</m:t>
+                          </m:r>
+                        </m:e>
+                        <m:sub>
+                          <m:r>
+                            <a:rPr lang="en-US" sz="1600" b="0" i="1" dirty="0" smtClean="0">
+                              <a:latin typeface="Cambria Math" panose="02040503050406030204" pitchFamily="18" charset="0"/>
+                            </a:rPr>
+                            <m:t>2</m:t>
+                          </m:r>
+                        </m:sub>
+                      </m:sSub>
+                    </m:oMath>
+                  </m:oMathPara>
+                </a14:m>
+                <a:endParaRPr lang="en-US" sz="1600" dirty="0"/>
+              </a:p>
+            </p:txBody>
+          </p:sp>
+        </mc:Choice>
+        <mc:Fallback>
+          <p:sp>
+            <p:nvSpPr>
+              <p:cNvPr id="94" name="TextBox 93">
+                <a:extLst>
+                  <a:ext uri="{FF2B5EF4-FFF2-40B4-BE49-F238E27FC236}">
+                    <a16:creationId xmlns:a16="http://schemas.microsoft.com/office/drawing/2014/main" id="{ED0D1449-5D9C-45AF-B810-93021EA0EAF9}"/>
+                  </a:ext>
+                </a:extLst>
+              </p:cNvPr>
+              <p:cNvSpPr txBox="1">
+                <a:spLocks noRot="1" noChangeAspect="1" noMove="1" noResize="1" noEditPoints="1" noAdjustHandles="1" noChangeArrowheads="1" noChangeShapeType="1" noTextEdit="1"/>
+              </p:cNvSpPr>
+              <p:nvPr/>
+            </p:nvSpPr>
+            <p:spPr>
+              <a:xfrm>
+                <a:off x="8381951" y="2561820"/>
+                <a:ext cx="428835" cy="338554"/>
+              </a:xfrm>
+              <a:prstGeom prst="rect">
+                <a:avLst/>
+              </a:prstGeom>
+              <a:blipFill>
+                <a:blip r:embed="rId11"/>
+                <a:stretch>
+                  <a:fillRect/>
+                </a:stretch>
+              </a:blipFill>
+            </p:spPr>
+            <p:txBody>
+              <a:bodyPr/>
+              <a:lstStyle/>
+              <a:p>
+                <a:r>
+                  <a:rPr lang="en-US">
+                    <a:noFill/>
+                  </a:rPr>
+                  <a:t> </a:t>
+                </a:r>
+              </a:p>
+            </p:txBody>
+          </p:sp>
+        </mc:Fallback>
+      </mc:AlternateContent>
+      <mc:AlternateContent xmlns:mc="http://schemas.openxmlformats.org/markup-compatibility/2006">
+        <mc:Choice xmlns:a14="http://schemas.microsoft.com/office/drawing/2010/main" Requires="a14">
+          <p:sp>
+            <p:nvSpPr>
+              <p:cNvPr id="95" name="TextBox 94">
+                <a:extLst>
+                  <a:ext uri="{FF2B5EF4-FFF2-40B4-BE49-F238E27FC236}">
+                    <a16:creationId xmlns:a16="http://schemas.microsoft.com/office/drawing/2014/main" id="{740EE673-0143-41F6-A11A-572002C2FA8A}"/>
+                  </a:ext>
+                </a:extLst>
+              </p:cNvPr>
+              <p:cNvSpPr txBox="1"/>
+              <p:nvPr/>
+            </p:nvSpPr>
+            <p:spPr>
+              <a:xfrm>
+                <a:off x="8382309" y="3018947"/>
+                <a:ext cx="428835" cy="338554"/>
+              </a:xfrm>
+              <a:prstGeom prst="rect">
+                <a:avLst/>
+              </a:prstGeom>
+              <a:noFill/>
+            </p:spPr>
+            <p:txBody>
+              <a:bodyPr wrap="none" rtlCol="0">
+                <a:spAutoFit/>
+              </a:bodyPr>
+              <a:lstStyle/>
+              <a:p>
+                <a:pPr/>
+                <a14:m>
+                  <m:oMathPara xmlns:m="http://schemas.openxmlformats.org/officeDocument/2006/math">
+                    <m:oMathParaPr>
+                      <m:jc m:val="centerGroup"/>
+                    </m:oMathParaPr>
+                    <m:oMath xmlns:m="http://schemas.openxmlformats.org/officeDocument/2006/math">
+                      <m:sSub>
+                        <m:sSubPr>
+                          <m:ctrlPr>
+                            <a:rPr lang="en-US" sz="1600" i="1" dirty="0" smtClean="0">
+                              <a:latin typeface="Cambria Math" panose="02040503050406030204" pitchFamily="18" charset="0"/>
+                            </a:rPr>
+                          </m:ctrlPr>
+                        </m:sSubPr>
+                        <m:e>
+                          <m:r>
+                            <a:rPr lang="en-US" sz="1600" b="0" i="1" dirty="0" smtClean="0">
+                              <a:latin typeface="Cambria Math" panose="02040503050406030204" pitchFamily="18" charset="0"/>
+                            </a:rPr>
+                            <m:t>𝐹</m:t>
+                          </m:r>
+                        </m:e>
+                        <m:sub>
+                          <m:r>
+                            <a:rPr lang="en-US" sz="1600" b="0" i="1" dirty="0" smtClean="0">
+                              <a:latin typeface="Cambria Math" panose="02040503050406030204" pitchFamily="18" charset="0"/>
+                            </a:rPr>
+                            <m:t>3</m:t>
+                          </m:r>
+                        </m:sub>
+                      </m:sSub>
+                    </m:oMath>
+                  </m:oMathPara>
+                </a14:m>
+                <a:endParaRPr lang="en-US" sz="1600" dirty="0"/>
+              </a:p>
+            </p:txBody>
+          </p:sp>
+        </mc:Choice>
+        <mc:Fallback>
+          <p:sp>
+            <p:nvSpPr>
+              <p:cNvPr id="95" name="TextBox 94">
+                <a:extLst>
+                  <a:ext uri="{FF2B5EF4-FFF2-40B4-BE49-F238E27FC236}">
+                    <a16:creationId xmlns:a16="http://schemas.microsoft.com/office/drawing/2014/main" id="{740EE673-0143-41F6-A11A-572002C2FA8A}"/>
+                  </a:ext>
+                </a:extLst>
+              </p:cNvPr>
+              <p:cNvSpPr txBox="1">
+                <a:spLocks noRot="1" noChangeAspect="1" noMove="1" noResize="1" noEditPoints="1" noAdjustHandles="1" noChangeArrowheads="1" noChangeShapeType="1" noTextEdit="1"/>
+              </p:cNvSpPr>
+              <p:nvPr/>
+            </p:nvSpPr>
+            <p:spPr>
+              <a:xfrm>
+                <a:off x="8382309" y="3018947"/>
+                <a:ext cx="428835" cy="338554"/>
+              </a:xfrm>
+              <a:prstGeom prst="rect">
+                <a:avLst/>
+              </a:prstGeom>
+              <a:blipFill>
+                <a:blip r:embed="rId12"/>
+                <a:stretch>
+                  <a:fillRect/>
+                </a:stretch>
+              </a:blipFill>
+            </p:spPr>
+            <p:txBody>
+              <a:bodyPr/>
+              <a:lstStyle/>
+              <a:p>
+                <a:r>
+                  <a:rPr lang="en-US">
+                    <a:noFill/>
+                  </a:rPr>
+                  <a:t> </a:t>
+                </a:r>
+              </a:p>
+            </p:txBody>
+          </p:sp>
+        </mc:Fallback>
+      </mc:AlternateContent>
+      <p:sp>
+        <p:nvSpPr>
+          <p:cNvPr id="103" name="TextBox 102">
+            <a:extLst>
+              <a:ext uri="{FF2B5EF4-FFF2-40B4-BE49-F238E27FC236}">
+                <a16:creationId xmlns:a16="http://schemas.microsoft.com/office/drawing/2014/main" id="{A05FD1B5-EE41-4996-8F80-7108D4908046}"/>
+              </a:ext>
+            </a:extLst>
+          </p:cNvPr>
+          <p:cNvSpPr txBox="1"/>
+          <p:nvPr/>
+        </p:nvSpPr>
+        <p:spPr>
+          <a:xfrm>
+            <a:off x="-22913" y="6519446"/>
+            <a:ext cx="1045864" cy="338554"/>
+          </a:xfrm>
+          <a:prstGeom prst="rect">
+            <a:avLst/>
+          </a:prstGeom>
+          <a:noFill/>
+        </p:spPr>
+        <p:txBody>
+          <a:bodyPr wrap="none" rtlCol="0">
+            <a:spAutoFit/>
+          </a:bodyPr>
+          <a:lstStyle/>
+          <a:p>
+            <a:r>
+              <a:rPr lang="en-US" sz="1600" dirty="0"/>
+              <a:t>procedure</a:t>
+            </a:r>
+          </a:p>
+        </p:txBody>
+      </p:sp>
+      <p:sp>
+        <p:nvSpPr>
+          <p:cNvPr id="108" name="Rectangle 107">
+            <a:extLst>
+              <a:ext uri="{FF2B5EF4-FFF2-40B4-BE49-F238E27FC236}">
+                <a16:creationId xmlns:a16="http://schemas.microsoft.com/office/drawing/2014/main" id="{A26D6C76-2233-457E-A1A2-4A40A7E8547B}"/>
+              </a:ext>
+            </a:extLst>
+          </p:cNvPr>
+          <p:cNvSpPr/>
+          <p:nvPr/>
+        </p:nvSpPr>
+        <p:spPr>
+          <a:xfrm>
+            <a:off x="8279905" y="4057305"/>
+            <a:ext cx="639096" cy="2094493"/>
+          </a:xfrm>
+          <a:prstGeom prst="rect">
+            <a:avLst/>
+          </a:prstGeom>
+          <a:noFill/>
+          <a:ln w="19050">
+            <a:solidFill>
+              <a:schemeClr val="tx1"/>
+            </a:solidFill>
+          </a:ln>
+        </p:spPr>
+        <p:style>
+          <a:lnRef idx="2">
+            <a:schemeClr val="accent1">
+              <a:shade val="50000"/>
+            </a:schemeClr>
+          </a:lnRef>
+          <a:fillRef idx="1">
+            <a:schemeClr val="accent1"/>
+          </a:fillRef>
+          <a:effectRef idx="0">
+            <a:schemeClr val="accent1"/>
+          </a:effectRef>
+          <a:fontRef idx="minor">
+            <a:schemeClr val="lt1"/>
+          </a:fontRef>
+        </p:style>
+        <p:txBody>
+          <a:bodyPr rtlCol="0" anchor="ctr"/>
+          <a:lstStyle/>
+          <a:p>
+            <a:pPr algn="ctr"/>
+            <a:endParaRPr lang="en-US"/>
+          </a:p>
+        </p:txBody>
+      </p:sp>
+      <p:sp>
+        <p:nvSpPr>
+          <p:cNvPr id="109" name="Rectangle 108">
+            <a:extLst>
+              <a:ext uri="{FF2B5EF4-FFF2-40B4-BE49-F238E27FC236}">
+                <a16:creationId xmlns:a16="http://schemas.microsoft.com/office/drawing/2014/main" id="{70BAAAEA-FA99-42BA-AE33-60EF3AB8E0C0}"/>
+              </a:ext>
+            </a:extLst>
+          </p:cNvPr>
+          <p:cNvSpPr/>
+          <p:nvPr/>
+        </p:nvSpPr>
+        <p:spPr>
+          <a:xfrm>
+            <a:off x="8375152" y="4156308"/>
+            <a:ext cx="422787" cy="1260194"/>
+          </a:xfrm>
+          <a:prstGeom prst="rect">
+            <a:avLst/>
+          </a:prstGeom>
+          <a:solidFill>
+            <a:schemeClr val="bg2"/>
+          </a:solidFill>
+          <a:ln w="19050">
+            <a:solidFill>
+              <a:schemeClr val="tx1"/>
+            </a:solidFill>
+          </a:ln>
+        </p:spPr>
+        <p:style>
+          <a:lnRef idx="2">
+            <a:schemeClr val="accent1">
+              <a:shade val="50000"/>
+            </a:schemeClr>
+          </a:lnRef>
+          <a:fillRef idx="1">
+            <a:schemeClr val="accent1"/>
+          </a:fillRef>
+          <a:effectRef idx="0">
+            <a:schemeClr val="accent1"/>
+          </a:effectRef>
+          <a:fontRef idx="minor">
+            <a:schemeClr val="lt1"/>
+          </a:fontRef>
+        </p:style>
+        <p:txBody>
+          <a:bodyPr rtlCol="0" anchor="ctr"/>
+          <a:lstStyle/>
+          <a:p>
+            <a:pPr algn="ctr"/>
+            <a:endParaRPr lang="en-US" dirty="0"/>
+          </a:p>
+        </p:txBody>
+      </p:sp>
+      <p:sp>
+        <p:nvSpPr>
+          <p:cNvPr id="110" name="Rectangle 109">
+            <a:extLst>
+              <a:ext uri="{FF2B5EF4-FFF2-40B4-BE49-F238E27FC236}">
+                <a16:creationId xmlns:a16="http://schemas.microsoft.com/office/drawing/2014/main" id="{A78CDD98-AB99-4F94-BDBF-0D3C3D9C90C0}"/>
+              </a:ext>
+            </a:extLst>
+          </p:cNvPr>
+          <p:cNvSpPr/>
+          <p:nvPr/>
+        </p:nvSpPr>
+        <p:spPr>
+          <a:xfrm>
+            <a:off x="8375151" y="5492457"/>
+            <a:ext cx="422787" cy="598539"/>
+          </a:xfrm>
+          <a:prstGeom prst="rect">
+            <a:avLst/>
+          </a:prstGeom>
+          <a:solidFill>
+            <a:schemeClr val="bg2"/>
+          </a:solidFill>
+          <a:ln w="19050">
+            <a:solidFill>
+              <a:schemeClr val="tx1"/>
+            </a:solidFill>
+          </a:ln>
+        </p:spPr>
+        <p:style>
+          <a:lnRef idx="2">
+            <a:schemeClr val="accent1">
+              <a:shade val="50000"/>
+            </a:schemeClr>
+          </a:lnRef>
+          <a:fillRef idx="1">
+            <a:schemeClr val="accent1"/>
+          </a:fillRef>
+          <a:effectRef idx="0">
+            <a:schemeClr val="accent1"/>
+          </a:effectRef>
+          <a:fontRef idx="minor">
+            <a:schemeClr val="lt1"/>
+          </a:fontRef>
+        </p:style>
+        <p:txBody>
+          <a:bodyPr rtlCol="0" anchor="ctr"/>
+          <a:lstStyle/>
+          <a:p>
+            <a:pPr algn="ctr"/>
+            <a:endParaRPr lang="en-US" dirty="0"/>
+          </a:p>
+        </p:txBody>
+      </p:sp>
+      <p:cxnSp>
+        <p:nvCxnSpPr>
+          <p:cNvPr id="111" name="Straight Connector 110">
+            <a:extLst>
+              <a:ext uri="{FF2B5EF4-FFF2-40B4-BE49-F238E27FC236}">
+                <a16:creationId xmlns:a16="http://schemas.microsoft.com/office/drawing/2014/main" id="{C740FB26-F2B5-4358-898C-FE2E85899447}"/>
+              </a:ext>
+            </a:extLst>
+          </p:cNvPr>
+          <p:cNvCxnSpPr/>
+          <p:nvPr/>
+        </p:nvCxnSpPr>
+        <p:spPr>
+          <a:xfrm>
+            <a:off x="7963665" y="6151798"/>
+            <a:ext cx="1323975" cy="0"/>
+          </a:xfrm>
+          <a:prstGeom prst="line">
+            <a:avLst/>
+          </a:prstGeom>
+          <a:ln w="19050">
+            <a:solidFill>
+              <a:schemeClr val="tx1"/>
+            </a:solidFill>
+            <a:prstDash val="sysDash"/>
+          </a:ln>
+        </p:spPr>
+        <p:style>
+          <a:lnRef idx="1">
+            <a:schemeClr val="accent1"/>
+          </a:lnRef>
+          <a:fillRef idx="0">
+            <a:schemeClr val="accent1"/>
+          </a:fillRef>
+          <a:effectRef idx="0">
+            <a:schemeClr val="accent1"/>
+          </a:effectRef>
+          <a:fontRef idx="minor">
+            <a:schemeClr val="tx1"/>
+          </a:fontRef>
+        </p:style>
+      </p:cxnSp>
+      <mc:AlternateContent xmlns:mc="http://schemas.openxmlformats.org/markup-compatibility/2006">
+        <mc:Choice xmlns:a14="http://schemas.microsoft.com/office/drawing/2010/main" Requires="a14">
+          <p:sp>
+            <p:nvSpPr>
+              <p:cNvPr id="112" name="TextBox 111">
+                <a:extLst>
+                  <a:ext uri="{FF2B5EF4-FFF2-40B4-BE49-F238E27FC236}">
+                    <a16:creationId xmlns:a16="http://schemas.microsoft.com/office/drawing/2014/main" id="{3C91805C-4EF4-43F8-9FD5-C75D3C9356B4}"/>
+                  </a:ext>
+                </a:extLst>
+              </p:cNvPr>
+              <p:cNvSpPr txBox="1"/>
+              <p:nvPr/>
+            </p:nvSpPr>
+            <p:spPr>
+              <a:xfrm>
+                <a:off x="8266722" y="6180892"/>
+                <a:ext cx="604974" cy="338554"/>
+              </a:xfrm>
+              <a:prstGeom prst="rect">
+                <a:avLst/>
+              </a:prstGeom>
+              <a:noFill/>
+            </p:spPr>
+            <p:txBody>
+              <a:bodyPr wrap="none" rtlCol="0">
+                <a:spAutoFit/>
+              </a:bodyPr>
+              <a:lstStyle/>
+              <a:p>
+                <a:pPr/>
+                <a14:m>
+                  <m:oMathPara xmlns:m="http://schemas.openxmlformats.org/officeDocument/2006/math">
+                    <m:oMathParaPr>
+                      <m:jc m:val="centerGroup"/>
+                    </m:oMathParaPr>
+                    <m:oMath xmlns:m="http://schemas.openxmlformats.org/officeDocument/2006/math">
+                      <m:sSub>
+                        <m:sSubPr>
+                          <m:ctrlPr>
+                            <a:rPr lang="en-US" sz="1600" i="1" dirty="0" smtClean="0">
+                              <a:latin typeface="Cambria Math" panose="02040503050406030204" pitchFamily="18" charset="0"/>
+                            </a:rPr>
+                          </m:ctrlPr>
+                        </m:sSubPr>
+                        <m:e>
+                          <m:r>
+                            <a:rPr lang="en-US" sz="1600" b="0" i="1" dirty="0" smtClean="0">
+                              <a:latin typeface="Cambria Math" panose="02040503050406030204" pitchFamily="18" charset="0"/>
+                            </a:rPr>
+                            <m:t>𝑆</m:t>
+                          </m:r>
+                        </m:e>
+                        <m:sub>
+                          <m:r>
+                            <a:rPr lang="en-US" sz="1600" b="0" i="1" dirty="0" smtClean="0">
+                              <a:latin typeface="Cambria Math" panose="02040503050406030204" pitchFamily="18" charset="0"/>
+                            </a:rPr>
+                            <m:t>𝑡</m:t>
+                          </m:r>
+                          <m:r>
+                            <a:rPr lang="en-US" sz="1600" b="0" i="1" dirty="0" smtClean="0">
+                              <a:latin typeface="Cambria Math" panose="02040503050406030204" pitchFamily="18" charset="0"/>
+                            </a:rPr>
+                            <m:t>+1</m:t>
+                          </m:r>
+                        </m:sub>
+                      </m:sSub>
+                    </m:oMath>
+                  </m:oMathPara>
+                </a14:m>
+                <a:endParaRPr lang="en-US" sz="1600" dirty="0"/>
+              </a:p>
+            </p:txBody>
+          </p:sp>
+        </mc:Choice>
+        <mc:Fallback>
+          <p:sp>
+            <p:nvSpPr>
+              <p:cNvPr id="112" name="TextBox 111">
+                <a:extLst>
+                  <a:ext uri="{FF2B5EF4-FFF2-40B4-BE49-F238E27FC236}">
+                    <a16:creationId xmlns:a16="http://schemas.microsoft.com/office/drawing/2014/main" id="{3C91805C-4EF4-43F8-9FD5-C75D3C9356B4}"/>
+                  </a:ext>
+                </a:extLst>
+              </p:cNvPr>
+              <p:cNvSpPr txBox="1">
+                <a:spLocks noRot="1" noChangeAspect="1" noMove="1" noResize="1" noEditPoints="1" noAdjustHandles="1" noChangeArrowheads="1" noChangeShapeType="1" noTextEdit="1"/>
+              </p:cNvSpPr>
+              <p:nvPr/>
+            </p:nvSpPr>
+            <p:spPr>
+              <a:xfrm>
+                <a:off x="8266722" y="6180892"/>
+                <a:ext cx="604974" cy="338554"/>
+              </a:xfrm>
+              <a:prstGeom prst="rect">
+                <a:avLst/>
+              </a:prstGeom>
+              <a:blipFill>
+                <a:blip r:embed="rId13"/>
+                <a:stretch>
+                  <a:fillRect/>
+                </a:stretch>
+              </a:blipFill>
+            </p:spPr>
+            <p:txBody>
+              <a:bodyPr/>
+              <a:lstStyle/>
+              <a:p>
+                <a:r>
+                  <a:rPr lang="en-US">
+                    <a:noFill/>
+                  </a:rPr>
+                  <a:t> </a:t>
+                </a:r>
+              </a:p>
+            </p:txBody>
+          </p:sp>
+        </mc:Fallback>
+      </mc:AlternateContent>
+      <p:sp>
+        <p:nvSpPr>
+          <p:cNvPr id="113" name="Right Brace 112">
+            <a:extLst>
+              <a:ext uri="{FF2B5EF4-FFF2-40B4-BE49-F238E27FC236}">
+                <a16:creationId xmlns:a16="http://schemas.microsoft.com/office/drawing/2014/main" id="{F1082A5C-F67C-4A9E-B503-2E62D224FD4A}"/>
+              </a:ext>
+            </a:extLst>
+          </p:cNvPr>
+          <p:cNvSpPr/>
+          <p:nvPr/>
+        </p:nvSpPr>
+        <p:spPr>
+          <a:xfrm rot="10800000">
+            <a:off x="7645946" y="2159852"/>
+            <a:ext cx="372547" cy="2947965"/>
+          </a:xfrm>
+          <a:prstGeom prst="rightBrace">
+            <a:avLst/>
+          </a:prstGeom>
+          <a:ln>
+            <a:solidFill>
+              <a:schemeClr val="tx1"/>
+            </a:solidFill>
+          </a:ln>
+        </p:spPr>
+        <p:style>
+          <a:lnRef idx="1">
+            <a:schemeClr val="accent1"/>
+          </a:lnRef>
+          <a:fillRef idx="0">
+            <a:schemeClr val="accent1"/>
+          </a:fillRef>
+          <a:effectRef idx="0">
+            <a:schemeClr val="accent1"/>
+          </a:effectRef>
+          <a:fontRef idx="minor">
+            <a:schemeClr val="tx1"/>
+          </a:fontRef>
+        </p:style>
+        <p:txBody>
+          <a:bodyPr rtlCol="0" anchor="ctr"/>
+          <a:lstStyle/>
+          <a:p>
+            <a:pPr algn="ctr"/>
+            <a:endParaRPr lang="en-US"/>
+          </a:p>
+        </p:txBody>
+      </p:sp>
+      <p:cxnSp>
+        <p:nvCxnSpPr>
+          <p:cNvPr id="115" name="Straight Connector 114">
+            <a:extLst>
+              <a:ext uri="{FF2B5EF4-FFF2-40B4-BE49-F238E27FC236}">
+                <a16:creationId xmlns:a16="http://schemas.microsoft.com/office/drawing/2014/main" id="{3FA015E8-49E1-4ABE-AD1C-72A293FA1110}"/>
+              </a:ext>
+            </a:extLst>
+          </p:cNvPr>
+          <p:cNvCxnSpPr>
+            <a:cxnSpLocks/>
+            <a:stCxn id="113" idx="1"/>
+            <a:endCxn id="35" idx="3"/>
+          </p:cNvCxnSpPr>
+          <p:nvPr/>
+        </p:nvCxnSpPr>
+        <p:spPr>
+          <a:xfrm flipH="1">
+            <a:off x="7233241" y="3633834"/>
+            <a:ext cx="412705" cy="1"/>
+          </a:xfrm>
+          <a:prstGeom prst="line">
+            <a:avLst/>
+          </a:prstGeom>
+          <a:ln>
+            <a:solidFill>
+              <a:schemeClr val="tx1"/>
+            </a:solidFill>
+          </a:ln>
+        </p:spPr>
+        <p:style>
+          <a:lnRef idx="1">
+            <a:schemeClr val="accent1"/>
+          </a:lnRef>
+          <a:fillRef idx="0">
+            <a:schemeClr val="accent1"/>
+          </a:fillRef>
+          <a:effectRef idx="0">
+            <a:schemeClr val="accent1"/>
+          </a:effectRef>
+          <a:fontRef idx="minor">
+            <a:schemeClr val="tx1"/>
+          </a:fontRef>
+        </p:style>
+      </p:cxnSp>
+      <p:sp>
+        <p:nvSpPr>
+          <p:cNvPr id="118" name="TextBox 117">
+            <a:extLst>
+              <a:ext uri="{FF2B5EF4-FFF2-40B4-BE49-F238E27FC236}">
+                <a16:creationId xmlns:a16="http://schemas.microsoft.com/office/drawing/2014/main" id="{5D97CEF7-0D5F-478F-BA39-CBDAAF036F3B}"/>
+              </a:ext>
+            </a:extLst>
+          </p:cNvPr>
+          <p:cNvSpPr txBox="1"/>
+          <p:nvPr/>
+        </p:nvSpPr>
+        <p:spPr>
+          <a:xfrm>
+            <a:off x="7272474" y="3377950"/>
+            <a:ext cx="514885" cy="338554"/>
+          </a:xfrm>
+          <a:prstGeom prst="rect">
+            <a:avLst/>
+          </a:prstGeom>
+          <a:noFill/>
+        </p:spPr>
+        <p:txBody>
+          <a:bodyPr wrap="none" rtlCol="0">
+            <a:spAutoFit/>
+          </a:bodyPr>
+          <a:lstStyle/>
+          <a:p>
+            <a:r>
+              <a:rPr lang="en-US" sz="1600" dirty="0"/>
+              <a:t>&lt;N?</a:t>
+            </a:r>
+          </a:p>
+        </p:txBody>
+      </p:sp>
+      <p:sp>
+        <p:nvSpPr>
+          <p:cNvPr id="2" name="TextBox 1">
+            <a:extLst>
+              <a:ext uri="{FF2B5EF4-FFF2-40B4-BE49-F238E27FC236}">
+                <a16:creationId xmlns:a16="http://schemas.microsoft.com/office/drawing/2014/main" id="{6B90B9FB-CD76-4CB6-9351-50675397F075}"/>
+              </a:ext>
+            </a:extLst>
+          </p:cNvPr>
+          <p:cNvSpPr txBox="1"/>
+          <p:nvPr/>
+        </p:nvSpPr>
+        <p:spPr>
+          <a:xfrm>
+            <a:off x="1226884" y="6541511"/>
+            <a:ext cx="6736781" cy="369332"/>
+          </a:xfrm>
+          <a:prstGeom prst="rect">
+            <a:avLst/>
+          </a:prstGeom>
+          <a:noFill/>
+        </p:spPr>
+        <p:txBody>
+          <a:bodyPr wrap="none" rtlCol="0">
+            <a:spAutoFit/>
+          </a:bodyPr>
+          <a:lstStyle/>
+          <a:p>
+            <a:r>
+              <a:rPr lang="en-US" altLang="zh-CN" dirty="0">
+                <a:ea typeface="等线"/>
+                <a:cs typeface="Calibri"/>
+              </a:rPr>
+              <a:t>Stopping criterion: the solutions in the front 0 of the final solution is n</a:t>
+            </a:r>
+          </a:p>
+        </p:txBody>
+      </p:sp>
+    </p:spTree>
+    <p:extLst>
+      <p:ext uri="{BB962C8B-B14F-4D97-AF65-F5344CB8AC3E}">
+        <p14:creationId xmlns:p14="http://schemas.microsoft.com/office/powerpoint/2010/main" val="321649400"/>
+      </p:ext>
+    </p:extLst>
+  </p:cSld>
+  <p:clrMapOvr>
+    <a:masterClrMapping/>
+  </p:clrMapOvr>
+</p:sld>
+</file>
+
+<file path=ppt/slides/slide7.xml><?xml version="1.0" encoding="utf-8"?>
 <p:sld xmlns:a="http://schemas.openxmlformats.org/drawingml/2006/main" xmlns:r="http://schemas.openxmlformats.org/officeDocument/2006/relationships" xmlns:p="http://schemas.openxmlformats.org/presentationml/2006/main">
   <p:cSld>
     <p:spTree>
@@ -14557,7 +19073,7 @@
 </p:sld>
 </file>
 
-<file path=ppt/slides/slide7.xml><?xml version="1.0" encoding="utf-8"?>
+<file path=ppt/slides/slide8.xml><?xml version="1.0" encoding="utf-8"?>
 <p:sld xmlns:a="http://schemas.openxmlformats.org/drawingml/2006/main" xmlns:r="http://schemas.openxmlformats.org/officeDocument/2006/relationships" xmlns:p="http://schemas.openxmlformats.org/presentationml/2006/main">
   <p:cSld>
     <p:spTree>
@@ -15693,7 +20209,7 @@
 </p:sld>
 </file>
 
-<file path=ppt/slides/slide8.xml><?xml version="1.0" encoding="utf-8"?>
+<file path=ppt/slides/slide9.xml><?xml version="1.0" encoding="utf-8"?>
 <p:sld xmlns:a="http://schemas.openxmlformats.org/drawingml/2006/main" xmlns:r="http://schemas.openxmlformats.org/officeDocument/2006/relationships" xmlns:p="http://schemas.openxmlformats.org/presentationml/2006/main">
   <p:cSld>
     <p:spTree>
@@ -15724,16 +20240,15 @@
           </p:cNvPicPr>
           <p:nvPr/>
         </p:nvPicPr>
-        <p:blipFill>
+        <p:blipFill rotWithShape="1">
           <a:blip r:embed="rId3"/>
-          <a:stretch>
-            <a:fillRect/>
-          </a:stretch>
+          <a:srcRect b="2591"/>
+          <a:stretch/>
         </p:blipFill>
         <p:spPr>
           <a:xfrm>
-            <a:off x="3119042" y="2742621"/>
-            <a:ext cx="4723001" cy="3937157"/>
+            <a:off x="3119042" y="2742622"/>
+            <a:ext cx="4723001" cy="3835160"/>
           </a:xfrm>
           <a:prstGeom prst="rect">
             <a:avLst/>
@@ -16253,132 +20768,6 @@
     <p:extLst>
       <p:ext uri="{BB962C8B-B14F-4D97-AF65-F5344CB8AC3E}">
         <p14:creationId xmlns:p14="http://schemas.microsoft.com/office/powerpoint/2010/main" val="3840237021"/>
-      </p:ext>
-    </p:extLst>
-  </p:cSld>
-  <p:clrMapOvr>
-    <a:masterClrMapping/>
-  </p:clrMapOvr>
-</p:sld>
-</file>
-
-<file path=ppt/slides/slide9.xml><?xml version="1.0" encoding="utf-8"?>
-<p:sld xmlns:a="http://schemas.openxmlformats.org/drawingml/2006/main" xmlns:r="http://schemas.openxmlformats.org/officeDocument/2006/relationships" xmlns:p="http://schemas.openxmlformats.org/presentationml/2006/main">
-  <p:cSld>
-    <p:spTree>
-      <p:nvGrpSpPr>
-        <p:cNvPr id="1" name=""/>
-        <p:cNvGrpSpPr/>
-        <p:nvPr/>
-      </p:nvGrpSpPr>
-      <p:grpSpPr>
-        <a:xfrm>
-          <a:off x="0" y="0"/>
-          <a:ext cx="0" cy="0"/>
-          <a:chOff x="0" y="0"/>
-          <a:chExt cx="0" cy="0"/>
-        </a:xfrm>
-      </p:grpSpPr>
-      <p:sp>
-        <p:nvSpPr>
-          <p:cNvPr id="3" name="TextBox 2">
-            <a:extLst>
-              <a:ext uri="{FF2B5EF4-FFF2-40B4-BE49-F238E27FC236}">
-                <a16:creationId xmlns:a16="http://schemas.microsoft.com/office/drawing/2014/main" id="{F6F2F247-2CB7-45C1-916D-A543DD3045E7}"/>
-              </a:ext>
-            </a:extLst>
-          </p:cNvPr>
-          <p:cNvSpPr txBox="1"/>
-          <p:nvPr/>
-        </p:nvSpPr>
-        <p:spPr>
-          <a:xfrm>
-            <a:off x="265798" y="215927"/>
-            <a:ext cx="1405641" cy="369332"/>
-          </a:xfrm>
-          <a:prstGeom prst="rect">
-            <a:avLst/>
-          </a:prstGeom>
-          <a:noFill/>
-        </p:spPr>
-        <p:txBody>
-          <a:bodyPr wrap="none" rtlCol="0">
-            <a:spAutoFit/>
-          </a:bodyPr>
-          <a:lstStyle/>
-          <a:p>
-            <a:r>
-              <a:rPr lang="en-US" altLang="zh-CN" dirty="0"/>
-              <a:t>Real-life case</a:t>
-            </a:r>
-            <a:endParaRPr lang="en-US" dirty="0"/>
-          </a:p>
-        </p:txBody>
-      </p:sp>
-      <p:pic>
-        <p:nvPicPr>
-          <p:cNvPr id="6" name="Picture 5">
-            <a:extLst>
-              <a:ext uri="{FF2B5EF4-FFF2-40B4-BE49-F238E27FC236}">
-                <a16:creationId xmlns:a16="http://schemas.microsoft.com/office/drawing/2014/main" id="{A2978042-D465-41CC-8D05-42E1E7663DD5}"/>
-              </a:ext>
-            </a:extLst>
-          </p:cNvPr>
-          <p:cNvPicPr>
-            <a:picLocks noChangeAspect="1"/>
-          </p:cNvPicPr>
-          <p:nvPr/>
-        </p:nvPicPr>
-        <p:blipFill>
-          <a:blip r:embed="rId3"/>
-          <a:stretch>
-            <a:fillRect/>
-          </a:stretch>
-        </p:blipFill>
-        <p:spPr>
-          <a:xfrm>
-            <a:off x="1556183" y="773668"/>
-            <a:ext cx="9079633" cy="5715000"/>
-          </a:xfrm>
-          <a:prstGeom prst="rect">
-            <a:avLst/>
-          </a:prstGeom>
-        </p:spPr>
-      </p:pic>
-      <p:pic>
-        <p:nvPicPr>
-          <p:cNvPr id="8" name="Picture 7">
-            <a:extLst>
-              <a:ext uri="{FF2B5EF4-FFF2-40B4-BE49-F238E27FC236}">
-                <a16:creationId xmlns:a16="http://schemas.microsoft.com/office/drawing/2014/main" id="{A5BAA255-BF7D-4C40-8386-CDB0D6EAABDA}"/>
-              </a:ext>
-            </a:extLst>
-          </p:cNvPr>
-          <p:cNvPicPr>
-            <a:picLocks noChangeAspect="1"/>
-          </p:cNvPicPr>
-          <p:nvPr/>
-        </p:nvPicPr>
-        <p:blipFill>
-          <a:blip r:embed="rId4"/>
-          <a:stretch>
-            <a:fillRect/>
-          </a:stretch>
-        </p:blipFill>
-        <p:spPr>
-          <a:xfrm>
-            <a:off x="1842952" y="1271535"/>
-            <a:ext cx="1933845" cy="752580"/>
-          </a:xfrm>
-          <a:prstGeom prst="rect">
-            <a:avLst/>
-          </a:prstGeom>
-        </p:spPr>
-      </p:pic>
-    </p:spTree>
-    <p:extLst>
-      <p:ext uri="{BB962C8B-B14F-4D97-AF65-F5344CB8AC3E}">
-        <p14:creationId xmlns:p14="http://schemas.microsoft.com/office/powerpoint/2010/main" val="2183856432"/>
       </p:ext>
     </p:extLst>
   </p:cSld>

--- a/DOCUS/progress-report.pptx
+++ b/DOCUS/progress-report.pptx
@@ -5,7 +5,7 @@
     <p:sldMasterId id="2147483648" r:id="rId1"/>
   </p:sldMasterIdLst>
   <p:notesMasterIdLst>
-    <p:notesMasterId r:id="rId13"/>
+    <p:notesMasterId r:id="rId17"/>
   </p:notesMasterIdLst>
   <p:sldIdLst>
     <p:sldId id="256" r:id="rId2"/>
@@ -19,6 +19,10 @@
     <p:sldId id="264" r:id="rId10"/>
     <p:sldId id="265" r:id="rId11"/>
     <p:sldId id="266" r:id="rId12"/>
+    <p:sldId id="268" r:id="rId13"/>
+    <p:sldId id="269" r:id="rId14"/>
+    <p:sldId id="270" r:id="rId15"/>
+    <p:sldId id="271" r:id="rId16"/>
   </p:sldIdLst>
   <p:sldSz cx="12192000" cy="6858000"/>
   <p:notesSz cx="6858000" cy="9144000"/>
@@ -219,7 +223,7 @@
           <a:p>
             <a:fld id="{40FA2BF5-A2AA-42DF-8501-9AD854A6A8C7}" type="datetimeFigureOut">
               <a:rPr lang="en-US" smtClean="0"/>
-              <a:t>4/23/2024</a:t>
+              <a:t>4/24/2024</a:t>
             </a:fld>
             <a:endParaRPr lang="en-US"/>
           </a:p>
@@ -669,6 +673,247 @@
 </p:notes>
 </file>
 
+<file path=ppt/notesSlides/notesSlide10.xml><?xml version="1.0" encoding="utf-8"?>
+<p:notes xmlns:a="http://schemas.openxmlformats.org/drawingml/2006/main" xmlns:r="http://schemas.openxmlformats.org/officeDocument/2006/relationships" xmlns:p="http://schemas.openxmlformats.org/presentationml/2006/main">
+  <p:cSld>
+    <p:spTree>
+      <p:nvGrpSpPr>
+        <p:cNvPr id="1" name=""/>
+        <p:cNvGrpSpPr/>
+        <p:nvPr/>
+      </p:nvGrpSpPr>
+      <p:grpSpPr>
+        <a:xfrm>
+          <a:off x="0" y="0"/>
+          <a:ext cx="0" cy="0"/>
+          <a:chOff x="0" y="0"/>
+          <a:chExt cx="0" cy="0"/>
+        </a:xfrm>
+      </p:grpSpPr>
+      <p:sp>
+        <p:nvSpPr>
+          <p:cNvPr id="2" name="Slide Image Placeholder 1"/>
+          <p:cNvSpPr>
+            <a:spLocks noGrp="1" noRot="1" noChangeAspect="1"/>
+          </p:cNvSpPr>
+          <p:nvPr>
+            <p:ph type="sldImg"/>
+          </p:nvPr>
+        </p:nvSpPr>
+        <p:spPr/>
+      </p:sp>
+      <p:sp>
+        <p:nvSpPr>
+          <p:cNvPr id="3" name="Notes Placeholder 2"/>
+          <p:cNvSpPr>
+            <a:spLocks noGrp="1"/>
+          </p:cNvSpPr>
+          <p:nvPr>
+            <p:ph type="body" idx="1"/>
+          </p:nvPr>
+        </p:nvSpPr>
+        <p:spPr/>
+        <p:txBody>
+          <a:bodyPr/>
+          <a:lstStyle/>
+          <a:p>
+            <a:endParaRPr lang="en-US" dirty="0"/>
+          </a:p>
+        </p:txBody>
+      </p:sp>
+      <p:sp>
+        <p:nvSpPr>
+          <p:cNvPr id="4" name="Slide Number Placeholder 3"/>
+          <p:cNvSpPr>
+            <a:spLocks noGrp="1"/>
+          </p:cNvSpPr>
+          <p:nvPr>
+            <p:ph type="sldNum" sz="quarter" idx="5"/>
+          </p:nvPr>
+        </p:nvSpPr>
+        <p:spPr/>
+        <p:txBody>
+          <a:bodyPr/>
+          <a:lstStyle/>
+          <a:p>
+            <a:fld id="{F52A3BAE-7284-49D3-BE26-52E20F6ACF0C}" type="slidenum">
+              <a:rPr lang="en-US" smtClean="0"/>
+              <a:t>14</a:t>
+            </a:fld>
+            <a:endParaRPr lang="en-US"/>
+          </a:p>
+        </p:txBody>
+      </p:sp>
+    </p:spTree>
+    <p:extLst>
+      <p:ext uri="{BB962C8B-B14F-4D97-AF65-F5344CB8AC3E}">
+        <p14:creationId xmlns:p14="http://schemas.microsoft.com/office/powerpoint/2010/main" val="1009106941"/>
+      </p:ext>
+    </p:extLst>
+  </p:cSld>
+  <p:clrMapOvr>
+    <a:masterClrMapping/>
+  </p:clrMapOvr>
+</p:notes>
+</file>
+
+<file path=ppt/notesSlides/notesSlide11.xml><?xml version="1.0" encoding="utf-8"?>
+<p:notes xmlns:a="http://schemas.openxmlformats.org/drawingml/2006/main" xmlns:r="http://schemas.openxmlformats.org/officeDocument/2006/relationships" xmlns:p="http://schemas.openxmlformats.org/presentationml/2006/main">
+  <p:cSld>
+    <p:spTree>
+      <p:nvGrpSpPr>
+        <p:cNvPr id="1" name=""/>
+        <p:cNvGrpSpPr/>
+        <p:nvPr/>
+      </p:nvGrpSpPr>
+      <p:grpSpPr>
+        <a:xfrm>
+          <a:off x="0" y="0"/>
+          <a:ext cx="0" cy="0"/>
+          <a:chOff x="0" y="0"/>
+          <a:chExt cx="0" cy="0"/>
+        </a:xfrm>
+      </p:grpSpPr>
+      <p:sp>
+        <p:nvSpPr>
+          <p:cNvPr id="2" name="Slide Image Placeholder 1"/>
+          <p:cNvSpPr>
+            <a:spLocks noGrp="1" noRot="1" noChangeAspect="1"/>
+          </p:cNvSpPr>
+          <p:nvPr>
+            <p:ph type="sldImg"/>
+          </p:nvPr>
+        </p:nvSpPr>
+        <p:spPr/>
+      </p:sp>
+      <p:sp>
+        <p:nvSpPr>
+          <p:cNvPr id="3" name="Notes Placeholder 2"/>
+          <p:cNvSpPr>
+            <a:spLocks noGrp="1"/>
+          </p:cNvSpPr>
+          <p:nvPr>
+            <p:ph type="body" idx="1"/>
+          </p:nvPr>
+        </p:nvSpPr>
+        <p:spPr/>
+        <p:txBody>
+          <a:bodyPr/>
+          <a:lstStyle/>
+          <a:p>
+            <a:r>
+              <a:rPr lang="en-US" altLang="zh-CN" dirty="0"/>
+              <a:t>Pareto optimal? </a:t>
+            </a:r>
+            <a:r>
+              <a:rPr lang="zh-CN" altLang="en-US" dirty="0"/>
+              <a:t>保留</a:t>
+            </a:r>
+            <a:r>
+              <a:rPr lang="en-US" altLang="zh-CN" dirty="0"/>
+              <a:t>20</a:t>
+            </a:r>
+            <a:r>
+              <a:rPr lang="zh-CN" altLang="en-US" dirty="0"/>
+              <a:t>个</a:t>
+            </a:r>
+            <a:r>
+              <a:rPr lang="en-US" altLang="zh-CN" dirty="0"/>
+              <a:t>solution</a:t>
+            </a:r>
+          </a:p>
+          <a:p>
+            <a:r>
+              <a:rPr lang="zh-CN" altLang="en-US" dirty="0"/>
+              <a:t>当初</a:t>
+            </a:r>
+            <a:r>
+              <a:rPr lang="en-US" altLang="zh-CN" dirty="0" err="1"/>
+              <a:t>nsga</a:t>
+            </a:r>
+            <a:r>
+              <a:rPr lang="zh-CN" altLang="en-US" dirty="0"/>
+              <a:t>时，</a:t>
+            </a:r>
+            <a:r>
+              <a:rPr lang="en-US" altLang="zh-CN" dirty="0"/>
+              <a:t>coverage</a:t>
+            </a:r>
+            <a:r>
+              <a:rPr lang="zh-CN" altLang="en-US" dirty="0"/>
+              <a:t>和</a:t>
+            </a:r>
+            <a:r>
+              <a:rPr lang="en-US" altLang="zh-CN" dirty="0"/>
+              <a:t>resolution</a:t>
+            </a:r>
+            <a:r>
+              <a:rPr lang="zh-CN" altLang="en-US" dirty="0"/>
+              <a:t>的</a:t>
+            </a:r>
+            <a:r>
+              <a:rPr lang="en-US" altLang="zh-CN" dirty="0"/>
+              <a:t>trade-off</a:t>
+            </a:r>
+            <a:r>
+              <a:rPr lang="zh-CN" altLang="en-US" dirty="0"/>
+              <a:t>就没有明显的关系？</a:t>
+            </a:r>
+            <a:r>
+              <a:rPr lang="en-US" altLang="zh-CN" dirty="0">
+                <a:sym typeface="Wingdings" panose="05000000000000000000" pitchFamily="2" charset="2"/>
+              </a:rPr>
+              <a:t> </a:t>
+            </a:r>
+            <a:r>
+              <a:rPr lang="zh-CN" altLang="en-US" dirty="0">
+                <a:sym typeface="Wingdings" panose="05000000000000000000" pitchFamily="2" charset="2"/>
+              </a:rPr>
+              <a:t>是否因为这两个是相关的？</a:t>
+            </a:r>
+            <a:endParaRPr lang="en-US" altLang="zh-CN" dirty="0"/>
+          </a:p>
+          <a:p>
+            <a:endParaRPr lang="en-US" dirty="0"/>
+          </a:p>
+        </p:txBody>
+      </p:sp>
+      <p:sp>
+        <p:nvSpPr>
+          <p:cNvPr id="4" name="Slide Number Placeholder 3"/>
+          <p:cNvSpPr>
+            <a:spLocks noGrp="1"/>
+          </p:cNvSpPr>
+          <p:nvPr>
+            <p:ph type="sldNum" sz="quarter" idx="5"/>
+          </p:nvPr>
+        </p:nvSpPr>
+        <p:spPr/>
+        <p:txBody>
+          <a:bodyPr/>
+          <a:lstStyle/>
+          <a:p>
+            <a:fld id="{F52A3BAE-7284-49D3-BE26-52E20F6ACF0C}" type="slidenum">
+              <a:rPr lang="en-US" smtClean="0"/>
+              <a:t>15</a:t>
+            </a:fld>
+            <a:endParaRPr lang="en-US"/>
+          </a:p>
+        </p:txBody>
+      </p:sp>
+    </p:spTree>
+    <p:extLst>
+      <p:ext uri="{BB962C8B-B14F-4D97-AF65-F5344CB8AC3E}">
+        <p14:creationId xmlns:p14="http://schemas.microsoft.com/office/powerpoint/2010/main" val="1239886929"/>
+      </p:ext>
+    </p:extLst>
+  </p:cSld>
+  <p:clrMapOvr>
+    <a:masterClrMapping/>
+  </p:clrMapOvr>
+</p:notes>
+</file>
+
 <file path=ppt/notesSlides/notesSlide2.xml><?xml version="1.0" encoding="utf-8"?>
 <p:notes xmlns:a="http://schemas.openxmlformats.org/drawingml/2006/main" xmlns:r="http://schemas.openxmlformats.org/officeDocument/2006/relationships" xmlns:p="http://schemas.openxmlformats.org/presentationml/2006/main">
   <p:cSld>
@@ -1421,6 +1666,194 @@
     <p:extLst>
       <p:ext uri="{BB962C8B-B14F-4D97-AF65-F5344CB8AC3E}">
         <p14:creationId xmlns:p14="http://schemas.microsoft.com/office/powerpoint/2010/main" val="4168867695"/>
+      </p:ext>
+    </p:extLst>
+  </p:cSld>
+  <p:clrMapOvr>
+    <a:masterClrMapping/>
+  </p:clrMapOvr>
+</p:notes>
+</file>
+
+<file path=ppt/notesSlides/notesSlide8.xml><?xml version="1.0" encoding="utf-8"?>
+<p:notes xmlns:a="http://schemas.openxmlformats.org/drawingml/2006/main" xmlns:r="http://schemas.openxmlformats.org/officeDocument/2006/relationships" xmlns:p="http://schemas.openxmlformats.org/presentationml/2006/main">
+  <p:cSld>
+    <p:spTree>
+      <p:nvGrpSpPr>
+        <p:cNvPr id="1" name=""/>
+        <p:cNvGrpSpPr/>
+        <p:nvPr/>
+      </p:nvGrpSpPr>
+      <p:grpSpPr>
+        <a:xfrm>
+          <a:off x="0" y="0"/>
+          <a:ext cx="0" cy="0"/>
+          <a:chOff x="0" y="0"/>
+          <a:chExt cx="0" cy="0"/>
+        </a:xfrm>
+      </p:grpSpPr>
+      <p:sp>
+        <p:nvSpPr>
+          <p:cNvPr id="2" name="Slide Image Placeholder 1"/>
+          <p:cNvSpPr>
+            <a:spLocks noGrp="1" noRot="1" noChangeAspect="1"/>
+          </p:cNvSpPr>
+          <p:nvPr>
+            <p:ph type="sldImg"/>
+          </p:nvPr>
+        </p:nvSpPr>
+        <p:spPr/>
+      </p:sp>
+      <p:sp>
+        <p:nvSpPr>
+          <p:cNvPr id="3" name="Notes Placeholder 2"/>
+          <p:cNvSpPr>
+            <a:spLocks noGrp="1"/>
+          </p:cNvSpPr>
+          <p:nvPr>
+            <p:ph type="body" idx="1"/>
+          </p:nvPr>
+        </p:nvSpPr>
+        <p:spPr/>
+        <p:txBody>
+          <a:bodyPr/>
+          <a:lstStyle/>
+          <a:p>
+            <a:endParaRPr lang="en-US" dirty="0"/>
+          </a:p>
+        </p:txBody>
+      </p:sp>
+      <p:sp>
+        <p:nvSpPr>
+          <p:cNvPr id="4" name="Slide Number Placeholder 3"/>
+          <p:cNvSpPr>
+            <a:spLocks noGrp="1"/>
+          </p:cNvSpPr>
+          <p:nvPr>
+            <p:ph type="sldNum" sz="quarter" idx="5"/>
+          </p:nvPr>
+        </p:nvSpPr>
+        <p:spPr/>
+        <p:txBody>
+          <a:bodyPr/>
+          <a:lstStyle/>
+          <a:p>
+            <a:fld id="{F52A3BAE-7284-49D3-BE26-52E20F6ACF0C}" type="slidenum">
+              <a:rPr lang="en-US" smtClean="0"/>
+              <a:t>12</a:t>
+            </a:fld>
+            <a:endParaRPr lang="en-US"/>
+          </a:p>
+        </p:txBody>
+      </p:sp>
+    </p:spTree>
+    <p:extLst>
+      <p:ext uri="{BB962C8B-B14F-4D97-AF65-F5344CB8AC3E}">
+        <p14:creationId xmlns:p14="http://schemas.microsoft.com/office/powerpoint/2010/main" val="3414903662"/>
+      </p:ext>
+    </p:extLst>
+  </p:cSld>
+  <p:clrMapOvr>
+    <a:masterClrMapping/>
+  </p:clrMapOvr>
+</p:notes>
+</file>
+
+<file path=ppt/notesSlides/notesSlide9.xml><?xml version="1.0" encoding="utf-8"?>
+<p:notes xmlns:a="http://schemas.openxmlformats.org/drawingml/2006/main" xmlns:r="http://schemas.openxmlformats.org/officeDocument/2006/relationships" xmlns:p="http://schemas.openxmlformats.org/presentationml/2006/main">
+  <p:cSld>
+    <p:spTree>
+      <p:nvGrpSpPr>
+        <p:cNvPr id="1" name=""/>
+        <p:cNvGrpSpPr/>
+        <p:nvPr/>
+      </p:nvGrpSpPr>
+      <p:grpSpPr>
+        <a:xfrm>
+          <a:off x="0" y="0"/>
+          <a:ext cx="0" cy="0"/>
+          <a:chOff x="0" y="0"/>
+          <a:chExt cx="0" cy="0"/>
+        </a:xfrm>
+      </p:grpSpPr>
+      <p:sp>
+        <p:nvSpPr>
+          <p:cNvPr id="2" name="Slide Image Placeholder 1"/>
+          <p:cNvSpPr>
+            <a:spLocks noGrp="1" noRot="1" noChangeAspect="1"/>
+          </p:cNvSpPr>
+          <p:nvPr>
+            <p:ph type="sldImg"/>
+          </p:nvPr>
+        </p:nvSpPr>
+        <p:spPr/>
+      </p:sp>
+      <p:sp>
+        <p:nvSpPr>
+          <p:cNvPr id="3" name="Notes Placeholder 2"/>
+          <p:cNvSpPr>
+            <a:spLocks noGrp="1"/>
+          </p:cNvSpPr>
+          <p:nvPr>
+            <p:ph type="body" idx="1"/>
+          </p:nvPr>
+        </p:nvSpPr>
+        <p:spPr/>
+        <p:txBody>
+          <a:bodyPr/>
+          <a:lstStyle/>
+          <a:p>
+            <a:r>
+              <a:rPr lang="zh-CN" altLang="en-US" dirty="0"/>
+              <a:t>每个</a:t>
+            </a:r>
+            <a:r>
+              <a:rPr lang="en-US" altLang="zh-CN" dirty="0"/>
+              <a:t>iteration</a:t>
+            </a:r>
+            <a:r>
+              <a:rPr lang="zh-CN" altLang="en-US" dirty="0"/>
+              <a:t>用于</a:t>
+            </a:r>
+            <a:r>
+              <a:rPr lang="en-US" altLang="zh-CN" dirty="0"/>
+              <a:t>sorting</a:t>
+            </a:r>
+            <a:r>
+              <a:rPr lang="zh-CN" altLang="en-US" dirty="0"/>
+              <a:t>的时间大大缩小</a:t>
+            </a:r>
+            <a:endParaRPr lang="en-US" dirty="0"/>
+          </a:p>
+        </p:txBody>
+      </p:sp>
+      <p:sp>
+        <p:nvSpPr>
+          <p:cNvPr id="4" name="Slide Number Placeholder 3"/>
+          <p:cNvSpPr>
+            <a:spLocks noGrp="1"/>
+          </p:cNvSpPr>
+          <p:nvPr>
+            <p:ph type="sldNum" sz="quarter" idx="5"/>
+          </p:nvPr>
+        </p:nvSpPr>
+        <p:spPr/>
+        <p:txBody>
+          <a:bodyPr/>
+          <a:lstStyle/>
+          <a:p>
+            <a:fld id="{F52A3BAE-7284-49D3-BE26-52E20F6ACF0C}" type="slidenum">
+              <a:rPr lang="en-US" smtClean="0"/>
+              <a:t>13</a:t>
+            </a:fld>
+            <a:endParaRPr lang="en-US"/>
+          </a:p>
+        </p:txBody>
+      </p:sp>
+    </p:spTree>
+    <p:extLst>
+      <p:ext uri="{BB962C8B-B14F-4D97-AF65-F5344CB8AC3E}">
+        <p14:creationId xmlns:p14="http://schemas.microsoft.com/office/powerpoint/2010/main" val="3564065177"/>
       </p:ext>
     </p:extLst>
   </p:cSld>
@@ -1577,7 +2010,7 @@
           <a:p>
             <a:fld id="{7A10482E-3655-4001-B463-FAFCD5FD233C}" type="datetimeFigureOut">
               <a:rPr lang="en-US" smtClean="0"/>
-              <a:t>4/23/2024</a:t>
+              <a:t>4/24/2024</a:t>
             </a:fld>
             <a:endParaRPr lang="en-US"/>
           </a:p>
@@ -1775,7 +2208,7 @@
           <a:p>
             <a:fld id="{7A10482E-3655-4001-B463-FAFCD5FD233C}" type="datetimeFigureOut">
               <a:rPr lang="en-US" smtClean="0"/>
-              <a:t>4/23/2024</a:t>
+              <a:t>4/24/2024</a:t>
             </a:fld>
             <a:endParaRPr lang="en-US"/>
           </a:p>
@@ -1983,7 +2416,7 @@
           <a:p>
             <a:fld id="{7A10482E-3655-4001-B463-FAFCD5FD233C}" type="datetimeFigureOut">
               <a:rPr lang="en-US" smtClean="0"/>
-              <a:t>4/23/2024</a:t>
+              <a:t>4/24/2024</a:t>
             </a:fld>
             <a:endParaRPr lang="en-US"/>
           </a:p>
@@ -2181,7 +2614,7 @@
           <a:p>
             <a:fld id="{7A10482E-3655-4001-B463-FAFCD5FD233C}" type="datetimeFigureOut">
               <a:rPr lang="en-US" smtClean="0"/>
-              <a:t>4/23/2024</a:t>
+              <a:t>4/24/2024</a:t>
             </a:fld>
             <a:endParaRPr lang="en-US"/>
           </a:p>
@@ -2456,7 +2889,7 @@
           <a:p>
             <a:fld id="{7A10482E-3655-4001-B463-FAFCD5FD233C}" type="datetimeFigureOut">
               <a:rPr lang="en-US" smtClean="0"/>
-              <a:t>4/23/2024</a:t>
+              <a:t>4/24/2024</a:t>
             </a:fld>
             <a:endParaRPr lang="en-US"/>
           </a:p>
@@ -2721,7 +3154,7 @@
           <a:p>
             <a:fld id="{7A10482E-3655-4001-B463-FAFCD5FD233C}" type="datetimeFigureOut">
               <a:rPr lang="en-US" smtClean="0"/>
-              <a:t>4/23/2024</a:t>
+              <a:t>4/24/2024</a:t>
             </a:fld>
             <a:endParaRPr lang="en-US"/>
           </a:p>
@@ -3133,7 +3566,7 @@
           <a:p>
             <a:fld id="{7A10482E-3655-4001-B463-FAFCD5FD233C}" type="datetimeFigureOut">
               <a:rPr lang="en-US" smtClean="0"/>
-              <a:t>4/23/2024</a:t>
+              <a:t>4/24/2024</a:t>
             </a:fld>
             <a:endParaRPr lang="en-US"/>
           </a:p>
@@ -3274,7 +3707,7 @@
           <a:p>
             <a:fld id="{7A10482E-3655-4001-B463-FAFCD5FD233C}" type="datetimeFigureOut">
               <a:rPr lang="en-US" smtClean="0"/>
-              <a:t>4/23/2024</a:t>
+              <a:t>4/24/2024</a:t>
             </a:fld>
             <a:endParaRPr lang="en-US"/>
           </a:p>
@@ -3387,7 +3820,7 @@
           <a:p>
             <a:fld id="{7A10482E-3655-4001-B463-FAFCD5FD233C}" type="datetimeFigureOut">
               <a:rPr lang="en-US" smtClean="0"/>
-              <a:t>4/23/2024</a:t>
+              <a:t>4/24/2024</a:t>
             </a:fld>
             <a:endParaRPr lang="en-US"/>
           </a:p>
@@ -3698,7 +4131,7 @@
           <a:p>
             <a:fld id="{7A10482E-3655-4001-B463-FAFCD5FD233C}" type="datetimeFigureOut">
               <a:rPr lang="en-US" smtClean="0"/>
-              <a:t>4/23/2024</a:t>
+              <a:t>4/24/2024</a:t>
             </a:fld>
             <a:endParaRPr lang="en-US"/>
           </a:p>
@@ -3986,7 +4419,7 @@
           <a:p>
             <a:fld id="{7A10482E-3655-4001-B463-FAFCD5FD233C}" type="datetimeFigureOut">
               <a:rPr lang="en-US" smtClean="0"/>
-              <a:t>4/23/2024</a:t>
+              <a:t>4/24/2024</a:t>
             </a:fld>
             <a:endParaRPr lang="en-US"/>
           </a:p>
@@ -4227,7 +4660,7 @@
           <a:p>
             <a:fld id="{7A10482E-3655-4001-B463-FAFCD5FD233C}" type="datetimeFigureOut">
               <a:rPr lang="en-US" smtClean="0"/>
-              <a:t>4/23/2024</a:t>
+              <a:t>4/24/2024</a:t>
             </a:fld>
             <a:endParaRPr lang="en-US"/>
           </a:p>
@@ -5298,6 +5731,4253 @@
     <p:extLst>
       <p:ext uri="{BB962C8B-B14F-4D97-AF65-F5344CB8AC3E}">
         <p14:creationId xmlns:p14="http://schemas.microsoft.com/office/powerpoint/2010/main" val="152621655"/>
+      </p:ext>
+    </p:extLst>
+  </p:cSld>
+  <p:clrMapOvr>
+    <a:masterClrMapping/>
+  </p:clrMapOvr>
+</p:sld>
+</file>
+
+<file path=ppt/slides/slide12.xml><?xml version="1.0" encoding="utf-8"?>
+<p:sld xmlns:a="http://schemas.openxmlformats.org/drawingml/2006/main" xmlns:r="http://schemas.openxmlformats.org/officeDocument/2006/relationships" xmlns:p="http://schemas.openxmlformats.org/presentationml/2006/main">
+  <p:cSld>
+    <p:spTree>
+      <p:nvGrpSpPr>
+        <p:cNvPr id="1" name=""/>
+        <p:cNvGrpSpPr/>
+        <p:nvPr/>
+      </p:nvGrpSpPr>
+      <p:grpSpPr>
+        <a:xfrm>
+          <a:off x="0" y="0"/>
+          <a:ext cx="0" cy="0"/>
+          <a:chOff x="0" y="0"/>
+          <a:chExt cx="0" cy="0"/>
+        </a:xfrm>
+      </p:grpSpPr>
+      <p:sp>
+        <p:nvSpPr>
+          <p:cNvPr id="2" name="TextBox 1">
+            <a:extLst>
+              <a:ext uri="{FF2B5EF4-FFF2-40B4-BE49-F238E27FC236}">
+                <a16:creationId xmlns:a16="http://schemas.microsoft.com/office/drawing/2014/main" id="{5ABB2932-373B-405D-8E7E-0105682777F2}"/>
+              </a:ext>
+            </a:extLst>
+          </p:cNvPr>
+          <p:cNvSpPr txBox="1"/>
+          <p:nvPr/>
+        </p:nvSpPr>
+        <p:spPr>
+          <a:xfrm>
+            <a:off x="4274058" y="2883876"/>
+            <a:ext cx="3643883" cy="369332"/>
+          </a:xfrm>
+          <a:prstGeom prst="rect">
+            <a:avLst/>
+          </a:prstGeom>
+          <a:noFill/>
+        </p:spPr>
+        <p:txBody>
+          <a:bodyPr wrap="none" rtlCol="0">
+            <a:spAutoFit/>
+          </a:bodyPr>
+          <a:lstStyle/>
+          <a:p>
+            <a:r>
+              <a:rPr lang="en-US" dirty="0"/>
+              <a:t>Update stopping criteria, new results</a:t>
+            </a:r>
+          </a:p>
+        </p:txBody>
+      </p:sp>
+    </p:spTree>
+    <p:extLst>
+      <p:ext uri="{BB962C8B-B14F-4D97-AF65-F5344CB8AC3E}">
+        <p14:creationId xmlns:p14="http://schemas.microsoft.com/office/powerpoint/2010/main" val="3632114599"/>
+      </p:ext>
+    </p:extLst>
+  </p:cSld>
+  <p:clrMapOvr>
+    <a:masterClrMapping/>
+  </p:clrMapOvr>
+</p:sld>
+</file>
+
+<file path=ppt/slides/slide13.xml><?xml version="1.0" encoding="utf-8"?>
+<p:sld xmlns:a="http://schemas.openxmlformats.org/drawingml/2006/main" xmlns:r="http://schemas.openxmlformats.org/officeDocument/2006/relationships" xmlns:p="http://schemas.openxmlformats.org/presentationml/2006/main">
+  <p:cSld>
+    <p:spTree>
+      <p:nvGrpSpPr>
+        <p:cNvPr id="1" name=""/>
+        <p:cNvGrpSpPr/>
+        <p:nvPr/>
+      </p:nvGrpSpPr>
+      <p:grpSpPr>
+        <a:xfrm>
+          <a:off x="0" y="0"/>
+          <a:ext cx="0" cy="0"/>
+          <a:chOff x="0" y="0"/>
+          <a:chExt cx="0" cy="0"/>
+        </a:xfrm>
+      </p:grpSpPr>
+      <p:graphicFrame>
+        <p:nvGraphicFramePr>
+          <p:cNvPr id="5" name="Table 5">
+            <a:extLst>
+              <a:ext uri="{FF2B5EF4-FFF2-40B4-BE49-F238E27FC236}">
+                <a16:creationId xmlns:a16="http://schemas.microsoft.com/office/drawing/2014/main" id="{8BDC17D8-614C-4408-8507-584E0F0EB271}"/>
+              </a:ext>
+            </a:extLst>
+          </p:cNvPr>
+          <p:cNvGraphicFramePr>
+            <a:graphicFrameLocks noGrp="1"/>
+          </p:cNvGraphicFramePr>
+          <p:nvPr>
+            <p:extLst>
+              <p:ext uri="{D42A27DB-BD31-4B8C-83A1-F6EECF244321}">
+                <p14:modId xmlns:p14="http://schemas.microsoft.com/office/powerpoint/2010/main" val="2159815715"/>
+              </p:ext>
+            </p:extLst>
+          </p:nvPr>
+        </p:nvGraphicFramePr>
+        <p:xfrm>
+          <a:off x="285751" y="186266"/>
+          <a:ext cx="10210800" cy="5692020"/>
+        </p:xfrm>
+        <a:graphic>
+          <a:graphicData uri="http://schemas.openxmlformats.org/drawingml/2006/table">
+            <a:tbl>
+              <a:tblPr firstRow="1" bandRow="1">
+                <a:tableStyleId>{5C22544A-7EE6-4342-B048-85BDC9FD1C3A}</a:tableStyleId>
+              </a:tblPr>
+              <a:tblGrid>
+                <a:gridCol w="775010">
+                  <a:extLst>
+                    <a:ext uri="{9D8B030D-6E8A-4147-A177-3AD203B41FA5}">
+                      <a16:colId xmlns:a16="http://schemas.microsoft.com/office/drawing/2014/main" val="3959262929"/>
+                    </a:ext>
+                  </a:extLst>
+                </a:gridCol>
+                <a:gridCol w="1577664">
+                  <a:extLst>
+                    <a:ext uri="{9D8B030D-6E8A-4147-A177-3AD203B41FA5}">
+                      <a16:colId xmlns:a16="http://schemas.microsoft.com/office/drawing/2014/main" val="1627569443"/>
+                    </a:ext>
+                  </a:extLst>
+                </a:gridCol>
+                <a:gridCol w="1000125">
+                  <a:extLst>
+                    <a:ext uri="{9D8B030D-6E8A-4147-A177-3AD203B41FA5}">
+                      <a16:colId xmlns:a16="http://schemas.microsoft.com/office/drawing/2014/main" val="2348623206"/>
+                    </a:ext>
+                  </a:extLst>
+                </a:gridCol>
+                <a:gridCol w="1114425">
+                  <a:extLst>
+                    <a:ext uri="{9D8B030D-6E8A-4147-A177-3AD203B41FA5}">
+                      <a16:colId xmlns:a16="http://schemas.microsoft.com/office/drawing/2014/main" val="936750774"/>
+                    </a:ext>
+                  </a:extLst>
+                </a:gridCol>
+                <a:gridCol w="1333500">
+                  <a:extLst>
+                    <a:ext uri="{9D8B030D-6E8A-4147-A177-3AD203B41FA5}">
+                      <a16:colId xmlns:a16="http://schemas.microsoft.com/office/drawing/2014/main" val="1096750382"/>
+                    </a:ext>
+                  </a:extLst>
+                </a:gridCol>
+                <a:gridCol w="1381125">
+                  <a:extLst>
+                    <a:ext uri="{9D8B030D-6E8A-4147-A177-3AD203B41FA5}">
+                      <a16:colId xmlns:a16="http://schemas.microsoft.com/office/drawing/2014/main" val="2553925320"/>
+                    </a:ext>
+                  </a:extLst>
+                </a:gridCol>
+                <a:gridCol w="1190625">
+                  <a:extLst>
+                    <a:ext uri="{9D8B030D-6E8A-4147-A177-3AD203B41FA5}">
+                      <a16:colId xmlns:a16="http://schemas.microsoft.com/office/drawing/2014/main" val="2568830889"/>
+                    </a:ext>
+                  </a:extLst>
+                </a:gridCol>
+                <a:gridCol w="1838326">
+                  <a:extLst>
+                    <a:ext uri="{9D8B030D-6E8A-4147-A177-3AD203B41FA5}">
+                      <a16:colId xmlns:a16="http://schemas.microsoft.com/office/drawing/2014/main" val="4256130712"/>
+                    </a:ext>
+                  </a:extLst>
+                </a:gridCol>
+              </a:tblGrid>
+              <a:tr h="525825">
+                <a:tc>
+                  <a:txBody>
+                    <a:bodyPr/>
+                    <a:lstStyle/>
+                    <a:p>
+                      <a:r>
+                        <a:rPr lang="en-US" altLang="zh-CN" dirty="0"/>
+                        <a:t>size</a:t>
+                      </a:r>
+                      <a:endParaRPr lang="en-US" dirty="0"/>
+                    </a:p>
+                  </a:txBody>
+                  <a:tcPr/>
+                </a:tc>
+                <a:tc>
+                  <a:txBody>
+                    <a:bodyPr/>
+                    <a:lstStyle/>
+                    <a:p>
+                      <a:r>
+                        <a:rPr lang="en-US" dirty="0"/>
+                        <a:t>OG</a:t>
+                      </a:r>
+                    </a:p>
+                  </a:txBody>
+                  <a:tcPr/>
+                </a:tc>
+                <a:tc>
+                  <a:txBody>
+                    <a:bodyPr/>
+                    <a:lstStyle/>
+                    <a:p>
+                      <a:r>
+                        <a:rPr lang="en-US" dirty="0"/>
+                        <a:t>NG(5)</a:t>
+                      </a:r>
+                    </a:p>
+                  </a:txBody>
+                  <a:tcPr/>
+                </a:tc>
+                <a:tc>
+                  <a:txBody>
+                    <a:bodyPr/>
+                    <a:lstStyle/>
+                    <a:p>
+                      <a:r>
+                        <a:rPr lang="en-US" dirty="0"/>
+                        <a:t>NG(10)</a:t>
+                      </a:r>
+                    </a:p>
+                  </a:txBody>
+                  <a:tcPr/>
+                </a:tc>
+                <a:tc>
+                  <a:txBody>
+                    <a:bodyPr/>
+                    <a:lstStyle/>
+                    <a:p>
+                      <a:r>
+                        <a:rPr lang="en-US" dirty="0"/>
+                        <a:t>NG(15)</a:t>
+                      </a:r>
+                    </a:p>
+                  </a:txBody>
+                  <a:tcPr/>
+                </a:tc>
+                <a:tc>
+                  <a:txBody>
+                    <a:bodyPr/>
+                    <a:lstStyle/>
+                    <a:p>
+                      <a:r>
+                        <a:rPr lang="en-US" dirty="0"/>
+                        <a:t>NG(20)</a:t>
+                      </a:r>
+                    </a:p>
+                  </a:txBody>
+                  <a:tcPr/>
+                </a:tc>
+                <a:tc>
+                  <a:txBody>
+                    <a:bodyPr/>
+                    <a:lstStyle/>
+                    <a:p>
+                      <a:r>
+                        <a:rPr lang="en-US" dirty="0"/>
+                        <a:t>NG(25)</a:t>
+                      </a:r>
+                    </a:p>
+                  </a:txBody>
+                  <a:tcPr/>
+                </a:tc>
+                <a:tc>
+                  <a:txBody>
+                    <a:bodyPr/>
+                    <a:lstStyle/>
+                    <a:p>
+                      <a:r>
+                        <a:rPr lang="en-US" dirty="0"/>
+                        <a:t>NG(30)</a:t>
+                      </a:r>
+                    </a:p>
+                  </a:txBody>
+                  <a:tcPr/>
+                </a:tc>
+                <a:extLst>
+                  <a:ext uri="{0D108BD9-81ED-4DB2-BD59-A6C34878D82A}">
+                    <a16:rowId xmlns:a16="http://schemas.microsoft.com/office/drawing/2014/main" val="1541345522"/>
+                  </a:ext>
+                </a:extLst>
+              </a:tr>
+              <a:tr h="312841">
+                <a:tc>
+                  <a:txBody>
+                    <a:bodyPr/>
+                    <a:lstStyle/>
+                    <a:p>
+                      <a:r>
+                        <a:rPr lang="en-US" dirty="0"/>
+                        <a:t>100</a:t>
+                      </a:r>
+                    </a:p>
+                  </a:txBody>
+                  <a:tcPr/>
+                </a:tc>
+                <a:tc>
+                  <a:txBody>
+                    <a:bodyPr/>
+                    <a:lstStyle/>
+                    <a:p>
+                      <a:r>
+                        <a:rPr lang="en-US" dirty="0"/>
+                        <a:t>60.69</a:t>
+                      </a:r>
+                    </a:p>
+                  </a:txBody>
+                  <a:tcPr/>
+                </a:tc>
+                <a:tc>
+                  <a:txBody>
+                    <a:bodyPr/>
+                    <a:lstStyle/>
+                    <a:p>
+                      <a:r>
+                        <a:rPr lang="en-US" dirty="0"/>
+                        <a:t>0.59</a:t>
+                      </a:r>
+                    </a:p>
+                  </a:txBody>
+                  <a:tcPr/>
+                </a:tc>
+                <a:tc>
+                  <a:txBody>
+                    <a:bodyPr/>
+                    <a:lstStyle/>
+                    <a:p>
+                      <a:r>
+                        <a:rPr lang="en-US" dirty="0"/>
+                        <a:t>1.63</a:t>
+                      </a:r>
+                    </a:p>
+                  </a:txBody>
+                  <a:tcPr/>
+                </a:tc>
+                <a:tc>
+                  <a:txBody>
+                    <a:bodyPr/>
+                    <a:lstStyle/>
+                    <a:p>
+                      <a:r>
+                        <a:rPr lang="en-US" dirty="0"/>
+                        <a:t>3.6</a:t>
+                      </a:r>
+                    </a:p>
+                  </a:txBody>
+                  <a:tcPr/>
+                </a:tc>
+                <a:tc>
+                  <a:txBody>
+                    <a:bodyPr/>
+                    <a:lstStyle/>
+                    <a:p>
+                      <a:r>
+                        <a:rPr lang="en-US" dirty="0"/>
+                        <a:t>5.39</a:t>
+                      </a:r>
+                    </a:p>
+                  </a:txBody>
+                  <a:tcPr/>
+                </a:tc>
+                <a:tc>
+                  <a:txBody>
+                    <a:bodyPr/>
+                    <a:lstStyle/>
+                    <a:p>
+                      <a:r>
+                        <a:rPr lang="en-US" dirty="0"/>
+                        <a:t>6.7</a:t>
+                      </a:r>
+                    </a:p>
+                  </a:txBody>
+                  <a:tcPr/>
+                </a:tc>
+                <a:tc>
+                  <a:txBody>
+                    <a:bodyPr/>
+                    <a:lstStyle/>
+                    <a:p>
+                      <a:r>
+                        <a:rPr lang="en-US" dirty="0"/>
+                        <a:t>9.25</a:t>
+                      </a:r>
+                    </a:p>
+                  </a:txBody>
+                  <a:tcPr/>
+                </a:tc>
+                <a:extLst>
+                  <a:ext uri="{0D108BD9-81ED-4DB2-BD59-A6C34878D82A}">
+                    <a16:rowId xmlns:a16="http://schemas.microsoft.com/office/drawing/2014/main" val="1953472893"/>
+                  </a:ext>
+                </a:extLst>
+              </a:tr>
+              <a:tr h="258580">
+                <a:tc>
+                  <a:txBody>
+                    <a:bodyPr/>
+                    <a:lstStyle/>
+                    <a:p>
+                      <a:r>
+                        <a:rPr lang="en-US" dirty="0"/>
+                        <a:t>200</a:t>
+                      </a:r>
+                    </a:p>
+                  </a:txBody>
+                  <a:tcPr/>
+                </a:tc>
+                <a:tc>
+                  <a:txBody>
+                    <a:bodyPr/>
+                    <a:lstStyle/>
+                    <a:p>
+                      <a:r>
+                        <a:rPr lang="en-US" dirty="0"/>
+                        <a:t>733.61</a:t>
+                      </a:r>
+                    </a:p>
+                  </a:txBody>
+                  <a:tcPr/>
+                </a:tc>
+                <a:tc>
+                  <a:txBody>
+                    <a:bodyPr/>
+                    <a:lstStyle/>
+                    <a:p>
+                      <a:r>
+                        <a:rPr lang="en-US" dirty="0"/>
+                        <a:t>1.49</a:t>
+                      </a:r>
+                    </a:p>
+                  </a:txBody>
+                  <a:tcPr/>
+                </a:tc>
+                <a:tc>
+                  <a:txBody>
+                    <a:bodyPr/>
+                    <a:lstStyle/>
+                    <a:p>
+                      <a:r>
+                        <a:rPr lang="en-US" dirty="0"/>
+                        <a:t>4.76</a:t>
+                      </a:r>
+                    </a:p>
+                  </a:txBody>
+                  <a:tcPr/>
+                </a:tc>
+                <a:tc>
+                  <a:txBody>
+                    <a:bodyPr/>
+                    <a:lstStyle/>
+                    <a:p>
+                      <a:r>
+                        <a:rPr lang="en-US" dirty="0"/>
+                        <a:t>10.16</a:t>
+                      </a:r>
+                    </a:p>
+                  </a:txBody>
+                  <a:tcPr/>
+                </a:tc>
+                <a:tc>
+                  <a:txBody>
+                    <a:bodyPr/>
+                    <a:lstStyle/>
+                    <a:p>
+                      <a:r>
+                        <a:rPr lang="en-US" dirty="0"/>
+                        <a:t>13.49</a:t>
+                      </a:r>
+                    </a:p>
+                  </a:txBody>
+                  <a:tcPr/>
+                </a:tc>
+                <a:tc>
+                  <a:txBody>
+                    <a:bodyPr/>
+                    <a:lstStyle/>
+                    <a:p>
+                      <a:r>
+                        <a:rPr lang="en-US" dirty="0"/>
+                        <a:t>20.72</a:t>
+                      </a:r>
+                    </a:p>
+                  </a:txBody>
+                  <a:tcPr/>
+                </a:tc>
+                <a:tc>
+                  <a:txBody>
+                    <a:bodyPr/>
+                    <a:lstStyle/>
+                    <a:p>
+                      <a:r>
+                        <a:rPr lang="en-US" dirty="0"/>
+                        <a:t>33.26</a:t>
+                      </a:r>
+                    </a:p>
+                  </a:txBody>
+                  <a:tcPr/>
+                </a:tc>
+                <a:extLst>
+                  <a:ext uri="{0D108BD9-81ED-4DB2-BD59-A6C34878D82A}">
+                    <a16:rowId xmlns:a16="http://schemas.microsoft.com/office/drawing/2014/main" val="922257744"/>
+                  </a:ext>
+                </a:extLst>
+              </a:tr>
+              <a:tr h="304802">
+                <a:tc>
+                  <a:txBody>
+                    <a:bodyPr/>
+                    <a:lstStyle/>
+                    <a:p>
+                      <a:r>
+                        <a:rPr lang="en-US" dirty="0"/>
+                        <a:t>300</a:t>
+                      </a:r>
+                    </a:p>
+                  </a:txBody>
+                  <a:tcPr/>
+                </a:tc>
+                <a:tc>
+                  <a:txBody>
+                    <a:bodyPr/>
+                    <a:lstStyle/>
+                    <a:p>
+                      <a:r>
+                        <a:rPr lang="en-US" dirty="0"/>
+                        <a:t>2532.55</a:t>
+                      </a:r>
+                    </a:p>
+                  </a:txBody>
+                  <a:tcPr/>
+                </a:tc>
+                <a:tc>
+                  <a:txBody>
+                    <a:bodyPr/>
+                    <a:lstStyle/>
+                    <a:p>
+                      <a:r>
+                        <a:rPr lang="en-US" dirty="0"/>
+                        <a:t>2.73</a:t>
+                      </a:r>
+                    </a:p>
+                  </a:txBody>
+                  <a:tcPr/>
+                </a:tc>
+                <a:tc>
+                  <a:txBody>
+                    <a:bodyPr/>
+                    <a:lstStyle/>
+                    <a:p>
+                      <a:r>
+                        <a:rPr lang="en-US" dirty="0"/>
+                        <a:t>8.58</a:t>
+                      </a:r>
+                    </a:p>
+                  </a:txBody>
+                  <a:tcPr/>
+                </a:tc>
+                <a:tc>
+                  <a:txBody>
+                    <a:bodyPr/>
+                    <a:lstStyle/>
+                    <a:p>
+                      <a:r>
+                        <a:rPr lang="en-US" dirty="0"/>
+                        <a:t>18.3</a:t>
+                      </a:r>
+                    </a:p>
+                  </a:txBody>
+                  <a:tcPr/>
+                </a:tc>
+                <a:tc>
+                  <a:txBody>
+                    <a:bodyPr/>
+                    <a:lstStyle/>
+                    <a:p>
+                      <a:r>
+                        <a:rPr lang="en-US" dirty="0"/>
+                        <a:t>24.51</a:t>
+                      </a:r>
+                    </a:p>
+                  </a:txBody>
+                  <a:tcPr/>
+                </a:tc>
+                <a:tc>
+                  <a:txBody>
+                    <a:bodyPr/>
+                    <a:lstStyle/>
+                    <a:p>
+                      <a:r>
+                        <a:rPr lang="en-US" dirty="0"/>
+                        <a:t>38.21</a:t>
+                      </a:r>
+                    </a:p>
+                  </a:txBody>
+                  <a:tcPr/>
+                </a:tc>
+                <a:tc>
+                  <a:txBody>
+                    <a:bodyPr/>
+                    <a:lstStyle/>
+                    <a:p>
+                      <a:r>
+                        <a:rPr lang="en-US" dirty="0"/>
+                        <a:t>60.26</a:t>
+                      </a:r>
+                    </a:p>
+                  </a:txBody>
+                  <a:tcPr/>
+                </a:tc>
+                <a:extLst>
+                  <a:ext uri="{0D108BD9-81ED-4DB2-BD59-A6C34878D82A}">
+                    <a16:rowId xmlns:a16="http://schemas.microsoft.com/office/drawing/2014/main" val="2344076020"/>
+                  </a:ext>
+                </a:extLst>
+              </a:tr>
+              <a:tr h="340976">
+                <a:tc>
+                  <a:txBody>
+                    <a:bodyPr/>
+                    <a:lstStyle/>
+                    <a:p>
+                      <a:r>
+                        <a:rPr lang="en-US" dirty="0"/>
+                        <a:t>400</a:t>
+                      </a:r>
+                    </a:p>
+                  </a:txBody>
+                  <a:tcPr/>
+                </a:tc>
+                <a:tc>
+                  <a:txBody>
+                    <a:bodyPr/>
+                    <a:lstStyle/>
+                    <a:p>
+                      <a:r>
+                        <a:rPr lang="en-US" dirty="0"/>
+                        <a:t>6176.07</a:t>
+                      </a:r>
+                    </a:p>
+                  </a:txBody>
+                  <a:tcPr/>
+                </a:tc>
+                <a:tc>
+                  <a:txBody>
+                    <a:bodyPr/>
+                    <a:lstStyle/>
+                    <a:p>
+                      <a:r>
+                        <a:rPr lang="en-US" dirty="0"/>
+                        <a:t>4.21</a:t>
+                      </a:r>
+                    </a:p>
+                  </a:txBody>
+                  <a:tcPr/>
+                </a:tc>
+                <a:tc>
+                  <a:txBody>
+                    <a:bodyPr/>
+                    <a:lstStyle/>
+                    <a:p>
+                      <a:r>
+                        <a:rPr lang="en-US" dirty="0"/>
+                        <a:t>14.06</a:t>
+                      </a:r>
+                    </a:p>
+                  </a:txBody>
+                  <a:tcPr/>
+                </a:tc>
+                <a:tc>
+                  <a:txBody>
+                    <a:bodyPr/>
+                    <a:lstStyle/>
+                    <a:p>
+                      <a:r>
+                        <a:rPr lang="en-US" dirty="0"/>
+                        <a:t>27.96</a:t>
+                      </a:r>
+                    </a:p>
+                  </a:txBody>
+                  <a:tcPr/>
+                </a:tc>
+                <a:tc>
+                  <a:txBody>
+                    <a:bodyPr/>
+                    <a:lstStyle/>
+                    <a:p>
+                      <a:r>
+                        <a:rPr lang="en-US" dirty="0"/>
+                        <a:t>37.18</a:t>
+                      </a:r>
+                    </a:p>
+                  </a:txBody>
+                  <a:tcPr/>
+                </a:tc>
+                <a:tc>
+                  <a:txBody>
+                    <a:bodyPr/>
+                    <a:lstStyle/>
+                    <a:p>
+                      <a:r>
+                        <a:rPr lang="en-US" dirty="0"/>
+                        <a:t>57.95</a:t>
+                      </a:r>
+                    </a:p>
+                  </a:txBody>
+                  <a:tcPr/>
+                </a:tc>
+                <a:tc>
+                  <a:txBody>
+                    <a:bodyPr/>
+                    <a:lstStyle/>
+                    <a:p>
+                      <a:r>
+                        <a:rPr lang="en-US" dirty="0"/>
+                        <a:t>91.56</a:t>
+                      </a:r>
+                    </a:p>
+                  </a:txBody>
+                  <a:tcPr/>
+                </a:tc>
+                <a:extLst>
+                  <a:ext uri="{0D108BD9-81ED-4DB2-BD59-A6C34878D82A}">
+                    <a16:rowId xmlns:a16="http://schemas.microsoft.com/office/drawing/2014/main" val="2734203973"/>
+                  </a:ext>
+                </a:extLst>
+              </a:tr>
+              <a:tr h="347005">
+                <a:tc>
+                  <a:txBody>
+                    <a:bodyPr/>
+                    <a:lstStyle/>
+                    <a:p>
+                      <a:r>
+                        <a:rPr lang="en-US" dirty="0"/>
+                        <a:t>500</a:t>
+                      </a:r>
+                    </a:p>
+                  </a:txBody>
+                  <a:tcPr/>
+                </a:tc>
+                <a:tc>
+                  <a:txBody>
+                    <a:bodyPr/>
+                    <a:lstStyle/>
+                    <a:p>
+                      <a:r>
+                        <a:rPr lang="en-US" dirty="0"/>
+                        <a:t>13503.35</a:t>
+                      </a:r>
+                    </a:p>
+                  </a:txBody>
+                  <a:tcPr/>
+                </a:tc>
+                <a:tc>
+                  <a:txBody>
+                    <a:bodyPr/>
+                    <a:lstStyle/>
+                    <a:p>
+                      <a:r>
+                        <a:rPr lang="en-US" dirty="0"/>
+                        <a:t>7.7</a:t>
+                      </a:r>
+                    </a:p>
+                  </a:txBody>
+                  <a:tcPr/>
+                </a:tc>
+                <a:tc>
+                  <a:txBody>
+                    <a:bodyPr/>
+                    <a:lstStyle/>
+                    <a:p>
+                      <a:r>
+                        <a:rPr lang="en-US" dirty="0"/>
+                        <a:t>17.61</a:t>
+                      </a:r>
+                    </a:p>
+                  </a:txBody>
+                  <a:tcPr/>
+                </a:tc>
+                <a:tc>
+                  <a:txBody>
+                    <a:bodyPr/>
+                    <a:lstStyle/>
+                    <a:p>
+                      <a:r>
+                        <a:rPr lang="en-US" dirty="0"/>
+                        <a:t>37.8</a:t>
+                      </a:r>
+                    </a:p>
+                  </a:txBody>
+                  <a:tcPr/>
+                </a:tc>
+                <a:tc>
+                  <a:txBody>
+                    <a:bodyPr/>
+                    <a:lstStyle/>
+                    <a:p>
+                      <a:r>
+                        <a:rPr lang="en-US" dirty="0"/>
+                        <a:t>52.71</a:t>
+                      </a:r>
+                    </a:p>
+                  </a:txBody>
+                  <a:tcPr/>
+                </a:tc>
+                <a:tc>
+                  <a:txBody>
+                    <a:bodyPr/>
+                    <a:lstStyle/>
+                    <a:p>
+                      <a:r>
+                        <a:rPr lang="en-US" dirty="0"/>
+                        <a:t>74.33</a:t>
+                      </a:r>
+                    </a:p>
+                  </a:txBody>
+                  <a:tcPr/>
+                </a:tc>
+                <a:tc>
+                  <a:txBody>
+                    <a:bodyPr/>
+                    <a:lstStyle/>
+                    <a:p>
+                      <a:r>
+                        <a:rPr lang="en-US" dirty="0"/>
+                        <a:t>96.81</a:t>
+                      </a:r>
+                    </a:p>
+                  </a:txBody>
+                  <a:tcPr/>
+                </a:tc>
+                <a:extLst>
+                  <a:ext uri="{0D108BD9-81ED-4DB2-BD59-A6C34878D82A}">
+                    <a16:rowId xmlns:a16="http://schemas.microsoft.com/office/drawing/2014/main" val="1043318241"/>
+                  </a:ext>
+                </a:extLst>
+              </a:tr>
+              <a:tr h="347005">
+                <a:tc>
+                  <a:txBody>
+                    <a:bodyPr/>
+                    <a:lstStyle/>
+                    <a:p>
+                      <a:r>
+                        <a:rPr lang="en-US" dirty="0"/>
+                        <a:t>600</a:t>
+                      </a:r>
+                    </a:p>
+                  </a:txBody>
+                  <a:tcPr/>
+                </a:tc>
+                <a:tc>
+                  <a:txBody>
+                    <a:bodyPr/>
+                    <a:lstStyle/>
+                    <a:p>
+                      <a:r>
+                        <a:rPr lang="en-US" dirty="0"/>
+                        <a:t>19734.28</a:t>
+                      </a:r>
+                    </a:p>
+                  </a:txBody>
+                  <a:tcPr/>
+                </a:tc>
+                <a:tc>
+                  <a:txBody>
+                    <a:bodyPr/>
+                    <a:lstStyle/>
+                    <a:p>
+                      <a:r>
+                        <a:rPr lang="en-US" dirty="0"/>
+                        <a:t>8.29</a:t>
+                      </a:r>
+                    </a:p>
+                  </a:txBody>
+                  <a:tcPr/>
+                </a:tc>
+                <a:tc>
+                  <a:txBody>
+                    <a:bodyPr/>
+                    <a:lstStyle/>
+                    <a:p>
+                      <a:r>
+                        <a:rPr lang="en-US" dirty="0"/>
+                        <a:t>28.67</a:t>
+                      </a:r>
+                    </a:p>
+                  </a:txBody>
+                  <a:tcPr/>
+                </a:tc>
+                <a:tc>
+                  <a:txBody>
+                    <a:bodyPr/>
+                    <a:lstStyle/>
+                    <a:p>
+                      <a:r>
+                        <a:rPr lang="en-US" dirty="0"/>
+                        <a:t>47.46</a:t>
+                      </a:r>
+                    </a:p>
+                  </a:txBody>
+                  <a:tcPr/>
+                </a:tc>
+                <a:tc>
+                  <a:txBody>
+                    <a:bodyPr/>
+                    <a:lstStyle/>
+                    <a:p>
+                      <a:r>
+                        <a:rPr lang="en-US" dirty="0"/>
+                        <a:t>67.5</a:t>
+                      </a:r>
+                    </a:p>
+                  </a:txBody>
+                  <a:tcPr/>
+                </a:tc>
+                <a:tc>
+                  <a:txBody>
+                    <a:bodyPr/>
+                    <a:lstStyle/>
+                    <a:p>
+                      <a:r>
+                        <a:rPr lang="en-US" dirty="0"/>
+                        <a:t>99.45</a:t>
+                      </a:r>
+                    </a:p>
+                  </a:txBody>
+                  <a:tcPr/>
+                </a:tc>
+                <a:tc>
+                  <a:txBody>
+                    <a:bodyPr/>
+                    <a:lstStyle/>
+                    <a:p>
+                      <a:r>
+                        <a:rPr lang="en-US" dirty="0"/>
+                        <a:t>150.66</a:t>
+                      </a:r>
+                    </a:p>
+                  </a:txBody>
+                  <a:tcPr/>
+                </a:tc>
+                <a:extLst>
+                  <a:ext uri="{0D108BD9-81ED-4DB2-BD59-A6C34878D82A}">
+                    <a16:rowId xmlns:a16="http://schemas.microsoft.com/office/drawing/2014/main" val="766346797"/>
+                  </a:ext>
+                </a:extLst>
+              </a:tr>
+              <a:tr h="318870">
+                <a:tc>
+                  <a:txBody>
+                    <a:bodyPr/>
+                    <a:lstStyle/>
+                    <a:p>
+                      <a:r>
+                        <a:rPr lang="en-US" dirty="0"/>
+                        <a:t>700</a:t>
+                      </a:r>
+                    </a:p>
+                  </a:txBody>
+                  <a:tcPr/>
+                </a:tc>
+                <a:tc>
+                  <a:txBody>
+                    <a:bodyPr/>
+                    <a:lstStyle/>
+                    <a:p>
+                      <a:r>
+                        <a:rPr lang="en-US" dirty="0"/>
+                        <a:t>31385.43</a:t>
+                      </a:r>
+                    </a:p>
+                  </a:txBody>
+                  <a:tcPr/>
+                </a:tc>
+                <a:tc>
+                  <a:txBody>
+                    <a:bodyPr/>
+                    <a:lstStyle/>
+                    <a:p>
+                      <a:r>
+                        <a:rPr lang="en-US" dirty="0"/>
+                        <a:t>12.05</a:t>
+                      </a:r>
+                    </a:p>
+                  </a:txBody>
+                  <a:tcPr/>
+                </a:tc>
+                <a:tc>
+                  <a:txBody>
+                    <a:bodyPr/>
+                    <a:lstStyle/>
+                    <a:p>
+                      <a:r>
+                        <a:rPr lang="en-US" dirty="0"/>
+                        <a:t>37.3</a:t>
+                      </a:r>
+                    </a:p>
+                  </a:txBody>
+                  <a:tcPr/>
+                </a:tc>
+                <a:tc>
+                  <a:txBody>
+                    <a:bodyPr/>
+                    <a:lstStyle/>
+                    <a:p>
+                      <a:r>
+                        <a:rPr lang="en-US" dirty="0"/>
+                        <a:t>61.77</a:t>
+                      </a:r>
+                    </a:p>
+                  </a:txBody>
+                  <a:tcPr/>
+                </a:tc>
+                <a:tc>
+                  <a:txBody>
+                    <a:bodyPr/>
+                    <a:lstStyle/>
+                    <a:p>
+                      <a:r>
+                        <a:rPr lang="en-US" dirty="0"/>
+                        <a:t>85.92</a:t>
+                      </a:r>
+                    </a:p>
+                  </a:txBody>
+                  <a:tcPr/>
+                </a:tc>
+                <a:tc>
+                  <a:txBody>
+                    <a:bodyPr/>
+                    <a:lstStyle/>
+                    <a:p>
+                      <a:r>
+                        <a:rPr lang="en-US" dirty="0"/>
+                        <a:t>126.08</a:t>
+                      </a:r>
+                    </a:p>
+                  </a:txBody>
+                  <a:tcPr/>
+                </a:tc>
+                <a:tc>
+                  <a:txBody>
+                    <a:bodyPr/>
+                    <a:lstStyle/>
+                    <a:p>
+                      <a:r>
+                        <a:rPr lang="en-US" dirty="0"/>
+                        <a:t>186.13</a:t>
+                      </a:r>
+                    </a:p>
+                  </a:txBody>
+                  <a:tcPr/>
+                </a:tc>
+                <a:extLst>
+                  <a:ext uri="{0D108BD9-81ED-4DB2-BD59-A6C34878D82A}">
+                    <a16:rowId xmlns:a16="http://schemas.microsoft.com/office/drawing/2014/main" val="2292019963"/>
+                  </a:ext>
+                </a:extLst>
+              </a:tr>
+              <a:tr h="318870">
+                <a:tc>
+                  <a:txBody>
+                    <a:bodyPr/>
+                    <a:lstStyle/>
+                    <a:p>
+                      <a:r>
+                        <a:rPr lang="en-US" dirty="0"/>
+                        <a:t>800</a:t>
+                      </a:r>
+                    </a:p>
+                  </a:txBody>
+                  <a:tcPr/>
+                </a:tc>
+                <a:tc>
+                  <a:txBody>
+                    <a:bodyPr/>
+                    <a:lstStyle/>
+                    <a:p>
+                      <a:r>
+                        <a:rPr lang="en-US" dirty="0"/>
+                        <a:t>45900.06</a:t>
+                      </a:r>
+                    </a:p>
+                  </a:txBody>
+                  <a:tcPr/>
+                </a:tc>
+                <a:tc>
+                  <a:txBody>
+                    <a:bodyPr/>
+                    <a:lstStyle/>
+                    <a:p>
+                      <a:r>
+                        <a:rPr lang="en-US" dirty="0"/>
+                        <a:t>15.21</a:t>
+                      </a:r>
+                    </a:p>
+                  </a:txBody>
+                  <a:tcPr/>
+                </a:tc>
+                <a:tc>
+                  <a:txBody>
+                    <a:bodyPr/>
+                    <a:lstStyle/>
+                    <a:p>
+                      <a:r>
+                        <a:rPr lang="en-US" dirty="0"/>
+                        <a:t>51.46</a:t>
+                      </a:r>
+                    </a:p>
+                  </a:txBody>
+                  <a:tcPr/>
+                </a:tc>
+                <a:tc>
+                  <a:txBody>
+                    <a:bodyPr/>
+                    <a:lstStyle/>
+                    <a:p>
+                      <a:r>
+                        <a:rPr lang="en-US" dirty="0"/>
+                        <a:t>76.64</a:t>
+                      </a:r>
+                    </a:p>
+                  </a:txBody>
+                  <a:tcPr/>
+                </a:tc>
+                <a:tc>
+                  <a:txBody>
+                    <a:bodyPr/>
+                    <a:lstStyle/>
+                    <a:p>
+                      <a:r>
+                        <a:rPr lang="en-US" dirty="0"/>
+                        <a:t>107.92</a:t>
+                      </a:r>
+                    </a:p>
+                  </a:txBody>
+                  <a:tcPr/>
+                </a:tc>
+                <a:tc>
+                  <a:txBody>
+                    <a:bodyPr/>
+                    <a:lstStyle/>
+                    <a:p>
+                      <a:r>
+                        <a:rPr lang="en-US" dirty="0"/>
+                        <a:t>154.54</a:t>
+                      </a:r>
+                    </a:p>
+                  </a:txBody>
+                  <a:tcPr/>
+                </a:tc>
+                <a:tc>
+                  <a:txBody>
+                    <a:bodyPr/>
+                    <a:lstStyle/>
+                    <a:p>
+                      <a:r>
+                        <a:rPr lang="en-US" dirty="0"/>
+                        <a:t>223.31</a:t>
+                      </a:r>
+                    </a:p>
+                  </a:txBody>
+                  <a:tcPr/>
+                </a:tc>
+                <a:extLst>
+                  <a:ext uri="{0D108BD9-81ED-4DB2-BD59-A6C34878D82A}">
+                    <a16:rowId xmlns:a16="http://schemas.microsoft.com/office/drawing/2014/main" val="619795672"/>
+                  </a:ext>
+                </a:extLst>
+              </a:tr>
+              <a:tr h="371121">
+                <a:tc>
+                  <a:txBody>
+                    <a:bodyPr/>
+                    <a:lstStyle/>
+                    <a:p>
+                      <a:r>
+                        <a:rPr lang="en-US" dirty="0"/>
+                        <a:t>900</a:t>
+                      </a:r>
+                    </a:p>
+                  </a:txBody>
+                  <a:tcPr/>
+                </a:tc>
+                <a:tc>
+                  <a:txBody>
+                    <a:bodyPr/>
+                    <a:lstStyle/>
+                    <a:p>
+                      <a:r>
+                        <a:rPr lang="en-US" dirty="0"/>
+                        <a:t>64501.67</a:t>
+                      </a:r>
+                    </a:p>
+                  </a:txBody>
+                  <a:tcPr/>
+                </a:tc>
+                <a:tc>
+                  <a:txBody>
+                    <a:bodyPr/>
+                    <a:lstStyle/>
+                    <a:p>
+                      <a:r>
+                        <a:rPr lang="en-US" dirty="0"/>
+                        <a:t>19.08</a:t>
+                      </a:r>
+                    </a:p>
+                  </a:txBody>
+                  <a:tcPr/>
+                </a:tc>
+                <a:tc>
+                  <a:txBody>
+                    <a:bodyPr/>
+                    <a:lstStyle/>
+                    <a:p>
+                      <a:r>
+                        <a:rPr lang="en-US" dirty="0"/>
+                        <a:t>59.5</a:t>
+                      </a:r>
+                    </a:p>
+                  </a:txBody>
+                  <a:tcPr/>
+                </a:tc>
+                <a:tc>
+                  <a:txBody>
+                    <a:bodyPr/>
+                    <a:lstStyle/>
+                    <a:p>
+                      <a:r>
+                        <a:rPr lang="en-US" dirty="0"/>
+                        <a:t>89.89</a:t>
+                      </a:r>
+                    </a:p>
+                  </a:txBody>
+                  <a:tcPr/>
+                </a:tc>
+                <a:tc>
+                  <a:txBody>
+                    <a:bodyPr/>
+                    <a:lstStyle/>
+                    <a:p>
+                      <a:r>
+                        <a:rPr lang="en-US" dirty="0"/>
+                        <a:t>129.14</a:t>
+                      </a:r>
+                    </a:p>
+                  </a:txBody>
+                  <a:tcPr/>
+                </a:tc>
+                <a:tc>
+                  <a:txBody>
+                    <a:bodyPr/>
+                    <a:lstStyle/>
+                    <a:p>
+                      <a:r>
+                        <a:rPr lang="en-US" dirty="0"/>
+                        <a:t>184.52</a:t>
+                      </a:r>
+                    </a:p>
+                  </a:txBody>
+                  <a:tcPr/>
+                </a:tc>
+                <a:tc>
+                  <a:txBody>
+                    <a:bodyPr/>
+                    <a:lstStyle/>
+                    <a:p>
+                      <a:r>
+                        <a:rPr lang="en-US" dirty="0"/>
+                        <a:t>253.49</a:t>
+                      </a:r>
+                    </a:p>
+                  </a:txBody>
+                  <a:tcPr/>
+                </a:tc>
+                <a:extLst>
+                  <a:ext uri="{0D108BD9-81ED-4DB2-BD59-A6C34878D82A}">
+                    <a16:rowId xmlns:a16="http://schemas.microsoft.com/office/drawing/2014/main" val="4031194815"/>
+                  </a:ext>
+                </a:extLst>
+              </a:tr>
+              <a:tr h="341644">
+                <a:tc>
+                  <a:txBody>
+                    <a:bodyPr/>
+                    <a:lstStyle/>
+                    <a:p>
+                      <a:r>
+                        <a:rPr lang="en-US" dirty="0"/>
+                        <a:t>1000</a:t>
+                      </a:r>
+                    </a:p>
+                  </a:txBody>
+                  <a:tcPr/>
+                </a:tc>
+                <a:tc>
+                  <a:txBody>
+                    <a:bodyPr/>
+                    <a:lstStyle/>
+                    <a:p>
+                      <a:r>
+                        <a:rPr lang="en-US" sz="1800" b="0" i="0" kern="1200" dirty="0">
+                          <a:solidFill>
+                            <a:schemeClr val="dk1"/>
+                          </a:solidFill>
+                          <a:effectLst/>
+                          <a:latin typeface="+mn-lt"/>
+                          <a:ea typeface="+mn-ea"/>
+                          <a:cs typeface="+mn-cs"/>
+                        </a:rPr>
+                        <a:t>113634.28</a:t>
+                      </a:r>
+                      <a:endParaRPr lang="en-US" dirty="0"/>
+                    </a:p>
+                  </a:txBody>
+                  <a:tcPr/>
+                </a:tc>
+                <a:tc>
+                  <a:txBody>
+                    <a:bodyPr/>
+                    <a:lstStyle/>
+                    <a:p>
+                      <a:r>
+                        <a:rPr lang="en-US" dirty="0"/>
+                        <a:t>28.39</a:t>
+                      </a:r>
+                    </a:p>
+                  </a:txBody>
+                  <a:tcPr/>
+                </a:tc>
+                <a:tc>
+                  <a:txBody>
+                    <a:bodyPr/>
+                    <a:lstStyle/>
+                    <a:p>
+                      <a:r>
+                        <a:rPr lang="en-US" dirty="0"/>
+                        <a:t>66.55</a:t>
+                      </a:r>
+                    </a:p>
+                  </a:txBody>
+                  <a:tcPr/>
+                </a:tc>
+                <a:tc>
+                  <a:txBody>
+                    <a:bodyPr/>
+                    <a:lstStyle/>
+                    <a:p>
+                      <a:r>
+                        <a:rPr lang="en-US" dirty="0"/>
+                        <a:t>132.97</a:t>
+                      </a:r>
+                    </a:p>
+                  </a:txBody>
+                  <a:tcPr/>
+                </a:tc>
+                <a:tc>
+                  <a:txBody>
+                    <a:bodyPr/>
+                    <a:lstStyle/>
+                    <a:p>
+                      <a:r>
+                        <a:rPr lang="en-US" dirty="0"/>
+                        <a:t>183.05</a:t>
+                      </a:r>
+                    </a:p>
+                  </a:txBody>
+                  <a:tcPr/>
+                </a:tc>
+                <a:tc>
+                  <a:txBody>
+                    <a:bodyPr/>
+                    <a:lstStyle/>
+                    <a:p>
+                      <a:r>
+                        <a:rPr lang="en-US" dirty="0"/>
+                        <a:t>230.37</a:t>
+                      </a:r>
+                    </a:p>
+                  </a:txBody>
+                  <a:tcPr/>
+                </a:tc>
+                <a:tc>
+                  <a:txBody>
+                    <a:bodyPr/>
+                    <a:lstStyle/>
+                    <a:p>
+                      <a:r>
+                        <a:rPr lang="en-US" dirty="0"/>
+                        <a:t>330.49</a:t>
+                      </a:r>
+                    </a:p>
+                  </a:txBody>
+                  <a:tcPr/>
+                </a:tc>
+                <a:extLst>
+                  <a:ext uri="{0D108BD9-81ED-4DB2-BD59-A6C34878D82A}">
+                    <a16:rowId xmlns:a16="http://schemas.microsoft.com/office/drawing/2014/main" val="3662519611"/>
+                  </a:ext>
+                </a:extLst>
+              </a:tr>
+              <a:tr h="347673">
+                <a:tc>
+                  <a:txBody>
+                    <a:bodyPr/>
+                    <a:lstStyle/>
+                    <a:p>
+                      <a:r>
+                        <a:rPr lang="en-US" dirty="0"/>
+                        <a:t>1500</a:t>
+                      </a:r>
+                    </a:p>
+                  </a:txBody>
+                  <a:tcPr/>
+                </a:tc>
+                <a:tc>
+                  <a:txBody>
+                    <a:bodyPr/>
+                    <a:lstStyle/>
+                    <a:p>
+                      <a:r>
+                        <a:rPr lang="en-US" dirty="0"/>
+                        <a:t>**</a:t>
+                      </a:r>
+                    </a:p>
+                  </a:txBody>
+                  <a:tcPr/>
+                </a:tc>
+                <a:tc>
+                  <a:txBody>
+                    <a:bodyPr/>
+                    <a:lstStyle/>
+                    <a:p>
+                      <a:r>
+                        <a:rPr lang="en-US" dirty="0"/>
+                        <a:t>65.4</a:t>
+                      </a:r>
+                    </a:p>
+                  </a:txBody>
+                  <a:tcPr/>
+                </a:tc>
+                <a:tc>
+                  <a:txBody>
+                    <a:bodyPr/>
+                    <a:lstStyle/>
+                    <a:p>
+                      <a:r>
+                        <a:rPr lang="en-US" dirty="0"/>
+                        <a:t>162.11</a:t>
+                      </a:r>
+                    </a:p>
+                  </a:txBody>
+                  <a:tcPr/>
+                </a:tc>
+                <a:tc>
+                  <a:txBody>
+                    <a:bodyPr/>
+                    <a:lstStyle/>
+                    <a:p>
+                      <a:r>
+                        <a:rPr lang="en-US" dirty="0"/>
+                        <a:t>288.94</a:t>
+                      </a:r>
+                    </a:p>
+                  </a:txBody>
+                  <a:tcPr/>
+                </a:tc>
+                <a:tc>
+                  <a:txBody>
+                    <a:bodyPr/>
+                    <a:lstStyle/>
+                    <a:p>
+                      <a:r>
+                        <a:rPr lang="en-US" dirty="0"/>
+                        <a:t>400.25</a:t>
+                      </a:r>
+                    </a:p>
+                  </a:txBody>
+                  <a:tcPr/>
+                </a:tc>
+                <a:tc>
+                  <a:txBody>
+                    <a:bodyPr/>
+                    <a:lstStyle/>
+                    <a:p>
+                      <a:r>
+                        <a:rPr lang="en-US" dirty="0"/>
+                        <a:t>482.01</a:t>
+                      </a:r>
+                    </a:p>
+                  </a:txBody>
+                  <a:tcPr/>
+                </a:tc>
+                <a:tc>
+                  <a:txBody>
+                    <a:bodyPr/>
+                    <a:lstStyle/>
+                    <a:p>
+                      <a:r>
+                        <a:rPr lang="en-US" dirty="0"/>
+                        <a:t>685.55</a:t>
+                      </a:r>
+                    </a:p>
+                  </a:txBody>
+                  <a:tcPr/>
+                </a:tc>
+                <a:extLst>
+                  <a:ext uri="{0D108BD9-81ED-4DB2-BD59-A6C34878D82A}">
+                    <a16:rowId xmlns:a16="http://schemas.microsoft.com/office/drawing/2014/main" val="8932694"/>
+                  </a:ext>
+                </a:extLst>
+              </a:tr>
+              <a:tr h="383847">
+                <a:tc>
+                  <a:txBody>
+                    <a:bodyPr/>
+                    <a:lstStyle/>
+                    <a:p>
+                      <a:r>
+                        <a:rPr lang="en-US" dirty="0"/>
+                        <a:t>2000</a:t>
+                      </a:r>
+                    </a:p>
+                  </a:txBody>
+                  <a:tcPr/>
+                </a:tc>
+                <a:tc>
+                  <a:txBody>
+                    <a:bodyPr/>
+                    <a:lstStyle/>
+                    <a:p>
+                      <a:r>
+                        <a:rPr lang="en-US" dirty="0"/>
+                        <a:t>**</a:t>
+                      </a:r>
+                    </a:p>
+                  </a:txBody>
+                  <a:tcPr/>
+                </a:tc>
+                <a:tc>
+                  <a:txBody>
+                    <a:bodyPr/>
+                    <a:lstStyle/>
+                    <a:p>
+                      <a:r>
+                        <a:rPr lang="en-US" dirty="0"/>
+                        <a:t>137.53</a:t>
+                      </a:r>
+                    </a:p>
+                  </a:txBody>
+                  <a:tcPr/>
+                </a:tc>
+                <a:tc>
+                  <a:txBody>
+                    <a:bodyPr/>
+                    <a:lstStyle/>
+                    <a:p>
+                      <a:r>
+                        <a:rPr lang="en-US" dirty="0"/>
+                        <a:t>316.95</a:t>
+                      </a:r>
+                    </a:p>
+                  </a:txBody>
+                  <a:tcPr/>
+                </a:tc>
+                <a:tc>
+                  <a:txBody>
+                    <a:bodyPr/>
+                    <a:lstStyle/>
+                    <a:p>
+                      <a:r>
+                        <a:rPr lang="en-US" dirty="0"/>
+                        <a:t>540.83</a:t>
+                      </a:r>
+                    </a:p>
+                  </a:txBody>
+                  <a:tcPr/>
+                </a:tc>
+                <a:tc>
+                  <a:txBody>
+                    <a:bodyPr/>
+                    <a:lstStyle/>
+                    <a:p>
+                      <a:r>
+                        <a:rPr lang="en-US" dirty="0"/>
+                        <a:t>738.66</a:t>
+                      </a:r>
+                    </a:p>
+                  </a:txBody>
+                  <a:tcPr/>
+                </a:tc>
+                <a:tc>
+                  <a:txBody>
+                    <a:bodyPr/>
+                    <a:lstStyle/>
+                    <a:p>
+                      <a:r>
+                        <a:rPr lang="en-US" dirty="0"/>
+                        <a:t>900.49</a:t>
+                      </a:r>
+                    </a:p>
+                  </a:txBody>
+                  <a:tcPr/>
+                </a:tc>
+                <a:tc>
+                  <a:txBody>
+                    <a:bodyPr/>
+                    <a:lstStyle/>
+                    <a:p>
+                      <a:r>
+                        <a:rPr lang="en-US" dirty="0"/>
+                        <a:t>1190.3</a:t>
+                      </a:r>
+                    </a:p>
+                  </a:txBody>
+                  <a:tcPr/>
+                </a:tc>
+                <a:extLst>
+                  <a:ext uri="{0D108BD9-81ED-4DB2-BD59-A6C34878D82A}">
+                    <a16:rowId xmlns:a16="http://schemas.microsoft.com/office/drawing/2014/main" val="435104574"/>
+                  </a:ext>
+                </a:extLst>
+              </a:tr>
+              <a:tr h="331596">
+                <a:tc>
+                  <a:txBody>
+                    <a:bodyPr/>
+                    <a:lstStyle/>
+                    <a:p>
+                      <a:r>
+                        <a:rPr lang="en-US" dirty="0"/>
+                        <a:t>2500</a:t>
+                      </a:r>
+                    </a:p>
+                  </a:txBody>
+                  <a:tcPr/>
+                </a:tc>
+                <a:tc>
+                  <a:txBody>
+                    <a:bodyPr/>
+                    <a:lstStyle/>
+                    <a:p>
+                      <a:r>
+                        <a:rPr lang="en-US" dirty="0"/>
+                        <a:t>**</a:t>
+                      </a:r>
+                    </a:p>
+                  </a:txBody>
+                  <a:tcPr/>
+                </a:tc>
+                <a:tc>
+                  <a:txBody>
+                    <a:bodyPr/>
+                    <a:lstStyle/>
+                    <a:p>
+                      <a:r>
+                        <a:rPr lang="en-US" dirty="0"/>
+                        <a:t>226.56</a:t>
+                      </a:r>
+                    </a:p>
+                  </a:txBody>
+                  <a:tcPr/>
+                </a:tc>
+                <a:tc>
+                  <a:txBody>
+                    <a:bodyPr/>
+                    <a:lstStyle/>
+                    <a:p>
+                      <a:r>
+                        <a:rPr lang="en-US" dirty="0"/>
+                        <a:t>530.0</a:t>
+                      </a:r>
+                    </a:p>
+                  </a:txBody>
+                  <a:tcPr/>
+                </a:tc>
+                <a:tc>
+                  <a:txBody>
+                    <a:bodyPr/>
+                    <a:lstStyle/>
+                    <a:p>
+                      <a:r>
+                        <a:rPr lang="en-US" dirty="0"/>
+                        <a:t>860.05</a:t>
+                      </a:r>
+                    </a:p>
+                  </a:txBody>
+                  <a:tcPr/>
+                </a:tc>
+                <a:tc>
+                  <a:txBody>
+                    <a:bodyPr/>
+                    <a:lstStyle/>
+                    <a:p>
+                      <a:r>
+                        <a:rPr lang="en-US" dirty="0"/>
+                        <a:t>1231.59</a:t>
+                      </a:r>
+                    </a:p>
+                  </a:txBody>
+                  <a:tcPr/>
+                </a:tc>
+                <a:tc>
+                  <a:txBody>
+                    <a:bodyPr/>
+                    <a:lstStyle/>
+                    <a:p>
+                      <a:r>
+                        <a:rPr lang="en-US" dirty="0"/>
+                        <a:t>1466.69</a:t>
+                      </a:r>
+                    </a:p>
+                  </a:txBody>
+                  <a:tcPr/>
+                </a:tc>
+                <a:tc>
+                  <a:txBody>
+                    <a:bodyPr/>
+                    <a:lstStyle/>
+                    <a:p>
+                      <a:r>
+                        <a:rPr lang="en-US" dirty="0"/>
+                        <a:t>1951.67</a:t>
+                      </a:r>
+                    </a:p>
+                  </a:txBody>
+                  <a:tcPr/>
+                </a:tc>
+                <a:extLst>
+                  <a:ext uri="{0D108BD9-81ED-4DB2-BD59-A6C34878D82A}">
+                    <a16:rowId xmlns:a16="http://schemas.microsoft.com/office/drawing/2014/main" val="2152307625"/>
+                  </a:ext>
+                </a:extLst>
+              </a:tr>
+              <a:tr h="387867">
+                <a:tc>
+                  <a:txBody>
+                    <a:bodyPr/>
+                    <a:lstStyle/>
+                    <a:p>
+                      <a:r>
+                        <a:rPr lang="en-US" dirty="0"/>
+                        <a:t>3000</a:t>
+                      </a:r>
+                    </a:p>
+                  </a:txBody>
+                  <a:tcPr/>
+                </a:tc>
+                <a:tc>
+                  <a:txBody>
+                    <a:bodyPr/>
+                    <a:lstStyle/>
+                    <a:p>
+                      <a:r>
+                        <a:rPr lang="en-US" dirty="0"/>
+                        <a:t>**</a:t>
+                      </a:r>
+                    </a:p>
+                  </a:txBody>
+                  <a:tcPr/>
+                </a:tc>
+                <a:tc>
+                  <a:txBody>
+                    <a:bodyPr/>
+                    <a:lstStyle/>
+                    <a:p>
+                      <a:r>
+                        <a:rPr lang="en-US" dirty="0"/>
+                        <a:t>366.28</a:t>
+                      </a:r>
+                    </a:p>
+                  </a:txBody>
+                  <a:tcPr/>
+                </a:tc>
+                <a:tc>
+                  <a:txBody>
+                    <a:bodyPr/>
+                    <a:lstStyle/>
+                    <a:p>
+                      <a:r>
+                        <a:rPr lang="en-US" dirty="0"/>
+                        <a:t>855.06</a:t>
+                      </a:r>
+                    </a:p>
+                  </a:txBody>
+                  <a:tcPr/>
+                </a:tc>
+                <a:tc>
+                  <a:txBody>
+                    <a:bodyPr/>
+                    <a:lstStyle/>
+                    <a:p>
+                      <a:r>
+                        <a:rPr lang="en-US" dirty="0"/>
+                        <a:t>1324.21</a:t>
+                      </a:r>
+                    </a:p>
+                  </a:txBody>
+                  <a:tcPr/>
+                </a:tc>
+                <a:tc>
+                  <a:txBody>
+                    <a:bodyPr/>
+                    <a:lstStyle/>
+                    <a:p>
+                      <a:r>
+                        <a:rPr lang="en-US" dirty="0"/>
+                        <a:t>1929.44</a:t>
+                      </a:r>
+                    </a:p>
+                  </a:txBody>
+                  <a:tcPr/>
+                </a:tc>
+                <a:tc>
+                  <a:txBody>
+                    <a:bodyPr/>
+                    <a:lstStyle/>
+                    <a:p>
+                      <a:r>
+                        <a:rPr lang="en-US" dirty="0"/>
+                        <a:t>2361.41</a:t>
+                      </a:r>
+                    </a:p>
+                  </a:txBody>
+                  <a:tcPr/>
+                </a:tc>
+                <a:tc>
+                  <a:txBody>
+                    <a:bodyPr/>
+                    <a:lstStyle/>
+                    <a:p>
+                      <a:r>
+                        <a:rPr lang="en-US" dirty="0"/>
+                        <a:t>3052.6</a:t>
+                      </a:r>
+                    </a:p>
+                  </a:txBody>
+                  <a:tcPr/>
+                </a:tc>
+                <a:extLst>
+                  <a:ext uri="{0D108BD9-81ED-4DB2-BD59-A6C34878D82A}">
+                    <a16:rowId xmlns:a16="http://schemas.microsoft.com/office/drawing/2014/main" val="3643979968"/>
+                  </a:ext>
+                </a:extLst>
+              </a:tr>
+            </a:tbl>
+          </a:graphicData>
+        </a:graphic>
+      </p:graphicFrame>
+      <p:sp>
+        <p:nvSpPr>
+          <p:cNvPr id="9" name="TextBox 8">
+            <a:extLst>
+              <a:ext uri="{FF2B5EF4-FFF2-40B4-BE49-F238E27FC236}">
+                <a16:creationId xmlns:a16="http://schemas.microsoft.com/office/drawing/2014/main" id="{130E67B3-9D3D-43E9-B499-A5E99DEB8B54}"/>
+              </a:ext>
+            </a:extLst>
+          </p:cNvPr>
+          <p:cNvSpPr txBox="1"/>
+          <p:nvPr/>
+        </p:nvSpPr>
+        <p:spPr>
+          <a:xfrm>
+            <a:off x="11043074" y="6336101"/>
+            <a:ext cx="614271" cy="369332"/>
+          </a:xfrm>
+          <a:prstGeom prst="rect">
+            <a:avLst/>
+          </a:prstGeom>
+          <a:noFill/>
+        </p:spPr>
+        <p:txBody>
+          <a:bodyPr wrap="none" rtlCol="0">
+            <a:spAutoFit/>
+          </a:bodyPr>
+          <a:lstStyle/>
+          <a:p>
+            <a:r>
+              <a:rPr lang="en-US" altLang="zh-CN" dirty="0"/>
+              <a:t>time</a:t>
+            </a:r>
+            <a:endParaRPr lang="en-US" dirty="0"/>
+          </a:p>
+        </p:txBody>
+      </p:sp>
+    </p:spTree>
+    <p:extLst>
+      <p:ext uri="{BB962C8B-B14F-4D97-AF65-F5344CB8AC3E}">
+        <p14:creationId xmlns:p14="http://schemas.microsoft.com/office/powerpoint/2010/main" val="711147450"/>
+      </p:ext>
+    </p:extLst>
+  </p:cSld>
+  <p:clrMapOvr>
+    <a:masterClrMapping/>
+  </p:clrMapOvr>
+</p:sld>
+</file>
+
+<file path=ppt/slides/slide14.xml><?xml version="1.0" encoding="utf-8"?>
+<p:sld xmlns:a="http://schemas.openxmlformats.org/drawingml/2006/main" xmlns:r="http://schemas.openxmlformats.org/officeDocument/2006/relationships" xmlns:p="http://schemas.openxmlformats.org/presentationml/2006/main">
+  <p:cSld>
+    <p:spTree>
+      <p:nvGrpSpPr>
+        <p:cNvPr id="1" name=""/>
+        <p:cNvGrpSpPr/>
+        <p:nvPr/>
+      </p:nvGrpSpPr>
+      <p:grpSpPr>
+        <a:xfrm>
+          <a:off x="0" y="0"/>
+          <a:ext cx="0" cy="0"/>
+          <a:chOff x="0" y="0"/>
+          <a:chExt cx="0" cy="0"/>
+        </a:xfrm>
+      </p:grpSpPr>
+      <p:graphicFrame>
+        <p:nvGraphicFramePr>
+          <p:cNvPr id="5" name="Table 5">
+            <a:extLst>
+              <a:ext uri="{FF2B5EF4-FFF2-40B4-BE49-F238E27FC236}">
+                <a16:creationId xmlns:a16="http://schemas.microsoft.com/office/drawing/2014/main" id="{8BDC17D8-614C-4408-8507-584E0F0EB271}"/>
+              </a:ext>
+            </a:extLst>
+          </p:cNvPr>
+          <p:cNvGraphicFramePr>
+            <a:graphicFrameLocks noGrp="1"/>
+          </p:cNvGraphicFramePr>
+          <p:nvPr>
+            <p:extLst>
+              <p:ext uri="{D42A27DB-BD31-4B8C-83A1-F6EECF244321}">
+                <p14:modId xmlns:p14="http://schemas.microsoft.com/office/powerpoint/2010/main" val="1707444546"/>
+              </p:ext>
+            </p:extLst>
+          </p:nvPr>
+        </p:nvGraphicFramePr>
+        <p:xfrm>
+          <a:off x="285751" y="186266"/>
+          <a:ext cx="10210800" cy="5692020"/>
+        </p:xfrm>
+        <a:graphic>
+          <a:graphicData uri="http://schemas.openxmlformats.org/drawingml/2006/table">
+            <a:tbl>
+              <a:tblPr firstRow="1" bandRow="1">
+                <a:tableStyleId>{5C22544A-7EE6-4342-B048-85BDC9FD1C3A}</a:tableStyleId>
+              </a:tblPr>
+              <a:tblGrid>
+                <a:gridCol w="775010">
+                  <a:extLst>
+                    <a:ext uri="{9D8B030D-6E8A-4147-A177-3AD203B41FA5}">
+                      <a16:colId xmlns:a16="http://schemas.microsoft.com/office/drawing/2014/main" val="3959262929"/>
+                    </a:ext>
+                  </a:extLst>
+                </a:gridCol>
+                <a:gridCol w="1577664">
+                  <a:extLst>
+                    <a:ext uri="{9D8B030D-6E8A-4147-A177-3AD203B41FA5}">
+                      <a16:colId xmlns:a16="http://schemas.microsoft.com/office/drawing/2014/main" val="1627569443"/>
+                    </a:ext>
+                  </a:extLst>
+                </a:gridCol>
+                <a:gridCol w="1000125">
+                  <a:extLst>
+                    <a:ext uri="{9D8B030D-6E8A-4147-A177-3AD203B41FA5}">
+                      <a16:colId xmlns:a16="http://schemas.microsoft.com/office/drawing/2014/main" val="2348623206"/>
+                    </a:ext>
+                  </a:extLst>
+                </a:gridCol>
+                <a:gridCol w="1114425">
+                  <a:extLst>
+                    <a:ext uri="{9D8B030D-6E8A-4147-A177-3AD203B41FA5}">
+                      <a16:colId xmlns:a16="http://schemas.microsoft.com/office/drawing/2014/main" val="936750774"/>
+                    </a:ext>
+                  </a:extLst>
+                </a:gridCol>
+                <a:gridCol w="1333500">
+                  <a:extLst>
+                    <a:ext uri="{9D8B030D-6E8A-4147-A177-3AD203B41FA5}">
+                      <a16:colId xmlns:a16="http://schemas.microsoft.com/office/drawing/2014/main" val="1096750382"/>
+                    </a:ext>
+                  </a:extLst>
+                </a:gridCol>
+                <a:gridCol w="1381125">
+                  <a:extLst>
+                    <a:ext uri="{9D8B030D-6E8A-4147-A177-3AD203B41FA5}">
+                      <a16:colId xmlns:a16="http://schemas.microsoft.com/office/drawing/2014/main" val="2553925320"/>
+                    </a:ext>
+                  </a:extLst>
+                </a:gridCol>
+                <a:gridCol w="1190625">
+                  <a:extLst>
+                    <a:ext uri="{9D8B030D-6E8A-4147-A177-3AD203B41FA5}">
+                      <a16:colId xmlns:a16="http://schemas.microsoft.com/office/drawing/2014/main" val="2568830889"/>
+                    </a:ext>
+                  </a:extLst>
+                </a:gridCol>
+                <a:gridCol w="1838326">
+                  <a:extLst>
+                    <a:ext uri="{9D8B030D-6E8A-4147-A177-3AD203B41FA5}">
+                      <a16:colId xmlns:a16="http://schemas.microsoft.com/office/drawing/2014/main" val="4256130712"/>
+                    </a:ext>
+                  </a:extLst>
+                </a:gridCol>
+              </a:tblGrid>
+              <a:tr h="525825">
+                <a:tc>
+                  <a:txBody>
+                    <a:bodyPr/>
+                    <a:lstStyle/>
+                    <a:p>
+                      <a:r>
+                        <a:rPr lang="en-US" altLang="zh-CN" dirty="0"/>
+                        <a:t>size</a:t>
+                      </a:r>
+                      <a:endParaRPr lang="en-US" dirty="0"/>
+                    </a:p>
+                  </a:txBody>
+                  <a:tcPr/>
+                </a:tc>
+                <a:tc>
+                  <a:txBody>
+                    <a:bodyPr/>
+                    <a:lstStyle/>
+                    <a:p>
+                      <a:r>
+                        <a:rPr lang="en-US" dirty="0"/>
+                        <a:t>OG</a:t>
+                      </a:r>
+                    </a:p>
+                  </a:txBody>
+                  <a:tcPr/>
+                </a:tc>
+                <a:tc>
+                  <a:txBody>
+                    <a:bodyPr/>
+                    <a:lstStyle/>
+                    <a:p>
+                      <a:r>
+                        <a:rPr lang="en-US" dirty="0"/>
+                        <a:t>NG(5)</a:t>
+                      </a:r>
+                    </a:p>
+                  </a:txBody>
+                  <a:tcPr/>
+                </a:tc>
+                <a:tc>
+                  <a:txBody>
+                    <a:bodyPr/>
+                    <a:lstStyle/>
+                    <a:p>
+                      <a:r>
+                        <a:rPr lang="en-US" dirty="0"/>
+                        <a:t>NG(10)</a:t>
+                      </a:r>
+                    </a:p>
+                  </a:txBody>
+                  <a:tcPr/>
+                </a:tc>
+                <a:tc>
+                  <a:txBody>
+                    <a:bodyPr/>
+                    <a:lstStyle/>
+                    <a:p>
+                      <a:r>
+                        <a:rPr lang="en-US" dirty="0"/>
+                        <a:t>NG(15)</a:t>
+                      </a:r>
+                    </a:p>
+                  </a:txBody>
+                  <a:tcPr/>
+                </a:tc>
+                <a:tc>
+                  <a:txBody>
+                    <a:bodyPr/>
+                    <a:lstStyle/>
+                    <a:p>
+                      <a:r>
+                        <a:rPr lang="en-US" dirty="0"/>
+                        <a:t>NG(20)</a:t>
+                      </a:r>
+                    </a:p>
+                  </a:txBody>
+                  <a:tcPr/>
+                </a:tc>
+                <a:tc>
+                  <a:txBody>
+                    <a:bodyPr/>
+                    <a:lstStyle/>
+                    <a:p>
+                      <a:r>
+                        <a:rPr lang="en-US" dirty="0"/>
+                        <a:t>NG(25)</a:t>
+                      </a:r>
+                    </a:p>
+                  </a:txBody>
+                  <a:tcPr/>
+                </a:tc>
+                <a:tc>
+                  <a:txBody>
+                    <a:bodyPr/>
+                    <a:lstStyle/>
+                    <a:p>
+                      <a:r>
+                        <a:rPr lang="en-US" dirty="0"/>
+                        <a:t>NG(30)</a:t>
+                      </a:r>
+                    </a:p>
+                  </a:txBody>
+                  <a:tcPr/>
+                </a:tc>
+                <a:extLst>
+                  <a:ext uri="{0D108BD9-81ED-4DB2-BD59-A6C34878D82A}">
+                    <a16:rowId xmlns:a16="http://schemas.microsoft.com/office/drawing/2014/main" val="1541345522"/>
+                  </a:ext>
+                </a:extLst>
+              </a:tr>
+              <a:tr h="312841">
+                <a:tc>
+                  <a:txBody>
+                    <a:bodyPr/>
+                    <a:lstStyle/>
+                    <a:p>
+                      <a:r>
+                        <a:rPr lang="en-US" dirty="0"/>
+                        <a:t>100</a:t>
+                      </a:r>
+                    </a:p>
+                  </a:txBody>
+                  <a:tcPr/>
+                </a:tc>
+                <a:tc>
+                  <a:txBody>
+                    <a:bodyPr/>
+                    <a:lstStyle/>
+                    <a:p>
+                      <a:r>
+                        <a:rPr lang="en-US" dirty="0"/>
+                        <a:t>0.297</a:t>
+                      </a:r>
+                    </a:p>
+                  </a:txBody>
+                  <a:tcPr/>
+                </a:tc>
+                <a:tc>
+                  <a:txBody>
+                    <a:bodyPr/>
+                    <a:lstStyle/>
+                    <a:p>
+                      <a:r>
+                        <a:rPr lang="en-US" dirty="0"/>
+                        <a:t>0.266</a:t>
+                      </a:r>
+                    </a:p>
+                  </a:txBody>
+                  <a:tcPr/>
+                </a:tc>
+                <a:tc>
+                  <a:txBody>
+                    <a:bodyPr/>
+                    <a:lstStyle/>
+                    <a:p>
+                      <a:r>
+                        <a:rPr lang="en-US" dirty="0"/>
+                        <a:t>0.277</a:t>
+                      </a:r>
+                    </a:p>
+                  </a:txBody>
+                  <a:tcPr/>
+                </a:tc>
+                <a:tc>
+                  <a:txBody>
+                    <a:bodyPr/>
+                    <a:lstStyle/>
+                    <a:p>
+                      <a:r>
+                        <a:rPr lang="en-US" dirty="0"/>
+                        <a:t>0.301</a:t>
+                      </a:r>
+                    </a:p>
+                  </a:txBody>
+                  <a:tcPr/>
+                </a:tc>
+                <a:tc>
+                  <a:txBody>
+                    <a:bodyPr/>
+                    <a:lstStyle/>
+                    <a:p>
+                      <a:r>
+                        <a:rPr lang="en-US" dirty="0"/>
+                        <a:t>0.301</a:t>
+                      </a:r>
+                    </a:p>
+                  </a:txBody>
+                  <a:tcPr/>
+                </a:tc>
+                <a:tc>
+                  <a:txBody>
+                    <a:bodyPr/>
+                    <a:lstStyle/>
+                    <a:p>
+                      <a:r>
+                        <a:rPr lang="en-US" dirty="0"/>
+                        <a:t>0.284</a:t>
+                      </a:r>
+                    </a:p>
+                  </a:txBody>
+                  <a:tcPr/>
+                </a:tc>
+                <a:tc>
+                  <a:txBody>
+                    <a:bodyPr/>
+                    <a:lstStyle/>
+                    <a:p>
+                      <a:r>
+                        <a:rPr lang="en-US" dirty="0"/>
+                        <a:t>0.298</a:t>
+                      </a:r>
+                    </a:p>
+                  </a:txBody>
+                  <a:tcPr/>
+                </a:tc>
+                <a:extLst>
+                  <a:ext uri="{0D108BD9-81ED-4DB2-BD59-A6C34878D82A}">
+                    <a16:rowId xmlns:a16="http://schemas.microsoft.com/office/drawing/2014/main" val="1953472893"/>
+                  </a:ext>
+                </a:extLst>
+              </a:tr>
+              <a:tr h="258580">
+                <a:tc>
+                  <a:txBody>
+                    <a:bodyPr/>
+                    <a:lstStyle/>
+                    <a:p>
+                      <a:r>
+                        <a:rPr lang="en-US" dirty="0"/>
+                        <a:t>200</a:t>
+                      </a:r>
+                    </a:p>
+                  </a:txBody>
+                  <a:tcPr/>
+                </a:tc>
+                <a:tc>
+                  <a:txBody>
+                    <a:bodyPr/>
+                    <a:lstStyle/>
+                    <a:p>
+                      <a:r>
+                        <a:rPr lang="en-US" dirty="0"/>
+                        <a:t>0.287</a:t>
+                      </a:r>
+                    </a:p>
+                  </a:txBody>
+                  <a:tcPr/>
+                </a:tc>
+                <a:tc>
+                  <a:txBody>
+                    <a:bodyPr/>
+                    <a:lstStyle/>
+                    <a:p>
+                      <a:r>
+                        <a:rPr lang="en-US" dirty="0"/>
+                        <a:t>0.255</a:t>
+                      </a:r>
+                    </a:p>
+                  </a:txBody>
+                  <a:tcPr/>
+                </a:tc>
+                <a:tc>
+                  <a:txBody>
+                    <a:bodyPr/>
+                    <a:lstStyle/>
+                    <a:p>
+                      <a:r>
+                        <a:rPr lang="en-US" dirty="0"/>
+                        <a:t>0.24</a:t>
+                      </a:r>
+                    </a:p>
+                  </a:txBody>
+                  <a:tcPr/>
+                </a:tc>
+                <a:tc>
+                  <a:txBody>
+                    <a:bodyPr/>
+                    <a:lstStyle/>
+                    <a:p>
+                      <a:r>
+                        <a:rPr lang="en-US" dirty="0"/>
+                        <a:t>0.275</a:t>
+                      </a:r>
+                    </a:p>
+                  </a:txBody>
+                  <a:tcPr/>
+                </a:tc>
+                <a:tc>
+                  <a:txBody>
+                    <a:bodyPr/>
+                    <a:lstStyle/>
+                    <a:p>
+                      <a:r>
+                        <a:rPr lang="en-US" dirty="0"/>
+                        <a:t>0.277</a:t>
+                      </a:r>
+                    </a:p>
+                  </a:txBody>
+                  <a:tcPr/>
+                </a:tc>
+                <a:tc>
+                  <a:txBody>
+                    <a:bodyPr/>
+                    <a:lstStyle/>
+                    <a:p>
+                      <a:r>
+                        <a:rPr lang="en-US" dirty="0"/>
+                        <a:t>0.277</a:t>
+                      </a:r>
+                    </a:p>
+                  </a:txBody>
+                  <a:tcPr/>
+                </a:tc>
+                <a:tc>
+                  <a:txBody>
+                    <a:bodyPr/>
+                    <a:lstStyle/>
+                    <a:p>
+                      <a:r>
+                        <a:rPr lang="en-US" dirty="0"/>
+                        <a:t>0.284</a:t>
+                      </a:r>
+                    </a:p>
+                  </a:txBody>
+                  <a:tcPr/>
+                </a:tc>
+                <a:extLst>
+                  <a:ext uri="{0D108BD9-81ED-4DB2-BD59-A6C34878D82A}">
+                    <a16:rowId xmlns:a16="http://schemas.microsoft.com/office/drawing/2014/main" val="922257744"/>
+                  </a:ext>
+                </a:extLst>
+              </a:tr>
+              <a:tr h="304802">
+                <a:tc>
+                  <a:txBody>
+                    <a:bodyPr/>
+                    <a:lstStyle/>
+                    <a:p>
+                      <a:r>
+                        <a:rPr lang="en-US" dirty="0"/>
+                        <a:t>300</a:t>
+                      </a:r>
+                    </a:p>
+                  </a:txBody>
+                  <a:tcPr/>
+                </a:tc>
+                <a:tc>
+                  <a:txBody>
+                    <a:bodyPr/>
+                    <a:lstStyle/>
+                    <a:p>
+                      <a:r>
+                        <a:rPr lang="en-US" dirty="0"/>
+                        <a:t>0.312</a:t>
+                      </a:r>
+                    </a:p>
+                  </a:txBody>
+                  <a:tcPr/>
+                </a:tc>
+                <a:tc>
+                  <a:txBody>
+                    <a:bodyPr/>
+                    <a:lstStyle/>
+                    <a:p>
+                      <a:r>
+                        <a:rPr lang="en-US" dirty="0"/>
+                        <a:t>0.236</a:t>
+                      </a:r>
+                    </a:p>
+                  </a:txBody>
+                  <a:tcPr/>
+                </a:tc>
+                <a:tc>
+                  <a:txBody>
+                    <a:bodyPr/>
+                    <a:lstStyle/>
+                    <a:p>
+                      <a:r>
+                        <a:rPr lang="en-US" dirty="0"/>
+                        <a:t>0.266</a:t>
+                      </a:r>
+                    </a:p>
+                  </a:txBody>
+                  <a:tcPr/>
+                </a:tc>
+                <a:tc>
+                  <a:txBody>
+                    <a:bodyPr/>
+                    <a:lstStyle/>
+                    <a:p>
+                      <a:r>
+                        <a:rPr lang="en-US" dirty="0"/>
+                        <a:t>0.285</a:t>
+                      </a:r>
+                    </a:p>
+                  </a:txBody>
+                  <a:tcPr/>
+                </a:tc>
+                <a:tc>
+                  <a:txBody>
+                    <a:bodyPr/>
+                    <a:lstStyle/>
+                    <a:p>
+                      <a:r>
+                        <a:rPr lang="en-US" dirty="0"/>
+                        <a:t>0.286</a:t>
+                      </a:r>
+                    </a:p>
+                  </a:txBody>
+                  <a:tcPr/>
+                </a:tc>
+                <a:tc>
+                  <a:txBody>
+                    <a:bodyPr/>
+                    <a:lstStyle/>
+                    <a:p>
+                      <a:r>
+                        <a:rPr lang="en-US" dirty="0"/>
+                        <a:t>0.291</a:t>
+                      </a:r>
+                    </a:p>
+                  </a:txBody>
+                  <a:tcPr/>
+                </a:tc>
+                <a:tc>
+                  <a:txBody>
+                    <a:bodyPr/>
+                    <a:lstStyle/>
+                    <a:p>
+                      <a:r>
+                        <a:rPr lang="en-US" dirty="0"/>
+                        <a:t>0.296</a:t>
+                      </a:r>
+                    </a:p>
+                  </a:txBody>
+                  <a:tcPr/>
+                </a:tc>
+                <a:extLst>
+                  <a:ext uri="{0D108BD9-81ED-4DB2-BD59-A6C34878D82A}">
+                    <a16:rowId xmlns:a16="http://schemas.microsoft.com/office/drawing/2014/main" val="2344076020"/>
+                  </a:ext>
+                </a:extLst>
+              </a:tr>
+              <a:tr h="340976">
+                <a:tc>
+                  <a:txBody>
+                    <a:bodyPr/>
+                    <a:lstStyle/>
+                    <a:p>
+                      <a:r>
+                        <a:rPr lang="en-US" dirty="0"/>
+                        <a:t>400</a:t>
+                      </a:r>
+                    </a:p>
+                  </a:txBody>
+                  <a:tcPr/>
+                </a:tc>
+                <a:tc>
+                  <a:txBody>
+                    <a:bodyPr/>
+                    <a:lstStyle/>
+                    <a:p>
+                      <a:r>
+                        <a:rPr lang="en-US" dirty="0"/>
+                        <a:t>0.286</a:t>
+                      </a:r>
+                    </a:p>
+                  </a:txBody>
+                  <a:tcPr/>
+                </a:tc>
+                <a:tc>
+                  <a:txBody>
+                    <a:bodyPr/>
+                    <a:lstStyle/>
+                    <a:p>
+                      <a:r>
+                        <a:rPr lang="en-US" dirty="0"/>
+                        <a:t>0.234</a:t>
+                      </a:r>
+                    </a:p>
+                  </a:txBody>
+                  <a:tcPr/>
+                </a:tc>
+                <a:tc>
+                  <a:txBody>
+                    <a:bodyPr/>
+                    <a:lstStyle/>
+                    <a:p>
+                      <a:r>
+                        <a:rPr lang="en-US" dirty="0"/>
+                        <a:t>0.246</a:t>
+                      </a:r>
+                    </a:p>
+                  </a:txBody>
+                  <a:tcPr/>
+                </a:tc>
+                <a:tc>
+                  <a:txBody>
+                    <a:bodyPr/>
+                    <a:lstStyle/>
+                    <a:p>
+                      <a:r>
+                        <a:rPr lang="en-US" dirty="0"/>
+                        <a:t>0.264</a:t>
+                      </a:r>
+                    </a:p>
+                  </a:txBody>
+                  <a:tcPr/>
+                </a:tc>
+                <a:tc>
+                  <a:txBody>
+                    <a:bodyPr/>
+                    <a:lstStyle/>
+                    <a:p>
+                      <a:r>
+                        <a:rPr lang="en-US" dirty="0"/>
+                        <a:t>0.268</a:t>
+                      </a:r>
+                    </a:p>
+                  </a:txBody>
+                  <a:tcPr/>
+                </a:tc>
+                <a:tc>
+                  <a:txBody>
+                    <a:bodyPr/>
+                    <a:lstStyle/>
+                    <a:p>
+                      <a:r>
+                        <a:rPr lang="en-US" dirty="0"/>
+                        <a:t>0.276</a:t>
+                      </a:r>
+                    </a:p>
+                  </a:txBody>
+                  <a:tcPr/>
+                </a:tc>
+                <a:tc>
+                  <a:txBody>
+                    <a:bodyPr/>
+                    <a:lstStyle/>
+                    <a:p>
+                      <a:r>
+                        <a:rPr lang="en-US" dirty="0"/>
+                        <a:t>0.284</a:t>
+                      </a:r>
+                    </a:p>
+                  </a:txBody>
+                  <a:tcPr/>
+                </a:tc>
+                <a:extLst>
+                  <a:ext uri="{0D108BD9-81ED-4DB2-BD59-A6C34878D82A}">
+                    <a16:rowId xmlns:a16="http://schemas.microsoft.com/office/drawing/2014/main" val="2734203973"/>
+                  </a:ext>
+                </a:extLst>
+              </a:tr>
+              <a:tr h="347005">
+                <a:tc>
+                  <a:txBody>
+                    <a:bodyPr/>
+                    <a:lstStyle/>
+                    <a:p>
+                      <a:r>
+                        <a:rPr lang="en-US" dirty="0"/>
+                        <a:t>500</a:t>
+                      </a:r>
+                    </a:p>
+                  </a:txBody>
+                  <a:tcPr/>
+                </a:tc>
+                <a:tc>
+                  <a:txBody>
+                    <a:bodyPr/>
+                    <a:lstStyle/>
+                    <a:p>
+                      <a:r>
+                        <a:rPr lang="en-US" dirty="0"/>
+                        <a:t>0.339</a:t>
+                      </a:r>
+                    </a:p>
+                  </a:txBody>
+                  <a:tcPr/>
+                </a:tc>
+                <a:tc>
+                  <a:txBody>
+                    <a:bodyPr/>
+                    <a:lstStyle/>
+                    <a:p>
+                      <a:r>
+                        <a:rPr lang="en-US" dirty="0"/>
+                        <a:t>0.212</a:t>
+                      </a:r>
+                    </a:p>
+                  </a:txBody>
+                  <a:tcPr/>
+                </a:tc>
+                <a:tc>
+                  <a:txBody>
+                    <a:bodyPr/>
+                    <a:lstStyle/>
+                    <a:p>
+                      <a:r>
+                        <a:rPr lang="en-US" dirty="0"/>
+                        <a:t>0.294</a:t>
+                      </a:r>
+                    </a:p>
+                  </a:txBody>
+                  <a:tcPr/>
+                </a:tc>
+                <a:tc>
+                  <a:txBody>
+                    <a:bodyPr/>
+                    <a:lstStyle/>
+                    <a:p>
+                      <a:r>
+                        <a:rPr lang="en-US" dirty="0"/>
+                        <a:t>0.309</a:t>
+                      </a:r>
+                    </a:p>
+                  </a:txBody>
+                  <a:tcPr/>
+                </a:tc>
+                <a:tc>
+                  <a:txBody>
+                    <a:bodyPr/>
+                    <a:lstStyle/>
+                    <a:p>
+                      <a:r>
+                        <a:rPr lang="en-US" dirty="0"/>
+                        <a:t>0.32</a:t>
+                      </a:r>
+                    </a:p>
+                  </a:txBody>
+                  <a:tcPr/>
+                </a:tc>
+                <a:tc>
+                  <a:txBody>
+                    <a:bodyPr/>
+                    <a:lstStyle/>
+                    <a:p>
+                      <a:r>
+                        <a:rPr lang="en-US" dirty="0"/>
+                        <a:t>0.31</a:t>
+                      </a:r>
+                    </a:p>
+                  </a:txBody>
+                  <a:tcPr/>
+                </a:tc>
+                <a:tc>
+                  <a:txBody>
+                    <a:bodyPr/>
+                    <a:lstStyle/>
+                    <a:p>
+                      <a:r>
+                        <a:rPr lang="en-US" dirty="0"/>
+                        <a:t>0.322</a:t>
+                      </a:r>
+                    </a:p>
+                  </a:txBody>
+                  <a:tcPr/>
+                </a:tc>
+                <a:extLst>
+                  <a:ext uri="{0D108BD9-81ED-4DB2-BD59-A6C34878D82A}">
+                    <a16:rowId xmlns:a16="http://schemas.microsoft.com/office/drawing/2014/main" val="1043318241"/>
+                  </a:ext>
+                </a:extLst>
+              </a:tr>
+              <a:tr h="347005">
+                <a:tc>
+                  <a:txBody>
+                    <a:bodyPr/>
+                    <a:lstStyle/>
+                    <a:p>
+                      <a:r>
+                        <a:rPr lang="en-US" dirty="0"/>
+                        <a:t>600</a:t>
+                      </a:r>
+                    </a:p>
+                  </a:txBody>
+                  <a:tcPr/>
+                </a:tc>
+                <a:tc>
+                  <a:txBody>
+                    <a:bodyPr/>
+                    <a:lstStyle/>
+                    <a:p>
+                      <a:r>
+                        <a:rPr lang="en-US" dirty="0"/>
+                        <a:t>0.303</a:t>
+                      </a:r>
+                    </a:p>
+                  </a:txBody>
+                  <a:tcPr/>
+                </a:tc>
+                <a:tc>
+                  <a:txBody>
+                    <a:bodyPr/>
+                    <a:lstStyle/>
+                    <a:p>
+                      <a:r>
+                        <a:rPr lang="en-US" dirty="0"/>
+                        <a:t>0.223</a:t>
+                      </a:r>
+                    </a:p>
+                  </a:txBody>
+                  <a:tcPr/>
+                </a:tc>
+                <a:tc>
+                  <a:txBody>
+                    <a:bodyPr/>
+                    <a:lstStyle/>
+                    <a:p>
+                      <a:r>
+                        <a:rPr lang="en-US" dirty="0"/>
+                        <a:t>0.223</a:t>
+                      </a:r>
+                    </a:p>
+                  </a:txBody>
+                  <a:tcPr/>
+                </a:tc>
+                <a:tc>
+                  <a:txBody>
+                    <a:bodyPr/>
+                    <a:lstStyle/>
+                    <a:p>
+                      <a:r>
+                        <a:rPr lang="en-US" dirty="0"/>
+                        <a:t>0.272</a:t>
+                      </a:r>
+                    </a:p>
+                  </a:txBody>
+                  <a:tcPr/>
+                </a:tc>
+                <a:tc>
+                  <a:txBody>
+                    <a:bodyPr/>
+                    <a:lstStyle/>
+                    <a:p>
+                      <a:r>
+                        <a:rPr lang="en-US" dirty="0"/>
+                        <a:t>0.27</a:t>
+                      </a:r>
+                    </a:p>
+                  </a:txBody>
+                  <a:tcPr/>
+                </a:tc>
+                <a:tc>
+                  <a:txBody>
+                    <a:bodyPr/>
+                    <a:lstStyle/>
+                    <a:p>
+                      <a:r>
+                        <a:rPr lang="en-US" dirty="0"/>
+                        <a:t>0.292</a:t>
+                      </a:r>
+                    </a:p>
+                  </a:txBody>
+                  <a:tcPr/>
+                </a:tc>
+                <a:tc>
+                  <a:txBody>
+                    <a:bodyPr/>
+                    <a:lstStyle/>
+                    <a:p>
+                      <a:r>
+                        <a:rPr lang="en-US" dirty="0"/>
+                        <a:t>0.287</a:t>
+                      </a:r>
+                    </a:p>
+                  </a:txBody>
+                  <a:tcPr/>
+                </a:tc>
+                <a:extLst>
+                  <a:ext uri="{0D108BD9-81ED-4DB2-BD59-A6C34878D82A}">
+                    <a16:rowId xmlns:a16="http://schemas.microsoft.com/office/drawing/2014/main" val="766346797"/>
+                  </a:ext>
+                </a:extLst>
+              </a:tr>
+              <a:tr h="318870">
+                <a:tc>
+                  <a:txBody>
+                    <a:bodyPr/>
+                    <a:lstStyle/>
+                    <a:p>
+                      <a:r>
+                        <a:rPr lang="en-US" dirty="0"/>
+                        <a:t>700</a:t>
+                      </a:r>
+                    </a:p>
+                  </a:txBody>
+                  <a:tcPr/>
+                </a:tc>
+                <a:tc>
+                  <a:txBody>
+                    <a:bodyPr/>
+                    <a:lstStyle/>
+                    <a:p>
+                      <a:r>
+                        <a:rPr lang="en-US" dirty="0"/>
+                        <a:t>0.285</a:t>
+                      </a:r>
+                    </a:p>
+                  </a:txBody>
+                  <a:tcPr/>
+                </a:tc>
+                <a:tc>
+                  <a:txBody>
+                    <a:bodyPr/>
+                    <a:lstStyle/>
+                    <a:p>
+                      <a:r>
+                        <a:rPr lang="en-US" dirty="0"/>
+                        <a:t>0.156</a:t>
+                      </a:r>
+                    </a:p>
+                  </a:txBody>
+                  <a:tcPr/>
+                </a:tc>
+                <a:tc>
+                  <a:txBody>
+                    <a:bodyPr/>
+                    <a:lstStyle/>
+                    <a:p>
+                      <a:r>
+                        <a:rPr lang="en-US" dirty="0"/>
+                        <a:t>0.231</a:t>
+                      </a:r>
+                    </a:p>
+                  </a:txBody>
+                  <a:tcPr/>
+                </a:tc>
+                <a:tc>
+                  <a:txBody>
+                    <a:bodyPr/>
+                    <a:lstStyle/>
+                    <a:p>
+                      <a:r>
+                        <a:rPr lang="en-US" dirty="0"/>
+                        <a:t>0.231</a:t>
+                      </a:r>
+                    </a:p>
+                  </a:txBody>
+                  <a:tcPr/>
+                </a:tc>
+                <a:tc>
+                  <a:txBody>
+                    <a:bodyPr/>
+                    <a:lstStyle/>
+                    <a:p>
+                      <a:r>
+                        <a:rPr lang="en-US" dirty="0"/>
+                        <a:t>0.257</a:t>
+                      </a:r>
+                    </a:p>
+                  </a:txBody>
+                  <a:tcPr/>
+                </a:tc>
+                <a:tc>
+                  <a:txBody>
+                    <a:bodyPr/>
+                    <a:lstStyle/>
+                    <a:p>
+                      <a:r>
+                        <a:rPr lang="en-US" dirty="0"/>
+                        <a:t>0.273</a:t>
+                      </a:r>
+                    </a:p>
+                  </a:txBody>
+                  <a:tcPr/>
+                </a:tc>
+                <a:tc>
+                  <a:txBody>
+                    <a:bodyPr/>
+                    <a:lstStyle/>
+                    <a:p>
+                      <a:r>
+                        <a:rPr lang="en-US" dirty="0"/>
+                        <a:t>0.246</a:t>
+                      </a:r>
+                    </a:p>
+                  </a:txBody>
+                  <a:tcPr/>
+                </a:tc>
+                <a:extLst>
+                  <a:ext uri="{0D108BD9-81ED-4DB2-BD59-A6C34878D82A}">
+                    <a16:rowId xmlns:a16="http://schemas.microsoft.com/office/drawing/2014/main" val="2292019963"/>
+                  </a:ext>
+                </a:extLst>
+              </a:tr>
+              <a:tr h="318870">
+                <a:tc>
+                  <a:txBody>
+                    <a:bodyPr/>
+                    <a:lstStyle/>
+                    <a:p>
+                      <a:r>
+                        <a:rPr lang="en-US" dirty="0"/>
+                        <a:t>800</a:t>
+                      </a:r>
+                    </a:p>
+                  </a:txBody>
+                  <a:tcPr/>
+                </a:tc>
+                <a:tc>
+                  <a:txBody>
+                    <a:bodyPr/>
+                    <a:lstStyle/>
+                    <a:p>
+                      <a:r>
+                        <a:rPr lang="en-US" dirty="0"/>
+                        <a:t>0.287</a:t>
+                      </a:r>
+                    </a:p>
+                  </a:txBody>
+                  <a:tcPr/>
+                </a:tc>
+                <a:tc>
+                  <a:txBody>
+                    <a:bodyPr/>
+                    <a:lstStyle/>
+                    <a:p>
+                      <a:r>
+                        <a:rPr lang="en-US" dirty="0"/>
+                        <a:t>0.184</a:t>
+                      </a:r>
+                    </a:p>
+                  </a:txBody>
+                  <a:tcPr/>
+                </a:tc>
+                <a:tc>
+                  <a:txBody>
+                    <a:bodyPr/>
+                    <a:lstStyle/>
+                    <a:p>
+                      <a:r>
+                        <a:rPr lang="en-US" dirty="0"/>
+                        <a:t>0.235</a:t>
+                      </a:r>
+                    </a:p>
+                  </a:txBody>
+                  <a:tcPr/>
+                </a:tc>
+                <a:tc>
+                  <a:txBody>
+                    <a:bodyPr/>
+                    <a:lstStyle/>
+                    <a:p>
+                      <a:r>
+                        <a:rPr lang="en-US" dirty="0"/>
+                        <a:t>0.234</a:t>
+                      </a:r>
+                    </a:p>
+                  </a:txBody>
+                  <a:tcPr/>
+                </a:tc>
+                <a:tc>
+                  <a:txBody>
+                    <a:bodyPr/>
+                    <a:lstStyle/>
+                    <a:p>
+                      <a:r>
+                        <a:rPr lang="en-US" dirty="0"/>
+                        <a:t>0.259</a:t>
+                      </a:r>
+                    </a:p>
+                  </a:txBody>
+                  <a:tcPr/>
+                </a:tc>
+                <a:tc>
+                  <a:txBody>
+                    <a:bodyPr/>
+                    <a:lstStyle/>
+                    <a:p>
+                      <a:r>
+                        <a:rPr lang="en-US" dirty="0"/>
+                        <a:t>0.257</a:t>
+                      </a:r>
+                    </a:p>
+                  </a:txBody>
+                  <a:tcPr/>
+                </a:tc>
+                <a:tc>
+                  <a:txBody>
+                    <a:bodyPr/>
+                    <a:lstStyle/>
+                    <a:p>
+                      <a:r>
+                        <a:rPr lang="en-US" dirty="0"/>
+                        <a:t>0.251</a:t>
+                      </a:r>
+                    </a:p>
+                  </a:txBody>
+                  <a:tcPr/>
+                </a:tc>
+                <a:extLst>
+                  <a:ext uri="{0D108BD9-81ED-4DB2-BD59-A6C34878D82A}">
+                    <a16:rowId xmlns:a16="http://schemas.microsoft.com/office/drawing/2014/main" val="619795672"/>
+                  </a:ext>
+                </a:extLst>
+              </a:tr>
+              <a:tr h="371121">
+                <a:tc>
+                  <a:txBody>
+                    <a:bodyPr/>
+                    <a:lstStyle/>
+                    <a:p>
+                      <a:r>
+                        <a:rPr lang="en-US" dirty="0"/>
+                        <a:t>900</a:t>
+                      </a:r>
+                    </a:p>
+                  </a:txBody>
+                  <a:tcPr/>
+                </a:tc>
+                <a:tc>
+                  <a:txBody>
+                    <a:bodyPr/>
+                    <a:lstStyle/>
+                    <a:p>
+                      <a:r>
+                        <a:rPr lang="en-US" dirty="0"/>
+                        <a:t>0.301</a:t>
+                      </a:r>
+                    </a:p>
+                  </a:txBody>
+                  <a:tcPr/>
+                </a:tc>
+                <a:tc>
+                  <a:txBody>
+                    <a:bodyPr/>
+                    <a:lstStyle/>
+                    <a:p>
+                      <a:r>
+                        <a:rPr lang="en-US" dirty="0"/>
+                        <a:t>0.185</a:t>
+                      </a:r>
+                    </a:p>
+                  </a:txBody>
+                  <a:tcPr/>
+                </a:tc>
+                <a:tc>
+                  <a:txBody>
+                    <a:bodyPr/>
+                    <a:lstStyle/>
+                    <a:p>
+                      <a:r>
+                        <a:rPr lang="en-US" dirty="0"/>
+                        <a:t>0.22</a:t>
+                      </a:r>
+                    </a:p>
+                  </a:txBody>
+                  <a:tcPr/>
+                </a:tc>
+                <a:tc>
+                  <a:txBody>
+                    <a:bodyPr/>
+                    <a:lstStyle/>
+                    <a:p>
+                      <a:r>
+                        <a:rPr lang="en-US" dirty="0"/>
+                        <a:t>0.263</a:t>
+                      </a:r>
+                    </a:p>
+                  </a:txBody>
+                  <a:tcPr/>
+                </a:tc>
+                <a:tc>
+                  <a:txBody>
+                    <a:bodyPr/>
+                    <a:lstStyle/>
+                    <a:p>
+                      <a:r>
+                        <a:rPr lang="en-US" dirty="0"/>
+                        <a:t>0.263</a:t>
+                      </a:r>
+                    </a:p>
+                  </a:txBody>
+                  <a:tcPr/>
+                </a:tc>
+                <a:tc>
+                  <a:txBody>
+                    <a:bodyPr/>
+                    <a:lstStyle/>
+                    <a:p>
+                      <a:r>
+                        <a:rPr lang="en-US" dirty="0"/>
+                        <a:t>0.253</a:t>
+                      </a:r>
+                    </a:p>
+                  </a:txBody>
+                  <a:tcPr/>
+                </a:tc>
+                <a:tc>
+                  <a:txBody>
+                    <a:bodyPr/>
+                    <a:lstStyle/>
+                    <a:p>
+                      <a:r>
+                        <a:rPr lang="en-US" dirty="0"/>
+                        <a:t>0.277</a:t>
+                      </a:r>
+                    </a:p>
+                  </a:txBody>
+                  <a:tcPr/>
+                </a:tc>
+                <a:extLst>
+                  <a:ext uri="{0D108BD9-81ED-4DB2-BD59-A6C34878D82A}">
+                    <a16:rowId xmlns:a16="http://schemas.microsoft.com/office/drawing/2014/main" val="4031194815"/>
+                  </a:ext>
+                </a:extLst>
+              </a:tr>
+              <a:tr h="341644">
+                <a:tc>
+                  <a:txBody>
+                    <a:bodyPr/>
+                    <a:lstStyle/>
+                    <a:p>
+                      <a:r>
+                        <a:rPr lang="en-US" dirty="0"/>
+                        <a:t>1000</a:t>
+                      </a:r>
+                    </a:p>
+                  </a:txBody>
+                  <a:tcPr/>
+                </a:tc>
+                <a:tc>
+                  <a:txBody>
+                    <a:bodyPr/>
+                    <a:lstStyle/>
+                    <a:p>
+                      <a:r>
+                        <a:rPr lang="en-US" dirty="0"/>
+                        <a:t>0.298</a:t>
+                      </a:r>
+                    </a:p>
+                  </a:txBody>
+                  <a:tcPr/>
+                </a:tc>
+                <a:tc>
+                  <a:txBody>
+                    <a:bodyPr/>
+                    <a:lstStyle/>
+                    <a:p>
+                      <a:r>
+                        <a:rPr lang="en-US" dirty="0"/>
+                        <a:t>0.226</a:t>
+                      </a:r>
+                    </a:p>
+                  </a:txBody>
+                  <a:tcPr/>
+                </a:tc>
+                <a:tc>
+                  <a:txBody>
+                    <a:bodyPr/>
+                    <a:lstStyle/>
+                    <a:p>
+                      <a:r>
+                        <a:rPr lang="en-US" dirty="0"/>
+                        <a:t>0.251</a:t>
+                      </a:r>
+                    </a:p>
+                  </a:txBody>
+                  <a:tcPr/>
+                </a:tc>
+                <a:tc>
+                  <a:txBody>
+                    <a:bodyPr/>
+                    <a:lstStyle/>
+                    <a:p>
+                      <a:r>
+                        <a:rPr lang="en-US" dirty="0"/>
+                        <a:t>0.257</a:t>
+                      </a:r>
+                    </a:p>
+                  </a:txBody>
+                  <a:tcPr/>
+                </a:tc>
+                <a:tc>
+                  <a:txBody>
+                    <a:bodyPr/>
+                    <a:lstStyle/>
+                    <a:p>
+                      <a:r>
+                        <a:rPr lang="en-US" dirty="0"/>
+                        <a:t>0.269</a:t>
+                      </a:r>
+                    </a:p>
+                  </a:txBody>
+                  <a:tcPr/>
+                </a:tc>
+                <a:tc>
+                  <a:txBody>
+                    <a:bodyPr/>
+                    <a:lstStyle/>
+                    <a:p>
+                      <a:r>
+                        <a:rPr lang="en-US" dirty="0"/>
+                        <a:t>0.27</a:t>
+                      </a:r>
+                    </a:p>
+                  </a:txBody>
+                  <a:tcPr/>
+                </a:tc>
+                <a:tc>
+                  <a:txBody>
+                    <a:bodyPr/>
+                    <a:lstStyle/>
+                    <a:p>
+                      <a:r>
+                        <a:rPr lang="en-US" dirty="0"/>
+                        <a:t>0.264</a:t>
+                      </a:r>
+                    </a:p>
+                  </a:txBody>
+                  <a:tcPr/>
+                </a:tc>
+                <a:extLst>
+                  <a:ext uri="{0D108BD9-81ED-4DB2-BD59-A6C34878D82A}">
+                    <a16:rowId xmlns:a16="http://schemas.microsoft.com/office/drawing/2014/main" val="3662519611"/>
+                  </a:ext>
+                </a:extLst>
+              </a:tr>
+              <a:tr h="347673">
+                <a:tc>
+                  <a:txBody>
+                    <a:bodyPr/>
+                    <a:lstStyle/>
+                    <a:p>
+                      <a:r>
+                        <a:rPr lang="en-US" dirty="0"/>
+                        <a:t>1500</a:t>
+                      </a:r>
+                    </a:p>
+                  </a:txBody>
+                  <a:tcPr/>
+                </a:tc>
+                <a:tc>
+                  <a:txBody>
+                    <a:bodyPr/>
+                    <a:lstStyle/>
+                    <a:p>
+                      <a:r>
+                        <a:rPr lang="en-US" dirty="0"/>
+                        <a:t>**</a:t>
+                      </a:r>
+                    </a:p>
+                  </a:txBody>
+                  <a:tcPr/>
+                </a:tc>
+                <a:tc>
+                  <a:txBody>
+                    <a:bodyPr/>
+                    <a:lstStyle/>
+                    <a:p>
+                      <a:r>
+                        <a:rPr lang="en-US" dirty="0"/>
+                        <a:t>0.182</a:t>
+                      </a:r>
+                    </a:p>
+                  </a:txBody>
+                  <a:tcPr/>
+                </a:tc>
+                <a:tc>
+                  <a:txBody>
+                    <a:bodyPr/>
+                    <a:lstStyle/>
+                    <a:p>
+                      <a:r>
+                        <a:rPr lang="en-US" dirty="0"/>
+                        <a:t>0.232</a:t>
+                      </a:r>
+                    </a:p>
+                  </a:txBody>
+                  <a:tcPr/>
+                </a:tc>
+                <a:tc>
+                  <a:txBody>
+                    <a:bodyPr/>
+                    <a:lstStyle/>
+                    <a:p>
+                      <a:r>
+                        <a:rPr lang="en-US" dirty="0"/>
+                        <a:t>0.257</a:t>
+                      </a:r>
+                    </a:p>
+                  </a:txBody>
+                  <a:tcPr/>
+                </a:tc>
+                <a:tc>
+                  <a:txBody>
+                    <a:bodyPr/>
+                    <a:lstStyle/>
+                    <a:p>
+                      <a:r>
+                        <a:rPr lang="en-US" dirty="0"/>
+                        <a:t>0.264</a:t>
+                      </a:r>
+                    </a:p>
+                  </a:txBody>
+                  <a:tcPr/>
+                </a:tc>
+                <a:tc>
+                  <a:txBody>
+                    <a:bodyPr/>
+                    <a:lstStyle/>
+                    <a:p>
+                      <a:r>
+                        <a:rPr lang="en-US" dirty="0"/>
+                        <a:t>0.272</a:t>
+                      </a:r>
+                    </a:p>
+                  </a:txBody>
+                  <a:tcPr/>
+                </a:tc>
+                <a:tc>
+                  <a:txBody>
+                    <a:bodyPr/>
+                    <a:lstStyle/>
+                    <a:p>
+                      <a:r>
+                        <a:rPr lang="en-US" dirty="0"/>
+                        <a:t>0.258</a:t>
+                      </a:r>
+                    </a:p>
+                  </a:txBody>
+                  <a:tcPr/>
+                </a:tc>
+                <a:extLst>
+                  <a:ext uri="{0D108BD9-81ED-4DB2-BD59-A6C34878D82A}">
+                    <a16:rowId xmlns:a16="http://schemas.microsoft.com/office/drawing/2014/main" val="8932694"/>
+                  </a:ext>
+                </a:extLst>
+              </a:tr>
+              <a:tr h="383847">
+                <a:tc>
+                  <a:txBody>
+                    <a:bodyPr/>
+                    <a:lstStyle/>
+                    <a:p>
+                      <a:r>
+                        <a:rPr lang="en-US" dirty="0"/>
+                        <a:t>2000</a:t>
+                      </a:r>
+                    </a:p>
+                  </a:txBody>
+                  <a:tcPr/>
+                </a:tc>
+                <a:tc>
+                  <a:txBody>
+                    <a:bodyPr/>
+                    <a:lstStyle/>
+                    <a:p>
+                      <a:r>
+                        <a:rPr lang="en-US" dirty="0"/>
+                        <a:t>**</a:t>
+                      </a:r>
+                    </a:p>
+                  </a:txBody>
+                  <a:tcPr/>
+                </a:tc>
+                <a:tc>
+                  <a:txBody>
+                    <a:bodyPr/>
+                    <a:lstStyle/>
+                    <a:p>
+                      <a:r>
+                        <a:rPr lang="en-US" dirty="0"/>
+                        <a:t>0.19</a:t>
+                      </a:r>
+                    </a:p>
+                  </a:txBody>
+                  <a:tcPr/>
+                </a:tc>
+                <a:tc>
+                  <a:txBody>
+                    <a:bodyPr/>
+                    <a:lstStyle/>
+                    <a:p>
+                      <a:r>
+                        <a:rPr lang="en-US" dirty="0"/>
+                        <a:t>0.217</a:t>
+                      </a:r>
+                    </a:p>
+                  </a:txBody>
+                  <a:tcPr/>
+                </a:tc>
+                <a:tc>
+                  <a:txBody>
+                    <a:bodyPr/>
+                    <a:lstStyle/>
+                    <a:p>
+                      <a:r>
+                        <a:rPr lang="en-US" dirty="0"/>
+                        <a:t>0.236</a:t>
+                      </a:r>
+                    </a:p>
+                  </a:txBody>
+                  <a:tcPr/>
+                </a:tc>
+                <a:tc>
+                  <a:txBody>
+                    <a:bodyPr/>
+                    <a:lstStyle/>
+                    <a:p>
+                      <a:r>
+                        <a:rPr lang="en-US" dirty="0"/>
+                        <a:t>0.254</a:t>
+                      </a:r>
+                    </a:p>
+                  </a:txBody>
+                  <a:tcPr/>
+                </a:tc>
+                <a:tc>
+                  <a:txBody>
+                    <a:bodyPr/>
+                    <a:lstStyle/>
+                    <a:p>
+                      <a:r>
+                        <a:rPr lang="en-US" dirty="0"/>
+                        <a:t>0.25</a:t>
+                      </a:r>
+                    </a:p>
+                  </a:txBody>
+                  <a:tcPr/>
+                </a:tc>
+                <a:tc>
+                  <a:txBody>
+                    <a:bodyPr/>
+                    <a:lstStyle/>
+                    <a:p>
+                      <a:r>
+                        <a:rPr lang="en-US" dirty="0"/>
+                        <a:t>0.257</a:t>
+                      </a:r>
+                    </a:p>
+                  </a:txBody>
+                  <a:tcPr/>
+                </a:tc>
+                <a:extLst>
+                  <a:ext uri="{0D108BD9-81ED-4DB2-BD59-A6C34878D82A}">
+                    <a16:rowId xmlns:a16="http://schemas.microsoft.com/office/drawing/2014/main" val="435104574"/>
+                  </a:ext>
+                </a:extLst>
+              </a:tr>
+              <a:tr h="331596">
+                <a:tc>
+                  <a:txBody>
+                    <a:bodyPr/>
+                    <a:lstStyle/>
+                    <a:p>
+                      <a:r>
+                        <a:rPr lang="en-US" dirty="0"/>
+                        <a:t>2500</a:t>
+                      </a:r>
+                    </a:p>
+                  </a:txBody>
+                  <a:tcPr/>
+                </a:tc>
+                <a:tc>
+                  <a:txBody>
+                    <a:bodyPr/>
+                    <a:lstStyle/>
+                    <a:p>
+                      <a:r>
+                        <a:rPr lang="en-US" dirty="0"/>
+                        <a:t>**</a:t>
+                      </a:r>
+                    </a:p>
+                  </a:txBody>
+                  <a:tcPr/>
+                </a:tc>
+                <a:tc>
+                  <a:txBody>
+                    <a:bodyPr/>
+                    <a:lstStyle/>
+                    <a:p>
+                      <a:r>
+                        <a:rPr lang="en-US" dirty="0"/>
+                        <a:t>0.14</a:t>
+                      </a:r>
+                    </a:p>
+                  </a:txBody>
+                  <a:tcPr/>
+                </a:tc>
+                <a:tc>
+                  <a:txBody>
+                    <a:bodyPr/>
+                    <a:lstStyle/>
+                    <a:p>
+                      <a:r>
+                        <a:rPr lang="en-US" dirty="0"/>
+                        <a:t>0.215</a:t>
+                      </a:r>
+                    </a:p>
+                  </a:txBody>
+                  <a:tcPr/>
+                </a:tc>
+                <a:tc>
+                  <a:txBody>
+                    <a:bodyPr/>
+                    <a:lstStyle/>
+                    <a:p>
+                      <a:r>
+                        <a:rPr lang="en-US" dirty="0"/>
+                        <a:t>0.237</a:t>
+                      </a:r>
+                    </a:p>
+                  </a:txBody>
+                  <a:tcPr/>
+                </a:tc>
+                <a:tc>
+                  <a:txBody>
+                    <a:bodyPr/>
+                    <a:lstStyle/>
+                    <a:p>
+                      <a:r>
+                        <a:rPr lang="en-US" dirty="0"/>
+                        <a:t>0.243</a:t>
+                      </a:r>
+                    </a:p>
+                  </a:txBody>
+                  <a:tcPr/>
+                </a:tc>
+                <a:tc>
+                  <a:txBody>
+                    <a:bodyPr/>
+                    <a:lstStyle/>
+                    <a:p>
+                      <a:r>
+                        <a:rPr lang="en-US" dirty="0"/>
+                        <a:t>0.254</a:t>
+                      </a:r>
+                    </a:p>
+                  </a:txBody>
+                  <a:tcPr/>
+                </a:tc>
+                <a:tc>
+                  <a:txBody>
+                    <a:bodyPr/>
+                    <a:lstStyle/>
+                    <a:p>
+                      <a:r>
+                        <a:rPr lang="en-US" dirty="0"/>
+                        <a:t>0.256</a:t>
+                      </a:r>
+                    </a:p>
+                  </a:txBody>
+                  <a:tcPr/>
+                </a:tc>
+                <a:extLst>
+                  <a:ext uri="{0D108BD9-81ED-4DB2-BD59-A6C34878D82A}">
+                    <a16:rowId xmlns:a16="http://schemas.microsoft.com/office/drawing/2014/main" val="2152307625"/>
+                  </a:ext>
+                </a:extLst>
+              </a:tr>
+              <a:tr h="387867">
+                <a:tc>
+                  <a:txBody>
+                    <a:bodyPr/>
+                    <a:lstStyle/>
+                    <a:p>
+                      <a:r>
+                        <a:rPr lang="en-US" dirty="0"/>
+                        <a:t>3000</a:t>
+                      </a:r>
+                    </a:p>
+                  </a:txBody>
+                  <a:tcPr/>
+                </a:tc>
+                <a:tc>
+                  <a:txBody>
+                    <a:bodyPr/>
+                    <a:lstStyle/>
+                    <a:p>
+                      <a:r>
+                        <a:rPr lang="en-US" dirty="0"/>
+                        <a:t>**</a:t>
+                      </a:r>
+                    </a:p>
+                  </a:txBody>
+                  <a:tcPr/>
+                </a:tc>
+                <a:tc>
+                  <a:txBody>
+                    <a:bodyPr/>
+                    <a:lstStyle/>
+                    <a:p>
+                      <a:r>
+                        <a:rPr lang="en-US" dirty="0"/>
+                        <a:t>0.15</a:t>
+                      </a:r>
+                    </a:p>
+                  </a:txBody>
+                  <a:tcPr/>
+                </a:tc>
+                <a:tc>
+                  <a:txBody>
+                    <a:bodyPr/>
+                    <a:lstStyle/>
+                    <a:p>
+                      <a:r>
+                        <a:rPr lang="en-US" dirty="0"/>
+                        <a:t>0.209</a:t>
+                      </a:r>
+                    </a:p>
+                  </a:txBody>
+                  <a:tcPr/>
+                </a:tc>
+                <a:tc>
+                  <a:txBody>
+                    <a:bodyPr/>
+                    <a:lstStyle/>
+                    <a:p>
+                      <a:r>
+                        <a:rPr lang="en-US" dirty="0"/>
+                        <a:t>0.241</a:t>
+                      </a:r>
+                    </a:p>
+                  </a:txBody>
+                  <a:tcPr/>
+                </a:tc>
+                <a:tc>
+                  <a:txBody>
+                    <a:bodyPr/>
+                    <a:lstStyle/>
+                    <a:p>
+                      <a:r>
+                        <a:rPr lang="en-US" dirty="0"/>
+                        <a:t>0.252</a:t>
+                      </a:r>
+                    </a:p>
+                  </a:txBody>
+                  <a:tcPr/>
+                </a:tc>
+                <a:tc>
+                  <a:txBody>
+                    <a:bodyPr/>
+                    <a:lstStyle/>
+                    <a:p>
+                      <a:r>
+                        <a:rPr lang="en-US" dirty="0"/>
+                        <a:t>0.262</a:t>
+                      </a:r>
+                    </a:p>
+                  </a:txBody>
+                  <a:tcPr/>
+                </a:tc>
+                <a:tc>
+                  <a:txBody>
+                    <a:bodyPr/>
+                    <a:lstStyle/>
+                    <a:p>
+                      <a:r>
+                        <a:rPr lang="en-US" dirty="0"/>
+                        <a:t>0.25</a:t>
+                      </a:r>
+                    </a:p>
+                  </a:txBody>
+                  <a:tcPr/>
+                </a:tc>
+                <a:extLst>
+                  <a:ext uri="{0D108BD9-81ED-4DB2-BD59-A6C34878D82A}">
+                    <a16:rowId xmlns:a16="http://schemas.microsoft.com/office/drawing/2014/main" val="3643979968"/>
+                  </a:ext>
+                </a:extLst>
+              </a:tr>
+            </a:tbl>
+          </a:graphicData>
+        </a:graphic>
+      </p:graphicFrame>
+      <p:sp>
+        <p:nvSpPr>
+          <p:cNvPr id="9" name="TextBox 8">
+            <a:extLst>
+              <a:ext uri="{FF2B5EF4-FFF2-40B4-BE49-F238E27FC236}">
+                <a16:creationId xmlns:a16="http://schemas.microsoft.com/office/drawing/2014/main" id="{130E67B3-9D3D-43E9-B499-A5E99DEB8B54}"/>
+              </a:ext>
+            </a:extLst>
+          </p:cNvPr>
+          <p:cNvSpPr txBox="1"/>
+          <p:nvPr/>
+        </p:nvSpPr>
+        <p:spPr>
+          <a:xfrm>
+            <a:off x="11043074" y="6336101"/>
+            <a:ext cx="406843" cy="369332"/>
+          </a:xfrm>
+          <a:prstGeom prst="rect">
+            <a:avLst/>
+          </a:prstGeom>
+          <a:noFill/>
+        </p:spPr>
+        <p:txBody>
+          <a:bodyPr wrap="none" rtlCol="0">
+            <a:spAutoFit/>
+          </a:bodyPr>
+          <a:lstStyle/>
+          <a:p>
+            <a:r>
+              <a:rPr lang="en-US" altLang="zh-CN" dirty="0" err="1"/>
+              <a:t>hv</a:t>
+            </a:r>
+            <a:endParaRPr lang="en-US" dirty="0"/>
+          </a:p>
+        </p:txBody>
+      </p:sp>
+    </p:spTree>
+    <p:extLst>
+      <p:ext uri="{BB962C8B-B14F-4D97-AF65-F5344CB8AC3E}">
+        <p14:creationId xmlns:p14="http://schemas.microsoft.com/office/powerpoint/2010/main" val="1710743097"/>
+      </p:ext>
+    </p:extLst>
+  </p:cSld>
+  <p:clrMapOvr>
+    <a:masterClrMapping/>
+  </p:clrMapOvr>
+</p:sld>
+</file>
+
+<file path=ppt/slides/slide15.xml><?xml version="1.0" encoding="utf-8"?>
+<p:sld xmlns:a="http://schemas.openxmlformats.org/drawingml/2006/main" xmlns:r="http://schemas.openxmlformats.org/officeDocument/2006/relationships" xmlns:p="http://schemas.openxmlformats.org/presentationml/2006/main">
+  <p:cSld>
+    <p:spTree>
+      <p:nvGrpSpPr>
+        <p:cNvPr id="1" name=""/>
+        <p:cNvGrpSpPr/>
+        <p:nvPr/>
+      </p:nvGrpSpPr>
+      <p:grpSpPr>
+        <a:xfrm>
+          <a:off x="0" y="0"/>
+          <a:ext cx="0" cy="0"/>
+          <a:chOff x="0" y="0"/>
+          <a:chExt cx="0" cy="0"/>
+        </a:xfrm>
+      </p:grpSpPr>
+      <p:graphicFrame>
+        <p:nvGraphicFramePr>
+          <p:cNvPr id="5" name="Table 5">
+            <a:extLst>
+              <a:ext uri="{FF2B5EF4-FFF2-40B4-BE49-F238E27FC236}">
+                <a16:creationId xmlns:a16="http://schemas.microsoft.com/office/drawing/2014/main" id="{8BDC17D8-614C-4408-8507-584E0F0EB271}"/>
+              </a:ext>
+            </a:extLst>
+          </p:cNvPr>
+          <p:cNvGraphicFramePr>
+            <a:graphicFrameLocks noGrp="1"/>
+          </p:cNvGraphicFramePr>
+          <p:nvPr>
+            <p:extLst>
+              <p:ext uri="{D42A27DB-BD31-4B8C-83A1-F6EECF244321}">
+                <p14:modId xmlns:p14="http://schemas.microsoft.com/office/powerpoint/2010/main" val="447925554"/>
+              </p:ext>
+            </p:extLst>
+          </p:nvPr>
+        </p:nvGraphicFramePr>
+        <p:xfrm>
+          <a:off x="1671439" y="681566"/>
+          <a:ext cx="7858128" cy="1577475"/>
+        </p:xfrm>
+        <a:graphic>
+          <a:graphicData uri="http://schemas.openxmlformats.org/drawingml/2006/table">
+            <a:tbl>
+              <a:tblPr firstRow="1" bandRow="1">
+                <a:tableStyleId>{5C22544A-7EE6-4342-B048-85BDC9FD1C3A}</a:tableStyleId>
+              </a:tblPr>
+              <a:tblGrid>
+                <a:gridCol w="887208">
+                  <a:extLst>
+                    <a:ext uri="{9D8B030D-6E8A-4147-A177-3AD203B41FA5}">
+                      <a16:colId xmlns:a16="http://schemas.microsoft.com/office/drawing/2014/main" val="2850459278"/>
+                    </a:ext>
+                  </a:extLst>
+                </a:gridCol>
+                <a:gridCol w="887208">
+                  <a:extLst>
+                    <a:ext uri="{9D8B030D-6E8A-4147-A177-3AD203B41FA5}">
+                      <a16:colId xmlns:a16="http://schemas.microsoft.com/office/drawing/2014/main" val="2348623206"/>
+                    </a:ext>
+                  </a:extLst>
+                </a:gridCol>
+                <a:gridCol w="988603">
+                  <a:extLst>
+                    <a:ext uri="{9D8B030D-6E8A-4147-A177-3AD203B41FA5}">
+                      <a16:colId xmlns:a16="http://schemas.microsoft.com/office/drawing/2014/main" val="936750774"/>
+                    </a:ext>
+                  </a:extLst>
+                </a:gridCol>
+                <a:gridCol w="1182944">
+                  <a:extLst>
+                    <a:ext uri="{9D8B030D-6E8A-4147-A177-3AD203B41FA5}">
+                      <a16:colId xmlns:a16="http://schemas.microsoft.com/office/drawing/2014/main" val="1096750382"/>
+                    </a:ext>
+                  </a:extLst>
+                </a:gridCol>
+                <a:gridCol w="1225192">
+                  <a:extLst>
+                    <a:ext uri="{9D8B030D-6E8A-4147-A177-3AD203B41FA5}">
+                      <a16:colId xmlns:a16="http://schemas.microsoft.com/office/drawing/2014/main" val="2553925320"/>
+                    </a:ext>
+                  </a:extLst>
+                </a:gridCol>
+                <a:gridCol w="1056200">
+                  <a:extLst>
+                    <a:ext uri="{9D8B030D-6E8A-4147-A177-3AD203B41FA5}">
+                      <a16:colId xmlns:a16="http://schemas.microsoft.com/office/drawing/2014/main" val="2568830889"/>
+                    </a:ext>
+                  </a:extLst>
+                </a:gridCol>
+                <a:gridCol w="1630773">
+                  <a:extLst>
+                    <a:ext uri="{9D8B030D-6E8A-4147-A177-3AD203B41FA5}">
+                      <a16:colId xmlns:a16="http://schemas.microsoft.com/office/drawing/2014/main" val="4256130712"/>
+                    </a:ext>
+                  </a:extLst>
+                </a:gridCol>
+              </a:tblGrid>
+              <a:tr h="525825">
+                <a:tc>
+                  <a:txBody>
+                    <a:bodyPr/>
+                    <a:lstStyle/>
+                    <a:p>
+                      <a:endParaRPr lang="en-US" dirty="0"/>
+                    </a:p>
+                  </a:txBody>
+                  <a:tcPr/>
+                </a:tc>
+                <a:tc>
+                  <a:txBody>
+                    <a:bodyPr/>
+                    <a:lstStyle/>
+                    <a:p>
+                      <a:r>
+                        <a:rPr lang="en-US" dirty="0"/>
+                        <a:t>NG(5)</a:t>
+                      </a:r>
+                    </a:p>
+                  </a:txBody>
+                  <a:tcPr/>
+                </a:tc>
+                <a:tc>
+                  <a:txBody>
+                    <a:bodyPr/>
+                    <a:lstStyle/>
+                    <a:p>
+                      <a:r>
+                        <a:rPr lang="en-US" dirty="0"/>
+                        <a:t>NG(10)</a:t>
+                      </a:r>
+                    </a:p>
+                  </a:txBody>
+                  <a:tcPr/>
+                </a:tc>
+                <a:tc>
+                  <a:txBody>
+                    <a:bodyPr/>
+                    <a:lstStyle/>
+                    <a:p>
+                      <a:r>
+                        <a:rPr lang="en-US" dirty="0"/>
+                        <a:t>NG(15)</a:t>
+                      </a:r>
+                    </a:p>
+                  </a:txBody>
+                  <a:tcPr/>
+                </a:tc>
+                <a:tc>
+                  <a:txBody>
+                    <a:bodyPr/>
+                    <a:lstStyle/>
+                    <a:p>
+                      <a:r>
+                        <a:rPr lang="en-US" dirty="0"/>
+                        <a:t>NG(20)</a:t>
+                      </a:r>
+                    </a:p>
+                  </a:txBody>
+                  <a:tcPr/>
+                </a:tc>
+                <a:tc>
+                  <a:txBody>
+                    <a:bodyPr/>
+                    <a:lstStyle/>
+                    <a:p>
+                      <a:r>
+                        <a:rPr lang="en-US" dirty="0"/>
+                        <a:t>NG(25)</a:t>
+                      </a:r>
+                    </a:p>
+                  </a:txBody>
+                  <a:tcPr/>
+                </a:tc>
+                <a:tc>
+                  <a:txBody>
+                    <a:bodyPr/>
+                    <a:lstStyle/>
+                    <a:p>
+                      <a:r>
+                        <a:rPr lang="en-US" dirty="0"/>
+                        <a:t>NG(30)</a:t>
+                      </a:r>
+                    </a:p>
+                  </a:txBody>
+                  <a:tcPr/>
+                </a:tc>
+                <a:extLst>
+                  <a:ext uri="{0D108BD9-81ED-4DB2-BD59-A6C34878D82A}">
+                    <a16:rowId xmlns:a16="http://schemas.microsoft.com/office/drawing/2014/main" val="1541345522"/>
+                  </a:ext>
+                </a:extLst>
+              </a:tr>
+              <a:tr h="525825">
+                <a:tc>
+                  <a:txBody>
+                    <a:bodyPr/>
+                    <a:lstStyle/>
+                    <a:p>
+                      <a:r>
+                        <a:rPr lang="en-US" altLang="zh-CN" dirty="0"/>
+                        <a:t>Time</a:t>
+                      </a:r>
+                      <a:endParaRPr lang="en-US" dirty="0"/>
+                    </a:p>
+                  </a:txBody>
+                  <a:tcPr/>
+                </a:tc>
+                <a:tc>
+                  <a:txBody>
+                    <a:bodyPr/>
+                    <a:lstStyle/>
+                    <a:p>
+                      <a:r>
+                        <a:rPr lang="en-US" dirty="0"/>
+                        <a:t>31.07</a:t>
+                      </a:r>
+                    </a:p>
+                  </a:txBody>
+                  <a:tcPr/>
+                </a:tc>
+                <a:tc>
+                  <a:txBody>
+                    <a:bodyPr/>
+                    <a:lstStyle/>
+                    <a:p>
+                      <a:r>
+                        <a:rPr lang="en-US" dirty="0"/>
+                        <a:t>72.55</a:t>
+                      </a:r>
+                    </a:p>
+                  </a:txBody>
+                  <a:tcPr/>
+                </a:tc>
+                <a:tc>
+                  <a:txBody>
+                    <a:bodyPr/>
+                    <a:lstStyle/>
+                    <a:p>
+                      <a:r>
+                        <a:rPr lang="en-US" dirty="0"/>
+                        <a:t>121.49</a:t>
+                      </a:r>
+                    </a:p>
+                  </a:txBody>
+                  <a:tcPr/>
+                </a:tc>
+                <a:tc>
+                  <a:txBody>
+                    <a:bodyPr/>
+                    <a:lstStyle/>
+                    <a:p>
+                      <a:r>
+                        <a:rPr lang="en-US" dirty="0"/>
+                        <a:t>178.7</a:t>
+                      </a:r>
+                    </a:p>
+                  </a:txBody>
+                  <a:tcPr/>
+                </a:tc>
+                <a:tc>
+                  <a:txBody>
+                    <a:bodyPr/>
+                    <a:lstStyle/>
+                    <a:p>
+                      <a:r>
+                        <a:rPr lang="en-US" dirty="0"/>
+                        <a:t>235.17</a:t>
+                      </a:r>
+                    </a:p>
+                  </a:txBody>
+                  <a:tcPr/>
+                </a:tc>
+                <a:tc>
+                  <a:txBody>
+                    <a:bodyPr/>
+                    <a:lstStyle/>
+                    <a:p>
+                      <a:r>
+                        <a:rPr lang="en-US" dirty="0"/>
+                        <a:t>327.76</a:t>
+                      </a:r>
+                    </a:p>
+                  </a:txBody>
+                  <a:tcPr/>
+                </a:tc>
+                <a:extLst>
+                  <a:ext uri="{0D108BD9-81ED-4DB2-BD59-A6C34878D82A}">
+                    <a16:rowId xmlns:a16="http://schemas.microsoft.com/office/drawing/2014/main" val="1953472893"/>
+                  </a:ext>
+                </a:extLst>
+              </a:tr>
+              <a:tr h="525825">
+                <a:tc>
+                  <a:txBody>
+                    <a:bodyPr/>
+                    <a:lstStyle/>
+                    <a:p>
+                      <a:r>
+                        <a:rPr lang="en-US" dirty="0"/>
+                        <a:t>HV</a:t>
+                      </a:r>
+                    </a:p>
+                  </a:txBody>
+                  <a:tcPr/>
+                </a:tc>
+                <a:tc>
+                  <a:txBody>
+                    <a:bodyPr/>
+                    <a:lstStyle/>
+                    <a:p>
+                      <a:r>
+                        <a:rPr lang="en-US" dirty="0"/>
+                        <a:t>0.222</a:t>
+                      </a:r>
+                    </a:p>
+                  </a:txBody>
+                  <a:tcPr/>
+                </a:tc>
+                <a:tc>
+                  <a:txBody>
+                    <a:bodyPr/>
+                    <a:lstStyle/>
+                    <a:p>
+                      <a:r>
+                        <a:rPr lang="en-US" dirty="0"/>
+                        <a:t>0.24</a:t>
+                      </a:r>
+                    </a:p>
+                  </a:txBody>
+                  <a:tcPr/>
+                </a:tc>
+                <a:tc>
+                  <a:txBody>
+                    <a:bodyPr/>
+                    <a:lstStyle/>
+                    <a:p>
+                      <a:r>
+                        <a:rPr lang="en-US" dirty="0"/>
+                        <a:t>0.258</a:t>
+                      </a:r>
+                    </a:p>
+                  </a:txBody>
+                  <a:tcPr/>
+                </a:tc>
+                <a:tc>
+                  <a:txBody>
+                    <a:bodyPr/>
+                    <a:lstStyle/>
+                    <a:p>
+                      <a:r>
+                        <a:rPr lang="en-US" dirty="0"/>
+                        <a:t>0.272</a:t>
+                      </a:r>
+                    </a:p>
+                  </a:txBody>
+                  <a:tcPr/>
+                </a:tc>
+                <a:tc>
+                  <a:txBody>
+                    <a:bodyPr/>
+                    <a:lstStyle/>
+                    <a:p>
+                      <a:r>
+                        <a:rPr lang="en-US" dirty="0"/>
+                        <a:t>0.282</a:t>
+                      </a:r>
+                    </a:p>
+                  </a:txBody>
+                  <a:tcPr/>
+                </a:tc>
+                <a:tc>
+                  <a:txBody>
+                    <a:bodyPr/>
+                    <a:lstStyle/>
+                    <a:p>
+                      <a:r>
+                        <a:rPr lang="en-US" dirty="0"/>
+                        <a:t>0.276</a:t>
+                      </a:r>
+                    </a:p>
+                  </a:txBody>
+                  <a:tcPr/>
+                </a:tc>
+                <a:extLst>
+                  <a:ext uri="{0D108BD9-81ED-4DB2-BD59-A6C34878D82A}">
+                    <a16:rowId xmlns:a16="http://schemas.microsoft.com/office/drawing/2014/main" val="1043318241"/>
+                  </a:ext>
+                </a:extLst>
+              </a:tr>
+            </a:tbl>
+          </a:graphicData>
+        </a:graphic>
+      </p:graphicFrame>
+      <p:sp>
+        <p:nvSpPr>
+          <p:cNvPr id="3" name="TextBox 2">
+            <a:extLst>
+              <a:ext uri="{FF2B5EF4-FFF2-40B4-BE49-F238E27FC236}">
+                <a16:creationId xmlns:a16="http://schemas.microsoft.com/office/drawing/2014/main" id="{F6F2F247-2CB7-45C1-916D-A543DD3045E7}"/>
+              </a:ext>
+            </a:extLst>
+          </p:cNvPr>
+          <p:cNvSpPr txBox="1"/>
+          <p:nvPr/>
+        </p:nvSpPr>
+        <p:spPr>
+          <a:xfrm>
+            <a:off x="265798" y="215927"/>
+            <a:ext cx="1405641" cy="369332"/>
+          </a:xfrm>
+          <a:prstGeom prst="rect">
+            <a:avLst/>
+          </a:prstGeom>
+          <a:noFill/>
+        </p:spPr>
+        <p:txBody>
+          <a:bodyPr wrap="none" rtlCol="0">
+            <a:spAutoFit/>
+          </a:bodyPr>
+          <a:lstStyle/>
+          <a:p>
+            <a:r>
+              <a:rPr lang="en-US" altLang="zh-CN" dirty="0"/>
+              <a:t>Real-life case</a:t>
+            </a:r>
+            <a:endParaRPr lang="en-US" dirty="0"/>
+          </a:p>
+        </p:txBody>
+      </p:sp>
+      <p:sp>
+        <p:nvSpPr>
+          <p:cNvPr id="4" name="Rectangle 3">
+            <a:extLst>
+              <a:ext uri="{FF2B5EF4-FFF2-40B4-BE49-F238E27FC236}">
+                <a16:creationId xmlns:a16="http://schemas.microsoft.com/office/drawing/2014/main" id="{9C87D420-D078-4502-8D31-DF0471E5717D}"/>
+              </a:ext>
+            </a:extLst>
+          </p:cNvPr>
+          <p:cNvSpPr/>
+          <p:nvPr/>
+        </p:nvSpPr>
+        <p:spPr>
+          <a:xfrm>
+            <a:off x="6832879" y="585259"/>
+            <a:ext cx="1075174" cy="1756007"/>
+          </a:xfrm>
+          <a:prstGeom prst="rect">
+            <a:avLst/>
+          </a:prstGeom>
+          <a:noFill/>
+          <a:ln w="28575">
+            <a:solidFill>
+              <a:srgbClr val="FF0000"/>
+            </a:solidFill>
+          </a:ln>
+        </p:spPr>
+        <p:style>
+          <a:lnRef idx="2">
+            <a:schemeClr val="accent1">
+              <a:shade val="50000"/>
+            </a:schemeClr>
+          </a:lnRef>
+          <a:fillRef idx="1">
+            <a:schemeClr val="accent1"/>
+          </a:fillRef>
+          <a:effectRef idx="0">
+            <a:schemeClr val="accent1"/>
+          </a:effectRef>
+          <a:fontRef idx="minor">
+            <a:schemeClr val="lt1"/>
+          </a:fontRef>
+        </p:style>
+        <p:txBody>
+          <a:bodyPr rtlCol="0" anchor="ctr"/>
+          <a:lstStyle/>
+          <a:p>
+            <a:pPr algn="ctr"/>
+            <a:endParaRPr lang="en-US"/>
+          </a:p>
+        </p:txBody>
+      </p:sp>
+      <p:pic>
+        <p:nvPicPr>
+          <p:cNvPr id="7" name="Picture 6">
+            <a:extLst>
+              <a:ext uri="{FF2B5EF4-FFF2-40B4-BE49-F238E27FC236}">
+                <a16:creationId xmlns:a16="http://schemas.microsoft.com/office/drawing/2014/main" id="{113EEF82-57E2-488B-A9E5-5A3F27687C9A}"/>
+              </a:ext>
+            </a:extLst>
+          </p:cNvPr>
+          <p:cNvPicPr>
+            <a:picLocks noChangeAspect="1"/>
+          </p:cNvPicPr>
+          <p:nvPr/>
+        </p:nvPicPr>
+        <p:blipFill>
+          <a:blip r:embed="rId3"/>
+          <a:stretch>
+            <a:fillRect/>
+          </a:stretch>
+        </p:blipFill>
+        <p:spPr>
+          <a:xfrm>
+            <a:off x="2849413" y="2534557"/>
+            <a:ext cx="5058640" cy="4128806"/>
+          </a:xfrm>
+          <a:prstGeom prst="rect">
+            <a:avLst/>
+          </a:prstGeom>
+        </p:spPr>
+      </p:pic>
+    </p:spTree>
+    <p:extLst>
+      <p:ext uri="{BB962C8B-B14F-4D97-AF65-F5344CB8AC3E}">
+        <p14:creationId xmlns:p14="http://schemas.microsoft.com/office/powerpoint/2010/main" val="1087293982"/>
       </p:ext>
     </p:extLst>
   </p:cSld>
@@ -12154,8 +16834,8 @@
           </a:p>
         </p:txBody>
       </p:sp>
-      <mc:AlternateContent xmlns:mc="http://schemas.openxmlformats.org/markup-compatibility/2006">
-        <mc:Choice xmlns:a14="http://schemas.microsoft.com/office/drawing/2010/main" Requires="a14">
+      <mc:AlternateContent xmlns:mc="http://schemas.openxmlformats.org/markup-compatibility/2006" xmlns:a14="http://schemas.microsoft.com/office/drawing/2010/main">
+        <mc:Choice Requires="a14">
           <p:sp>
             <p:nvSpPr>
               <p:cNvPr id="83" name="TextBox 82">
@@ -12224,7 +16904,7 @@
             </p:txBody>
           </p:sp>
         </mc:Choice>
-        <mc:Fallback>
+        <mc:Fallback xmlns="">
           <p:sp>
             <p:nvSpPr>
               <p:cNvPr id="83" name="TextBox 82">
@@ -12269,8 +16949,8 @@
           </p:sp>
         </mc:Fallback>
       </mc:AlternateContent>
-      <mc:AlternateContent xmlns:mc="http://schemas.openxmlformats.org/markup-compatibility/2006">
-        <mc:Choice xmlns:a14="http://schemas.microsoft.com/office/drawing/2010/main" Requires="a14">
+      <mc:AlternateContent xmlns:mc="http://schemas.openxmlformats.org/markup-compatibility/2006" xmlns:a14="http://schemas.microsoft.com/office/drawing/2010/main">
+        <mc:Choice Requires="a14">
           <p:sp>
             <p:nvSpPr>
               <p:cNvPr id="85" name="TextBox 84">
@@ -12345,7 +17025,7 @@
             </p:txBody>
           </p:sp>
         </mc:Choice>
-        <mc:Fallback>
+        <mc:Fallback xmlns="">
           <p:sp>
             <p:nvSpPr>
               <p:cNvPr id="85" name="TextBox 84">
@@ -12390,8 +17070,8 @@
           </p:sp>
         </mc:Fallback>
       </mc:AlternateContent>
-      <mc:AlternateContent xmlns:mc="http://schemas.openxmlformats.org/markup-compatibility/2006">
-        <mc:Choice xmlns:a14="http://schemas.microsoft.com/office/drawing/2010/main" Requires="a14">
+      <mc:AlternateContent xmlns:mc="http://schemas.openxmlformats.org/markup-compatibility/2006" xmlns:a14="http://schemas.microsoft.com/office/drawing/2010/main">
+        <mc:Choice Requires="a14">
           <p:sp>
             <p:nvSpPr>
               <p:cNvPr id="87" name="TextBox 86">
@@ -12509,7 +17189,7 @@
             </p:txBody>
           </p:sp>
         </mc:Choice>
-        <mc:Fallback>
+        <mc:Fallback xmlns="">
           <p:sp>
             <p:nvSpPr>
               <p:cNvPr id="87" name="TextBox 86">
@@ -12554,8 +17234,8 @@
           </p:sp>
         </mc:Fallback>
       </mc:AlternateContent>
-      <mc:AlternateContent xmlns:mc="http://schemas.openxmlformats.org/markup-compatibility/2006">
-        <mc:Choice xmlns:a14="http://schemas.microsoft.com/office/drawing/2010/main" Requires="a14">
+      <mc:AlternateContent xmlns:mc="http://schemas.openxmlformats.org/markup-compatibility/2006" xmlns:a14="http://schemas.microsoft.com/office/drawing/2010/main">
+        <mc:Choice Requires="a14">
           <p:sp>
             <p:nvSpPr>
               <p:cNvPr id="88" name="TextBox 87">
@@ -12624,7 +17304,7 @@
             </p:txBody>
           </p:sp>
         </mc:Choice>
-        <mc:Fallback>
+        <mc:Fallback xmlns="">
           <p:sp>
             <p:nvSpPr>
               <p:cNvPr id="88" name="TextBox 87">
@@ -12669,8 +17349,8 @@
           </p:sp>
         </mc:Fallback>
       </mc:AlternateContent>
-      <mc:AlternateContent xmlns:mc="http://schemas.openxmlformats.org/markup-compatibility/2006">
-        <mc:Choice xmlns:a14="http://schemas.microsoft.com/office/drawing/2010/main" Requires="a14">
+      <mc:AlternateContent xmlns:mc="http://schemas.openxmlformats.org/markup-compatibility/2006" xmlns:a14="http://schemas.microsoft.com/office/drawing/2010/main">
+        <mc:Choice Requires="a14">
           <p:sp>
             <p:nvSpPr>
               <p:cNvPr id="89" name="TextBox 88">
@@ -12739,7 +17419,7 @@
             </p:txBody>
           </p:sp>
         </mc:Choice>
-        <mc:Fallback>
+        <mc:Fallback xmlns="">
           <p:sp>
             <p:nvSpPr>
               <p:cNvPr id="89" name="TextBox 88">
@@ -12784,8 +17464,8 @@
           </p:sp>
         </mc:Fallback>
       </mc:AlternateContent>
-      <mc:AlternateContent xmlns:mc="http://schemas.openxmlformats.org/markup-compatibility/2006">
-        <mc:Choice xmlns:a14="http://schemas.microsoft.com/office/drawing/2010/main" Requires="a14">
+      <mc:AlternateContent xmlns:mc="http://schemas.openxmlformats.org/markup-compatibility/2006" xmlns:a14="http://schemas.microsoft.com/office/drawing/2010/main">
+        <mc:Choice Requires="a14">
           <p:sp>
             <p:nvSpPr>
               <p:cNvPr id="90" name="TextBox 89">
@@ -12854,7 +17534,7 @@
             </p:txBody>
           </p:sp>
         </mc:Choice>
-        <mc:Fallback>
+        <mc:Fallback xmlns="">
           <p:sp>
             <p:nvSpPr>
               <p:cNvPr id="90" name="TextBox 89">
@@ -12899,8 +17579,8 @@
           </p:sp>
         </mc:Fallback>
       </mc:AlternateContent>
-      <mc:AlternateContent xmlns:mc="http://schemas.openxmlformats.org/markup-compatibility/2006">
-        <mc:Choice xmlns:a14="http://schemas.microsoft.com/office/drawing/2010/main" Requires="a14">
+      <mc:AlternateContent xmlns:mc="http://schemas.openxmlformats.org/markup-compatibility/2006" xmlns:a14="http://schemas.microsoft.com/office/drawing/2010/main">
+        <mc:Choice Requires="a14">
           <p:sp>
             <p:nvSpPr>
               <p:cNvPr id="91" name="TextBox 90">
@@ -12977,7 +17657,7 @@
             </p:txBody>
           </p:sp>
         </mc:Choice>
-        <mc:Fallback>
+        <mc:Fallback xmlns="">
           <p:sp>
             <p:nvSpPr>
               <p:cNvPr id="91" name="TextBox 90">
@@ -13022,8 +17702,8 @@
           </p:sp>
         </mc:Fallback>
       </mc:AlternateContent>
-      <mc:AlternateContent xmlns:mc="http://schemas.openxmlformats.org/markup-compatibility/2006">
-        <mc:Choice xmlns:a14="http://schemas.microsoft.com/office/drawing/2010/main" Requires="a14">
+      <mc:AlternateContent xmlns:mc="http://schemas.openxmlformats.org/markup-compatibility/2006" xmlns:a14="http://schemas.microsoft.com/office/drawing/2010/main">
+        <mc:Choice Requires="a14">
           <p:sp>
             <p:nvSpPr>
               <p:cNvPr id="93" name="TextBox 92">
@@ -13092,7 +17772,7 @@
             </p:txBody>
           </p:sp>
         </mc:Choice>
-        <mc:Fallback>
+        <mc:Fallback xmlns="">
           <p:sp>
             <p:nvSpPr>
               <p:cNvPr id="93" name="TextBox 92">
@@ -13137,8 +17817,8 @@
           </p:sp>
         </mc:Fallback>
       </mc:AlternateContent>
-      <mc:AlternateContent xmlns:mc="http://schemas.openxmlformats.org/markup-compatibility/2006">
-        <mc:Choice xmlns:a14="http://schemas.microsoft.com/office/drawing/2010/main" Requires="a14">
+      <mc:AlternateContent xmlns:mc="http://schemas.openxmlformats.org/markup-compatibility/2006" xmlns:a14="http://schemas.microsoft.com/office/drawing/2010/main">
+        <mc:Choice Requires="a14">
           <p:sp>
             <p:nvSpPr>
               <p:cNvPr id="94" name="TextBox 93">
@@ -13207,7 +17887,7 @@
             </p:txBody>
           </p:sp>
         </mc:Choice>
-        <mc:Fallback>
+        <mc:Fallback xmlns="">
           <p:sp>
             <p:nvSpPr>
               <p:cNvPr id="94" name="TextBox 93">
@@ -13252,8 +17932,8 @@
           </p:sp>
         </mc:Fallback>
       </mc:AlternateContent>
-      <mc:AlternateContent xmlns:mc="http://schemas.openxmlformats.org/markup-compatibility/2006">
-        <mc:Choice xmlns:a14="http://schemas.microsoft.com/office/drawing/2010/main" Requires="a14">
+      <mc:AlternateContent xmlns:mc="http://schemas.openxmlformats.org/markup-compatibility/2006" xmlns:a14="http://schemas.microsoft.com/office/drawing/2010/main">
+        <mc:Choice Requires="a14">
           <p:sp>
             <p:nvSpPr>
               <p:cNvPr id="95" name="TextBox 94">
@@ -13322,7 +18002,7 @@
             </p:txBody>
           </p:sp>
         </mc:Choice>
-        <mc:Fallback>
+        <mc:Fallback xmlns="">
           <p:sp>
             <p:nvSpPr>
               <p:cNvPr id="95" name="TextBox 94">
@@ -13489,7 +18169,7 @@
         </p:nvCxnSpPr>
         <p:spPr>
           <a:xfrm>
-            <a:off x="7993162" y="6490352"/>
+            <a:off x="7993162" y="6411510"/>
             <a:ext cx="1323975" cy="0"/>
           </a:xfrm>
           <a:prstGeom prst="line">
@@ -13533,7 +18213,7 @@
             </p:nvSpPr>
             <p:spPr>
               <a:xfrm>
-                <a:off x="8296219" y="6519446"/>
+                <a:off x="8306051" y="6432909"/>
                 <a:ext cx="604974" cy="338554"/>
               </a:xfrm>
               <a:prstGeom prst="rect">
@@ -13610,7 +18290,7 @@
             </p:nvSpPr>
             <p:spPr>
               <a:xfrm>
-                <a:off x="8296219" y="6519446"/>
+                <a:off x="8306051" y="6432909"/>
                 <a:ext cx="604974" cy="338554"/>
               </a:xfrm>
               <a:prstGeom prst="rect">
@@ -13698,7 +18378,6 @@
           </p:cNvPr>
           <p:cNvCxnSpPr>
             <a:cxnSpLocks/>
-            <a:stCxn id="113" idx="1"/>
           </p:cNvCxnSpPr>
           <p:nvPr/>
         </p:nvCxnSpPr>
@@ -13908,8 +18587,8 @@
           </a:p>
         </p:txBody>
       </p:sp>
-      <mc:AlternateContent xmlns:mc="http://schemas.openxmlformats.org/markup-compatibility/2006">
-        <mc:Choice xmlns:a14="http://schemas.microsoft.com/office/drawing/2010/main" Requires="a14">
+      <mc:AlternateContent xmlns:mc="http://schemas.openxmlformats.org/markup-compatibility/2006" xmlns:a14="http://schemas.microsoft.com/office/drawing/2010/main">
+        <mc:Choice Requires="a14">
           <p:sp>
             <p:nvSpPr>
               <p:cNvPr id="96" name="TextBox 95">
@@ -13978,7 +18657,7 @@
             </p:txBody>
           </p:sp>
         </mc:Choice>
-        <mc:Fallback>
+        <mc:Fallback xmlns="">
           <p:sp>
             <p:nvSpPr>
               <p:cNvPr id="96" name="TextBox 95">
@@ -14023,8 +18702,8 @@
           </p:sp>
         </mc:Fallback>
       </mc:AlternateContent>
-      <mc:AlternateContent xmlns:mc="http://schemas.openxmlformats.org/markup-compatibility/2006">
-        <mc:Choice xmlns:a14="http://schemas.microsoft.com/office/drawing/2010/main" Requires="a14">
+      <mc:AlternateContent xmlns:mc="http://schemas.openxmlformats.org/markup-compatibility/2006" xmlns:a14="http://schemas.microsoft.com/office/drawing/2010/main">
+        <mc:Choice Requires="a14">
           <p:sp>
             <p:nvSpPr>
               <p:cNvPr id="97" name="TextBox 96">
@@ -14093,7 +18772,7 @@
             </p:txBody>
           </p:sp>
         </mc:Choice>
-        <mc:Fallback>
+        <mc:Fallback xmlns="">
           <p:sp>
             <p:nvSpPr>
               <p:cNvPr id="97" name="TextBox 96">
@@ -14173,8 +18852,8 @@
           </a:p>
         </p:txBody>
       </p:sp>
-      <mc:AlternateContent xmlns:mc="http://schemas.openxmlformats.org/markup-compatibility/2006">
-        <mc:Choice xmlns:a14="http://schemas.microsoft.com/office/drawing/2010/main" Requires="a14">
+      <mc:AlternateContent xmlns:mc="http://schemas.openxmlformats.org/markup-compatibility/2006" xmlns:a14="http://schemas.microsoft.com/office/drawing/2010/main">
+        <mc:Choice Requires="a14">
           <p:sp>
             <p:nvSpPr>
               <p:cNvPr id="101" name="TextBox 100">
@@ -14243,7 +18922,7 @@
             </p:txBody>
           </p:sp>
         </mc:Choice>
-        <mc:Fallback>
+        <mc:Fallback xmlns="">
           <p:sp>
             <p:nvSpPr>
               <p:cNvPr id="101" name="TextBox 100">
@@ -16101,8 +20780,8 @@
           </a:p>
         </p:txBody>
       </p:sp>
-      <mc:AlternateContent xmlns:mc="http://schemas.openxmlformats.org/markup-compatibility/2006">
-        <mc:Choice xmlns:a14="http://schemas.microsoft.com/office/drawing/2010/main" Requires="a14">
+      <mc:AlternateContent xmlns:mc="http://schemas.openxmlformats.org/markup-compatibility/2006" xmlns:a14="http://schemas.microsoft.com/office/drawing/2010/main">
+        <mc:Choice Requires="a14">
           <p:sp>
             <p:nvSpPr>
               <p:cNvPr id="83" name="TextBox 82">
@@ -16171,7 +20850,7 @@
             </p:txBody>
           </p:sp>
         </mc:Choice>
-        <mc:Fallback>
+        <mc:Fallback xmlns="">
           <p:sp>
             <p:nvSpPr>
               <p:cNvPr id="83" name="TextBox 82">
@@ -16216,8 +20895,8 @@
           </p:sp>
         </mc:Fallback>
       </mc:AlternateContent>
-      <mc:AlternateContent xmlns:mc="http://schemas.openxmlformats.org/markup-compatibility/2006">
-        <mc:Choice xmlns:a14="http://schemas.microsoft.com/office/drawing/2010/main" Requires="a14">
+      <mc:AlternateContent xmlns:mc="http://schemas.openxmlformats.org/markup-compatibility/2006" xmlns:a14="http://schemas.microsoft.com/office/drawing/2010/main">
+        <mc:Choice Requires="a14">
           <p:sp>
             <p:nvSpPr>
               <p:cNvPr id="85" name="TextBox 84">
@@ -16292,7 +20971,7 @@
             </p:txBody>
           </p:sp>
         </mc:Choice>
-        <mc:Fallback>
+        <mc:Fallback xmlns="">
           <p:sp>
             <p:nvSpPr>
               <p:cNvPr id="85" name="TextBox 84">
@@ -16337,8 +21016,8 @@
           </p:sp>
         </mc:Fallback>
       </mc:AlternateContent>
-      <mc:AlternateContent xmlns:mc="http://schemas.openxmlformats.org/markup-compatibility/2006">
-        <mc:Choice xmlns:a14="http://schemas.microsoft.com/office/drawing/2010/main" Requires="a14">
+      <mc:AlternateContent xmlns:mc="http://schemas.openxmlformats.org/markup-compatibility/2006" xmlns:a14="http://schemas.microsoft.com/office/drawing/2010/main">
+        <mc:Choice Requires="a14">
           <p:sp>
             <p:nvSpPr>
               <p:cNvPr id="87" name="TextBox 86">
@@ -16456,7 +21135,7 @@
             </p:txBody>
           </p:sp>
         </mc:Choice>
-        <mc:Fallback>
+        <mc:Fallback xmlns="">
           <p:sp>
             <p:nvSpPr>
               <p:cNvPr id="87" name="TextBox 86">
@@ -16501,8 +21180,8 @@
           </p:sp>
         </mc:Fallback>
       </mc:AlternateContent>
-      <mc:AlternateContent xmlns:mc="http://schemas.openxmlformats.org/markup-compatibility/2006">
-        <mc:Choice xmlns:a14="http://schemas.microsoft.com/office/drawing/2010/main" Requires="a14">
+      <mc:AlternateContent xmlns:mc="http://schemas.openxmlformats.org/markup-compatibility/2006" xmlns:a14="http://schemas.microsoft.com/office/drawing/2010/main">
+        <mc:Choice Requires="a14">
           <p:sp>
             <p:nvSpPr>
               <p:cNvPr id="88" name="TextBox 87">
@@ -16571,7 +21250,7 @@
             </p:txBody>
           </p:sp>
         </mc:Choice>
-        <mc:Fallback>
+        <mc:Fallback xmlns="">
           <p:sp>
             <p:nvSpPr>
               <p:cNvPr id="88" name="TextBox 87">
@@ -16616,8 +21295,8 @@
           </p:sp>
         </mc:Fallback>
       </mc:AlternateContent>
-      <mc:AlternateContent xmlns:mc="http://schemas.openxmlformats.org/markup-compatibility/2006">
-        <mc:Choice xmlns:a14="http://schemas.microsoft.com/office/drawing/2010/main" Requires="a14">
+      <mc:AlternateContent xmlns:mc="http://schemas.openxmlformats.org/markup-compatibility/2006" xmlns:a14="http://schemas.microsoft.com/office/drawing/2010/main">
+        <mc:Choice Requires="a14">
           <p:sp>
             <p:nvSpPr>
               <p:cNvPr id="89" name="TextBox 88">
@@ -16686,7 +21365,7 @@
             </p:txBody>
           </p:sp>
         </mc:Choice>
-        <mc:Fallback>
+        <mc:Fallback xmlns="">
           <p:sp>
             <p:nvSpPr>
               <p:cNvPr id="89" name="TextBox 88">
@@ -16731,8 +21410,8 @@
           </p:sp>
         </mc:Fallback>
       </mc:AlternateContent>
-      <mc:AlternateContent xmlns:mc="http://schemas.openxmlformats.org/markup-compatibility/2006">
-        <mc:Choice xmlns:a14="http://schemas.microsoft.com/office/drawing/2010/main" Requires="a14">
+      <mc:AlternateContent xmlns:mc="http://schemas.openxmlformats.org/markup-compatibility/2006" xmlns:a14="http://schemas.microsoft.com/office/drawing/2010/main">
+        <mc:Choice Requires="a14">
           <p:sp>
             <p:nvSpPr>
               <p:cNvPr id="90" name="TextBox 89">
@@ -16801,7 +21480,7 @@
             </p:txBody>
           </p:sp>
         </mc:Choice>
-        <mc:Fallback>
+        <mc:Fallback xmlns="">
           <p:sp>
             <p:nvSpPr>
               <p:cNvPr id="90" name="TextBox 89">
@@ -16846,8 +21525,8 @@
           </p:sp>
         </mc:Fallback>
       </mc:AlternateContent>
-      <mc:AlternateContent xmlns:mc="http://schemas.openxmlformats.org/markup-compatibility/2006">
-        <mc:Choice xmlns:a14="http://schemas.microsoft.com/office/drawing/2010/main" Requires="a14">
+      <mc:AlternateContent xmlns:mc="http://schemas.openxmlformats.org/markup-compatibility/2006" xmlns:a14="http://schemas.microsoft.com/office/drawing/2010/main">
+        <mc:Choice Requires="a14">
           <p:sp>
             <p:nvSpPr>
               <p:cNvPr id="91" name="TextBox 90">
@@ -16924,7 +21603,7 @@
             </p:txBody>
           </p:sp>
         </mc:Choice>
-        <mc:Fallback>
+        <mc:Fallback xmlns="">
           <p:sp>
             <p:nvSpPr>
               <p:cNvPr id="91" name="TextBox 90">
@@ -16969,8 +21648,8 @@
           </p:sp>
         </mc:Fallback>
       </mc:AlternateContent>
-      <mc:AlternateContent xmlns:mc="http://schemas.openxmlformats.org/markup-compatibility/2006">
-        <mc:Choice xmlns:a14="http://schemas.microsoft.com/office/drawing/2010/main" Requires="a14">
+      <mc:AlternateContent xmlns:mc="http://schemas.openxmlformats.org/markup-compatibility/2006" xmlns:a14="http://schemas.microsoft.com/office/drawing/2010/main">
+        <mc:Choice Requires="a14">
           <p:sp>
             <p:nvSpPr>
               <p:cNvPr id="93" name="TextBox 92">
@@ -17039,7 +21718,7 @@
             </p:txBody>
           </p:sp>
         </mc:Choice>
-        <mc:Fallback>
+        <mc:Fallback xmlns="">
           <p:sp>
             <p:nvSpPr>
               <p:cNvPr id="93" name="TextBox 92">
@@ -17084,8 +21763,8 @@
           </p:sp>
         </mc:Fallback>
       </mc:AlternateContent>
-      <mc:AlternateContent xmlns:mc="http://schemas.openxmlformats.org/markup-compatibility/2006">
-        <mc:Choice xmlns:a14="http://schemas.microsoft.com/office/drawing/2010/main" Requires="a14">
+      <mc:AlternateContent xmlns:mc="http://schemas.openxmlformats.org/markup-compatibility/2006" xmlns:a14="http://schemas.microsoft.com/office/drawing/2010/main">
+        <mc:Choice Requires="a14">
           <p:sp>
             <p:nvSpPr>
               <p:cNvPr id="94" name="TextBox 93">
@@ -17154,7 +21833,7 @@
             </p:txBody>
           </p:sp>
         </mc:Choice>
-        <mc:Fallback>
+        <mc:Fallback xmlns="">
           <p:sp>
             <p:nvSpPr>
               <p:cNvPr id="94" name="TextBox 93">
@@ -17199,8 +21878,8 @@
           </p:sp>
         </mc:Fallback>
       </mc:AlternateContent>
-      <mc:AlternateContent xmlns:mc="http://schemas.openxmlformats.org/markup-compatibility/2006">
-        <mc:Choice xmlns:a14="http://schemas.microsoft.com/office/drawing/2010/main" Requires="a14">
+      <mc:AlternateContent xmlns:mc="http://schemas.openxmlformats.org/markup-compatibility/2006" xmlns:a14="http://schemas.microsoft.com/office/drawing/2010/main">
+        <mc:Choice Requires="a14">
           <p:sp>
             <p:nvSpPr>
               <p:cNvPr id="95" name="TextBox 94">
@@ -17269,7 +21948,7 @@
             </p:txBody>
           </p:sp>
         </mc:Choice>
-        <mc:Fallback>
+        <mc:Fallback xmlns="">
           <p:sp>
             <p:nvSpPr>
               <p:cNvPr id="95" name="TextBox 94">
@@ -17551,8 +22230,8 @@
           </a:fontRef>
         </p:style>
       </p:cxnSp>
-      <mc:AlternateContent xmlns:mc="http://schemas.openxmlformats.org/markup-compatibility/2006">
-        <mc:Choice xmlns:a14="http://schemas.microsoft.com/office/drawing/2010/main" Requires="a14">
+      <mc:AlternateContent xmlns:mc="http://schemas.openxmlformats.org/markup-compatibility/2006" xmlns:a14="http://schemas.microsoft.com/office/drawing/2010/main">
+        <mc:Choice Requires="a14">
           <p:sp>
             <p:nvSpPr>
               <p:cNvPr id="112" name="TextBox 111">
@@ -17627,7 +22306,7 @@
             </p:txBody>
           </p:sp>
         </mc:Choice>
-        <mc:Fallback>
+        <mc:Fallback xmlns="">
           <p:sp>
             <p:nvSpPr>
               <p:cNvPr id="112" name="TextBox 111">
